--- a/slides/答辩ppt-杜大有1300012870.pptx
+++ b/slides/答辩ppt-杜大有1300012870.pptx
@@ -5,22 +5,21 @@
     <p:sldMasterId id="2147483649" r:id="rId1"/>
   </p:sldMasterIdLst>
   <p:notesMasterIdLst>
-    <p:notesMasterId r:id="rId12"/>
+    <p:notesMasterId r:id="rId11"/>
   </p:notesMasterIdLst>
   <p:handoutMasterIdLst>
-    <p:handoutMasterId r:id="rId13"/>
+    <p:handoutMasterId r:id="rId12"/>
   </p:handoutMasterIdLst>
   <p:sldIdLst>
     <p:sldId id="901" r:id="rId2"/>
     <p:sldId id="902" r:id="rId3"/>
-    <p:sldId id="903" r:id="rId4"/>
-    <p:sldId id="904" r:id="rId5"/>
-    <p:sldId id="905" r:id="rId6"/>
-    <p:sldId id="907" r:id="rId7"/>
-    <p:sldId id="908" r:id="rId8"/>
-    <p:sldId id="910" r:id="rId9"/>
-    <p:sldId id="911" r:id="rId10"/>
-    <p:sldId id="912" r:id="rId11"/>
+    <p:sldId id="914" r:id="rId4"/>
+    <p:sldId id="913" r:id="rId5"/>
+    <p:sldId id="907" r:id="rId6"/>
+    <p:sldId id="908" r:id="rId7"/>
+    <p:sldId id="910" r:id="rId8"/>
+    <p:sldId id="911" r:id="rId9"/>
+    <p:sldId id="912" r:id="rId10"/>
   </p:sldIdLst>
   <p:sldSz cx="9144000" cy="6858000" type="screen4x3"/>
   <p:notesSz cx="7099300" cy="10234613"/>
@@ -180,6 +179,32 @@
     </p:ext>
   </p:extLst>
 </p:presentation>
+</file>
+
+<file path=ppt/commentAuthors.xml><?xml version="1.0" encoding="utf-8"?>
+<p:cmAuthorLst xmlns:a="http://schemas.openxmlformats.org/drawingml/2006/main" xmlns:r="http://schemas.openxmlformats.org/officeDocument/2006/relationships" xmlns:p="http://schemas.openxmlformats.org/presentationml/2006/main">
+  <p:cmAuthor id="1" name="lenovo" initials="l" lastIdx="3" clrIdx="0">
+    <p:extLst>
+      <p:ext uri="{19B8F6BF-5375-455C-9EA6-DF929625EA0E}">
+        <p15:presenceInfo xmlns:p15="http://schemas.microsoft.com/office/powerpoint/2012/main" userId="lenovo" providerId="None"/>
+      </p:ext>
+    </p:extLst>
+  </p:cmAuthor>
+</p:cmAuthorLst>
+</file>
+
+<file path=ppt/comments/comment1.xml><?xml version="1.0" encoding="utf-8"?>
+<p:cmLst xmlns:a="http://schemas.openxmlformats.org/drawingml/2006/main" xmlns:r="http://schemas.openxmlformats.org/officeDocument/2006/relationships" xmlns:p="http://schemas.openxmlformats.org/presentationml/2006/main">
+  <p:cm authorId="1" dt="2017-05-18T18:49:37.610" idx="1">
+    <p:pos x="10" y="10"/>
+    <p:text>研究动机</p:text>
+    <p:extLst>
+      <p:ext uri="{C676402C-5697-4E1C-873F-D02D1690AC5C}">
+        <p15:threadingInfo xmlns:p15="http://schemas.microsoft.com/office/powerpoint/2012/main" timeZoneBias="-480"/>
+      </p:ext>
+    </p:extLst>
+  </p:cm>
+</p:cmLst>
 </file>
 
 <file path=ppt/handoutMasters/handoutMaster1.xml><?xml version="1.0" encoding="utf-8"?>
@@ -4569,6 +4594,17 @@
             </a:r>
             <a:endParaRPr lang="en-US" altLang="zh-CN" sz="1800" dirty="0" smtClean="0"/>
           </a:p>
+          <a:p>
+            <a:r>
+              <a:rPr lang="zh-CN" altLang="en-US" sz="1800" dirty="0"/>
+              <a:t>指导</a:t>
+            </a:r>
+            <a:r>
+              <a:rPr lang="zh-CN" altLang="en-US" sz="1800" dirty="0" smtClean="0"/>
+              <a:t>教师 梁云</a:t>
+            </a:r>
+            <a:endParaRPr lang="en-US" altLang="zh-CN" sz="1800" dirty="0" smtClean="0"/>
+          </a:p>
         </p:txBody>
       </p:sp>
     </p:spTree>
@@ -4581,99 +4617,14 @@
   <p:clrMapOvr>
     <a:masterClrMapping/>
   </p:clrMapOvr>
-  <p:timing>
-    <p:tnLst>
-      <p:par>
-        <p:cTn id="1" dur="indefinite" restart="never" nodeType="tmRoot"/>
-      </p:par>
-    </p:tnLst>
-  </p:timing>
-</p:sld>
-</file>
-
-<file path=ppt/slides/slide10.xml><?xml version="1.0" encoding="utf-8"?>
-<p:sld xmlns:a="http://schemas.openxmlformats.org/drawingml/2006/main" xmlns:r="http://schemas.openxmlformats.org/officeDocument/2006/relationships" xmlns:p="http://schemas.openxmlformats.org/presentationml/2006/main">
-  <p:cSld>
-    <p:spTree>
-      <p:nvGrpSpPr>
-        <p:cNvPr id="1" name=""/>
-        <p:cNvGrpSpPr/>
-        <p:nvPr/>
-      </p:nvGrpSpPr>
-      <p:grpSpPr>
-        <a:xfrm>
-          <a:off x="0" y="0"/>
-          <a:ext cx="0" cy="0"/>
-          <a:chOff x="0" y="0"/>
-          <a:chExt cx="0" cy="0"/>
-        </a:xfrm>
-      </p:grpSpPr>
-      <p:sp>
-        <p:nvSpPr>
-          <p:cNvPr id="778242" name="Text Box 2"/>
-          <p:cNvSpPr txBox="1">
-            <a:spLocks noChangeArrowheads="1"/>
-          </p:cNvSpPr>
-          <p:nvPr/>
-        </p:nvSpPr>
-        <p:spPr bwMode="auto">
-          <a:xfrm>
-            <a:off x="2339975" y="2362200"/>
-            <a:ext cx="4648200" cy="1311275"/>
-          </a:xfrm>
-          <a:prstGeom prst="rect">
-            <a:avLst/>
-          </a:prstGeom>
-          <a:noFill/>
-          <a:ln w="9525">
-            <a:noFill/>
-            <a:miter lim="800000"/>
-            <a:headEnd/>
-            <a:tailEnd/>
-          </a:ln>
-          <a:effectLst/>
-        </p:spPr>
-        <p:txBody>
-          <a:bodyPr>
-            <a:spAutoFit/>
-          </a:bodyPr>
-          <a:lstStyle/>
-          <a:p>
-            <a:pPr algn="ctr" eaLnBrk="0" hangingPunct="0">
-              <a:spcBef>
-                <a:spcPct val="50000"/>
-              </a:spcBef>
-              <a:defRPr/>
-            </a:pPr>
-            <a:r>
-              <a:rPr lang="zh-CN" altLang="en-US" sz="8000" b="0" dirty="0">
-                <a:solidFill>
-                  <a:srgbClr val="FF3300"/>
-                </a:solidFill>
-                <a:effectLst>
-                  <a:outerShdw blurRad="38100" dist="38100" dir="2700000" algn="tl">
-                    <a:srgbClr val="C0C0C0"/>
-                  </a:outerShdw>
-                </a:effectLst>
-                <a:latin typeface="华文新魏" pitchFamily="2" charset="-122"/>
-                <a:ea typeface="华文新魏" pitchFamily="2" charset="-122"/>
-                <a:cs typeface="+mn-cs"/>
-              </a:rPr>
-              <a:t>谢   谢  ！</a:t>
-            </a:r>
-          </a:p>
-        </p:txBody>
-      </p:sp>
-    </p:spTree>
-    <p:extLst>
-      <p:ext uri="{BB962C8B-B14F-4D97-AF65-F5344CB8AC3E}">
-        <p14:creationId xmlns:p14="http://schemas.microsoft.com/office/powerpoint/2010/main" val="1858407983"/>
-      </p:ext>
-    </p:extLst>
-  </p:cSld>
-  <p:clrMapOvr>
-    <a:masterClrMapping/>
-  </p:clrMapOvr>
+  <mc:AlternateContent xmlns:mc="http://schemas.openxmlformats.org/markup-compatibility/2006">
+    <mc:Choice xmlns:p14="http://schemas.microsoft.com/office/powerpoint/2010/main" Requires="p14">
+      <p:transition spd="slow" p14:dur="2000" advTm="5104"/>
+    </mc:Choice>
+    <mc:Fallback>
+      <p:transition spd="slow" advTm="5104"/>
+    </mc:Fallback>
+  </mc:AlternateContent>
   <p:timing>
     <p:tnLst>
       <p:par>
@@ -4713,7 +4664,7 @@
         </p:nvSpPr>
         <p:spPr>
           <a:xfrm>
-            <a:off x="1752600" y="260350"/>
+            <a:off x="1777765" y="221715"/>
             <a:ext cx="7391400" cy="863600"/>
           </a:xfrm>
         </p:spPr>
@@ -4723,36 +4674,328 @@
           <a:p>
             <a:r>
               <a:rPr lang="zh-CN" altLang="en-US" dirty="0" smtClean="0"/>
-              <a:t>目标应用场景</a:t>
+              <a:t>研究动机</a:t>
             </a:r>
             <a:endParaRPr lang="zh-CN" altLang="en-US" dirty="0"/>
+          </a:p>
+        </p:txBody>
+      </p:sp>
+      <p:sp>
+        <p:nvSpPr>
+          <p:cNvPr id="7" name="文本框 6"/>
+          <p:cNvSpPr txBox="1"/>
+          <p:nvPr/>
+        </p:nvSpPr>
+        <p:spPr>
+          <a:xfrm>
+            <a:off x="262768" y="4978143"/>
+            <a:ext cx="4136069" cy="553998"/>
+          </a:xfrm>
+          <a:prstGeom prst="rect">
+            <a:avLst/>
+          </a:prstGeom>
+          <a:noFill/>
+        </p:spPr>
+        <p:txBody>
+          <a:bodyPr wrap="none" rtlCol="0">
+            <a:spAutoFit/>
+          </a:bodyPr>
+          <a:lstStyle/>
+          <a:p>
+            <a:r>
+              <a:rPr lang="zh-CN" altLang="en-US" sz="1000" dirty="0" smtClean="0"/>
+              <a:t>*卡通图片素材来源： 百度图片</a:t>
+            </a:r>
+            <a:endParaRPr lang="en-US" altLang="zh-CN" sz="1000" dirty="0" smtClean="0"/>
+          </a:p>
+          <a:p>
+            <a:r>
+              <a:rPr lang="zh-CN" altLang="en-US" sz="1000" dirty="0" smtClean="0"/>
+              <a:t>* </a:t>
+            </a:r>
+            <a:r>
+              <a:rPr lang="en-US" altLang="zh-CN" sz="1000" dirty="0" err="1" smtClean="0"/>
+              <a:t>Tegra</a:t>
+            </a:r>
+            <a:r>
+              <a:rPr lang="en-US" altLang="zh-CN" sz="1000" dirty="0" smtClean="0"/>
+              <a:t> TX1</a:t>
+            </a:r>
+            <a:r>
+              <a:rPr lang="zh-CN" altLang="en-US" sz="1000" dirty="0" smtClean="0"/>
+              <a:t>芯片图片素材来源：</a:t>
+            </a:r>
+            <a:r>
+              <a:rPr lang="en-US" altLang="zh-CN" sz="1000" dirty="0" smtClean="0"/>
+              <a:t>NVIDIA</a:t>
+            </a:r>
+            <a:r>
+              <a:rPr lang="zh-CN" altLang="en-US" sz="1000" dirty="0" smtClean="0"/>
+              <a:t>介绍页面</a:t>
+            </a:r>
+            <a:endParaRPr lang="en-US" altLang="zh-CN" sz="1000" dirty="0" smtClean="0"/>
+          </a:p>
+          <a:p>
+            <a:r>
+              <a:rPr lang="en-US" altLang="zh-CN" sz="1000" dirty="0"/>
+              <a:t>http://www.nvidia.com/object/embedded-systems-dev-kits-modules.html</a:t>
+            </a:r>
+            <a:endParaRPr lang="zh-CN" altLang="en-US" sz="1000" dirty="0"/>
           </a:p>
         </p:txBody>
       </p:sp>
       <p:grpSp>
         <p:nvGrpSpPr>
-          <p:cNvPr id="8" name="组合 7"/>
+          <p:cNvPr id="3" name="组合 2"/>
           <p:cNvGrpSpPr/>
           <p:nvPr/>
         </p:nvGrpSpPr>
         <p:grpSpPr>
           <a:xfrm>
-            <a:off x="611560" y="2784384"/>
-            <a:ext cx="1781566" cy="2282332"/>
-            <a:chOff x="1033841" y="2993000"/>
-            <a:chExt cx="1781566" cy="2282332"/>
+            <a:off x="10482" y="1173333"/>
+            <a:ext cx="4388355" cy="3551811"/>
+            <a:chOff x="611560" y="1165080"/>
+            <a:chExt cx="4735297" cy="3901636"/>
           </a:xfrm>
         </p:grpSpPr>
+        <p:grpSp>
+          <p:nvGrpSpPr>
+            <p:cNvPr id="8" name="组合 7"/>
+            <p:cNvGrpSpPr/>
+            <p:nvPr/>
+          </p:nvGrpSpPr>
+          <p:grpSpPr>
+            <a:xfrm>
+              <a:off x="611560" y="2784384"/>
+              <a:ext cx="1781566" cy="2282332"/>
+              <a:chOff x="1033841" y="2993000"/>
+              <a:chExt cx="1781566" cy="2282332"/>
+            </a:xfrm>
+          </p:grpSpPr>
+          <p:pic>
+            <p:nvPicPr>
+              <p:cNvPr id="4" name="图片 3"/>
+              <p:cNvPicPr>
+                <a:picLocks noChangeAspect="1"/>
+              </p:cNvPicPr>
+              <p:nvPr/>
+            </p:nvPicPr>
+            <p:blipFill>
+              <a:blip r:embed="rId2" cstate="print">
+                <a:extLst>
+                  <a:ext uri="{28A0092B-C50C-407E-A947-70E740481C1C}">
+                    <a14:useLocalDpi xmlns:a14="http://schemas.microsoft.com/office/drawing/2010/main" val="0"/>
+                  </a:ext>
+                </a:extLst>
+              </a:blip>
+              <a:stretch>
+                <a:fillRect/>
+              </a:stretch>
+            </p:blipFill>
+            <p:spPr>
+              <a:xfrm>
+                <a:off x="1254831" y="2996952"/>
+                <a:ext cx="1560576" cy="2278380"/>
+              </a:xfrm>
+              <a:prstGeom prst="rect">
+                <a:avLst/>
+              </a:prstGeom>
+            </p:spPr>
+          </p:pic>
+          <p:pic>
+            <p:nvPicPr>
+              <p:cNvPr id="6" name="图片 5"/>
+              <p:cNvPicPr>
+                <a:picLocks noChangeAspect="1"/>
+              </p:cNvPicPr>
+              <p:nvPr/>
+            </p:nvPicPr>
+            <p:blipFill>
+              <a:blip r:embed="rId3" cstate="print">
+                <a:extLst>
+                  <a:ext uri="{28A0092B-C50C-407E-A947-70E740481C1C}">
+                    <a14:useLocalDpi xmlns:a14="http://schemas.microsoft.com/office/drawing/2010/main" val="0"/>
+                  </a:ext>
+                </a:extLst>
+              </a:blip>
+              <a:stretch>
+                <a:fillRect/>
+              </a:stretch>
+            </p:blipFill>
+            <p:spPr>
+              <a:xfrm rot="19203865">
+                <a:off x="1033841" y="2993000"/>
+                <a:ext cx="895152" cy="640929"/>
+              </a:xfrm>
+              <a:prstGeom prst="rect">
+                <a:avLst/>
+              </a:prstGeom>
+            </p:spPr>
+          </p:pic>
+        </p:grpSp>
         <p:pic>
           <p:nvPicPr>
-            <p:cNvPr id="4" name="图片 3"/>
+            <p:cNvPr id="9" name="图片 8"/>
+            <p:cNvPicPr>
+              <a:picLocks noChangeAspect="1"/>
+            </p:cNvPicPr>
+            <p:nvPr/>
+          </p:nvPicPr>
+          <p:blipFill rotWithShape="1">
+            <a:blip r:embed="rId4">
+              <a:extLst>
+                <a:ext uri="{28A0092B-C50C-407E-A947-70E740481C1C}">
+                  <a14:useLocalDpi xmlns:a14="http://schemas.microsoft.com/office/drawing/2010/main" val="0"/>
+                </a:ext>
+              </a:extLst>
+            </a:blip>
+            <a:srcRect l="84007" t="54200" b="13250"/>
+            <a:stretch/>
+          </p:blipFill>
+          <p:spPr>
+            <a:xfrm>
+              <a:off x="4111201" y="3172107"/>
+              <a:ext cx="1000573" cy="1735600"/>
+            </a:xfrm>
+            <a:prstGeom prst="rect">
+              <a:avLst/>
+            </a:prstGeom>
+          </p:spPr>
+        </p:pic>
+        <p:cxnSp>
+          <p:nvCxnSpPr>
+            <p:cNvPr id="11" name="直接箭头连接符 10"/>
+            <p:cNvCxnSpPr/>
+            <p:nvPr/>
+          </p:nvCxnSpPr>
+          <p:spPr bwMode="auto">
+            <a:xfrm flipH="1">
+              <a:off x="2627785" y="3717032"/>
+              <a:ext cx="1429607" cy="0"/>
+            </a:xfrm>
+            <a:prstGeom prst="straightConnector1">
+              <a:avLst/>
+            </a:prstGeom>
+            <a:solidFill>
+              <a:srgbClr val="99CCFF">
+                <a:alpha val="32001"/>
+              </a:srgbClr>
+            </a:solidFill>
+            <a:ln w="47625" cap="flat" cmpd="dbl" algn="ctr">
+              <a:solidFill>
+                <a:srgbClr val="000080"/>
+              </a:solidFill>
+              <a:prstDash val="dash"/>
+              <a:round/>
+              <a:headEnd type="none" w="med" len="med"/>
+              <a:tailEnd type="arrow" w="lg" len="lg"/>
+            </a:ln>
+            <a:effectLst/>
+          </p:spPr>
+        </p:cxnSp>
+        <p:cxnSp>
+          <p:nvCxnSpPr>
+            <p:cNvPr id="12" name="直接箭头连接符 11"/>
+            <p:cNvCxnSpPr/>
+            <p:nvPr/>
+          </p:nvCxnSpPr>
+          <p:spPr bwMode="auto">
+            <a:xfrm flipV="1">
+              <a:off x="1272069" y="1970529"/>
+              <a:ext cx="2247402" cy="709549"/>
+            </a:xfrm>
+            <a:prstGeom prst="straightConnector1">
+              <a:avLst/>
+            </a:prstGeom>
+            <a:solidFill>
+              <a:srgbClr val="99CCFF">
+                <a:alpha val="32001"/>
+              </a:srgbClr>
+            </a:solidFill>
+            <a:ln w="47625" cap="flat" cmpd="dbl" algn="ctr">
+              <a:solidFill>
+                <a:srgbClr val="000080"/>
+              </a:solidFill>
+              <a:prstDash val="dash"/>
+              <a:round/>
+              <a:headEnd type="none" w="med" len="med"/>
+              <a:tailEnd type="arrow" w="lg" len="lg"/>
+            </a:ln>
+            <a:effectLst/>
+          </p:spPr>
+        </p:cxnSp>
+        <p:cxnSp>
+          <p:nvCxnSpPr>
+            <p:cNvPr id="19" name="直接箭头连接符 18"/>
+            <p:cNvCxnSpPr/>
+            <p:nvPr/>
+          </p:nvCxnSpPr>
+          <p:spPr bwMode="auto">
+            <a:xfrm flipH="1" flipV="1">
+              <a:off x="4707171" y="2227103"/>
+              <a:ext cx="2112" cy="965643"/>
+            </a:xfrm>
+            <a:prstGeom prst="straightConnector1">
+              <a:avLst/>
+            </a:prstGeom>
+            <a:solidFill>
+              <a:srgbClr val="99CCFF">
+                <a:alpha val="32001"/>
+              </a:srgbClr>
+            </a:solidFill>
+            <a:ln w="47625" cap="flat" cmpd="dbl" algn="ctr">
+              <a:solidFill>
+                <a:srgbClr val="000080"/>
+              </a:solidFill>
+              <a:prstDash val="dash"/>
+              <a:round/>
+              <a:headEnd type="none" w="med" len="med"/>
+              <a:tailEnd type="arrow" w="lg" len="lg"/>
+            </a:ln>
+            <a:effectLst/>
+          </p:spPr>
+        </p:cxnSp>
+        <p:cxnSp>
+          <p:nvCxnSpPr>
+            <p:cNvPr id="25" name="直接箭头连接符 24"/>
+            <p:cNvCxnSpPr/>
+            <p:nvPr/>
+          </p:nvCxnSpPr>
+          <p:spPr bwMode="auto">
+            <a:xfrm>
+              <a:off x="4422828" y="2305485"/>
+              <a:ext cx="0" cy="965701"/>
+            </a:xfrm>
+            <a:prstGeom prst="straightConnector1">
+              <a:avLst/>
+            </a:prstGeom>
+            <a:solidFill>
+              <a:srgbClr val="99CCFF">
+                <a:alpha val="32001"/>
+              </a:srgbClr>
+            </a:solidFill>
+            <a:ln w="47625" cap="flat" cmpd="dbl" algn="ctr">
+              <a:solidFill>
+                <a:srgbClr val="000080"/>
+              </a:solidFill>
+              <a:prstDash val="dash"/>
+              <a:round/>
+              <a:headEnd type="none" w="med" len="med"/>
+              <a:tailEnd type="arrow" w="lg" len="lg"/>
+            </a:ln>
+            <a:effectLst/>
+          </p:spPr>
+        </p:cxnSp>
+        <p:pic>
+          <p:nvPicPr>
+            <p:cNvPr id="31" name="图片 30"/>
             <p:cNvPicPr>
               <a:picLocks noChangeAspect="1"/>
             </p:cNvPicPr>
             <p:nvPr/>
           </p:nvPicPr>
           <p:blipFill>
-            <a:blip r:embed="rId2" cstate="print">
+            <a:blip r:embed="rId5" cstate="print">
               <a:extLst>
                 <a:ext uri="{28A0092B-C50C-407E-A947-70E740481C1C}">
                   <a14:useLocalDpi xmlns:a14="http://schemas.microsoft.com/office/drawing/2010/main" val="0"/>
@@ -4765,412 +5008,334 @@
           </p:blipFill>
           <p:spPr>
             <a:xfrm>
-              <a:off x="1254831" y="2996952"/>
-              <a:ext cx="1560576" cy="2278380"/>
+              <a:off x="3615377" y="1165080"/>
+              <a:ext cx="1731480" cy="1048419"/>
             </a:xfrm>
             <a:prstGeom prst="rect">
               <a:avLst/>
             </a:prstGeom>
           </p:spPr>
         </p:pic>
-        <p:pic>
-          <p:nvPicPr>
-            <p:cNvPr id="6" name="图片 5"/>
-            <p:cNvPicPr>
-              <a:picLocks noChangeAspect="1"/>
-            </p:cNvPicPr>
+        <p:sp>
+          <p:nvSpPr>
+            <p:cNvPr id="36" name="文本框 35"/>
+            <p:cNvSpPr txBox="1"/>
             <p:nvPr/>
-          </p:nvPicPr>
-          <p:blipFill>
-            <a:blip r:embed="rId3" cstate="print">
-              <a:extLst>
-                <a:ext uri="{28A0092B-C50C-407E-A947-70E740481C1C}">
-                  <a14:useLocalDpi xmlns:a14="http://schemas.microsoft.com/office/drawing/2010/main" val="0"/>
-                </a:ext>
-              </a:extLst>
-            </a:blip>
-            <a:stretch>
-              <a:fillRect/>
-            </a:stretch>
-          </p:blipFill>
+          </p:nvSpPr>
           <p:spPr>
-            <a:xfrm rot="19203865">
-              <a:off x="1033841" y="2993000"/>
-              <a:ext cx="895152" cy="640929"/>
+            <a:xfrm rot="20581521">
+              <a:off x="1203368" y="2028834"/>
+              <a:ext cx="1811714" cy="369332"/>
             </a:xfrm>
             <a:prstGeom prst="rect">
               <a:avLst/>
             </a:prstGeom>
+            <a:noFill/>
           </p:spPr>
-        </p:pic>
+          <p:txBody>
+            <a:bodyPr wrap="none" rtlCol="0">
+              <a:spAutoFit/>
+            </a:bodyPr>
+            <a:lstStyle/>
+            <a:p>
+              <a:r>
+                <a:rPr lang="zh-CN" altLang="en-US" sz="1800" dirty="0" smtClean="0"/>
+                <a:t>手机传感器信息</a:t>
+              </a:r>
+              <a:endParaRPr lang="zh-CN" altLang="en-US" sz="1800" dirty="0"/>
+            </a:p>
+          </p:txBody>
+        </p:sp>
+        <p:sp>
+          <p:nvSpPr>
+            <p:cNvPr id="37" name="文本框 36"/>
+            <p:cNvSpPr txBox="1"/>
+            <p:nvPr/>
+          </p:nvSpPr>
+          <p:spPr>
+            <a:xfrm>
+              <a:off x="2896308" y="3192091"/>
+              <a:ext cx="1114408" cy="369332"/>
+            </a:xfrm>
+            <a:prstGeom prst="rect">
+              <a:avLst/>
+            </a:prstGeom>
+            <a:noFill/>
+          </p:spPr>
+          <p:txBody>
+            <a:bodyPr wrap="none" rtlCol="0">
+              <a:spAutoFit/>
+            </a:bodyPr>
+            <a:lstStyle/>
+            <a:p>
+              <a:r>
+                <a:rPr lang="zh-CN" altLang="en-US" sz="1800" dirty="0" smtClean="0"/>
+                <a:t>拍摄场景</a:t>
+              </a:r>
+              <a:endParaRPr lang="zh-CN" altLang="en-US" sz="1800" dirty="0"/>
+            </a:p>
+          </p:txBody>
+        </p:sp>
+        <p:sp>
+          <p:nvSpPr>
+            <p:cNvPr id="38" name="文本框 37"/>
+            <p:cNvSpPr txBox="1"/>
+            <p:nvPr/>
+          </p:nvSpPr>
+          <p:spPr>
+            <a:xfrm rot="5400000">
+              <a:off x="4386391" y="2589070"/>
+              <a:ext cx="1253206" cy="398531"/>
+            </a:xfrm>
+            <a:prstGeom prst="rect">
+              <a:avLst/>
+            </a:prstGeom>
+            <a:noFill/>
+          </p:spPr>
+          <p:txBody>
+            <a:bodyPr wrap="square" rtlCol="0">
+              <a:spAutoFit/>
+            </a:bodyPr>
+            <a:lstStyle/>
+            <a:p>
+              <a:r>
+                <a:rPr lang="zh-CN" altLang="en-US" sz="1800" dirty="0" smtClean="0"/>
+                <a:t>视觉信息</a:t>
+              </a:r>
+              <a:endParaRPr lang="zh-CN" altLang="en-US" sz="1800" dirty="0"/>
+            </a:p>
+          </p:txBody>
+        </p:sp>
+        <p:sp>
+          <p:nvSpPr>
+            <p:cNvPr id="39" name="文本框 38"/>
+            <p:cNvSpPr txBox="1"/>
+            <p:nvPr/>
+          </p:nvSpPr>
+          <p:spPr>
+            <a:xfrm rot="16200000">
+              <a:off x="3492917" y="2549552"/>
+              <a:ext cx="1233439" cy="398531"/>
+            </a:xfrm>
+            <a:prstGeom prst="rect">
+              <a:avLst/>
+            </a:prstGeom>
+            <a:noFill/>
+          </p:spPr>
+          <p:txBody>
+            <a:bodyPr wrap="square" rtlCol="0">
+              <a:spAutoFit/>
+            </a:bodyPr>
+            <a:lstStyle/>
+            <a:p>
+              <a:r>
+                <a:rPr lang="zh-CN" altLang="en-US" sz="1800" dirty="0" smtClean="0"/>
+                <a:t>控制命令</a:t>
+              </a:r>
+              <a:endParaRPr lang="zh-CN" altLang="en-US" sz="1800" dirty="0"/>
+            </a:p>
+          </p:txBody>
+        </p:sp>
       </p:grpSp>
-      <p:sp>
-        <p:nvSpPr>
-          <p:cNvPr id="7" name="文本框 6"/>
-          <p:cNvSpPr txBox="1"/>
-          <p:nvPr/>
-        </p:nvSpPr>
-        <p:spPr>
-          <a:xfrm>
-            <a:off x="4803218" y="5279674"/>
-            <a:ext cx="4136069" cy="553998"/>
-          </a:xfrm>
-          <a:prstGeom prst="rect">
-            <a:avLst/>
-          </a:prstGeom>
-          <a:noFill/>
-        </p:spPr>
-        <p:txBody>
-          <a:bodyPr wrap="none" rtlCol="0">
-            <a:spAutoFit/>
-          </a:bodyPr>
-          <a:lstStyle/>
-          <a:p>
-            <a:r>
-              <a:rPr lang="zh-CN" altLang="en-US" sz="1000" dirty="0" smtClean="0"/>
-              <a:t>*卡通图片素材来源： 百度图片</a:t>
-            </a:r>
-            <a:endParaRPr lang="en-US" altLang="zh-CN" sz="1000" dirty="0" smtClean="0"/>
-          </a:p>
-          <a:p>
-            <a:r>
-              <a:rPr lang="zh-CN" altLang="en-US" sz="1000" dirty="0" smtClean="0"/>
-              <a:t>* </a:t>
-            </a:r>
-            <a:r>
-              <a:rPr lang="en-US" altLang="zh-CN" sz="1000" dirty="0" err="1" smtClean="0"/>
-              <a:t>Tegra</a:t>
-            </a:r>
-            <a:r>
-              <a:rPr lang="en-US" altLang="zh-CN" sz="1000" dirty="0" smtClean="0"/>
-              <a:t> TX1</a:t>
-            </a:r>
-            <a:r>
-              <a:rPr lang="zh-CN" altLang="en-US" sz="1000" dirty="0" smtClean="0"/>
-              <a:t>芯片图片素材来源：</a:t>
-            </a:r>
-            <a:r>
-              <a:rPr lang="en-US" altLang="zh-CN" sz="1000" dirty="0" smtClean="0"/>
-              <a:t>NVIDIA</a:t>
-            </a:r>
-            <a:r>
-              <a:rPr lang="zh-CN" altLang="en-US" sz="1000" dirty="0" smtClean="0"/>
-              <a:t>介绍页面</a:t>
-            </a:r>
-            <a:endParaRPr lang="en-US" altLang="zh-CN" sz="1000" dirty="0" smtClean="0"/>
-          </a:p>
-          <a:p>
-            <a:r>
-              <a:rPr lang="en-US" altLang="zh-CN" sz="1000" dirty="0"/>
-              <a:t>http://www.nvidia.com/object/embedded-systems-dev-kits-modules.html</a:t>
-            </a:r>
-            <a:endParaRPr lang="zh-CN" altLang="en-US" sz="1000" dirty="0"/>
-          </a:p>
-        </p:txBody>
-      </p:sp>
-      <p:pic>
-        <p:nvPicPr>
-          <p:cNvPr id="9" name="图片 8"/>
-          <p:cNvPicPr>
-            <a:picLocks noChangeAspect="1"/>
-          </p:cNvPicPr>
-          <p:nvPr/>
-        </p:nvPicPr>
-        <p:blipFill rotWithShape="1">
-          <a:blip r:embed="rId4">
-            <a:extLst>
-              <a:ext uri="{28A0092B-C50C-407E-A947-70E740481C1C}">
-                <a14:useLocalDpi xmlns:a14="http://schemas.microsoft.com/office/drawing/2010/main" val="0"/>
-              </a:ext>
-            </a:extLst>
-          </a:blip>
-          <a:srcRect l="84007" t="54200" b="13250"/>
-          <a:stretch/>
-        </p:blipFill>
-        <p:spPr>
-          <a:xfrm>
-            <a:off x="6370967" y="3256767"/>
-            <a:ext cx="1000573" cy="1735600"/>
-          </a:xfrm>
-          <a:prstGeom prst="rect">
-            <a:avLst/>
-          </a:prstGeom>
-        </p:spPr>
-      </p:pic>
-      <p:cxnSp>
-        <p:nvCxnSpPr>
-          <p:cNvPr id="11" name="直接箭头连接符 10"/>
-          <p:cNvCxnSpPr/>
-          <p:nvPr/>
-        </p:nvCxnSpPr>
-        <p:spPr bwMode="auto">
-          <a:xfrm flipH="1">
-            <a:off x="2627784" y="3717032"/>
-            <a:ext cx="3743183" cy="0"/>
-          </a:xfrm>
-          <a:prstGeom prst="straightConnector1">
-            <a:avLst/>
-          </a:prstGeom>
-          <a:solidFill>
-            <a:srgbClr val="99CCFF">
-              <a:alpha val="32001"/>
-            </a:srgbClr>
-          </a:solidFill>
-          <a:ln w="47625" cap="flat" cmpd="dbl" algn="ctr">
-            <a:solidFill>
-              <a:srgbClr val="000080"/>
-            </a:solidFill>
-            <a:prstDash val="dash"/>
-            <a:round/>
-            <a:headEnd type="none" w="med" len="med"/>
-            <a:tailEnd type="arrow" w="lg" len="lg"/>
-          </a:ln>
-          <a:effectLst/>
-        </p:spPr>
-      </p:cxnSp>
-      <p:cxnSp>
-        <p:nvCxnSpPr>
-          <p:cNvPr id="12" name="直接箭头连接符 11"/>
-          <p:cNvCxnSpPr/>
-          <p:nvPr/>
-        </p:nvCxnSpPr>
-        <p:spPr bwMode="auto">
-          <a:xfrm flipV="1">
-            <a:off x="1272069" y="1931009"/>
-            <a:ext cx="2582000" cy="749068"/>
-          </a:xfrm>
-          <a:prstGeom prst="straightConnector1">
-            <a:avLst/>
-          </a:prstGeom>
-          <a:solidFill>
-            <a:srgbClr val="99CCFF">
-              <a:alpha val="32001"/>
-            </a:srgbClr>
-          </a:solidFill>
-          <a:ln w="47625" cap="flat" cmpd="dbl" algn="ctr">
-            <a:solidFill>
-              <a:srgbClr val="000080"/>
-            </a:solidFill>
-            <a:prstDash val="dash"/>
-            <a:round/>
-            <a:headEnd type="none" w="med" len="med"/>
-            <a:tailEnd type="arrow" w="lg" len="lg"/>
-          </a:ln>
-          <a:effectLst/>
-        </p:spPr>
-      </p:cxnSp>
-      <p:cxnSp>
-        <p:nvCxnSpPr>
-          <p:cNvPr id="19" name="直接箭头连接符 18"/>
-          <p:cNvCxnSpPr/>
-          <p:nvPr/>
-        </p:nvCxnSpPr>
-        <p:spPr bwMode="auto">
-          <a:xfrm flipH="1" flipV="1">
-            <a:off x="5857845" y="2305543"/>
-            <a:ext cx="578225" cy="951224"/>
-          </a:xfrm>
-          <a:prstGeom prst="straightConnector1">
-            <a:avLst/>
-          </a:prstGeom>
-          <a:solidFill>
-            <a:srgbClr val="99CCFF">
-              <a:alpha val="32001"/>
-            </a:srgbClr>
-          </a:solidFill>
-          <a:ln w="47625" cap="flat" cmpd="dbl" algn="ctr">
-            <a:solidFill>
-              <a:srgbClr val="000080"/>
-            </a:solidFill>
-            <a:prstDash val="dash"/>
-            <a:round/>
-            <a:headEnd type="none" w="med" len="med"/>
-            <a:tailEnd type="arrow" w="lg" len="lg"/>
-          </a:ln>
-          <a:effectLst/>
-        </p:spPr>
-      </p:cxnSp>
-      <p:cxnSp>
-        <p:nvCxnSpPr>
-          <p:cNvPr id="25" name="直接箭头连接符 24"/>
-          <p:cNvCxnSpPr/>
-          <p:nvPr/>
-        </p:nvCxnSpPr>
-        <p:spPr bwMode="auto">
-          <a:xfrm>
-            <a:off x="5623187" y="2535439"/>
-            <a:ext cx="604997" cy="951697"/>
-          </a:xfrm>
-          <a:prstGeom prst="straightConnector1">
-            <a:avLst/>
-          </a:prstGeom>
-          <a:solidFill>
-            <a:srgbClr val="99CCFF">
-              <a:alpha val="32001"/>
-            </a:srgbClr>
-          </a:solidFill>
-          <a:ln w="47625" cap="flat" cmpd="dbl" algn="ctr">
-            <a:solidFill>
-              <a:srgbClr val="000080"/>
-            </a:solidFill>
-            <a:prstDash val="dash"/>
-            <a:round/>
-            <a:headEnd type="none" w="med" len="med"/>
-            <a:tailEnd type="arrow" w="lg" len="lg"/>
-          </a:ln>
-          <a:effectLst/>
-        </p:spPr>
-      </p:cxnSp>
-      <p:pic>
-        <p:nvPicPr>
-          <p:cNvPr id="31" name="图片 30"/>
-          <p:cNvPicPr>
-            <a:picLocks noChangeAspect="1"/>
-          </p:cNvPicPr>
-          <p:nvPr/>
-        </p:nvPicPr>
-        <p:blipFill>
-          <a:blip r:embed="rId5" cstate="print">
-            <a:extLst>
-              <a:ext uri="{28A0092B-C50C-407E-A947-70E740481C1C}">
-                <a14:useLocalDpi xmlns:a14="http://schemas.microsoft.com/office/drawing/2010/main" val="0"/>
-              </a:ext>
-            </a:extLst>
-          </a:blip>
-          <a:stretch>
-            <a:fillRect/>
-          </a:stretch>
-        </p:blipFill>
-        <p:spPr>
-          <a:xfrm>
-            <a:off x="3918147" y="1257124"/>
-            <a:ext cx="1731480" cy="1048419"/>
-          </a:xfrm>
-          <a:prstGeom prst="rect">
-            <a:avLst/>
-          </a:prstGeom>
-        </p:spPr>
-      </p:pic>
-      <p:sp>
-        <p:nvSpPr>
-          <p:cNvPr id="36" name="文本框 35"/>
-          <p:cNvSpPr txBox="1"/>
-          <p:nvPr/>
-        </p:nvSpPr>
-        <p:spPr>
-          <a:xfrm rot="20581521">
-            <a:off x="1405819" y="1947962"/>
-            <a:ext cx="1811714" cy="369332"/>
-          </a:xfrm>
-          <a:prstGeom prst="rect">
-            <a:avLst/>
-          </a:prstGeom>
-          <a:noFill/>
-        </p:spPr>
-        <p:txBody>
-          <a:bodyPr wrap="none" rtlCol="0">
-            <a:spAutoFit/>
-          </a:bodyPr>
-          <a:lstStyle/>
-          <a:p>
-            <a:r>
-              <a:rPr lang="zh-CN" altLang="en-US" sz="1800" dirty="0" smtClean="0"/>
-              <a:t>手机传感器信息</a:t>
-            </a:r>
-            <a:endParaRPr lang="zh-CN" altLang="en-US" sz="1800" dirty="0"/>
-          </a:p>
-        </p:txBody>
-      </p:sp>
-      <p:sp>
-        <p:nvSpPr>
-          <p:cNvPr id="37" name="文本框 36"/>
-          <p:cNvSpPr txBox="1"/>
-          <p:nvPr/>
-        </p:nvSpPr>
-        <p:spPr>
-          <a:xfrm>
-            <a:off x="3854069" y="3274116"/>
-            <a:ext cx="1114408" cy="369332"/>
-          </a:xfrm>
-          <a:prstGeom prst="rect">
-            <a:avLst/>
-          </a:prstGeom>
-          <a:noFill/>
-        </p:spPr>
-        <p:txBody>
-          <a:bodyPr wrap="none" rtlCol="0">
-            <a:spAutoFit/>
-          </a:bodyPr>
-          <a:lstStyle/>
-          <a:p>
-            <a:r>
-              <a:rPr lang="zh-CN" altLang="en-US" sz="1800" dirty="0" smtClean="0"/>
-              <a:t>拍摄场景</a:t>
-            </a:r>
-            <a:endParaRPr lang="zh-CN" altLang="en-US" sz="1800" dirty="0"/>
-          </a:p>
-        </p:txBody>
-      </p:sp>
-      <p:sp>
-        <p:nvSpPr>
-          <p:cNvPr id="38" name="文本框 37"/>
-          <p:cNvSpPr txBox="1"/>
-          <p:nvPr/>
-        </p:nvSpPr>
-        <p:spPr>
-          <a:xfrm rot="3516811">
-            <a:off x="5996163" y="2484871"/>
-            <a:ext cx="1114408" cy="369332"/>
-          </a:xfrm>
-          <a:prstGeom prst="rect">
-            <a:avLst/>
-          </a:prstGeom>
-          <a:noFill/>
-        </p:spPr>
-        <p:txBody>
-          <a:bodyPr wrap="square" rtlCol="0">
-            <a:spAutoFit/>
-          </a:bodyPr>
-          <a:lstStyle/>
-          <a:p>
-            <a:r>
-              <a:rPr lang="zh-CN" altLang="en-US" sz="1800" dirty="0" smtClean="0"/>
-              <a:t>视觉信息</a:t>
-            </a:r>
-            <a:endParaRPr lang="zh-CN" altLang="en-US" sz="1800" dirty="0"/>
-          </a:p>
-        </p:txBody>
-      </p:sp>
-      <p:sp>
-        <p:nvSpPr>
-          <p:cNvPr id="39" name="文本框 38"/>
-          <p:cNvSpPr txBox="1"/>
-          <p:nvPr/>
-        </p:nvSpPr>
-        <p:spPr>
-          <a:xfrm rot="3516811">
-            <a:off x="5113850" y="2941768"/>
-            <a:ext cx="1114408" cy="369332"/>
-          </a:xfrm>
-          <a:prstGeom prst="rect">
-            <a:avLst/>
-          </a:prstGeom>
-          <a:noFill/>
-        </p:spPr>
-        <p:txBody>
-          <a:bodyPr wrap="square" rtlCol="0">
-            <a:spAutoFit/>
-          </a:bodyPr>
-          <a:lstStyle/>
-          <a:p>
-            <a:r>
-              <a:rPr lang="zh-CN" altLang="en-US" sz="1800" dirty="0" smtClean="0"/>
-              <a:t>控制命令</a:t>
-            </a:r>
-            <a:endParaRPr lang="zh-CN" altLang="en-US" sz="1800" dirty="0"/>
-          </a:p>
-        </p:txBody>
-      </p:sp>
+      <p:graphicFrame>
+        <p:nvGraphicFramePr>
+          <p:cNvPr id="16" name="表格 15"/>
+          <p:cNvGraphicFramePr>
+            <a:graphicFrameLocks noGrp="1"/>
+          </p:cNvGraphicFramePr>
+          <p:nvPr>
+            <p:extLst>
+              <p:ext uri="{D42A27DB-BD31-4B8C-83A1-F6EECF244321}">
+                <p14:modId xmlns:p14="http://schemas.microsoft.com/office/powerpoint/2010/main" val="1365061706"/>
+              </p:ext>
+            </p:extLst>
+          </p:nvPr>
+        </p:nvGraphicFramePr>
+        <p:xfrm>
+          <a:off x="4788024" y="1085314"/>
+          <a:ext cx="4104456" cy="4557678"/>
+        </p:xfrm>
+        <a:graphic>
+          <a:graphicData uri="http://schemas.openxmlformats.org/drawingml/2006/table">
+            <a:tbl>
+              <a:tblPr firstRow="1" bandRow="1">
+                <a:tableStyleId>{5C22544A-7EE6-4342-B048-85BDC9FD1C3A}</a:tableStyleId>
+              </a:tblPr>
+              <a:tblGrid>
+                <a:gridCol w="2052228"/>
+                <a:gridCol w="2052228"/>
+              </a:tblGrid>
+              <a:tr h="848550">
+                <a:tc>
+                  <a:txBody>
+                    <a:bodyPr/>
+                    <a:lstStyle/>
+                    <a:p>
+                      <a:r>
+                        <a:rPr lang="zh-CN" altLang="en-US" dirty="0" smtClean="0"/>
+                        <a:t>惯性定位</a:t>
+                      </a:r>
+                      <a:endParaRPr lang="zh-CN" altLang="en-US" dirty="0"/>
+                    </a:p>
+                  </a:txBody>
+                  <a:tcPr/>
+                </a:tc>
+                <a:tc>
+                  <a:txBody>
+                    <a:bodyPr/>
+                    <a:lstStyle/>
+                    <a:p>
+                      <a:r>
+                        <a:rPr lang="zh-CN" altLang="en-US" dirty="0" smtClean="0"/>
+                        <a:t>视觉定位</a:t>
+                      </a:r>
+                      <a:endParaRPr lang="zh-CN" altLang="en-US" dirty="0"/>
+                    </a:p>
+                  </a:txBody>
+                  <a:tcPr/>
+                </a:tc>
+              </a:tr>
+              <a:tr h="1423128">
+                <a:tc>
+                  <a:txBody>
+                    <a:bodyPr/>
+                    <a:lstStyle/>
+                    <a:p>
+                      <a:r>
+                        <a:rPr lang="zh-CN" altLang="en-US" dirty="0" smtClean="0"/>
+                        <a:t>优势：</a:t>
+                      </a:r>
+                      <a:endParaRPr lang="en-US" altLang="zh-CN" dirty="0" smtClean="0"/>
+                    </a:p>
+                    <a:p>
+                      <a:pPr marL="285750" indent="-285750">
+                        <a:buFont typeface="Arial" panose="020B0604020202020204" pitchFamily="34" charset="0"/>
+                        <a:buChar char="•"/>
+                      </a:pPr>
+                      <a:r>
+                        <a:rPr lang="zh-CN" altLang="en-US" dirty="0" smtClean="0"/>
+                        <a:t>采样周期短，处理效率高</a:t>
+                      </a:r>
+                      <a:endParaRPr lang="en-US" altLang="zh-CN" dirty="0" smtClean="0"/>
+                    </a:p>
+                    <a:p>
+                      <a:pPr marL="285750" indent="-285750">
+                        <a:buFont typeface="Arial" panose="020B0604020202020204" pitchFamily="34" charset="0"/>
+                        <a:buChar char="•"/>
+                      </a:pPr>
+                      <a:endParaRPr lang="en-US" altLang="zh-CN" dirty="0" smtClean="0"/>
+                    </a:p>
+                  </a:txBody>
+                  <a:tcPr/>
+                </a:tc>
+                <a:tc>
+                  <a:txBody>
+                    <a:bodyPr/>
+                    <a:lstStyle/>
+                    <a:p>
+                      <a:r>
+                        <a:rPr lang="zh-CN" altLang="en-US" dirty="0" smtClean="0"/>
+                        <a:t>优势：</a:t>
+                      </a:r>
+                      <a:endParaRPr lang="en-US" altLang="zh-CN" dirty="0" smtClean="0"/>
+                    </a:p>
+                    <a:p>
+                      <a:pPr marL="285750" indent="-285750">
+                        <a:buFont typeface="Arial" panose="020B0604020202020204" pitchFamily="34" charset="0"/>
+                        <a:buChar char="•"/>
+                      </a:pPr>
+                      <a:r>
+                        <a:rPr lang="zh-CN" altLang="en-US" dirty="0" smtClean="0"/>
+                        <a:t>跟踪定位较为准确</a:t>
+                      </a:r>
+                      <a:endParaRPr lang="zh-CN" altLang="en-US" dirty="0"/>
+                    </a:p>
+                  </a:txBody>
+                  <a:tcPr/>
+                </a:tc>
+              </a:tr>
+              <a:tr h="2273351">
+                <a:tc>
+                  <a:txBody>
+                    <a:bodyPr/>
+                    <a:lstStyle/>
+                    <a:p>
+                      <a:r>
+                        <a:rPr lang="zh-CN" altLang="en-US" dirty="0" smtClean="0"/>
+                        <a:t>缺陷：</a:t>
+                      </a:r>
+                      <a:endParaRPr lang="en-US" altLang="zh-CN" dirty="0" smtClean="0"/>
+                    </a:p>
+                    <a:p>
+                      <a:pPr marL="285750" indent="-285750">
+                        <a:buFont typeface="Arial" panose="020B0604020202020204" pitchFamily="34" charset="0"/>
+                        <a:buChar char="•"/>
+                      </a:pPr>
+                      <a:r>
+                        <a:rPr lang="zh-CN" altLang="en-US" dirty="0" smtClean="0"/>
+                        <a:t>须两次积分计算位移，有较大累计误差</a:t>
+                      </a:r>
+                      <a:endParaRPr lang="zh-CN" altLang="en-US" dirty="0"/>
+                    </a:p>
+                  </a:txBody>
+                  <a:tcPr/>
+                </a:tc>
+                <a:tc>
+                  <a:txBody>
+                    <a:bodyPr/>
+                    <a:lstStyle/>
+                    <a:p>
+                      <a:r>
+                        <a:rPr lang="zh-CN" altLang="en-US" dirty="0" smtClean="0"/>
+                        <a:t>缺陷：</a:t>
+                      </a:r>
+                      <a:endParaRPr lang="en-US" altLang="zh-CN" dirty="0" smtClean="0"/>
+                    </a:p>
+                    <a:p>
+                      <a:pPr marL="285750" indent="-285750">
+                        <a:buFont typeface="Arial" panose="020B0604020202020204" pitchFamily="34" charset="0"/>
+                        <a:buChar char="•"/>
+                      </a:pPr>
+                      <a:r>
+                        <a:rPr lang="zh-CN" altLang="en-US" dirty="0" smtClean="0"/>
+                        <a:t>采样周期相对较长</a:t>
+                      </a:r>
+                      <a:endParaRPr lang="en-US" altLang="zh-CN" dirty="0" smtClean="0"/>
+                    </a:p>
+                    <a:p>
+                      <a:pPr marL="285750" indent="-285750">
+                        <a:buFont typeface="Arial" panose="020B0604020202020204" pitchFamily="34" charset="0"/>
+                        <a:buChar char="•"/>
+                      </a:pPr>
+                      <a:r>
+                        <a:rPr lang="zh-CN" altLang="en-US" dirty="0" smtClean="0"/>
+                        <a:t>发生漏检和轨迹切换</a:t>
+                      </a:r>
+                      <a:r>
+                        <a:rPr lang="en-US" altLang="zh-CN" dirty="0" smtClean="0"/>
+                        <a:t>——</a:t>
+                      </a:r>
+                      <a:r>
+                        <a:rPr lang="zh-CN" altLang="en-US" dirty="0" smtClean="0"/>
+                        <a:t>例如走出检测范围或被遮挡</a:t>
+                      </a:r>
+                      <a:endParaRPr lang="en-US" altLang="zh-CN" dirty="0" smtClean="0"/>
+                    </a:p>
+                    <a:p>
+                      <a:pPr marL="285750" indent="-285750">
+                        <a:buFont typeface="Arial" panose="020B0604020202020204" pitchFamily="34" charset="0"/>
+                        <a:buChar char="•"/>
+                      </a:pPr>
+                      <a:endParaRPr lang="en-US" altLang="zh-CN" dirty="0" smtClean="0"/>
+                    </a:p>
+                  </a:txBody>
+                  <a:tcPr/>
+                </a:tc>
+              </a:tr>
+            </a:tbl>
+          </a:graphicData>
+        </a:graphic>
+      </p:graphicFrame>
     </p:spTree>
     <p:extLst>
       <p:ext uri="{BB962C8B-B14F-4D97-AF65-F5344CB8AC3E}">
@@ -5181,6 +5346,14 @@
   <p:clrMapOvr>
     <a:masterClrMapping/>
   </p:clrMapOvr>
+  <mc:AlternateContent xmlns:mc="http://schemas.openxmlformats.org/markup-compatibility/2006">
+    <mc:Choice xmlns:p14="http://schemas.microsoft.com/office/powerpoint/2010/main" Requires="p14">
+      <p:transition spd="slow" p14:dur="2000" advTm="34737"/>
+    </mc:Choice>
+    <mc:Fallback>
+      <p:transition spd="slow" advTm="34737"/>
+    </mc:Fallback>
+  </mc:AlternateContent>
   <p:timing>
     <p:tnLst>
       <p:par>
@@ -5230,292 +5403,25 @@
           <a:p>
             <a:r>
               <a:rPr lang="zh-CN" altLang="en-US" dirty="0" smtClean="0"/>
-              <a:t>优化角度</a:t>
+              <a:t>算法</a:t>
+            </a:r>
+            <a:r>
+              <a:rPr lang="zh-CN" altLang="en-US" dirty="0" smtClean="0"/>
+              <a:t>框架（</a:t>
+            </a:r>
+            <a:r>
+              <a:rPr lang="en-US" altLang="zh-CN" dirty="0" smtClean="0"/>
+              <a:t>1</a:t>
+            </a:r>
+            <a:r>
+              <a:rPr lang="en-US" altLang="zh-CN" dirty="0" smtClean="0"/>
+              <a:t>/2</a:t>
+            </a:r>
+            <a:r>
+              <a:rPr lang="zh-CN" altLang="en-US" dirty="0" smtClean="0"/>
+              <a:t>）</a:t>
             </a:r>
             <a:endParaRPr lang="zh-CN" altLang="en-US" dirty="0"/>
-          </a:p>
-        </p:txBody>
-      </p:sp>
-      <p:sp>
-        <p:nvSpPr>
-          <p:cNvPr id="3" name="内容占位符 2"/>
-          <p:cNvSpPr>
-            <a:spLocks noGrp="1"/>
-          </p:cNvSpPr>
-          <p:nvPr>
-            <p:ph idx="1"/>
-          </p:nvPr>
-        </p:nvSpPr>
-        <p:spPr/>
-        <p:txBody>
-          <a:bodyPr/>
-          <a:lstStyle/>
-          <a:p>
-            <a:r>
-              <a:rPr lang="zh-CN" altLang="en-US" dirty="0" smtClean="0"/>
-              <a:t>惯性定位</a:t>
-            </a:r>
-            <a:r>
-              <a:rPr lang="en-US" altLang="zh-CN" dirty="0" smtClean="0"/>
-              <a:t>——</a:t>
-            </a:r>
-            <a:r>
-              <a:rPr lang="zh-CN" altLang="en-US" dirty="0" smtClean="0"/>
-              <a:t>两重积分带来的累计误差</a:t>
-            </a:r>
-            <a:endParaRPr lang="en-US" altLang="zh-CN" dirty="0" smtClean="0"/>
-          </a:p>
-          <a:p>
-            <a:pPr lvl="1"/>
-            <a:endParaRPr lang="en-US" altLang="zh-CN" dirty="0" smtClean="0"/>
-          </a:p>
-          <a:p>
-            <a:r>
-              <a:rPr lang="zh-CN" altLang="en-US" dirty="0" smtClean="0"/>
-              <a:t>视觉定位</a:t>
-            </a:r>
-            <a:r>
-              <a:rPr lang="en-US" altLang="zh-CN" dirty="0" smtClean="0"/>
-              <a:t>——</a:t>
-            </a:r>
-            <a:r>
-              <a:rPr lang="zh-CN" altLang="en-US" dirty="0" smtClean="0"/>
-              <a:t>因无法检测到目标物体带来的失配问题</a:t>
-            </a:r>
-            <a:endParaRPr lang="en-US" altLang="zh-CN" dirty="0" smtClean="0"/>
-          </a:p>
-          <a:p>
-            <a:pPr lvl="1"/>
-            <a:r>
-              <a:rPr lang="zh-CN" altLang="en-US" dirty="0" smtClean="0"/>
-              <a:t>例如</a:t>
-            </a:r>
-            <a:endParaRPr lang="en-US" altLang="zh-CN" dirty="0" smtClean="0"/>
-          </a:p>
-          <a:p>
-            <a:pPr lvl="2"/>
-            <a:r>
-              <a:rPr lang="zh-CN" altLang="en-US" dirty="0" smtClean="0"/>
-              <a:t>走出摄像头范围</a:t>
-            </a:r>
-            <a:endParaRPr lang="en-US" altLang="zh-CN" dirty="0" smtClean="0"/>
-          </a:p>
-          <a:p>
-            <a:pPr lvl="2"/>
-            <a:r>
-              <a:rPr lang="zh-CN" altLang="en-US" dirty="0" smtClean="0"/>
-              <a:t>临时被某物体遮挡</a:t>
-            </a:r>
-            <a:endParaRPr lang="en-US" altLang="zh-CN" dirty="0"/>
-          </a:p>
-          <a:p>
-            <a:pPr lvl="1"/>
-            <a:r>
-              <a:rPr lang="zh-CN" altLang="en-US" dirty="0" smtClean="0"/>
-              <a:t>机器人需要正确的移动方向以继续追踪目标</a:t>
-            </a:r>
-            <a:endParaRPr lang="en-US" altLang="zh-CN" dirty="0" smtClean="0"/>
-          </a:p>
-          <a:p>
-            <a:pPr lvl="1"/>
-            <a:r>
-              <a:rPr lang="zh-CN" altLang="en-US" dirty="0" smtClean="0"/>
-              <a:t>多目标检测时，需要匹配相同目标</a:t>
-            </a:r>
-            <a:endParaRPr lang="en-US" altLang="zh-CN" dirty="0" smtClean="0"/>
-          </a:p>
-        </p:txBody>
-      </p:sp>
-    </p:spTree>
-    <p:extLst>
-      <p:ext uri="{BB962C8B-B14F-4D97-AF65-F5344CB8AC3E}">
-        <p14:creationId xmlns:p14="http://schemas.microsoft.com/office/powerpoint/2010/main" val="1892333335"/>
-      </p:ext>
-    </p:extLst>
-  </p:cSld>
-  <p:clrMapOvr>
-    <a:masterClrMapping/>
-  </p:clrMapOvr>
-  <p:timing>
-    <p:tnLst>
-      <p:par>
-        <p:cTn id="1" dur="indefinite" restart="never" nodeType="tmRoot"/>
-      </p:par>
-    </p:tnLst>
-  </p:timing>
-</p:sld>
-</file>
-
-<file path=ppt/slides/slide4.xml><?xml version="1.0" encoding="utf-8"?>
-<p:sld xmlns:a="http://schemas.openxmlformats.org/drawingml/2006/main" xmlns:r="http://schemas.openxmlformats.org/officeDocument/2006/relationships" xmlns:p="http://schemas.openxmlformats.org/presentationml/2006/main">
-  <p:cSld>
-    <p:spTree>
-      <p:nvGrpSpPr>
-        <p:cNvPr id="1" name=""/>
-        <p:cNvGrpSpPr/>
-        <p:nvPr/>
-      </p:nvGrpSpPr>
-      <p:grpSpPr>
-        <a:xfrm>
-          <a:off x="0" y="0"/>
-          <a:ext cx="0" cy="0"/>
-          <a:chOff x="0" y="0"/>
-          <a:chExt cx="0" cy="0"/>
-        </a:xfrm>
-      </p:grpSpPr>
-      <p:sp>
-        <p:nvSpPr>
-          <p:cNvPr id="2" name="标题 1"/>
-          <p:cNvSpPr>
-            <a:spLocks noGrp="1"/>
-          </p:cNvSpPr>
-          <p:nvPr>
-            <p:ph type="title"/>
-          </p:nvPr>
-        </p:nvSpPr>
-        <p:spPr>
-          <a:xfrm>
-            <a:off x="1752600" y="260350"/>
-            <a:ext cx="7391400" cy="863600"/>
-          </a:xfrm>
-        </p:spPr>
-        <p:txBody>
-          <a:bodyPr/>
-          <a:lstStyle/>
-          <a:p>
-            <a:r>
-              <a:rPr lang="zh-CN" altLang="en-US" dirty="0" smtClean="0"/>
-              <a:t>算法</a:t>
-            </a:r>
-            <a:r>
-              <a:rPr lang="zh-CN" altLang="en-US" dirty="0"/>
-              <a:t>框架</a:t>
-            </a:r>
-          </a:p>
-        </p:txBody>
-      </p:sp>
-      <p:sp>
-        <p:nvSpPr>
-          <p:cNvPr id="3" name="内容占位符 2"/>
-          <p:cNvSpPr>
-            <a:spLocks noGrp="1"/>
-          </p:cNvSpPr>
-          <p:nvPr>
-            <p:ph idx="1"/>
-          </p:nvPr>
-        </p:nvSpPr>
-        <p:spPr>
-          <a:xfrm>
-            <a:off x="628650" y="1825625"/>
-            <a:ext cx="4296641" cy="4351338"/>
-          </a:xfrm>
-        </p:spPr>
-        <p:txBody>
-          <a:bodyPr/>
-          <a:lstStyle/>
-          <a:p>
-            <a:r>
-              <a:rPr lang="en-US" altLang="zh-CN" sz="2800" dirty="0" smtClean="0"/>
-              <a:t>9</a:t>
-            </a:r>
-            <a:r>
-              <a:rPr lang="zh-CN" altLang="en-US" sz="2800" dirty="0" smtClean="0"/>
-              <a:t>轴</a:t>
-            </a:r>
-            <a:r>
-              <a:rPr lang="zh-CN" altLang="en-US" sz="2800" dirty="0"/>
-              <a:t>惯性</a:t>
-            </a:r>
-            <a:r>
-              <a:rPr lang="zh-CN" altLang="en-US" sz="2800" dirty="0" smtClean="0"/>
-              <a:t>测量单元（</a:t>
-            </a:r>
-            <a:r>
-              <a:rPr lang="en-US" altLang="zh-CN" sz="2800" dirty="0" smtClean="0"/>
-              <a:t>IMU</a:t>
-            </a:r>
-            <a:r>
-              <a:rPr lang="zh-CN" altLang="en-US" sz="2800" dirty="0" smtClean="0"/>
-              <a:t>）融合测算手机姿态</a:t>
-            </a:r>
-            <a:endParaRPr lang="en-US" altLang="zh-CN" sz="2800" dirty="0" smtClean="0"/>
-          </a:p>
-          <a:p>
-            <a:pPr lvl="1"/>
-            <a:r>
-              <a:rPr lang="zh-CN" altLang="en-US" sz="2400" dirty="0" smtClean="0"/>
-              <a:t>陀螺仪</a:t>
-            </a:r>
-            <a:r>
-              <a:rPr lang="en-US" altLang="zh-CN" sz="2400" dirty="0" smtClean="0"/>
-              <a:t>+</a:t>
-            </a:r>
-            <a:r>
-              <a:rPr lang="zh-CN" altLang="en-US" sz="2400" dirty="0" smtClean="0"/>
-              <a:t>加速度计</a:t>
-            </a:r>
-            <a:r>
-              <a:rPr lang="en-US" altLang="zh-CN" sz="2400" dirty="0" smtClean="0"/>
-              <a:t>+</a:t>
-            </a:r>
-            <a:r>
-              <a:rPr lang="zh-CN" altLang="en-US" sz="2400" dirty="0" smtClean="0"/>
-              <a:t>地磁计</a:t>
-            </a:r>
-            <a:endParaRPr lang="en-US" altLang="zh-CN" sz="2400" dirty="0" smtClean="0"/>
-          </a:p>
-          <a:p>
-            <a:pPr lvl="1"/>
-            <a:r>
-              <a:rPr lang="zh-CN" altLang="en-US" sz="2400" dirty="0" smtClean="0"/>
-              <a:t>扩展卡尔曼滤波器（</a:t>
-            </a:r>
-            <a:r>
-              <a:rPr lang="en-US" altLang="zh-CN" sz="2400" dirty="0" smtClean="0"/>
-              <a:t>EKF</a:t>
-            </a:r>
-            <a:r>
-              <a:rPr lang="zh-CN" altLang="en-US" sz="2400" dirty="0" smtClean="0"/>
-              <a:t>）</a:t>
-            </a:r>
-            <a:endParaRPr lang="en-US" altLang="zh-CN" sz="2400" dirty="0" smtClean="0"/>
-          </a:p>
-          <a:p>
-            <a:pPr marL="457200" lvl="1" indent="0">
-              <a:buNone/>
-            </a:pPr>
-            <a:endParaRPr lang="en-US" altLang="zh-CN" sz="2400" dirty="0" smtClean="0"/>
-          </a:p>
-          <a:p>
-            <a:r>
-              <a:rPr lang="zh-CN" altLang="en-US" sz="2800" dirty="0" smtClean="0"/>
-              <a:t>将加速度投影至地面系</a:t>
-            </a:r>
-            <a:endParaRPr lang="en-US" altLang="zh-CN" sz="2800" dirty="0" smtClean="0"/>
-          </a:p>
-          <a:p>
-            <a:pPr lvl="1"/>
-            <a:r>
-              <a:rPr lang="zh-CN" altLang="en-US" sz="2400" dirty="0" smtClean="0"/>
-              <a:t>使用测算好的姿态</a:t>
-            </a:r>
-            <a:endParaRPr lang="en-US" altLang="zh-CN" sz="2400" dirty="0" smtClean="0"/>
-          </a:p>
-          <a:p>
-            <a:pPr lvl="1"/>
-            <a:r>
-              <a:rPr lang="zh-CN" altLang="en-US" sz="2400" dirty="0" smtClean="0"/>
-              <a:t>同时</a:t>
-            </a:r>
-            <a:r>
-              <a:rPr lang="zh-CN" altLang="en-US" sz="2400" dirty="0"/>
-              <a:t>去除</a:t>
-            </a:r>
-            <a:r>
-              <a:rPr lang="zh-CN" altLang="en-US" sz="2400" dirty="0" smtClean="0"/>
-              <a:t>重力影响</a:t>
-            </a:r>
-            <a:endParaRPr lang="en-US" altLang="zh-CN" sz="2400" dirty="0" smtClean="0"/>
           </a:p>
         </p:txBody>
       </p:sp>
@@ -5527,7 +5433,7 @@
         </p:nvGrpSpPr>
         <p:grpSpPr>
           <a:xfrm>
-            <a:off x="5148064" y="1849906"/>
+            <a:off x="4830481" y="1863807"/>
             <a:ext cx="3851920" cy="4630956"/>
             <a:chOff x="4899314" y="1315183"/>
             <a:chExt cx="4244686" cy="5141398"/>
@@ -5707,7 +5613,7 @@
         </p:nvSpPr>
         <p:spPr>
           <a:xfrm>
-            <a:off x="5370846" y="1343562"/>
+            <a:off x="5053263" y="1357463"/>
             <a:ext cx="2529860" cy="492443"/>
           </a:xfrm>
           <a:prstGeom prst="rect">
@@ -5741,7 +5647,7 @@
         </p:nvSpPr>
         <p:spPr>
           <a:xfrm>
-            <a:off x="5265777" y="3848266"/>
+            <a:off x="4948194" y="3862167"/>
             <a:ext cx="2864887" cy="492443"/>
           </a:xfrm>
           <a:prstGeom prst="rect">
@@ -5763,16 +5669,1521 @@
           </a:p>
         </p:txBody>
       </p:sp>
+      <p:grpSp>
+        <p:nvGrpSpPr>
+          <p:cNvPr id="12" name="组合 11"/>
+          <p:cNvGrpSpPr/>
+          <p:nvPr/>
+        </p:nvGrpSpPr>
+        <p:grpSpPr>
+          <a:xfrm>
+            <a:off x="314122" y="1417845"/>
+            <a:ext cx="3543931" cy="5131039"/>
+            <a:chOff x="314122" y="1417845"/>
+            <a:chExt cx="3543931" cy="5131039"/>
+          </a:xfrm>
+        </p:grpSpPr>
+        <p:sp>
+          <p:nvSpPr>
+            <p:cNvPr id="13" name="流程图: 过程 12"/>
+            <p:cNvSpPr/>
+            <p:nvPr/>
+          </p:nvSpPr>
+          <p:spPr bwMode="auto">
+            <a:xfrm>
+              <a:off x="314122" y="2168168"/>
+              <a:ext cx="881973" cy="701731"/>
+            </a:xfrm>
+            <a:prstGeom prst="flowChartProcess">
+              <a:avLst/>
+            </a:prstGeom>
+            <a:solidFill>
+              <a:srgbClr val="99CCFF">
+                <a:alpha val="32001"/>
+              </a:srgbClr>
+            </a:solidFill>
+            <a:ln w="19050" cap="flat" cmpd="sng" algn="ctr">
+              <a:solidFill>
+                <a:srgbClr val="000080"/>
+              </a:solidFill>
+              <a:prstDash val="solid"/>
+              <a:round/>
+              <a:headEnd type="none" w="med" len="med"/>
+              <a:tailEnd type="none" w="med" len="med"/>
+            </a:ln>
+            <a:effectLst/>
+          </p:spPr>
+          <p:txBody>
+            <a:bodyPr vert="horz" wrap="none" lIns="91440" tIns="45720" rIns="91440" bIns="45720" numCol="1" rtlCol="0" anchor="t" anchorCtr="0" compatLnSpc="1">
+              <a:prstTxWarp prst="textNoShape">
+                <a:avLst/>
+              </a:prstTxWarp>
+              <a:spAutoFit/>
+            </a:bodyPr>
+            <a:lstStyle/>
+            <a:p>
+              <a:pPr marL="342900" marR="0" indent="-342900" algn="ctr" defTabSz="914400" rtl="0" eaLnBrk="1" fontAlgn="base" latinLnBrk="0" hangingPunct="1">
+                <a:lnSpc>
+                  <a:spcPct val="100000"/>
+                </a:lnSpc>
+                <a:spcBef>
+                  <a:spcPct val="20000"/>
+                </a:spcBef>
+                <a:spcAft>
+                  <a:spcPct val="0"/>
+                </a:spcAft>
+                <a:buClrTx/>
+                <a:buSzPct val="75000"/>
+                <a:buFont typeface="Wingdings" pitchFamily="2" charset="2"/>
+                <a:buNone/>
+                <a:tabLst/>
+              </a:pPr>
+              <a:r>
+                <a:rPr kumimoji="1" lang="zh-CN" altLang="en-US" sz="1800" b="1" i="0" u="none" strike="noStrike" cap="none" normalizeH="0" baseline="0" dirty="0" smtClean="0">
+                  <a:ln>
+                    <a:noFill/>
+                  </a:ln>
+                  <a:solidFill>
+                    <a:srgbClr val="000066"/>
+                  </a:solidFill>
+                  <a:effectLst/>
+                  <a:latin typeface="Sylfaen" pitchFamily="18" charset="0"/>
+                  <a:ea typeface="楷体_GB2312" pitchFamily="49" charset="-122"/>
+                </a:rPr>
+                <a:t>角速度</a:t>
+              </a:r>
+              <a:endParaRPr kumimoji="1" lang="en-US" altLang="zh-CN" sz="1800" b="1" i="0" u="none" strike="noStrike" cap="none" normalizeH="0" baseline="0" dirty="0" smtClean="0">
+                <a:ln>
+                  <a:noFill/>
+                </a:ln>
+                <a:solidFill>
+                  <a:srgbClr val="000066"/>
+                </a:solidFill>
+                <a:effectLst/>
+                <a:latin typeface="Sylfaen" pitchFamily="18" charset="0"/>
+                <a:ea typeface="楷体_GB2312" pitchFamily="49" charset="-122"/>
+              </a:endParaRPr>
+            </a:p>
+            <a:p>
+              <a:pPr marL="342900" marR="0" indent="-342900" algn="ctr" defTabSz="914400" rtl="0" eaLnBrk="1" fontAlgn="base" latinLnBrk="0" hangingPunct="1">
+                <a:lnSpc>
+                  <a:spcPct val="100000"/>
+                </a:lnSpc>
+                <a:spcBef>
+                  <a:spcPct val="20000"/>
+                </a:spcBef>
+                <a:spcAft>
+                  <a:spcPct val="0"/>
+                </a:spcAft>
+                <a:buClrTx/>
+                <a:buSzPct val="75000"/>
+                <a:buFont typeface="Wingdings" pitchFamily="2" charset="2"/>
+                <a:buNone/>
+                <a:tabLst/>
+              </a:pPr>
+              <a:r>
+                <a:rPr lang="zh-CN" altLang="en-US" sz="1800" dirty="0">
+                  <a:ea typeface="楷体_GB2312" pitchFamily="49" charset="-122"/>
+                </a:rPr>
+                <a:t>矢量</a:t>
+              </a:r>
+              <a:endParaRPr kumimoji="1" lang="zh-CN" altLang="en-US" sz="1800" b="1" i="0" u="none" strike="noStrike" cap="none" normalizeH="0" baseline="0" dirty="0" smtClean="0">
+                <a:ln>
+                  <a:noFill/>
+                </a:ln>
+                <a:solidFill>
+                  <a:srgbClr val="000066"/>
+                </a:solidFill>
+                <a:effectLst/>
+                <a:latin typeface="Sylfaen" pitchFamily="18" charset="0"/>
+                <a:ea typeface="楷体_GB2312" pitchFamily="49" charset="-122"/>
+              </a:endParaRPr>
+            </a:p>
+          </p:txBody>
+        </p:sp>
+        <p:sp>
+          <p:nvSpPr>
+            <p:cNvPr id="14" name="流程图: 过程 13"/>
+            <p:cNvSpPr/>
+            <p:nvPr/>
+          </p:nvSpPr>
+          <p:spPr bwMode="auto">
+            <a:xfrm>
+              <a:off x="2933922" y="2168168"/>
+              <a:ext cx="881973" cy="701731"/>
+            </a:xfrm>
+            <a:prstGeom prst="flowChartProcess">
+              <a:avLst/>
+            </a:prstGeom>
+            <a:solidFill>
+              <a:srgbClr val="99CCFF">
+                <a:alpha val="32001"/>
+              </a:srgbClr>
+            </a:solidFill>
+            <a:ln w="19050" cap="flat" cmpd="sng" algn="ctr">
+              <a:solidFill>
+                <a:srgbClr val="000080"/>
+              </a:solidFill>
+              <a:prstDash val="solid"/>
+              <a:round/>
+              <a:headEnd type="none" w="med" len="med"/>
+              <a:tailEnd type="none" w="med" len="med"/>
+            </a:ln>
+            <a:effectLst/>
+          </p:spPr>
+          <p:txBody>
+            <a:bodyPr vert="horz" wrap="none" lIns="91440" tIns="45720" rIns="91440" bIns="45720" numCol="1" rtlCol="0" anchor="t" anchorCtr="0" compatLnSpc="1">
+              <a:prstTxWarp prst="textNoShape">
+                <a:avLst/>
+              </a:prstTxWarp>
+              <a:spAutoFit/>
+            </a:bodyPr>
+            <a:lstStyle/>
+            <a:p>
+              <a:pPr marL="342900" marR="0" indent="-342900" algn="ctr" defTabSz="914400" rtl="0" eaLnBrk="1" fontAlgn="base" latinLnBrk="0" hangingPunct="1">
+                <a:lnSpc>
+                  <a:spcPct val="100000"/>
+                </a:lnSpc>
+                <a:spcBef>
+                  <a:spcPct val="20000"/>
+                </a:spcBef>
+                <a:spcAft>
+                  <a:spcPct val="0"/>
+                </a:spcAft>
+                <a:buClrTx/>
+                <a:buSzPct val="75000"/>
+                <a:buFont typeface="Wingdings" pitchFamily="2" charset="2"/>
+                <a:buNone/>
+                <a:tabLst/>
+              </a:pPr>
+              <a:r>
+                <a:rPr lang="zh-CN" altLang="en-US" sz="1800" dirty="0" smtClean="0">
+                  <a:ea typeface="楷体_GB2312" pitchFamily="49" charset="-122"/>
+                </a:rPr>
+                <a:t>加</a:t>
+              </a:r>
+              <a:r>
+                <a:rPr kumimoji="1" lang="zh-CN" altLang="en-US" sz="1800" b="1" i="0" u="none" strike="noStrike" cap="none" normalizeH="0" baseline="0" dirty="0" smtClean="0">
+                  <a:ln>
+                    <a:noFill/>
+                  </a:ln>
+                  <a:solidFill>
+                    <a:srgbClr val="000066"/>
+                  </a:solidFill>
+                  <a:effectLst/>
+                  <a:latin typeface="Sylfaen" pitchFamily="18" charset="0"/>
+                  <a:ea typeface="楷体_GB2312" pitchFamily="49" charset="-122"/>
+                </a:rPr>
+                <a:t>速度</a:t>
+              </a:r>
+              <a:endParaRPr kumimoji="1" lang="en-US" altLang="zh-CN" sz="1800" b="1" i="0" u="none" strike="noStrike" cap="none" normalizeH="0" baseline="0" dirty="0" smtClean="0">
+                <a:ln>
+                  <a:noFill/>
+                </a:ln>
+                <a:solidFill>
+                  <a:srgbClr val="000066"/>
+                </a:solidFill>
+                <a:effectLst/>
+                <a:latin typeface="Sylfaen" pitchFamily="18" charset="0"/>
+                <a:ea typeface="楷体_GB2312" pitchFamily="49" charset="-122"/>
+              </a:endParaRPr>
+            </a:p>
+            <a:p>
+              <a:pPr marL="342900" marR="0" indent="-342900" algn="ctr" defTabSz="914400" rtl="0" eaLnBrk="1" fontAlgn="base" latinLnBrk="0" hangingPunct="1">
+                <a:lnSpc>
+                  <a:spcPct val="100000"/>
+                </a:lnSpc>
+                <a:spcBef>
+                  <a:spcPct val="20000"/>
+                </a:spcBef>
+                <a:spcAft>
+                  <a:spcPct val="0"/>
+                </a:spcAft>
+                <a:buClrTx/>
+                <a:buSzPct val="75000"/>
+                <a:buFont typeface="Wingdings" pitchFamily="2" charset="2"/>
+                <a:buNone/>
+                <a:tabLst/>
+              </a:pPr>
+              <a:r>
+                <a:rPr kumimoji="1" lang="zh-CN" altLang="en-US" sz="1800" b="1" i="0" u="none" strike="noStrike" cap="none" normalizeH="0" baseline="0" dirty="0" smtClean="0">
+                  <a:ln>
+                    <a:noFill/>
+                  </a:ln>
+                  <a:solidFill>
+                    <a:srgbClr val="000066"/>
+                  </a:solidFill>
+                  <a:effectLst/>
+                  <a:latin typeface="Sylfaen" pitchFamily="18" charset="0"/>
+                  <a:ea typeface="楷体_GB2312" pitchFamily="49" charset="-122"/>
+                </a:rPr>
+                <a:t>矢量</a:t>
+              </a:r>
+              <a:endParaRPr kumimoji="1" lang="zh-CN" altLang="en-US" sz="1800" b="1" i="0" u="none" strike="noStrike" cap="none" normalizeH="0" baseline="0" dirty="0" smtClean="0">
+                <a:ln>
+                  <a:noFill/>
+                </a:ln>
+                <a:solidFill>
+                  <a:srgbClr val="000066"/>
+                </a:solidFill>
+                <a:effectLst/>
+                <a:latin typeface="Sylfaen" pitchFamily="18" charset="0"/>
+                <a:ea typeface="楷体_GB2312" pitchFamily="49" charset="-122"/>
+              </a:endParaRPr>
+            </a:p>
+          </p:txBody>
+        </p:sp>
+        <p:sp>
+          <p:nvSpPr>
+            <p:cNvPr id="15" name="流程图: 过程 14"/>
+            <p:cNvSpPr/>
+            <p:nvPr/>
+          </p:nvSpPr>
+          <p:spPr bwMode="auto">
+            <a:xfrm>
+              <a:off x="1486639" y="2168167"/>
+              <a:ext cx="1114408" cy="701731"/>
+            </a:xfrm>
+            <a:prstGeom prst="flowChartProcess">
+              <a:avLst/>
+            </a:prstGeom>
+            <a:solidFill>
+              <a:srgbClr val="99CCFF">
+                <a:alpha val="32001"/>
+              </a:srgbClr>
+            </a:solidFill>
+            <a:ln w="19050" cap="flat" cmpd="sng" algn="ctr">
+              <a:solidFill>
+                <a:srgbClr val="000080"/>
+              </a:solidFill>
+              <a:prstDash val="solid"/>
+              <a:round/>
+              <a:headEnd type="none" w="med" len="med"/>
+              <a:tailEnd type="none" w="med" len="med"/>
+            </a:ln>
+            <a:effectLst/>
+          </p:spPr>
+          <p:txBody>
+            <a:bodyPr vert="horz" wrap="none" lIns="91440" tIns="45720" rIns="91440" bIns="45720" numCol="1" rtlCol="0" anchor="t" anchorCtr="0" compatLnSpc="1">
+              <a:prstTxWarp prst="textNoShape">
+                <a:avLst/>
+              </a:prstTxWarp>
+              <a:spAutoFit/>
+            </a:bodyPr>
+            <a:lstStyle/>
+            <a:p>
+              <a:pPr marL="342900" marR="0" indent="-342900" algn="ctr" defTabSz="914400" rtl="0" eaLnBrk="1" fontAlgn="base" latinLnBrk="0" hangingPunct="1">
+                <a:lnSpc>
+                  <a:spcPct val="100000"/>
+                </a:lnSpc>
+                <a:spcBef>
+                  <a:spcPct val="20000"/>
+                </a:spcBef>
+                <a:spcAft>
+                  <a:spcPct val="0"/>
+                </a:spcAft>
+                <a:buClrTx/>
+                <a:buSzPct val="75000"/>
+                <a:buFont typeface="Wingdings" pitchFamily="2" charset="2"/>
+                <a:buNone/>
+                <a:tabLst/>
+              </a:pPr>
+              <a:r>
+                <a:rPr lang="zh-CN" altLang="en-US" sz="1800" dirty="0" smtClean="0">
+                  <a:ea typeface="楷体_GB2312" pitchFamily="49" charset="-122"/>
+                </a:rPr>
+                <a:t>磁感应强</a:t>
+              </a:r>
+              <a:endParaRPr lang="en-US" altLang="zh-CN" sz="1800" dirty="0" smtClean="0">
+                <a:ea typeface="楷体_GB2312" pitchFamily="49" charset="-122"/>
+              </a:endParaRPr>
+            </a:p>
+            <a:p>
+              <a:pPr marL="342900" marR="0" indent="-342900" algn="ctr" defTabSz="914400" rtl="0" eaLnBrk="1" fontAlgn="base" latinLnBrk="0" hangingPunct="1">
+                <a:lnSpc>
+                  <a:spcPct val="100000"/>
+                </a:lnSpc>
+                <a:spcBef>
+                  <a:spcPct val="20000"/>
+                </a:spcBef>
+                <a:spcAft>
+                  <a:spcPct val="0"/>
+                </a:spcAft>
+                <a:buClrTx/>
+                <a:buSzPct val="75000"/>
+                <a:buFont typeface="Wingdings" pitchFamily="2" charset="2"/>
+                <a:buNone/>
+                <a:tabLst/>
+              </a:pPr>
+              <a:r>
+                <a:rPr lang="zh-CN" altLang="en-US" sz="1800" dirty="0" smtClean="0">
+                  <a:ea typeface="楷体_GB2312" pitchFamily="49" charset="-122"/>
+                </a:rPr>
+                <a:t>度矢量</a:t>
+              </a:r>
+              <a:endParaRPr kumimoji="1" lang="zh-CN" altLang="en-US" sz="1800" b="1" i="0" u="none" strike="noStrike" cap="none" normalizeH="0" baseline="0" dirty="0" smtClean="0">
+                <a:ln>
+                  <a:noFill/>
+                </a:ln>
+                <a:solidFill>
+                  <a:srgbClr val="000066"/>
+                </a:solidFill>
+                <a:effectLst/>
+                <a:latin typeface="Sylfaen" pitchFamily="18" charset="0"/>
+                <a:ea typeface="楷体_GB2312" pitchFamily="49" charset="-122"/>
+              </a:endParaRPr>
+            </a:p>
+          </p:txBody>
+        </p:sp>
+        <p:sp>
+          <p:nvSpPr>
+            <p:cNvPr id="16" name="流程图: 过程 15"/>
+            <p:cNvSpPr/>
+            <p:nvPr/>
+          </p:nvSpPr>
+          <p:spPr bwMode="auto">
+            <a:xfrm>
+              <a:off x="1021768" y="3214965"/>
+              <a:ext cx="2044149" cy="369332"/>
+            </a:xfrm>
+            <a:prstGeom prst="flowChartProcess">
+              <a:avLst/>
+            </a:prstGeom>
+            <a:solidFill>
+              <a:srgbClr val="99CCFF">
+                <a:alpha val="32001"/>
+              </a:srgbClr>
+            </a:solidFill>
+            <a:ln w="19050" cap="flat" cmpd="sng" algn="ctr">
+              <a:solidFill>
+                <a:srgbClr val="000080"/>
+              </a:solidFill>
+              <a:prstDash val="solid"/>
+              <a:round/>
+              <a:headEnd type="none" w="med" len="med"/>
+              <a:tailEnd type="none" w="med" len="med"/>
+            </a:ln>
+            <a:effectLst/>
+          </p:spPr>
+          <p:txBody>
+            <a:bodyPr vert="horz" wrap="none" lIns="91440" tIns="45720" rIns="91440" bIns="45720" numCol="1" rtlCol="0" anchor="t" anchorCtr="0" compatLnSpc="1">
+              <a:prstTxWarp prst="textNoShape">
+                <a:avLst/>
+              </a:prstTxWarp>
+              <a:spAutoFit/>
+            </a:bodyPr>
+            <a:lstStyle/>
+            <a:p>
+              <a:pPr marL="342900" marR="0" indent="-342900" algn="l" defTabSz="914400" rtl="0" eaLnBrk="1" fontAlgn="base" latinLnBrk="0" hangingPunct="1">
+                <a:lnSpc>
+                  <a:spcPct val="100000"/>
+                </a:lnSpc>
+                <a:spcBef>
+                  <a:spcPct val="20000"/>
+                </a:spcBef>
+                <a:spcAft>
+                  <a:spcPct val="0"/>
+                </a:spcAft>
+                <a:buClrTx/>
+                <a:buSzPct val="75000"/>
+                <a:buFont typeface="Wingdings" pitchFamily="2" charset="2"/>
+                <a:buNone/>
+                <a:tabLst/>
+              </a:pPr>
+              <a:r>
+                <a:rPr lang="zh-CN" altLang="en-US" sz="1800" dirty="0" smtClean="0">
+                  <a:ea typeface="楷体_GB2312" pitchFamily="49" charset="-122"/>
+                </a:rPr>
+                <a:t>扩展卡尔曼滤波器</a:t>
+              </a:r>
+              <a:endParaRPr kumimoji="1" lang="zh-CN" altLang="en-US" sz="1800" b="1" i="0" u="none" strike="noStrike" cap="none" normalizeH="0" baseline="0" dirty="0" smtClean="0">
+                <a:ln>
+                  <a:noFill/>
+                </a:ln>
+                <a:solidFill>
+                  <a:srgbClr val="000066"/>
+                </a:solidFill>
+                <a:effectLst/>
+                <a:ea typeface="楷体_GB2312" pitchFamily="49" charset="-122"/>
+              </a:endParaRPr>
+            </a:p>
+          </p:txBody>
+        </p:sp>
+        <p:cxnSp>
+          <p:nvCxnSpPr>
+            <p:cNvPr id="17" name="肘形连接符 16"/>
+            <p:cNvCxnSpPr>
+              <a:stCxn id="13" idx="2"/>
+              <a:endCxn id="16" idx="1"/>
+            </p:cNvCxnSpPr>
+            <p:nvPr/>
+          </p:nvCxnSpPr>
+          <p:spPr bwMode="auto">
+            <a:xfrm rot="16200000" flipH="1">
+              <a:off x="623572" y="3001435"/>
+              <a:ext cx="529732" cy="266659"/>
+            </a:xfrm>
+            <a:prstGeom prst="bentConnector2">
+              <a:avLst/>
+            </a:prstGeom>
+            <a:solidFill>
+              <a:srgbClr val="99CCFF">
+                <a:alpha val="32001"/>
+              </a:srgbClr>
+            </a:solidFill>
+            <a:ln w="19050" cap="flat" cmpd="sng" algn="ctr">
+              <a:solidFill>
+                <a:srgbClr val="000080"/>
+              </a:solidFill>
+              <a:prstDash val="solid"/>
+              <a:round/>
+              <a:headEnd type="none" w="med" len="med"/>
+              <a:tailEnd type="triangle"/>
+            </a:ln>
+            <a:effectLst/>
+          </p:spPr>
+        </p:cxnSp>
+        <p:cxnSp>
+          <p:nvCxnSpPr>
+            <p:cNvPr id="18" name="直接箭头连接符 17"/>
+            <p:cNvCxnSpPr>
+              <a:stCxn id="15" idx="2"/>
+              <a:endCxn id="16" idx="0"/>
+            </p:cNvCxnSpPr>
+            <p:nvPr/>
+          </p:nvCxnSpPr>
+          <p:spPr bwMode="auto">
+            <a:xfrm>
+              <a:off x="2043843" y="2869898"/>
+              <a:ext cx="0" cy="345067"/>
+            </a:xfrm>
+            <a:prstGeom prst="straightConnector1">
+              <a:avLst/>
+            </a:prstGeom>
+            <a:solidFill>
+              <a:srgbClr val="99CCFF">
+                <a:alpha val="32001"/>
+              </a:srgbClr>
+            </a:solidFill>
+            <a:ln w="19050" cap="flat" cmpd="sng" algn="ctr">
+              <a:solidFill>
+                <a:srgbClr val="000080"/>
+              </a:solidFill>
+              <a:prstDash val="solid"/>
+              <a:round/>
+              <a:headEnd type="none" w="med" len="med"/>
+              <a:tailEnd type="triangle"/>
+            </a:ln>
+            <a:effectLst/>
+          </p:spPr>
+        </p:cxnSp>
+        <p:cxnSp>
+          <p:nvCxnSpPr>
+            <p:cNvPr id="19" name="肘形连接符 18"/>
+            <p:cNvCxnSpPr>
+              <a:stCxn id="14" idx="2"/>
+              <a:endCxn id="16" idx="3"/>
+            </p:cNvCxnSpPr>
+            <p:nvPr/>
+          </p:nvCxnSpPr>
+          <p:spPr bwMode="auto">
+            <a:xfrm rot="5400000">
+              <a:off x="2955547" y="2980269"/>
+              <a:ext cx="529732" cy="308992"/>
+            </a:xfrm>
+            <a:prstGeom prst="bentConnector2">
+              <a:avLst/>
+            </a:prstGeom>
+            <a:solidFill>
+              <a:srgbClr val="99CCFF">
+                <a:alpha val="32001"/>
+              </a:srgbClr>
+            </a:solidFill>
+            <a:ln w="19050" cap="flat" cmpd="sng" algn="ctr">
+              <a:solidFill>
+                <a:srgbClr val="000080"/>
+              </a:solidFill>
+              <a:prstDash val="solid"/>
+              <a:round/>
+              <a:headEnd type="none" w="med" len="med"/>
+              <a:tailEnd type="triangle"/>
+            </a:ln>
+            <a:effectLst/>
+          </p:spPr>
+        </p:cxnSp>
+        <p:sp>
+          <p:nvSpPr>
+            <p:cNvPr id="20" name="流程图: 过程 19"/>
+            <p:cNvSpPr/>
+            <p:nvPr/>
+          </p:nvSpPr>
+          <p:spPr bwMode="auto">
+            <a:xfrm>
+              <a:off x="1421679" y="3952008"/>
+              <a:ext cx="1243475" cy="369332"/>
+            </a:xfrm>
+            <a:prstGeom prst="flowChartProcess">
+              <a:avLst/>
+            </a:prstGeom>
+            <a:solidFill>
+              <a:srgbClr val="99CCFF">
+                <a:alpha val="32001"/>
+              </a:srgbClr>
+            </a:solidFill>
+            <a:ln w="19050" cap="flat" cmpd="sng" algn="ctr">
+              <a:solidFill>
+                <a:srgbClr val="000080"/>
+              </a:solidFill>
+              <a:prstDash val="solid"/>
+              <a:round/>
+              <a:headEnd type="none" w="med" len="med"/>
+              <a:tailEnd type="none" w="med" len="med"/>
+            </a:ln>
+            <a:effectLst/>
+          </p:spPr>
+          <p:txBody>
+            <a:bodyPr vert="horz" wrap="square" lIns="91440" tIns="45720" rIns="91440" bIns="45720" numCol="1" rtlCol="0" anchor="t" anchorCtr="0" compatLnSpc="1">
+              <a:prstTxWarp prst="textNoShape">
+                <a:avLst/>
+              </a:prstTxWarp>
+              <a:spAutoFit/>
+            </a:bodyPr>
+            <a:lstStyle/>
+            <a:p>
+              <a:pPr marL="342900" marR="0" indent="-342900" algn="l" defTabSz="914400" rtl="0" eaLnBrk="1" fontAlgn="base" latinLnBrk="0" hangingPunct="1">
+                <a:lnSpc>
+                  <a:spcPct val="100000"/>
+                </a:lnSpc>
+                <a:spcBef>
+                  <a:spcPct val="20000"/>
+                </a:spcBef>
+                <a:spcAft>
+                  <a:spcPct val="0"/>
+                </a:spcAft>
+                <a:buClrTx/>
+                <a:buSzPct val="75000"/>
+                <a:buFont typeface="Wingdings" pitchFamily="2" charset="2"/>
+                <a:buNone/>
+                <a:tabLst/>
+              </a:pPr>
+              <a:r>
+                <a:rPr kumimoji="1" lang="zh-CN" altLang="en-US" sz="1800" b="1" i="0" u="none" strike="noStrike" cap="none" normalizeH="0" baseline="0" dirty="0" smtClean="0">
+                  <a:ln>
+                    <a:noFill/>
+                  </a:ln>
+                  <a:solidFill>
+                    <a:srgbClr val="000066"/>
+                  </a:solidFill>
+                  <a:effectLst/>
+                  <a:latin typeface="Sylfaen" pitchFamily="18" charset="0"/>
+                  <a:ea typeface="楷体_GB2312" pitchFamily="49" charset="-122"/>
+                </a:rPr>
+                <a:t>手机姿态</a:t>
+              </a:r>
+              <a:endParaRPr kumimoji="1" lang="zh-CN" altLang="en-US" sz="1800" b="1" i="0" u="none" strike="noStrike" cap="none" normalizeH="0" baseline="0" dirty="0" smtClean="0">
+                <a:ln>
+                  <a:noFill/>
+                </a:ln>
+                <a:solidFill>
+                  <a:srgbClr val="000066"/>
+                </a:solidFill>
+                <a:effectLst/>
+                <a:latin typeface="Sylfaen" pitchFamily="18" charset="0"/>
+                <a:ea typeface="楷体_GB2312" pitchFamily="49" charset="-122"/>
+              </a:endParaRPr>
+            </a:p>
+          </p:txBody>
+        </p:sp>
+        <p:sp>
+          <p:nvSpPr>
+            <p:cNvPr id="21" name="流程图: 过程 20"/>
+            <p:cNvSpPr/>
+            <p:nvPr/>
+          </p:nvSpPr>
+          <p:spPr bwMode="auto">
+            <a:xfrm>
+              <a:off x="1671640" y="4834722"/>
+              <a:ext cx="2186413" cy="338554"/>
+            </a:xfrm>
+            <a:prstGeom prst="flowChartProcess">
+              <a:avLst/>
+            </a:prstGeom>
+            <a:solidFill>
+              <a:srgbClr val="99CCFF">
+                <a:alpha val="32001"/>
+              </a:srgbClr>
+            </a:solidFill>
+            <a:ln w="19050" cap="flat" cmpd="sng" algn="ctr">
+              <a:solidFill>
+                <a:srgbClr val="000080"/>
+              </a:solidFill>
+              <a:prstDash val="solid"/>
+              <a:round/>
+              <a:headEnd type="none" w="med" len="med"/>
+              <a:tailEnd type="none" w="med" len="med"/>
+            </a:ln>
+            <a:effectLst/>
+          </p:spPr>
+          <p:txBody>
+            <a:bodyPr vert="horz" wrap="square" lIns="91440" tIns="45720" rIns="91440" bIns="45720" numCol="1" rtlCol="0" anchor="t" anchorCtr="0" compatLnSpc="1">
+              <a:prstTxWarp prst="textNoShape">
+                <a:avLst/>
+              </a:prstTxWarp>
+              <a:spAutoFit/>
+            </a:bodyPr>
+            <a:lstStyle/>
+            <a:p>
+              <a:pPr marL="342900" marR="0" indent="-342900" algn="ctr" defTabSz="914400" rtl="0" eaLnBrk="1" fontAlgn="base" latinLnBrk="0" hangingPunct="1">
+                <a:lnSpc>
+                  <a:spcPct val="100000"/>
+                </a:lnSpc>
+                <a:spcBef>
+                  <a:spcPct val="20000"/>
+                </a:spcBef>
+                <a:spcAft>
+                  <a:spcPct val="0"/>
+                </a:spcAft>
+                <a:buClrTx/>
+                <a:buSzPct val="75000"/>
+                <a:buFont typeface="Wingdings" pitchFamily="2" charset="2"/>
+                <a:buNone/>
+                <a:tabLst/>
+              </a:pPr>
+              <a:r>
+                <a:rPr lang="zh-CN" altLang="en-US" sz="1600" dirty="0">
+                  <a:ea typeface="楷体_GB2312" pitchFamily="49" charset="-122"/>
+                </a:rPr>
+                <a:t>投影</a:t>
+              </a:r>
+              <a:r>
+                <a:rPr lang="zh-CN" altLang="en-US" sz="1600" dirty="0" smtClean="0">
+                  <a:ea typeface="楷体_GB2312" pitchFamily="49" charset="-122"/>
+                </a:rPr>
+                <a:t>至地面系</a:t>
+              </a:r>
+              <a:endParaRPr kumimoji="1" lang="zh-CN" altLang="en-US" sz="1600" b="1" i="0" u="none" strike="noStrike" cap="none" normalizeH="0" baseline="0" dirty="0" smtClean="0">
+                <a:ln>
+                  <a:noFill/>
+                </a:ln>
+                <a:solidFill>
+                  <a:srgbClr val="000066"/>
+                </a:solidFill>
+                <a:effectLst/>
+                <a:ea typeface="楷体_GB2312" pitchFamily="49" charset="-122"/>
+              </a:endParaRPr>
+            </a:p>
+          </p:txBody>
+        </p:sp>
+        <p:cxnSp>
+          <p:nvCxnSpPr>
+            <p:cNvPr id="22" name="直接箭头连接符 21"/>
+            <p:cNvCxnSpPr>
+              <a:stCxn id="16" idx="2"/>
+              <a:endCxn id="20" idx="0"/>
+            </p:cNvCxnSpPr>
+            <p:nvPr/>
+          </p:nvCxnSpPr>
+          <p:spPr bwMode="auto">
+            <a:xfrm flipH="1">
+              <a:off x="2043417" y="3584297"/>
+              <a:ext cx="426" cy="367711"/>
+            </a:xfrm>
+            <a:prstGeom prst="straightConnector1">
+              <a:avLst/>
+            </a:prstGeom>
+            <a:solidFill>
+              <a:srgbClr val="99CCFF">
+                <a:alpha val="32001"/>
+              </a:srgbClr>
+            </a:solidFill>
+            <a:ln w="19050" cap="flat" cmpd="sng" algn="ctr">
+              <a:solidFill>
+                <a:srgbClr val="000080"/>
+              </a:solidFill>
+              <a:prstDash val="solid"/>
+              <a:round/>
+              <a:headEnd type="none" w="med" len="med"/>
+              <a:tailEnd type="triangle"/>
+            </a:ln>
+            <a:effectLst/>
+          </p:spPr>
+        </p:cxnSp>
+        <p:sp>
+          <p:nvSpPr>
+            <p:cNvPr id="23" name="流程图: 过程 22"/>
+            <p:cNvSpPr/>
+            <p:nvPr/>
+          </p:nvSpPr>
+          <p:spPr bwMode="auto">
+            <a:xfrm>
+              <a:off x="1671640" y="5512257"/>
+              <a:ext cx="2186413" cy="338554"/>
+            </a:xfrm>
+            <a:prstGeom prst="flowChartProcess">
+              <a:avLst/>
+            </a:prstGeom>
+            <a:solidFill>
+              <a:srgbClr val="99CCFF">
+                <a:alpha val="32001"/>
+              </a:srgbClr>
+            </a:solidFill>
+            <a:ln w="19050" cap="flat" cmpd="sng" algn="ctr">
+              <a:solidFill>
+                <a:srgbClr val="000080"/>
+              </a:solidFill>
+              <a:prstDash val="solid"/>
+              <a:round/>
+              <a:headEnd type="none" w="med" len="med"/>
+              <a:tailEnd type="none" w="med" len="med"/>
+            </a:ln>
+            <a:effectLst/>
+          </p:spPr>
+          <p:txBody>
+            <a:bodyPr vert="horz" wrap="square" lIns="91440" tIns="45720" rIns="91440" bIns="45720" numCol="1" rtlCol="0" anchor="t" anchorCtr="0" compatLnSpc="1">
+              <a:prstTxWarp prst="textNoShape">
+                <a:avLst/>
+              </a:prstTxWarp>
+              <a:spAutoFit/>
+            </a:bodyPr>
+            <a:lstStyle/>
+            <a:p>
+              <a:pPr marL="342900" marR="0" indent="-342900" algn="ctr" defTabSz="914400" rtl="0" eaLnBrk="1" fontAlgn="base" latinLnBrk="0" hangingPunct="1">
+                <a:lnSpc>
+                  <a:spcPct val="100000"/>
+                </a:lnSpc>
+                <a:spcBef>
+                  <a:spcPct val="20000"/>
+                </a:spcBef>
+                <a:spcAft>
+                  <a:spcPct val="0"/>
+                </a:spcAft>
+                <a:buClrTx/>
+                <a:buSzPct val="75000"/>
+                <a:buFont typeface="Wingdings" pitchFamily="2" charset="2"/>
+                <a:buNone/>
+                <a:tabLst/>
+              </a:pPr>
+              <a:r>
+                <a:rPr lang="zh-CN" altLang="en-US" sz="1600" dirty="0" smtClean="0">
+                  <a:ea typeface="楷体_GB2312" pitchFamily="49" charset="-122"/>
+                </a:rPr>
+                <a:t>去除地球重力</a:t>
+              </a:r>
+              <a:endParaRPr kumimoji="1" lang="zh-CN" altLang="en-US" sz="1600" b="1" i="0" u="none" strike="noStrike" cap="none" normalizeH="0" baseline="0" dirty="0" smtClean="0">
+                <a:ln>
+                  <a:noFill/>
+                </a:ln>
+                <a:solidFill>
+                  <a:srgbClr val="000066"/>
+                </a:solidFill>
+                <a:effectLst/>
+                <a:ea typeface="楷体_GB2312" pitchFamily="49" charset="-122"/>
+              </a:endParaRPr>
+            </a:p>
+          </p:txBody>
+        </p:sp>
+        <p:sp>
+          <p:nvSpPr>
+            <p:cNvPr id="24" name="流程图: 过程 23"/>
+            <p:cNvSpPr/>
+            <p:nvPr/>
+          </p:nvSpPr>
+          <p:spPr bwMode="auto">
+            <a:xfrm>
+              <a:off x="323525" y="1417845"/>
+              <a:ext cx="3503756" cy="338554"/>
+            </a:xfrm>
+            <a:prstGeom prst="flowChartProcess">
+              <a:avLst/>
+            </a:prstGeom>
+            <a:solidFill>
+              <a:srgbClr val="99CCFF">
+                <a:alpha val="32001"/>
+              </a:srgbClr>
+            </a:solidFill>
+            <a:ln w="19050" cap="flat" cmpd="sng" algn="ctr">
+              <a:solidFill>
+                <a:srgbClr val="000080"/>
+              </a:solidFill>
+              <a:prstDash val="solid"/>
+              <a:round/>
+              <a:headEnd type="none" w="med" len="med"/>
+              <a:tailEnd type="none" w="med" len="med"/>
+            </a:ln>
+            <a:effectLst/>
+          </p:spPr>
+          <p:txBody>
+            <a:bodyPr vert="horz" wrap="square" lIns="91440" tIns="45720" rIns="91440" bIns="45720" numCol="1" rtlCol="0" anchor="t" anchorCtr="0" compatLnSpc="1">
+              <a:prstTxWarp prst="textNoShape">
+                <a:avLst/>
+              </a:prstTxWarp>
+              <a:spAutoFit/>
+            </a:bodyPr>
+            <a:lstStyle/>
+            <a:p>
+              <a:pPr marL="342900" indent="-342900" algn="ctr">
+                <a:spcBef>
+                  <a:spcPct val="20000"/>
+                </a:spcBef>
+                <a:buSzPct val="75000"/>
+              </a:pPr>
+              <a:r>
+                <a:rPr lang="en-US" altLang="zh-CN" sz="1600" dirty="0"/>
+                <a:t>9</a:t>
+              </a:r>
+              <a:r>
+                <a:rPr lang="zh-CN" altLang="en-US" sz="1600" dirty="0"/>
+                <a:t>轴惯性测量单元（</a:t>
+              </a:r>
+              <a:r>
+                <a:rPr lang="en-US" altLang="zh-CN" sz="1600" dirty="0"/>
+                <a:t>IMU</a:t>
+              </a:r>
+              <a:r>
+                <a:rPr lang="zh-CN" altLang="en-US" sz="1600" dirty="0" smtClean="0"/>
+                <a:t>）读数</a:t>
+              </a:r>
+              <a:endParaRPr kumimoji="1" lang="zh-CN" altLang="en-US" sz="1600" b="1" i="0" u="none" strike="noStrike" cap="none" normalizeH="0" baseline="0" dirty="0" smtClean="0">
+                <a:ln>
+                  <a:noFill/>
+                </a:ln>
+                <a:solidFill>
+                  <a:srgbClr val="000066"/>
+                </a:solidFill>
+                <a:effectLst/>
+                <a:ea typeface="楷体_GB2312" pitchFamily="49" charset="-122"/>
+              </a:endParaRPr>
+            </a:p>
+          </p:txBody>
+        </p:sp>
+        <p:cxnSp>
+          <p:nvCxnSpPr>
+            <p:cNvPr id="25" name="直接箭头连接符 24"/>
+            <p:cNvCxnSpPr>
+              <a:endCxn id="13" idx="0"/>
+            </p:cNvCxnSpPr>
+            <p:nvPr/>
+          </p:nvCxnSpPr>
+          <p:spPr bwMode="auto">
+            <a:xfrm>
+              <a:off x="755109" y="1756399"/>
+              <a:ext cx="0" cy="411769"/>
+            </a:xfrm>
+            <a:prstGeom prst="straightConnector1">
+              <a:avLst/>
+            </a:prstGeom>
+            <a:solidFill>
+              <a:srgbClr val="99CCFF">
+                <a:alpha val="32001"/>
+              </a:srgbClr>
+            </a:solidFill>
+            <a:ln w="19050" cap="flat" cmpd="sng" algn="ctr">
+              <a:solidFill>
+                <a:srgbClr val="000080"/>
+              </a:solidFill>
+              <a:prstDash val="solid"/>
+              <a:round/>
+              <a:headEnd type="none" w="med" len="med"/>
+              <a:tailEnd type="triangle"/>
+            </a:ln>
+            <a:effectLst/>
+          </p:spPr>
+        </p:cxnSp>
+        <p:cxnSp>
+          <p:nvCxnSpPr>
+            <p:cNvPr id="26" name="直接箭头连接符 25"/>
+            <p:cNvCxnSpPr>
+              <a:endCxn id="15" idx="0"/>
+            </p:cNvCxnSpPr>
+            <p:nvPr/>
+          </p:nvCxnSpPr>
+          <p:spPr bwMode="auto">
+            <a:xfrm flipH="1">
+              <a:off x="2043843" y="1756399"/>
+              <a:ext cx="2083" cy="411768"/>
+            </a:xfrm>
+            <a:prstGeom prst="straightConnector1">
+              <a:avLst/>
+            </a:prstGeom>
+            <a:solidFill>
+              <a:srgbClr val="99CCFF">
+                <a:alpha val="32001"/>
+              </a:srgbClr>
+            </a:solidFill>
+            <a:ln w="19050" cap="flat" cmpd="sng" algn="ctr">
+              <a:solidFill>
+                <a:srgbClr val="000080"/>
+              </a:solidFill>
+              <a:prstDash val="solid"/>
+              <a:round/>
+              <a:headEnd type="none" w="med" len="med"/>
+              <a:tailEnd type="triangle"/>
+            </a:ln>
+            <a:effectLst/>
+          </p:spPr>
+        </p:cxnSp>
+        <p:cxnSp>
+          <p:nvCxnSpPr>
+            <p:cNvPr id="27" name="直接箭头连接符 26"/>
+            <p:cNvCxnSpPr>
+              <a:endCxn id="14" idx="0"/>
+            </p:cNvCxnSpPr>
+            <p:nvPr/>
+          </p:nvCxnSpPr>
+          <p:spPr bwMode="auto">
+            <a:xfrm>
+              <a:off x="3368025" y="1756399"/>
+              <a:ext cx="6884" cy="411769"/>
+            </a:xfrm>
+            <a:prstGeom prst="straightConnector1">
+              <a:avLst/>
+            </a:prstGeom>
+            <a:solidFill>
+              <a:srgbClr val="99CCFF">
+                <a:alpha val="32001"/>
+              </a:srgbClr>
+            </a:solidFill>
+            <a:ln w="19050" cap="flat" cmpd="sng" algn="ctr">
+              <a:solidFill>
+                <a:srgbClr val="000080"/>
+              </a:solidFill>
+              <a:prstDash val="solid"/>
+              <a:round/>
+              <a:headEnd type="none" w="med" len="med"/>
+              <a:tailEnd type="triangle"/>
+            </a:ln>
+            <a:effectLst/>
+          </p:spPr>
+        </p:cxnSp>
+        <p:cxnSp>
+          <p:nvCxnSpPr>
+            <p:cNvPr id="28" name="直接箭头连接符 27"/>
+            <p:cNvCxnSpPr>
+              <a:stCxn id="14" idx="2"/>
+            </p:cNvCxnSpPr>
+            <p:nvPr/>
+          </p:nvCxnSpPr>
+          <p:spPr bwMode="auto">
+            <a:xfrm>
+              <a:off x="3374909" y="2869899"/>
+              <a:ext cx="8110" cy="1964823"/>
+            </a:xfrm>
+            <a:prstGeom prst="straightConnector1">
+              <a:avLst/>
+            </a:prstGeom>
+            <a:solidFill>
+              <a:srgbClr val="99CCFF">
+                <a:alpha val="32001"/>
+              </a:srgbClr>
+            </a:solidFill>
+            <a:ln w="19050" cap="flat" cmpd="sng" algn="ctr">
+              <a:solidFill>
+                <a:srgbClr val="000080"/>
+              </a:solidFill>
+              <a:prstDash val="solid"/>
+              <a:round/>
+              <a:headEnd type="none" w="med" len="med"/>
+              <a:tailEnd type="triangle"/>
+            </a:ln>
+            <a:effectLst/>
+          </p:spPr>
+        </p:cxnSp>
+        <p:cxnSp>
+          <p:nvCxnSpPr>
+            <p:cNvPr id="29" name="直接箭头连接符 28"/>
+            <p:cNvCxnSpPr>
+              <a:stCxn id="20" idx="2"/>
+            </p:cNvCxnSpPr>
+            <p:nvPr/>
+          </p:nvCxnSpPr>
+          <p:spPr bwMode="auto">
+            <a:xfrm>
+              <a:off x="2043417" y="4321340"/>
+              <a:ext cx="426" cy="513382"/>
+            </a:xfrm>
+            <a:prstGeom prst="straightConnector1">
+              <a:avLst/>
+            </a:prstGeom>
+            <a:solidFill>
+              <a:srgbClr val="99CCFF">
+                <a:alpha val="32001"/>
+              </a:srgbClr>
+            </a:solidFill>
+            <a:ln w="19050" cap="flat" cmpd="sng" algn="ctr">
+              <a:solidFill>
+                <a:srgbClr val="000080"/>
+              </a:solidFill>
+              <a:prstDash val="solid"/>
+              <a:round/>
+              <a:headEnd type="none" w="med" len="med"/>
+              <a:tailEnd type="triangle"/>
+            </a:ln>
+            <a:effectLst/>
+          </p:spPr>
+        </p:cxnSp>
+        <p:sp>
+          <p:nvSpPr>
+            <p:cNvPr id="30" name="流程图: 过程 29"/>
+            <p:cNvSpPr/>
+            <p:nvPr/>
+          </p:nvSpPr>
+          <p:spPr bwMode="auto">
+            <a:xfrm>
+              <a:off x="1671640" y="6210330"/>
+              <a:ext cx="2186413" cy="338554"/>
+            </a:xfrm>
+            <a:prstGeom prst="flowChartProcess">
+              <a:avLst/>
+            </a:prstGeom>
+            <a:solidFill>
+              <a:srgbClr val="99CCFF">
+                <a:alpha val="32001"/>
+              </a:srgbClr>
+            </a:solidFill>
+            <a:ln w="19050" cap="flat" cmpd="sng" algn="ctr">
+              <a:solidFill>
+                <a:srgbClr val="000080"/>
+              </a:solidFill>
+              <a:prstDash val="solid"/>
+              <a:round/>
+              <a:headEnd type="none" w="med" len="med"/>
+              <a:tailEnd type="none" w="med" len="med"/>
+            </a:ln>
+            <a:effectLst/>
+          </p:spPr>
+          <p:txBody>
+            <a:bodyPr vert="horz" wrap="square" lIns="36000" tIns="45720" rIns="36000" bIns="45720" numCol="1" rtlCol="0" anchor="t" anchorCtr="0" compatLnSpc="1">
+              <a:prstTxWarp prst="textNoShape">
+                <a:avLst/>
+              </a:prstTxWarp>
+              <a:spAutoFit/>
+            </a:bodyPr>
+            <a:lstStyle/>
+            <a:p>
+              <a:pPr marL="342900" marR="0" indent="-342900" algn="ctr" defTabSz="914400" rtl="0" eaLnBrk="1" fontAlgn="base" latinLnBrk="0" hangingPunct="1">
+                <a:lnSpc>
+                  <a:spcPct val="100000"/>
+                </a:lnSpc>
+                <a:spcBef>
+                  <a:spcPct val="20000"/>
+                </a:spcBef>
+                <a:spcAft>
+                  <a:spcPct val="0"/>
+                </a:spcAft>
+                <a:buClrTx/>
+                <a:buSzPct val="75000"/>
+                <a:buFont typeface="Wingdings" pitchFamily="2" charset="2"/>
+                <a:buNone/>
+                <a:tabLst/>
+              </a:pPr>
+              <a:r>
+                <a:rPr kumimoji="1" lang="zh-CN" altLang="en-US" sz="1600" b="1" i="0" u="none" strike="noStrike" cap="none" normalizeH="0" baseline="0" dirty="0" smtClean="0">
+                  <a:ln>
+                    <a:noFill/>
+                  </a:ln>
+                  <a:solidFill>
+                    <a:srgbClr val="000066"/>
+                  </a:solidFill>
+                  <a:effectLst/>
+                  <a:ea typeface="楷体_GB2312" pitchFamily="49" charset="-122"/>
+                </a:rPr>
+                <a:t>地面系三维加速度矢量</a:t>
+              </a:r>
+              <a:endParaRPr kumimoji="1" lang="zh-CN" altLang="en-US" sz="1600" b="1" i="0" u="none" strike="noStrike" cap="none" normalizeH="0" baseline="0" dirty="0" smtClean="0">
+                <a:ln>
+                  <a:noFill/>
+                </a:ln>
+                <a:solidFill>
+                  <a:srgbClr val="000066"/>
+                </a:solidFill>
+                <a:effectLst/>
+                <a:ea typeface="楷体_GB2312" pitchFamily="49" charset="-122"/>
+              </a:endParaRPr>
+            </a:p>
+          </p:txBody>
+        </p:sp>
+        <p:cxnSp>
+          <p:nvCxnSpPr>
+            <p:cNvPr id="31" name="直接箭头连接符 30"/>
+            <p:cNvCxnSpPr>
+              <a:stCxn id="21" idx="2"/>
+              <a:endCxn id="23" idx="0"/>
+            </p:cNvCxnSpPr>
+            <p:nvPr/>
+          </p:nvCxnSpPr>
+          <p:spPr bwMode="auto">
+            <a:xfrm>
+              <a:off x="2764847" y="5173276"/>
+              <a:ext cx="0" cy="338981"/>
+            </a:xfrm>
+            <a:prstGeom prst="straightConnector1">
+              <a:avLst/>
+            </a:prstGeom>
+            <a:solidFill>
+              <a:srgbClr val="99CCFF">
+                <a:alpha val="32001"/>
+              </a:srgbClr>
+            </a:solidFill>
+            <a:ln w="19050" cap="flat" cmpd="sng" algn="ctr">
+              <a:solidFill>
+                <a:srgbClr val="000080"/>
+              </a:solidFill>
+              <a:prstDash val="solid"/>
+              <a:round/>
+              <a:headEnd type="none" w="med" len="med"/>
+              <a:tailEnd type="triangle"/>
+            </a:ln>
+            <a:effectLst/>
+          </p:spPr>
+        </p:cxnSp>
+        <p:cxnSp>
+          <p:nvCxnSpPr>
+            <p:cNvPr id="32" name="直接箭头连接符 31"/>
+            <p:cNvCxnSpPr/>
+            <p:nvPr/>
+          </p:nvCxnSpPr>
+          <p:spPr bwMode="auto">
+            <a:xfrm>
+              <a:off x="2751857" y="5850811"/>
+              <a:ext cx="0" cy="338981"/>
+            </a:xfrm>
+            <a:prstGeom prst="straightConnector1">
+              <a:avLst/>
+            </a:prstGeom>
+            <a:solidFill>
+              <a:srgbClr val="99CCFF">
+                <a:alpha val="32001"/>
+              </a:srgbClr>
+            </a:solidFill>
+            <a:ln w="19050" cap="flat" cmpd="sng" algn="ctr">
+              <a:solidFill>
+                <a:srgbClr val="000080"/>
+              </a:solidFill>
+              <a:prstDash val="solid"/>
+              <a:round/>
+              <a:headEnd type="none" w="med" len="med"/>
+              <a:tailEnd type="triangle"/>
+            </a:ln>
+            <a:effectLst/>
+          </p:spPr>
+        </p:cxnSp>
+      </p:grpSp>
+      <p:sp>
+        <p:nvSpPr>
+          <p:cNvPr id="33" name="左右箭头 32"/>
+          <p:cNvSpPr/>
+          <p:nvPr/>
+        </p:nvSpPr>
+        <p:spPr bwMode="auto">
+          <a:xfrm>
+            <a:off x="4067944" y="2492896"/>
+            <a:ext cx="576064" cy="72008"/>
+          </a:xfrm>
+          <a:prstGeom prst="leftRightArrow">
+            <a:avLst/>
+          </a:prstGeom>
+          <a:solidFill>
+            <a:srgbClr val="99CCFF">
+              <a:alpha val="32001"/>
+            </a:srgbClr>
+          </a:solidFill>
+          <a:ln w="19050" cap="flat" cmpd="sng" algn="ctr">
+            <a:solidFill>
+              <a:srgbClr val="000080"/>
+            </a:solidFill>
+            <a:prstDash val="solid"/>
+            <a:round/>
+            <a:headEnd type="none" w="med" len="med"/>
+            <a:tailEnd type="none" w="med" len="med"/>
+          </a:ln>
+          <a:effectLst/>
+        </p:spPr>
+        <p:txBody>
+          <a:bodyPr vert="horz" wrap="none" lIns="91440" tIns="45720" rIns="91440" bIns="45720" numCol="1" rtlCol="0" anchor="t" anchorCtr="0" compatLnSpc="1">
+            <a:prstTxWarp prst="textNoShape">
+              <a:avLst/>
+            </a:prstTxWarp>
+            <a:spAutoFit/>
+          </a:bodyPr>
+          <a:lstStyle/>
+          <a:p>
+            <a:pPr marL="342900" marR="0" indent="-342900" algn="l" defTabSz="914400" rtl="0" eaLnBrk="1" fontAlgn="base" latinLnBrk="0" hangingPunct="1">
+              <a:lnSpc>
+                <a:spcPct val="100000"/>
+              </a:lnSpc>
+              <a:spcBef>
+                <a:spcPct val="20000"/>
+              </a:spcBef>
+              <a:spcAft>
+                <a:spcPct val="0"/>
+              </a:spcAft>
+              <a:buClrTx/>
+              <a:buSzPct val="75000"/>
+              <a:buFont typeface="Wingdings" pitchFamily="2" charset="2"/>
+              <a:buNone/>
+              <a:tabLst/>
+            </a:pPr>
+            <a:endParaRPr kumimoji="1" lang="zh-CN" altLang="en-US" sz="2600" b="1" i="0" u="none" strike="noStrike" cap="none" normalizeH="0" baseline="0" smtClean="0">
+              <a:ln>
+                <a:noFill/>
+              </a:ln>
+              <a:solidFill>
+                <a:srgbClr val="000066"/>
+              </a:solidFill>
+              <a:effectLst/>
+              <a:latin typeface="Sylfaen" pitchFamily="18" charset="0"/>
+              <a:ea typeface="楷体_GB2312" pitchFamily="49" charset="-122"/>
+            </a:endParaRPr>
+          </a:p>
+        </p:txBody>
+      </p:sp>
+      <p:sp>
+        <p:nvSpPr>
+          <p:cNvPr id="34" name="左右箭头 33"/>
+          <p:cNvSpPr/>
+          <p:nvPr/>
+        </p:nvSpPr>
+        <p:spPr bwMode="auto">
+          <a:xfrm>
+            <a:off x="4056235" y="6343603"/>
+            <a:ext cx="576064" cy="72008"/>
+          </a:xfrm>
+          <a:prstGeom prst="leftRightArrow">
+            <a:avLst/>
+          </a:prstGeom>
+          <a:solidFill>
+            <a:srgbClr val="99CCFF">
+              <a:alpha val="32001"/>
+            </a:srgbClr>
+          </a:solidFill>
+          <a:ln w="19050" cap="flat" cmpd="sng" algn="ctr">
+            <a:solidFill>
+              <a:srgbClr val="000080"/>
+            </a:solidFill>
+            <a:prstDash val="solid"/>
+            <a:round/>
+            <a:headEnd type="none" w="med" len="med"/>
+            <a:tailEnd type="none" w="med" len="med"/>
+          </a:ln>
+          <a:effectLst/>
+        </p:spPr>
+        <p:txBody>
+          <a:bodyPr vert="horz" wrap="none" lIns="91440" tIns="45720" rIns="91440" bIns="45720" numCol="1" rtlCol="0" anchor="t" anchorCtr="0" compatLnSpc="1">
+            <a:prstTxWarp prst="textNoShape">
+              <a:avLst/>
+            </a:prstTxWarp>
+            <a:spAutoFit/>
+          </a:bodyPr>
+          <a:lstStyle/>
+          <a:p>
+            <a:pPr marL="342900" marR="0" indent="-342900" algn="l" defTabSz="914400" rtl="0" eaLnBrk="1" fontAlgn="base" latinLnBrk="0" hangingPunct="1">
+              <a:lnSpc>
+                <a:spcPct val="100000"/>
+              </a:lnSpc>
+              <a:spcBef>
+                <a:spcPct val="20000"/>
+              </a:spcBef>
+              <a:spcAft>
+                <a:spcPct val="0"/>
+              </a:spcAft>
+              <a:buClrTx/>
+              <a:buSzPct val="75000"/>
+              <a:buFont typeface="Wingdings" pitchFamily="2" charset="2"/>
+              <a:buNone/>
+              <a:tabLst/>
+            </a:pPr>
+            <a:endParaRPr kumimoji="1" lang="zh-CN" altLang="en-US" sz="2600" b="1" i="0" u="none" strike="noStrike" cap="none" normalizeH="0" baseline="0" smtClean="0">
+              <a:ln>
+                <a:noFill/>
+              </a:ln>
+              <a:solidFill>
+                <a:srgbClr val="000066"/>
+              </a:solidFill>
+              <a:effectLst/>
+              <a:latin typeface="Sylfaen" pitchFamily="18" charset="0"/>
+              <a:ea typeface="楷体_GB2312" pitchFamily="49" charset="-122"/>
+            </a:endParaRPr>
+          </a:p>
+        </p:txBody>
+      </p:sp>
+      <p:sp>
+        <p:nvSpPr>
+          <p:cNvPr id="48" name="文本框 47"/>
+          <p:cNvSpPr txBox="1"/>
+          <p:nvPr/>
+        </p:nvSpPr>
+        <p:spPr>
+          <a:xfrm rot="16200000">
+            <a:off x="4018719" y="3060232"/>
+            <a:ext cx="1329210" cy="338554"/>
+          </a:xfrm>
+          <a:prstGeom prst="rect">
+            <a:avLst/>
+          </a:prstGeom>
+          <a:noFill/>
+        </p:spPr>
+        <p:txBody>
+          <a:bodyPr wrap="none" rtlCol="0">
+            <a:spAutoFit/>
+          </a:bodyPr>
+          <a:lstStyle/>
+          <a:p>
+            <a:r>
+              <a:rPr lang="zh-CN" altLang="en-US" sz="1600" dirty="0" smtClean="0"/>
+              <a:t>加速度</a:t>
+            </a:r>
+            <a:r>
+              <a:rPr lang="en-US" altLang="zh-CN" sz="1600" dirty="0" smtClean="0"/>
+              <a:t>/ </a:t>
+            </a:r>
+            <a:r>
+              <a:rPr lang="en-US" altLang="zh-CN" sz="1600" dirty="0" smtClean="0"/>
+              <a:t>m</a:t>
+            </a:r>
+            <a:r>
+              <a:rPr lang="en-US" altLang="zh-CN" sz="1600" dirty="0" smtClean="0"/>
+              <a:t>/s</a:t>
+            </a:r>
+            <a:r>
+              <a:rPr lang="en-US" altLang="zh-CN" sz="1400" baseline="30000" dirty="0" smtClean="0"/>
+              <a:t>2</a:t>
+            </a:r>
+            <a:endParaRPr lang="zh-CN" altLang="en-US" sz="1600" baseline="30000" dirty="0"/>
+          </a:p>
+        </p:txBody>
+      </p:sp>
+      <p:sp>
+        <p:nvSpPr>
+          <p:cNvPr id="49" name="文本框 48"/>
+          <p:cNvSpPr txBox="1"/>
+          <p:nvPr/>
+        </p:nvSpPr>
+        <p:spPr>
+          <a:xfrm>
+            <a:off x="4930654" y="3475432"/>
+            <a:ext cx="736099" cy="338554"/>
+          </a:xfrm>
+          <a:prstGeom prst="rect">
+            <a:avLst/>
+          </a:prstGeom>
+          <a:noFill/>
+        </p:spPr>
+        <p:txBody>
+          <a:bodyPr wrap="none" rtlCol="0">
+            <a:spAutoFit/>
+          </a:bodyPr>
+          <a:lstStyle/>
+          <a:p>
+            <a:r>
+              <a:rPr lang="zh-CN" altLang="en-US" sz="1600" dirty="0" smtClean="0"/>
+              <a:t>时间</a:t>
+            </a:r>
+            <a:r>
+              <a:rPr lang="en-US" altLang="zh-CN" sz="1600" dirty="0" smtClean="0"/>
+              <a:t>/s</a:t>
+            </a:r>
+            <a:endParaRPr lang="zh-CN" altLang="en-US" sz="1600" dirty="0"/>
+          </a:p>
+        </p:txBody>
+      </p:sp>
+      <p:sp>
+        <p:nvSpPr>
+          <p:cNvPr id="50" name="文本框 49"/>
+          <p:cNvSpPr txBox="1"/>
+          <p:nvPr/>
+        </p:nvSpPr>
+        <p:spPr>
+          <a:xfrm>
+            <a:off x="4904277" y="6548884"/>
+            <a:ext cx="736099" cy="338554"/>
+          </a:xfrm>
+          <a:prstGeom prst="rect">
+            <a:avLst/>
+          </a:prstGeom>
+          <a:noFill/>
+        </p:spPr>
+        <p:txBody>
+          <a:bodyPr wrap="none" rtlCol="0">
+            <a:spAutoFit/>
+          </a:bodyPr>
+          <a:lstStyle/>
+          <a:p>
+            <a:r>
+              <a:rPr lang="zh-CN" altLang="en-US" sz="1600" dirty="0" smtClean="0"/>
+              <a:t>时间</a:t>
+            </a:r>
+            <a:r>
+              <a:rPr lang="en-US" altLang="zh-CN" sz="1600" dirty="0" smtClean="0"/>
+              <a:t>/s</a:t>
+            </a:r>
+            <a:endParaRPr lang="zh-CN" altLang="en-US" sz="1600" dirty="0"/>
+          </a:p>
+        </p:txBody>
+      </p:sp>
+      <p:sp>
+        <p:nvSpPr>
+          <p:cNvPr id="51" name="文本框 50"/>
+          <p:cNvSpPr txBox="1"/>
+          <p:nvPr/>
+        </p:nvSpPr>
+        <p:spPr>
+          <a:xfrm rot="16200000">
+            <a:off x="4018719" y="5418973"/>
+            <a:ext cx="1329210" cy="338554"/>
+          </a:xfrm>
+          <a:prstGeom prst="rect">
+            <a:avLst/>
+          </a:prstGeom>
+          <a:noFill/>
+        </p:spPr>
+        <p:txBody>
+          <a:bodyPr wrap="none" rtlCol="0">
+            <a:spAutoFit/>
+          </a:bodyPr>
+          <a:lstStyle/>
+          <a:p>
+            <a:r>
+              <a:rPr lang="zh-CN" altLang="en-US" sz="1600" dirty="0" smtClean="0"/>
+              <a:t>加速度</a:t>
+            </a:r>
+            <a:r>
+              <a:rPr lang="en-US" altLang="zh-CN" sz="1600" dirty="0" smtClean="0"/>
+              <a:t>/ </a:t>
+            </a:r>
+            <a:r>
+              <a:rPr lang="en-US" altLang="zh-CN" sz="1600" dirty="0" smtClean="0"/>
+              <a:t>m</a:t>
+            </a:r>
+            <a:r>
+              <a:rPr lang="en-US" altLang="zh-CN" sz="1600" dirty="0" smtClean="0"/>
+              <a:t>/s</a:t>
+            </a:r>
+            <a:r>
+              <a:rPr lang="en-US" altLang="zh-CN" sz="1400" baseline="30000" dirty="0" smtClean="0"/>
+              <a:t>2</a:t>
+            </a:r>
+            <a:endParaRPr lang="zh-CN" altLang="en-US" sz="1600" baseline="30000" dirty="0"/>
+          </a:p>
+        </p:txBody>
+      </p:sp>
     </p:spTree>
     <p:extLst>
       <p:ext uri="{BB962C8B-B14F-4D97-AF65-F5344CB8AC3E}">
-        <p14:creationId xmlns:p14="http://schemas.microsoft.com/office/powerpoint/2010/main" val="127697413"/>
+        <p14:creationId xmlns:p14="http://schemas.microsoft.com/office/powerpoint/2010/main" val="1048755686"/>
       </p:ext>
     </p:extLst>
   </p:cSld>
   <p:clrMapOvr>
     <a:masterClrMapping/>
   </p:clrMapOvr>
+  <mc:AlternateContent xmlns:mc="http://schemas.openxmlformats.org/markup-compatibility/2006">
+    <mc:Choice xmlns:p14="http://schemas.microsoft.com/office/powerpoint/2010/main" Requires="p14">
+      <p:transition spd="slow" p14:dur="2000" advTm="27918"/>
+    </mc:Choice>
+    <mc:Fallback>
+      <p:transition spd="slow" advTm="27918"/>
+    </mc:Fallback>
+  </mc:AlternateContent>
   <p:timing>
     <p:tnLst>
       <p:par>
@@ -5783,7 +7194,7 @@
 </p:sld>
 </file>
 
-<file path=ppt/slides/slide5.xml><?xml version="1.0" encoding="utf-8"?>
+<file path=ppt/slides/slide4.xml><?xml version="1.0" encoding="utf-8"?>
 <p:sld xmlns:a="http://schemas.openxmlformats.org/drawingml/2006/main" xmlns:r="http://schemas.openxmlformats.org/officeDocument/2006/relationships" xmlns:p="http://schemas.openxmlformats.org/presentationml/2006/main">
   <p:cSld>
     <p:spTree>
@@ -5802,7 +7213,7 @@
       </p:grpSpPr>
       <p:sp>
         <p:nvSpPr>
-          <p:cNvPr id="2" name="标题 1"/>
+          <p:cNvPr id="3" name="标题 2"/>
           <p:cNvSpPr>
             <a:spLocks noGrp="1"/>
           </p:cNvSpPr>
@@ -5810,453 +7221,371 @@
             <p:ph type="title"/>
           </p:nvPr>
         </p:nvSpPr>
-        <p:spPr>
-          <a:xfrm>
-            <a:off x="1752600" y="260350"/>
-            <a:ext cx="7391400" cy="863600"/>
-          </a:xfrm>
-        </p:spPr>
+        <p:spPr/>
         <p:txBody>
           <a:bodyPr/>
           <a:lstStyle/>
           <a:p>
             <a:r>
               <a:rPr lang="zh-CN" altLang="en-US" dirty="0" smtClean="0"/>
-              <a:t>算法框架</a:t>
+              <a:t>算法框架（</a:t>
+            </a:r>
+            <a:r>
+              <a:rPr lang="en-US" altLang="zh-CN" dirty="0" smtClean="0"/>
+              <a:t>2/2</a:t>
+            </a:r>
+            <a:r>
+              <a:rPr lang="zh-CN" altLang="en-US" dirty="0" smtClean="0"/>
+              <a:t>）</a:t>
             </a:r>
             <a:endParaRPr lang="zh-CN" altLang="en-US" dirty="0"/>
-          </a:p>
-        </p:txBody>
-      </p:sp>
-      <p:sp>
-        <p:nvSpPr>
-          <p:cNvPr id="3" name="内容占位符 2"/>
-          <p:cNvSpPr>
-            <a:spLocks noGrp="1"/>
-          </p:cNvSpPr>
-          <p:nvPr>
-            <p:ph idx="1"/>
-          </p:nvPr>
-        </p:nvSpPr>
-        <p:spPr>
-          <a:xfrm>
-            <a:off x="395536" y="1196975"/>
-            <a:ext cx="4846985" cy="5400377"/>
-          </a:xfrm>
-        </p:spPr>
-        <p:txBody>
-          <a:bodyPr>
-            <a:normAutofit fontScale="62500" lnSpcReduction="20000"/>
-          </a:bodyPr>
-          <a:lstStyle/>
-          <a:p>
-            <a:r>
-              <a:rPr lang="zh-CN" altLang="en-US" dirty="0" smtClean="0"/>
-              <a:t>惯性定位</a:t>
-            </a:r>
-            <a:r>
-              <a:rPr lang="en-US" altLang="zh-CN" dirty="0" smtClean="0"/>
-              <a:t>——</a:t>
-            </a:r>
-            <a:r>
-              <a:rPr lang="zh-CN" altLang="en-US" dirty="0" smtClean="0"/>
-              <a:t>积分计算地面系下的速度和位移</a:t>
-            </a:r>
-            <a:endParaRPr lang="en-US" altLang="zh-CN" dirty="0"/>
-          </a:p>
-          <a:p>
-            <a:r>
-              <a:rPr lang="zh-CN" altLang="en-US" dirty="0" smtClean="0"/>
-              <a:t>视觉定位</a:t>
-            </a:r>
-            <a:r>
-              <a:rPr lang="en-US" altLang="zh-CN" dirty="0" smtClean="0"/>
-              <a:t>——</a:t>
-            </a:r>
-            <a:r>
-              <a:rPr lang="zh-CN" altLang="en-US" dirty="0" smtClean="0"/>
-              <a:t>深度摄像头</a:t>
-            </a:r>
-            <a:r>
-              <a:rPr lang="en-US" altLang="zh-CN" dirty="0" smtClean="0"/>
-              <a:t>+</a:t>
-            </a:r>
-            <a:r>
-              <a:rPr lang="zh-CN" altLang="en-US" dirty="0" smtClean="0"/>
-              <a:t>目标检测</a:t>
-            </a:r>
-            <a:r>
-              <a:rPr lang="en-US" altLang="zh-CN" dirty="0" smtClean="0"/>
-              <a:t>+</a:t>
-            </a:r>
-            <a:r>
-              <a:rPr lang="zh-CN" altLang="en-US" dirty="0" smtClean="0"/>
-              <a:t>位置标定</a:t>
-            </a:r>
-            <a:endParaRPr lang="en-US" altLang="zh-CN" dirty="0"/>
-          </a:p>
-          <a:p>
-            <a:pPr lvl="1"/>
-            <a:r>
-              <a:rPr lang="zh-CN" altLang="en-US" dirty="0" smtClean="0"/>
-              <a:t>感谢李一龙同学提供此部分解决方案！</a:t>
-            </a:r>
-            <a:endParaRPr lang="en-US" altLang="zh-CN" dirty="0" smtClean="0"/>
-          </a:p>
-          <a:p>
-            <a:r>
-              <a:rPr lang="zh-CN" altLang="en-US" dirty="0"/>
-              <a:t>实时将位置信息反馈给机器人</a:t>
-            </a:r>
-            <a:endParaRPr lang="en-US" altLang="zh-CN" dirty="0"/>
-          </a:p>
-          <a:p>
-            <a:pPr lvl="1"/>
-            <a:r>
-              <a:rPr lang="zh-CN" altLang="en-US" dirty="0"/>
-              <a:t>无论是否收到视觉信息的校正</a:t>
-            </a:r>
-            <a:r>
-              <a:rPr lang="en-US" altLang="zh-CN" dirty="0"/>
-              <a:t>——IMU</a:t>
-            </a:r>
-            <a:r>
-              <a:rPr lang="zh-CN" altLang="en-US" dirty="0"/>
-              <a:t>采样周期短得多</a:t>
-            </a:r>
-            <a:endParaRPr lang="en-US" altLang="zh-CN" dirty="0"/>
-          </a:p>
-          <a:p>
-            <a:pPr lvl="1"/>
-            <a:r>
-              <a:rPr lang="zh-CN" altLang="en-US" dirty="0">
-                <a:solidFill>
-                  <a:srgbClr val="D80000"/>
-                </a:solidFill>
-              </a:rPr>
-              <a:t>解决视觉定位的“失配”</a:t>
-            </a:r>
-            <a:r>
-              <a:rPr lang="zh-CN" altLang="en-US" dirty="0" smtClean="0">
-                <a:solidFill>
-                  <a:srgbClr val="D80000"/>
-                </a:solidFill>
-              </a:rPr>
-              <a:t>问题</a:t>
-            </a:r>
-            <a:endParaRPr lang="en-US" altLang="zh-CN" dirty="0">
-              <a:solidFill>
-                <a:srgbClr val="D80000"/>
-              </a:solidFill>
-            </a:endParaRPr>
-          </a:p>
-          <a:p>
-            <a:r>
-              <a:rPr lang="zh-CN" altLang="en-US" dirty="0" smtClean="0"/>
-              <a:t>接收到视觉定位信息</a:t>
-            </a:r>
-            <a:r>
-              <a:rPr lang="en-US" altLang="zh-CN" dirty="0"/>
-              <a:t>——</a:t>
-            </a:r>
-            <a:r>
-              <a:rPr lang="zh-CN" altLang="en-US" dirty="0" smtClean="0"/>
-              <a:t>进行融合校正</a:t>
-            </a:r>
-            <a:endParaRPr lang="en-US" altLang="zh-CN" dirty="0" smtClean="0"/>
-          </a:p>
-          <a:p>
-            <a:pPr lvl="1"/>
-            <a:r>
-              <a:rPr lang="zh-CN" altLang="en-US" dirty="0"/>
-              <a:t>若没有超过“超时阈值”</a:t>
-            </a:r>
-            <a:endParaRPr lang="en-US" altLang="zh-CN" dirty="0"/>
-          </a:p>
-          <a:p>
-            <a:pPr lvl="2">
-              <a:buFont typeface="Wingdings" panose="05000000000000000000" pitchFamily="2" charset="2"/>
-              <a:buChar char="u"/>
-            </a:pPr>
-            <a:r>
-              <a:rPr lang="zh-CN" altLang="en-US" dirty="0"/>
-              <a:t>卡尔曼滤波融合速度</a:t>
-            </a:r>
-            <a:r>
-              <a:rPr lang="en-US" altLang="zh-CN" dirty="0"/>
-              <a:t>——</a:t>
-            </a:r>
-            <a:r>
-              <a:rPr lang="zh-CN" altLang="en-US" dirty="0">
-                <a:solidFill>
-                  <a:srgbClr val="D80000"/>
-                </a:solidFill>
-              </a:rPr>
-              <a:t>消除累计误差</a:t>
-            </a:r>
-            <a:endParaRPr lang="en-US" altLang="zh-CN" dirty="0">
-              <a:solidFill>
-                <a:srgbClr val="D80000"/>
-              </a:solidFill>
-            </a:endParaRPr>
-          </a:p>
-          <a:p>
-            <a:pPr lvl="1"/>
-            <a:r>
-              <a:rPr lang="zh-CN" altLang="en-US" dirty="0" smtClean="0"/>
-              <a:t>若</a:t>
-            </a:r>
-            <a:r>
-              <a:rPr lang="zh-CN" altLang="en-US" dirty="0"/>
-              <a:t>超过</a:t>
-            </a:r>
-            <a:r>
-              <a:rPr lang="zh-CN" altLang="en-US" dirty="0" smtClean="0"/>
-              <a:t>“超时阈值”</a:t>
-            </a:r>
-            <a:r>
-              <a:rPr lang="en-US" altLang="zh-CN" dirty="0" smtClean="0"/>
-              <a:t>——</a:t>
-            </a:r>
-            <a:r>
-              <a:rPr lang="zh-CN" altLang="en-US" dirty="0" smtClean="0">
-                <a:solidFill>
-                  <a:srgbClr val="D80000"/>
-                </a:solidFill>
-              </a:rPr>
-              <a:t>视觉检测重新匹配目标</a:t>
-            </a:r>
-            <a:endParaRPr lang="en-US" altLang="zh-CN" dirty="0" smtClean="0">
-              <a:solidFill>
-                <a:srgbClr val="D80000"/>
-              </a:solidFill>
-            </a:endParaRPr>
-          </a:p>
-          <a:p>
-            <a:pPr lvl="2">
-              <a:buFont typeface="Wingdings" panose="05000000000000000000" pitchFamily="2" charset="2"/>
-              <a:buChar char="u"/>
-            </a:pPr>
-            <a:r>
-              <a:rPr lang="zh-CN" altLang="en-US" dirty="0"/>
-              <a:t>此时</a:t>
-            </a:r>
-            <a:r>
-              <a:rPr lang="zh-CN" altLang="en-US" dirty="0" smtClean="0"/>
-              <a:t>惯性定位和视觉定位会有一定差异</a:t>
-            </a:r>
-            <a:endParaRPr lang="en-US" altLang="zh-CN" dirty="0" smtClean="0"/>
-          </a:p>
-          <a:p>
-            <a:pPr lvl="2">
-              <a:buFont typeface="Wingdings" panose="05000000000000000000" pitchFamily="2" charset="2"/>
-              <a:buChar char="u"/>
-            </a:pPr>
-            <a:r>
-              <a:rPr lang="zh-CN" altLang="en-US" dirty="0">
-                <a:solidFill>
-                  <a:srgbClr val="D80000"/>
-                </a:solidFill>
-              </a:rPr>
-              <a:t>重</a:t>
-            </a:r>
-            <a:r>
-              <a:rPr lang="zh-CN" altLang="en-US" dirty="0" smtClean="0">
-                <a:solidFill>
-                  <a:srgbClr val="D80000"/>
-                </a:solidFill>
-              </a:rPr>
-              <a:t>设位置信息</a:t>
-            </a:r>
-            <a:r>
-              <a:rPr lang="en-US" altLang="zh-CN" dirty="0" smtClean="0">
-                <a:solidFill>
-                  <a:srgbClr val="D80000"/>
-                </a:solidFill>
-              </a:rPr>
-              <a:t>——</a:t>
-            </a:r>
-            <a:r>
-              <a:rPr lang="zh-CN" altLang="en-US" dirty="0" smtClean="0">
-                <a:solidFill>
-                  <a:srgbClr val="D80000"/>
-                </a:solidFill>
-              </a:rPr>
-              <a:t>在机器人的“视野”中尽量准确</a:t>
-            </a:r>
-            <a:endParaRPr lang="en-US" altLang="zh-CN" dirty="0" smtClean="0">
-              <a:solidFill>
-                <a:srgbClr val="D80000"/>
-              </a:solidFill>
-            </a:endParaRPr>
           </a:p>
         </p:txBody>
       </p:sp>
       <p:grpSp>
         <p:nvGrpSpPr>
-          <p:cNvPr id="7" name="组合 6"/>
+          <p:cNvPr id="183" name="组合 182"/>
           <p:cNvGrpSpPr/>
           <p:nvPr/>
         </p:nvGrpSpPr>
         <p:grpSpPr>
           <a:xfrm>
-            <a:off x="5977873" y="1331911"/>
-            <a:ext cx="3050767" cy="4545361"/>
-            <a:chOff x="5977873" y="1096356"/>
-            <a:chExt cx="3050767" cy="4545361"/>
+            <a:off x="684941" y="1362254"/>
+            <a:ext cx="8022789" cy="5237727"/>
+            <a:chOff x="684941" y="1362254"/>
+            <a:chExt cx="8022789" cy="5237727"/>
           </a:xfrm>
         </p:grpSpPr>
         <p:sp>
           <p:nvSpPr>
-            <p:cNvPr id="4" name="文本框 3"/>
-            <p:cNvSpPr txBox="1"/>
+            <p:cNvPr id="4" name="矩形 3"/>
+            <p:cNvSpPr/>
             <p:nvPr/>
           </p:nvSpPr>
-          <p:spPr>
+          <p:spPr bwMode="auto">
             <a:xfrm>
-              <a:off x="6948262" y="1096356"/>
-              <a:ext cx="803425" cy="461665"/>
+              <a:off x="1043923" y="2141620"/>
+              <a:ext cx="1852719" cy="338554"/>
             </a:xfrm>
             <a:prstGeom prst="rect">
               <a:avLst/>
             </a:prstGeom>
-            <a:noFill/>
-            <a:ln>
+            <a:solidFill>
+              <a:srgbClr val="99CCFF">
+                <a:alpha val="32001"/>
+              </a:srgbClr>
+            </a:solidFill>
+            <a:ln w="19050" cap="flat" cmpd="sng" algn="ctr">
               <a:solidFill>
-                <a:srgbClr val="008000"/>
+                <a:srgbClr val="000080"/>
               </a:solidFill>
+              <a:prstDash val="solid"/>
+              <a:round/>
+              <a:headEnd type="none" w="med" len="med"/>
+              <a:tailEnd type="none" w="med" len="med"/>
             </a:ln>
+            <a:effectLst/>
           </p:spPr>
           <p:txBody>
-            <a:bodyPr wrap="none" rtlCol="0">
+            <a:bodyPr vert="horz" wrap="square" lIns="91440" tIns="45720" rIns="91440" bIns="45720" numCol="1" rtlCol="0" anchor="t" anchorCtr="0" compatLnSpc="1">
+              <a:prstTxWarp prst="textNoShape">
+                <a:avLst/>
+              </a:prstTxWarp>
               <a:spAutoFit/>
             </a:bodyPr>
             <a:lstStyle/>
             <a:p>
+              <a:pPr marL="342900" marR="0" indent="-342900" algn="l" defTabSz="914400" rtl="0" eaLnBrk="1" fontAlgn="base" latinLnBrk="0" hangingPunct="1">
+                <a:lnSpc>
+                  <a:spcPct val="100000"/>
+                </a:lnSpc>
+                <a:spcBef>
+                  <a:spcPct val="20000"/>
+                </a:spcBef>
+                <a:spcAft>
+                  <a:spcPct val="0"/>
+                </a:spcAft>
+                <a:buClrTx/>
+                <a:buSzPct val="75000"/>
+                <a:buFont typeface="Wingdings" pitchFamily="2" charset="2"/>
+                <a:buNone/>
+                <a:tabLst/>
+              </a:pPr>
               <a:r>
-                <a:rPr lang="zh-CN" altLang="en-US" sz="2400" dirty="0" smtClean="0"/>
-                <a:t>手机</a:t>
+                <a:rPr lang="zh-CN" altLang="en-US" sz="1600" dirty="0">
+                  <a:ea typeface="楷体_GB2312" pitchFamily="49" charset="-122"/>
+                </a:rPr>
+                <a:t>惯性</a:t>
               </a:r>
-              <a:endParaRPr lang="zh-CN" altLang="en-US" sz="2400" dirty="0"/>
+              <a:r>
+                <a:rPr kumimoji="1" lang="zh-CN" altLang="en-US" sz="1600" b="1" i="0" u="none" strike="noStrike" cap="none" normalizeH="0" baseline="0" dirty="0" smtClean="0">
+                  <a:ln>
+                    <a:noFill/>
+                  </a:ln>
+                  <a:solidFill>
+                    <a:srgbClr val="000066"/>
+                  </a:solidFill>
+                  <a:effectLst/>
+                  <a:latin typeface="Sylfaen" pitchFamily="18" charset="0"/>
+                  <a:ea typeface="楷体_GB2312" pitchFamily="49" charset="-122"/>
+                </a:rPr>
+                <a:t>定位速度矢量</a:t>
+              </a:r>
+              <a:endParaRPr kumimoji="1" lang="zh-CN" altLang="en-US" sz="1600" b="1" i="0" u="none" strike="noStrike" cap="none" normalizeH="0" baseline="0" dirty="0" smtClean="0">
+                <a:ln>
+                  <a:noFill/>
+                </a:ln>
+                <a:solidFill>
+                  <a:srgbClr val="000066"/>
+                </a:solidFill>
+                <a:effectLst/>
+                <a:latin typeface="Sylfaen" pitchFamily="18" charset="0"/>
+                <a:ea typeface="楷体_GB2312" pitchFamily="49" charset="-122"/>
+              </a:endParaRPr>
             </a:p>
           </p:txBody>
         </p:sp>
         <p:sp>
           <p:nvSpPr>
-            <p:cNvPr id="5" name="文本框 4"/>
-            <p:cNvSpPr txBox="1"/>
+            <p:cNvPr id="5" name="矩形 4"/>
+            <p:cNvSpPr/>
             <p:nvPr/>
           </p:nvSpPr>
-          <p:spPr>
+          <p:spPr bwMode="auto">
             <a:xfrm>
-              <a:off x="6574886" y="2413029"/>
-              <a:ext cx="1601472" cy="1231106"/>
+              <a:off x="3476995" y="2072175"/>
+              <a:ext cx="2188211" cy="560153"/>
             </a:xfrm>
             <a:prstGeom prst="rect">
               <a:avLst/>
             </a:prstGeom>
-            <a:noFill/>
-            <a:ln>
+            <a:solidFill>
+              <a:srgbClr val="99CCFF">
+                <a:alpha val="32001"/>
+              </a:srgbClr>
+            </a:solidFill>
+            <a:ln w="19050" cap="flat" cmpd="sng" algn="ctr">
               <a:solidFill>
-                <a:srgbClr val="008000"/>
+                <a:srgbClr val="000080"/>
               </a:solidFill>
+              <a:prstDash val="solid"/>
+              <a:round/>
+              <a:headEnd type="none" w="med" len="med"/>
+              <a:tailEnd type="none" w="med" len="med"/>
             </a:ln>
+            <a:effectLst/>
           </p:spPr>
           <p:txBody>
-            <a:bodyPr wrap="square" rtlCol="0">
+            <a:bodyPr vert="horz" wrap="square" lIns="91440" tIns="45720" rIns="91440" bIns="45720" numCol="1" rtlCol="0" anchor="t" anchorCtr="0" compatLnSpc="1">
+              <a:prstTxWarp prst="textNoShape">
+                <a:avLst/>
+              </a:prstTxWarp>
               <a:spAutoFit/>
             </a:bodyPr>
             <a:lstStyle/>
             <a:p>
-              <a:pPr algn="ctr"/>
+              <a:pPr marL="342900" marR="0" indent="-342900" algn="ctr" defTabSz="914400" rtl="0" eaLnBrk="1" fontAlgn="base" latinLnBrk="0" hangingPunct="1">
+                <a:lnSpc>
+                  <a:spcPct val="100000"/>
+                </a:lnSpc>
+                <a:spcBef>
+                  <a:spcPct val="20000"/>
+                </a:spcBef>
+                <a:spcAft>
+                  <a:spcPct val="0"/>
+                </a:spcAft>
+                <a:buClrTx/>
+                <a:buSzPct val="75000"/>
+                <a:buFont typeface="Wingdings" pitchFamily="2" charset="2"/>
+                <a:buNone/>
+                <a:tabLst/>
+              </a:pPr>
               <a:r>
-                <a:rPr lang="zh-CN" altLang="en-US" sz="2400" dirty="0" smtClean="0"/>
-                <a:t>惯性定位</a:t>
+                <a:rPr kumimoji="1" lang="zh-CN" altLang="en-US" sz="1600" b="1" i="0" u="none" strike="noStrike" cap="none" normalizeH="0" baseline="0" dirty="0" smtClean="0">
+                  <a:ln>
+                    <a:noFill/>
+                  </a:ln>
+                  <a:solidFill>
+                    <a:srgbClr val="000066"/>
+                  </a:solidFill>
+                  <a:effectLst/>
+                  <a:latin typeface="Sylfaen" pitchFamily="18" charset="0"/>
+                  <a:ea typeface="楷体_GB2312" pitchFamily="49" charset="-122"/>
+                </a:rPr>
+                <a:t>目标检测</a:t>
               </a:r>
-              <a:endParaRPr lang="en-US" altLang="zh-CN" sz="2400" dirty="0" smtClean="0"/>
+              <a:r>
+                <a:rPr kumimoji="1" lang="en-US" altLang="zh-CN" sz="1600" b="1" i="0" u="none" strike="noStrike" cap="none" normalizeH="0" baseline="0" dirty="0" smtClean="0">
+                  <a:ln>
+                    <a:noFill/>
+                  </a:ln>
+                  <a:solidFill>
+                    <a:srgbClr val="000066"/>
+                  </a:solidFill>
+                  <a:effectLst/>
+                  <a:latin typeface="Sylfaen" pitchFamily="18" charset="0"/>
+                  <a:ea typeface="楷体_GB2312" pitchFamily="49" charset="-122"/>
+                </a:rPr>
+                <a:t>&amp;</a:t>
+              </a:r>
+              <a:r>
+                <a:rPr kumimoji="1" lang="zh-CN" altLang="en-US" sz="1600" b="1" i="0" u="none" strike="noStrike" cap="none" normalizeH="0" baseline="0" dirty="0" smtClean="0">
+                  <a:ln>
+                    <a:noFill/>
+                  </a:ln>
+                  <a:solidFill>
+                    <a:srgbClr val="000066"/>
+                  </a:solidFill>
+                  <a:effectLst/>
+                  <a:latin typeface="Sylfaen" pitchFamily="18" charset="0"/>
+                  <a:ea typeface="楷体_GB2312" pitchFamily="49" charset="-122"/>
+                </a:rPr>
+                <a:t>位置标定</a:t>
+              </a:r>
+              <a:endParaRPr kumimoji="1" lang="en-US" altLang="zh-CN" sz="1600" b="1" i="0" u="none" strike="noStrike" cap="none" normalizeH="0" baseline="0" dirty="0" smtClean="0">
+                <a:ln>
+                  <a:noFill/>
+                </a:ln>
+                <a:solidFill>
+                  <a:srgbClr val="000066"/>
+                </a:solidFill>
+                <a:effectLst/>
+                <a:latin typeface="Sylfaen" pitchFamily="18" charset="0"/>
+                <a:ea typeface="楷体_GB2312" pitchFamily="49" charset="-122"/>
+              </a:endParaRPr>
             </a:p>
             <a:p>
-              <a:pPr algn="ctr"/>
+              <a:pPr marL="342900" marR="0" indent="-342900" algn="ctr" defTabSz="914400" rtl="0" eaLnBrk="1" fontAlgn="base" latinLnBrk="0" hangingPunct="1">
+                <a:lnSpc>
+                  <a:spcPct val="100000"/>
+                </a:lnSpc>
+                <a:spcBef>
+                  <a:spcPct val="20000"/>
+                </a:spcBef>
+                <a:spcAft>
+                  <a:spcPct val="0"/>
+                </a:spcAft>
+                <a:buClrTx/>
+                <a:buSzPct val="75000"/>
+                <a:buFont typeface="Wingdings" pitchFamily="2" charset="2"/>
+                <a:buNone/>
+                <a:tabLst/>
+              </a:pPr>
               <a:r>
-                <a:rPr lang="en-US" altLang="zh-CN" sz="2400" dirty="0" smtClean="0"/>
-                <a:t>+</a:t>
+                <a:rPr lang="zh-CN" altLang="en-US" sz="1200" dirty="0" smtClean="0">
+                  <a:ea typeface="楷体_GB2312" pitchFamily="49" charset="-122"/>
+                </a:rPr>
+                <a:t>*李一龙同学提供解决方案</a:t>
               </a:r>
-              <a:r>
-                <a:rPr lang="zh-CN" altLang="en-US" sz="2400" dirty="0" smtClean="0"/>
-                <a:t>融合</a:t>
-              </a:r>
-              <a:endParaRPr lang="en-US" altLang="zh-CN" sz="2400" dirty="0" smtClean="0"/>
-            </a:p>
-            <a:p>
-              <a:pPr algn="ctr"/>
-              <a:r>
-                <a:rPr lang="zh-CN" altLang="en-US" sz="2400" dirty="0"/>
-                <a:t>视觉定位</a:t>
-              </a:r>
+              <a:endParaRPr kumimoji="1" lang="en-US" altLang="zh-CN" sz="1200" b="1" i="0" u="none" strike="noStrike" cap="none" normalizeH="0" baseline="0" dirty="0" smtClean="0">
+                <a:ln>
+                  <a:noFill/>
+                </a:ln>
+                <a:solidFill>
+                  <a:srgbClr val="000066"/>
+                </a:solidFill>
+                <a:effectLst/>
+                <a:ea typeface="楷体_GB2312" pitchFamily="49" charset="-122"/>
+              </a:endParaRPr>
             </a:p>
           </p:txBody>
         </p:sp>
         <p:sp>
           <p:nvSpPr>
-            <p:cNvPr id="6" name="文本框 5"/>
-            <p:cNvSpPr txBox="1"/>
+            <p:cNvPr id="6" name="流程图: 决策 5"/>
+            <p:cNvSpPr/>
             <p:nvPr/>
           </p:nvSpPr>
-          <p:spPr>
+          <p:spPr bwMode="auto">
             <a:xfrm>
-              <a:off x="6509842" y="4441388"/>
-              <a:ext cx="1731563" cy="1200329"/>
+              <a:off x="684941" y="2703436"/>
+              <a:ext cx="2560937" cy="978218"/>
             </a:xfrm>
-            <a:prstGeom prst="rect">
+            <a:prstGeom prst="flowChartDecision">
               <a:avLst/>
             </a:prstGeom>
-            <a:noFill/>
-            <a:ln>
+            <a:solidFill>
+              <a:srgbClr val="99CCFF">
+                <a:alpha val="32001"/>
+              </a:srgbClr>
+            </a:solidFill>
+            <a:ln w="19050" cap="flat" cmpd="sng" algn="ctr">
               <a:solidFill>
-                <a:srgbClr val="008000"/>
+                <a:srgbClr val="000080"/>
               </a:solidFill>
+              <a:prstDash val="solid"/>
+              <a:round/>
+              <a:headEnd type="none" w="med" len="med"/>
+              <a:tailEnd type="none" w="med" len="med"/>
             </a:ln>
+            <a:effectLst/>
           </p:spPr>
           <p:txBody>
-            <a:bodyPr wrap="none" rtlCol="0">
+            <a:bodyPr vert="horz" wrap="square" lIns="0" tIns="0" rIns="0" bIns="0" numCol="1" rtlCol="0" anchor="t" anchorCtr="0" compatLnSpc="1">
+              <a:prstTxWarp prst="textNoShape">
+                <a:avLst/>
+              </a:prstTxWarp>
               <a:spAutoFit/>
             </a:bodyPr>
             <a:lstStyle/>
             <a:p>
-              <a:pPr algn="ctr"/>
+              <a:pPr marL="342900" marR="0" indent="-342900" algn="ctr" defTabSz="914400" rtl="0" eaLnBrk="1" fontAlgn="base" latinLnBrk="0" hangingPunct="1">
+                <a:lnSpc>
+                  <a:spcPct val="100000"/>
+                </a:lnSpc>
+                <a:spcBef>
+                  <a:spcPct val="20000"/>
+                </a:spcBef>
+                <a:spcAft>
+                  <a:spcPct val="0"/>
+                </a:spcAft>
+                <a:buClrTx/>
+                <a:buSzPct val="75000"/>
+                <a:buFont typeface="Wingdings" pitchFamily="2" charset="2"/>
+                <a:buNone/>
+                <a:tabLst/>
+              </a:pPr>
               <a:r>
-                <a:rPr lang="zh-CN" altLang="en-US" sz="2400" dirty="0" smtClean="0"/>
-                <a:t>机器人</a:t>
+                <a:rPr kumimoji="1" lang="zh-CN" altLang="en-US" sz="1600" b="1" i="0" u="none" strike="noStrike" cap="none" normalizeH="0" baseline="0" dirty="0" smtClean="0">
+                  <a:ln>
+                    <a:noFill/>
+                  </a:ln>
+                  <a:solidFill>
+                    <a:srgbClr val="000066"/>
+                  </a:solidFill>
+                  <a:effectLst/>
+                  <a:latin typeface="Sylfaen" pitchFamily="18" charset="0"/>
+                  <a:ea typeface="楷体_GB2312" pitchFamily="49" charset="-122"/>
+                </a:rPr>
+                <a:t>收到视觉定位信息？</a:t>
               </a:r>
-              <a:endParaRPr lang="en-US" altLang="zh-CN" sz="2400" dirty="0"/>
-            </a:p>
-            <a:p>
-              <a:pPr algn="ctr"/>
-              <a:r>
-                <a:rPr lang="en-US" altLang="zh-CN" sz="2400" dirty="0" smtClean="0"/>
-                <a:t>+</a:t>
-              </a:r>
-            </a:p>
-            <a:p>
-              <a:pPr algn="ctr"/>
-              <a:r>
-                <a:rPr lang="zh-CN" altLang="en-US" sz="2400" dirty="0" smtClean="0"/>
-                <a:t>深度摄像头</a:t>
-              </a:r>
-              <a:endParaRPr lang="zh-CN" altLang="en-US" sz="2400" dirty="0"/>
+              <a:endParaRPr kumimoji="1" lang="zh-CN" altLang="en-US" sz="1600" b="1" i="0" u="none" strike="noStrike" cap="none" normalizeH="0" baseline="0" dirty="0" smtClean="0">
+                <a:ln>
+                  <a:noFill/>
+                </a:ln>
+                <a:solidFill>
+                  <a:srgbClr val="000066"/>
+                </a:solidFill>
+                <a:effectLst/>
+                <a:latin typeface="Sylfaen" pitchFamily="18" charset="0"/>
+                <a:ea typeface="楷体_GB2312" pitchFamily="49" charset="-122"/>
+              </a:endParaRPr>
             </a:p>
           </p:txBody>
         </p:sp>
         <p:cxnSp>
           <p:nvCxnSpPr>
             <p:cNvPr id="8" name="直接箭头连接符 7"/>
-            <p:cNvCxnSpPr/>
+            <p:cNvCxnSpPr>
+              <a:stCxn id="4" idx="2"/>
+              <a:endCxn id="6" idx="0"/>
+            </p:cNvCxnSpPr>
             <p:nvPr/>
           </p:nvCxnSpPr>
           <p:spPr bwMode="auto">
-            <a:xfrm>
-              <a:off x="7354775" y="1700808"/>
-              <a:ext cx="0" cy="576064"/>
+            <a:xfrm flipH="1">
+              <a:off x="1965410" y="2480174"/>
+              <a:ext cx="4873" cy="223262"/>
             </a:xfrm>
             <a:prstGeom prst="straightConnector1">
               <a:avLst/>
@@ -6266,28 +7595,429 @@
                 <a:alpha val="32001"/>
               </a:srgbClr>
             </a:solidFill>
-            <a:ln w="47625" cap="flat" cmpd="dbl" algn="ctr">
+            <a:ln w="19050" cap="flat" cmpd="sng" algn="ctr">
               <a:solidFill>
                 <a:srgbClr val="000080"/>
               </a:solidFill>
-              <a:prstDash val="dash"/>
+              <a:prstDash val="solid"/>
               <a:round/>
               <a:headEnd type="none" w="med" len="med"/>
-              <a:tailEnd type="arrow" w="lg" len="lg"/>
+              <a:tailEnd type="triangle"/>
             </a:ln>
             <a:effectLst/>
           </p:spPr>
         </p:cxnSp>
+        <p:sp>
+          <p:nvSpPr>
+            <p:cNvPr id="12" name="流程图: 决策 11"/>
+            <p:cNvSpPr/>
+            <p:nvPr/>
+          </p:nvSpPr>
+          <p:spPr bwMode="auto">
+            <a:xfrm>
+              <a:off x="689814" y="4286958"/>
+              <a:ext cx="2560937" cy="1098187"/>
+            </a:xfrm>
+            <a:prstGeom prst="flowChartDecision">
+              <a:avLst/>
+            </a:prstGeom>
+            <a:solidFill>
+              <a:srgbClr val="99CCFF">
+                <a:alpha val="32001"/>
+              </a:srgbClr>
+            </a:solidFill>
+            <a:ln w="19050" cap="flat" cmpd="sng" algn="ctr">
+              <a:solidFill>
+                <a:srgbClr val="000080"/>
+              </a:solidFill>
+              <a:prstDash val="solid"/>
+              <a:round/>
+              <a:headEnd type="none" w="med" len="med"/>
+              <a:tailEnd type="none" w="med" len="med"/>
+            </a:ln>
+            <a:effectLst/>
+          </p:spPr>
+          <p:txBody>
+            <a:bodyPr vert="horz" wrap="square" lIns="0" tIns="0" rIns="0" bIns="0" numCol="1" rtlCol="0" anchor="t" anchorCtr="0" compatLnSpc="1">
+              <a:prstTxWarp prst="textNoShape">
+                <a:avLst/>
+              </a:prstTxWarp>
+              <a:noAutofit/>
+            </a:bodyPr>
+            <a:lstStyle/>
+            <a:p>
+              <a:pPr marL="342900" marR="0" indent="-342900" algn="ctr" defTabSz="914400" rtl="0" eaLnBrk="1" fontAlgn="base" latinLnBrk="0" hangingPunct="1">
+                <a:lnSpc>
+                  <a:spcPct val="100000"/>
+                </a:lnSpc>
+                <a:spcBef>
+                  <a:spcPct val="20000"/>
+                </a:spcBef>
+                <a:spcAft>
+                  <a:spcPct val="0"/>
+                </a:spcAft>
+                <a:buClrTx/>
+                <a:buSzPct val="75000"/>
+                <a:buFont typeface="Wingdings" pitchFamily="2" charset="2"/>
+                <a:buNone/>
+                <a:tabLst/>
+              </a:pPr>
+              <a:r>
+                <a:rPr lang="zh-CN" altLang="en-US" sz="1200" dirty="0" smtClean="0">
+                  <a:ea typeface="楷体_GB2312" pitchFamily="49" charset="-122"/>
+                </a:rPr>
+                <a:t>超过超时阈值</a:t>
+              </a:r>
+              <a:endParaRPr lang="en-US" altLang="zh-CN" sz="1200" dirty="0" smtClean="0">
+                <a:ea typeface="楷体_GB2312" pitchFamily="49" charset="-122"/>
+              </a:endParaRPr>
+            </a:p>
+            <a:p>
+              <a:pPr marL="342900" marR="0" indent="-342900" algn="ctr" defTabSz="914400" rtl="0" eaLnBrk="1" fontAlgn="base" latinLnBrk="0" hangingPunct="1">
+                <a:lnSpc>
+                  <a:spcPct val="100000"/>
+                </a:lnSpc>
+                <a:spcBef>
+                  <a:spcPct val="20000"/>
+                </a:spcBef>
+                <a:spcAft>
+                  <a:spcPct val="0"/>
+                </a:spcAft>
+                <a:buClrTx/>
+                <a:buSzPct val="75000"/>
+                <a:buFont typeface="Wingdings" pitchFamily="2" charset="2"/>
+                <a:buNone/>
+                <a:tabLst/>
+              </a:pPr>
+              <a:r>
+                <a:rPr lang="en-US" altLang="zh-CN" sz="1200" dirty="0" smtClean="0">
+                  <a:ea typeface="楷体_GB2312" pitchFamily="49" charset="-122"/>
+                </a:rPr>
+                <a:t>——</a:t>
+              </a:r>
+              <a:r>
+                <a:rPr lang="zh-CN" altLang="en-US" sz="1200" dirty="0" smtClean="0">
+                  <a:ea typeface="楷体_GB2312" pitchFamily="49" charset="-122"/>
+                </a:rPr>
+                <a:t>视觉定位曾发生漏检？</a:t>
+              </a:r>
+              <a:endParaRPr kumimoji="1" lang="zh-CN" altLang="en-US" sz="1200" b="1" i="0" u="none" strike="noStrike" cap="none" normalizeH="0" baseline="0" dirty="0" smtClean="0">
+                <a:ln>
+                  <a:noFill/>
+                </a:ln>
+                <a:solidFill>
+                  <a:srgbClr val="000066"/>
+                </a:solidFill>
+                <a:effectLst/>
+                <a:ea typeface="楷体_GB2312" pitchFamily="49" charset="-122"/>
+              </a:endParaRPr>
+            </a:p>
+          </p:txBody>
+        </p:sp>
+        <p:sp>
+          <p:nvSpPr>
+            <p:cNvPr id="22" name="矩形 21"/>
+            <p:cNvSpPr/>
+            <p:nvPr/>
+          </p:nvSpPr>
+          <p:spPr bwMode="auto">
+            <a:xfrm>
+              <a:off x="1618917" y="5965961"/>
+              <a:ext cx="2872902" cy="634020"/>
+            </a:xfrm>
+            <a:prstGeom prst="rect">
+              <a:avLst/>
+            </a:prstGeom>
+            <a:solidFill>
+              <a:srgbClr val="99CCFF">
+                <a:alpha val="32001"/>
+              </a:srgbClr>
+            </a:solidFill>
+            <a:ln w="19050" cap="flat" cmpd="sng" algn="ctr">
+              <a:solidFill>
+                <a:srgbClr val="000080"/>
+              </a:solidFill>
+              <a:prstDash val="solid"/>
+              <a:round/>
+              <a:headEnd type="none" w="med" len="med"/>
+              <a:tailEnd type="none" w="med" len="med"/>
+            </a:ln>
+            <a:effectLst/>
+          </p:spPr>
+          <p:txBody>
+            <a:bodyPr vert="horz" wrap="none" lIns="91440" tIns="45720" rIns="91440" bIns="45720" numCol="1" rtlCol="0" anchor="t" anchorCtr="0" compatLnSpc="1">
+              <a:prstTxWarp prst="textNoShape">
+                <a:avLst/>
+              </a:prstTxWarp>
+              <a:spAutoFit/>
+            </a:bodyPr>
+            <a:lstStyle/>
+            <a:p>
+              <a:pPr marL="342900" marR="0" indent="-342900" algn="l" defTabSz="914400" rtl="0" eaLnBrk="1" fontAlgn="base" latinLnBrk="0" hangingPunct="1">
+                <a:lnSpc>
+                  <a:spcPct val="100000"/>
+                </a:lnSpc>
+                <a:spcBef>
+                  <a:spcPct val="20000"/>
+                </a:spcBef>
+                <a:spcAft>
+                  <a:spcPct val="0"/>
+                </a:spcAft>
+                <a:buClrTx/>
+                <a:buSzPct val="75000"/>
+                <a:buFont typeface="Wingdings" pitchFamily="2" charset="2"/>
+                <a:buNone/>
+                <a:tabLst/>
+              </a:pPr>
+              <a:r>
+                <a:rPr lang="zh-CN" altLang="en-US" sz="1600" dirty="0">
+                  <a:ea typeface="楷体_GB2312" pitchFamily="49" charset="-122"/>
+                </a:rPr>
+                <a:t>重</a:t>
+              </a:r>
+              <a:r>
+                <a:rPr lang="zh-CN" altLang="en-US" sz="1600" dirty="0" smtClean="0">
+                  <a:ea typeface="楷体_GB2312" pitchFamily="49" charset="-122"/>
+                </a:rPr>
+                <a:t>设位置信息为视觉定位位置</a:t>
+              </a:r>
+              <a:endParaRPr lang="en-US" altLang="zh-CN" sz="1600" dirty="0" smtClean="0">
+                <a:ea typeface="楷体_GB2312" pitchFamily="49" charset="-122"/>
+              </a:endParaRPr>
+            </a:p>
+            <a:p>
+              <a:pPr marL="342900" marR="0" indent="-342900" algn="l" defTabSz="914400" rtl="0" eaLnBrk="1" fontAlgn="base" latinLnBrk="0" hangingPunct="1">
+                <a:lnSpc>
+                  <a:spcPct val="100000"/>
+                </a:lnSpc>
+                <a:spcBef>
+                  <a:spcPct val="20000"/>
+                </a:spcBef>
+                <a:spcAft>
+                  <a:spcPct val="0"/>
+                </a:spcAft>
+                <a:buClrTx/>
+                <a:buSzPct val="75000"/>
+                <a:buFont typeface="Wingdings" pitchFamily="2" charset="2"/>
+                <a:buNone/>
+                <a:tabLst/>
+              </a:pPr>
+              <a:r>
+                <a:rPr kumimoji="1" lang="en-US" altLang="zh-CN" sz="1600" b="1" i="0" u="none" strike="noStrike" cap="none" normalizeH="0" baseline="0" dirty="0" smtClean="0">
+                  <a:ln>
+                    <a:noFill/>
+                  </a:ln>
+                  <a:solidFill>
+                    <a:srgbClr val="000066"/>
+                  </a:solidFill>
+                  <a:effectLst/>
+                  <a:ea typeface="楷体_GB2312" pitchFamily="49" charset="-122"/>
+                </a:rPr>
+                <a:t>—</a:t>
+              </a:r>
+              <a:r>
+                <a:rPr kumimoji="1" lang="zh-CN" altLang="en-US" sz="1600" b="1" i="0" u="none" strike="noStrike" cap="none" normalizeH="0" baseline="0" dirty="0" smtClean="0">
+                  <a:ln>
+                    <a:noFill/>
+                  </a:ln>
+                  <a:solidFill>
+                    <a:srgbClr val="000066"/>
+                  </a:solidFill>
+                  <a:effectLst/>
+                  <a:ea typeface="楷体_GB2312" pitchFamily="49" charset="-122"/>
+                </a:rPr>
+                <a:t>保证机器人“视野”中准确</a:t>
+              </a:r>
+              <a:endParaRPr kumimoji="1" lang="zh-CN" altLang="en-US" sz="1600" b="1" i="0" u="none" strike="noStrike" cap="none" normalizeH="0" baseline="0" dirty="0" smtClean="0">
+                <a:ln>
+                  <a:noFill/>
+                </a:ln>
+                <a:solidFill>
+                  <a:srgbClr val="000066"/>
+                </a:solidFill>
+                <a:effectLst/>
+                <a:ea typeface="楷体_GB2312" pitchFamily="49" charset="-122"/>
+              </a:endParaRPr>
+            </a:p>
+          </p:txBody>
+        </p:sp>
+        <p:sp>
+          <p:nvSpPr>
+            <p:cNvPr id="23" name="矩形 22"/>
+            <p:cNvSpPr/>
+            <p:nvPr/>
+          </p:nvSpPr>
+          <p:spPr bwMode="auto">
+            <a:xfrm>
+              <a:off x="8246065" y="1752526"/>
+              <a:ext cx="461665" cy="4176464"/>
+            </a:xfrm>
+            <a:prstGeom prst="rect">
+              <a:avLst/>
+            </a:prstGeom>
+            <a:solidFill>
+              <a:srgbClr val="99CCFF">
+                <a:alpha val="32001"/>
+              </a:srgbClr>
+            </a:solidFill>
+            <a:ln w="19050" cap="flat" cmpd="sng" algn="ctr">
+              <a:solidFill>
+                <a:srgbClr val="000080"/>
+              </a:solidFill>
+              <a:prstDash val="solid"/>
+              <a:round/>
+              <a:headEnd type="none" w="med" len="med"/>
+              <a:tailEnd type="none" w="med" len="med"/>
+            </a:ln>
+            <a:effectLst/>
+          </p:spPr>
+          <p:txBody>
+            <a:bodyPr vert="eaVert" wrap="square" lIns="91440" tIns="45720" rIns="91440" bIns="45720" numCol="1" rtlCol="0" anchor="t" anchorCtr="0" compatLnSpc="1">
+              <a:prstTxWarp prst="textNoShape">
+                <a:avLst/>
+              </a:prstTxWarp>
+              <a:spAutoFit/>
+            </a:bodyPr>
+            <a:lstStyle/>
+            <a:p>
+              <a:pPr marL="342900" marR="0" indent="-342900" algn="ctr" defTabSz="914400" rtl="0" eaLnBrk="1" fontAlgn="base" latinLnBrk="0" hangingPunct="1">
+                <a:lnSpc>
+                  <a:spcPct val="100000"/>
+                </a:lnSpc>
+                <a:spcBef>
+                  <a:spcPct val="20000"/>
+                </a:spcBef>
+                <a:spcAft>
+                  <a:spcPct val="0"/>
+                </a:spcAft>
+                <a:buClrTx/>
+                <a:buSzPct val="75000"/>
+                <a:buFont typeface="Wingdings" pitchFamily="2" charset="2"/>
+                <a:buNone/>
+                <a:tabLst/>
+              </a:pPr>
+              <a:r>
+                <a:rPr kumimoji="1" lang="zh-CN" altLang="en-US" sz="1800" b="1" i="0" u="none" strike="noStrike" cap="none" normalizeH="0" baseline="0" dirty="0" smtClean="0">
+                  <a:ln>
+                    <a:noFill/>
+                  </a:ln>
+                  <a:solidFill>
+                    <a:srgbClr val="000066"/>
+                  </a:solidFill>
+                  <a:effectLst/>
+                  <a:latin typeface="Sylfaen" pitchFamily="18" charset="0"/>
+                  <a:ea typeface="楷体_GB2312" pitchFamily="49" charset="-122"/>
+                </a:rPr>
+                <a:t>根据位置信息发出控制命令</a:t>
+              </a:r>
+              <a:endParaRPr kumimoji="1" lang="zh-CN" altLang="en-US" sz="1800" b="1" i="0" u="none" strike="noStrike" cap="none" normalizeH="0" baseline="0" dirty="0" smtClean="0">
+                <a:ln>
+                  <a:noFill/>
+                </a:ln>
+                <a:solidFill>
+                  <a:srgbClr val="000066"/>
+                </a:solidFill>
+                <a:effectLst/>
+                <a:latin typeface="Sylfaen" pitchFamily="18" charset="0"/>
+                <a:ea typeface="楷体_GB2312" pitchFamily="49" charset="-122"/>
+              </a:endParaRPr>
+            </a:p>
+          </p:txBody>
+        </p:sp>
+        <p:sp>
+          <p:nvSpPr>
+            <p:cNvPr id="78" name="流程图: 过程 77"/>
+            <p:cNvSpPr/>
+            <p:nvPr/>
+          </p:nvSpPr>
+          <p:spPr bwMode="auto">
+            <a:xfrm>
+              <a:off x="873419" y="1362254"/>
+              <a:ext cx="2186413" cy="338554"/>
+            </a:xfrm>
+            <a:prstGeom prst="flowChartProcess">
+              <a:avLst/>
+            </a:prstGeom>
+            <a:solidFill>
+              <a:srgbClr val="99CCFF">
+                <a:alpha val="32001"/>
+              </a:srgbClr>
+            </a:solidFill>
+            <a:ln w="19050" cap="flat" cmpd="sng" algn="ctr">
+              <a:solidFill>
+                <a:srgbClr val="000080"/>
+              </a:solidFill>
+              <a:prstDash val="solid"/>
+              <a:round/>
+              <a:headEnd type="none" w="med" len="med"/>
+              <a:tailEnd type="none" w="med" len="med"/>
+            </a:ln>
+            <a:effectLst/>
+          </p:spPr>
+          <p:txBody>
+            <a:bodyPr vert="horz" wrap="square" lIns="91440" tIns="45720" rIns="91440" bIns="45720" numCol="1" rtlCol="0" anchor="t" anchorCtr="0" compatLnSpc="1">
+              <a:prstTxWarp prst="textNoShape">
+                <a:avLst/>
+              </a:prstTxWarp>
+              <a:spAutoFit/>
+            </a:bodyPr>
+            <a:lstStyle/>
+            <a:p>
+              <a:pPr marL="342900" marR="0" indent="-342900" algn="ctr" defTabSz="914400" rtl="0" eaLnBrk="1" fontAlgn="base" latinLnBrk="0" hangingPunct="1">
+                <a:lnSpc>
+                  <a:spcPct val="100000"/>
+                </a:lnSpc>
+                <a:spcBef>
+                  <a:spcPct val="20000"/>
+                </a:spcBef>
+                <a:spcAft>
+                  <a:spcPct val="0"/>
+                </a:spcAft>
+                <a:buClrTx/>
+                <a:buSzPct val="75000"/>
+                <a:buFont typeface="Wingdings" pitchFamily="2" charset="2"/>
+                <a:buNone/>
+                <a:tabLst/>
+              </a:pPr>
+              <a:r>
+                <a:rPr kumimoji="1" lang="zh-CN" altLang="en-US" sz="1600" b="1" i="0" u="none" strike="noStrike" cap="none" normalizeH="0" baseline="0" dirty="0" smtClean="0">
+                  <a:ln>
+                    <a:noFill/>
+                  </a:ln>
+                  <a:solidFill>
+                    <a:srgbClr val="000066"/>
+                  </a:solidFill>
+                  <a:effectLst/>
+                  <a:ea typeface="楷体_GB2312" pitchFamily="49" charset="-122"/>
+                </a:rPr>
+                <a:t>地面系三维加速度</a:t>
+              </a:r>
+              <a:endParaRPr kumimoji="1" lang="zh-CN" altLang="en-US" sz="1600" b="1" i="0" u="none" strike="noStrike" cap="none" normalizeH="0" baseline="0" dirty="0" smtClean="0">
+                <a:ln>
+                  <a:noFill/>
+                </a:ln>
+                <a:solidFill>
+                  <a:srgbClr val="000066"/>
+                </a:solidFill>
+                <a:effectLst/>
+                <a:ea typeface="楷体_GB2312" pitchFamily="49" charset="-122"/>
+              </a:endParaRPr>
+            </a:p>
+          </p:txBody>
+        </p:sp>
         <p:cxnSp>
           <p:nvCxnSpPr>
-            <p:cNvPr id="11" name="直接箭头连接符 10"/>
-            <p:cNvCxnSpPr/>
+            <p:cNvPr id="83" name="直接箭头连接符 82"/>
+            <p:cNvCxnSpPr>
+              <a:stCxn id="78" idx="2"/>
+              <a:endCxn id="4" idx="0"/>
+            </p:cNvCxnSpPr>
             <p:nvPr/>
           </p:nvCxnSpPr>
           <p:spPr bwMode="auto">
-            <a:xfrm flipV="1">
-              <a:off x="7524328" y="3717032"/>
-              <a:ext cx="0" cy="587405"/>
+            <a:xfrm>
+              <a:off x="1966626" y="1700808"/>
+              <a:ext cx="3657" cy="440812"/>
             </a:xfrm>
             <a:prstGeom prst="straightConnector1">
               <a:avLst/>
@@ -6297,28 +8027,206 @@
                 <a:alpha val="32001"/>
               </a:srgbClr>
             </a:solidFill>
-            <a:ln w="47625" cap="flat" cmpd="dbl" algn="ctr">
+            <a:ln w="19050" cap="flat" cmpd="sng" algn="ctr">
               <a:solidFill>
                 <a:srgbClr val="000080"/>
               </a:solidFill>
-              <a:prstDash val="dash"/>
+              <a:prstDash val="solid"/>
               <a:round/>
               <a:headEnd type="none" w="med" len="med"/>
-              <a:tailEnd type="arrow" w="lg" len="lg"/>
+              <a:tailEnd type="triangle"/>
             </a:ln>
             <a:effectLst/>
           </p:spPr>
         </p:cxnSp>
+        <p:sp>
+          <p:nvSpPr>
+            <p:cNvPr id="86" name="流程图: 过程 85"/>
+            <p:cNvSpPr/>
+            <p:nvPr/>
+          </p:nvSpPr>
+          <p:spPr bwMode="auto">
+            <a:xfrm>
+              <a:off x="5458486" y="3616586"/>
+              <a:ext cx="461665" cy="1445131"/>
+            </a:xfrm>
+            <a:prstGeom prst="flowChartProcess">
+              <a:avLst/>
+            </a:prstGeom>
+            <a:solidFill>
+              <a:srgbClr val="99CCFF">
+                <a:alpha val="32001"/>
+              </a:srgbClr>
+            </a:solidFill>
+            <a:ln w="19050" cap="flat" cmpd="sng" algn="ctr">
+              <a:solidFill>
+                <a:srgbClr val="000080"/>
+              </a:solidFill>
+              <a:prstDash val="solid"/>
+              <a:round/>
+              <a:headEnd type="none" w="med" len="med"/>
+              <a:tailEnd type="none" w="med" len="med"/>
+            </a:ln>
+            <a:effectLst/>
+          </p:spPr>
+          <p:txBody>
+            <a:bodyPr vert="eaVert" wrap="square" lIns="91440" tIns="45720" rIns="91440" bIns="45720" numCol="1" rtlCol="0" anchor="t" anchorCtr="0" compatLnSpc="1">
+              <a:prstTxWarp prst="textNoShape">
+                <a:avLst/>
+              </a:prstTxWarp>
+              <a:spAutoFit/>
+            </a:bodyPr>
+            <a:lstStyle/>
+            <a:p>
+              <a:pPr marL="342900" marR="0" indent="-342900" algn="ctr" defTabSz="914400" rtl="0" eaLnBrk="1" fontAlgn="base" latinLnBrk="0" hangingPunct="1">
+                <a:lnSpc>
+                  <a:spcPct val="100000"/>
+                </a:lnSpc>
+                <a:spcBef>
+                  <a:spcPct val="20000"/>
+                </a:spcBef>
+                <a:spcAft>
+                  <a:spcPct val="0"/>
+                </a:spcAft>
+                <a:buClrTx/>
+                <a:buSzPct val="75000"/>
+                <a:buFont typeface="Wingdings" pitchFamily="2" charset="2"/>
+                <a:buNone/>
+                <a:tabLst/>
+              </a:pPr>
+              <a:r>
+                <a:rPr kumimoji="1" lang="zh-CN" altLang="en-US" sz="1800" b="1" i="0" u="none" strike="noStrike" cap="none" normalizeH="0" baseline="0" dirty="0" smtClean="0">
+                  <a:ln>
+                    <a:noFill/>
+                  </a:ln>
+                  <a:solidFill>
+                    <a:srgbClr val="000066"/>
+                  </a:solidFill>
+                  <a:effectLst/>
+                  <a:ea typeface="楷体_GB2312" pitchFamily="49" charset="-122"/>
+                </a:rPr>
+                <a:t>卡尔曼滤波器</a:t>
+              </a:r>
+              <a:endParaRPr kumimoji="1" lang="zh-CN" altLang="en-US" sz="1800" b="1" i="0" u="none" strike="noStrike" cap="none" normalizeH="0" baseline="0" dirty="0" smtClean="0">
+                <a:ln>
+                  <a:noFill/>
+                </a:ln>
+                <a:solidFill>
+                  <a:srgbClr val="000066"/>
+                </a:solidFill>
+                <a:effectLst/>
+                <a:ea typeface="楷体_GB2312" pitchFamily="49" charset="-122"/>
+              </a:endParaRPr>
+            </a:p>
+          </p:txBody>
+        </p:sp>
+        <p:sp>
+          <p:nvSpPr>
+            <p:cNvPr id="87" name="流程图: 过程 86"/>
+            <p:cNvSpPr/>
+            <p:nvPr/>
+          </p:nvSpPr>
+          <p:spPr bwMode="auto">
+            <a:xfrm>
+              <a:off x="3474828" y="1453103"/>
+              <a:ext cx="2186413" cy="338554"/>
+            </a:xfrm>
+            <a:prstGeom prst="flowChartProcess">
+              <a:avLst/>
+            </a:prstGeom>
+            <a:solidFill>
+              <a:srgbClr val="99CCFF">
+                <a:alpha val="32001"/>
+              </a:srgbClr>
+            </a:solidFill>
+            <a:ln w="19050" cap="flat" cmpd="sng" algn="ctr">
+              <a:solidFill>
+                <a:srgbClr val="000080"/>
+              </a:solidFill>
+              <a:prstDash val="solid"/>
+              <a:round/>
+              <a:headEnd type="none" w="med" len="med"/>
+              <a:tailEnd type="none" w="med" len="med"/>
+            </a:ln>
+            <a:effectLst/>
+          </p:spPr>
+          <p:txBody>
+            <a:bodyPr vert="horz" wrap="square" lIns="91440" tIns="45720" rIns="91440" bIns="45720" numCol="1" rtlCol="0" anchor="t" anchorCtr="0" compatLnSpc="1">
+              <a:prstTxWarp prst="textNoShape">
+                <a:avLst/>
+              </a:prstTxWarp>
+              <a:spAutoFit/>
+            </a:bodyPr>
+            <a:lstStyle/>
+            <a:p>
+              <a:pPr marL="342900" marR="0" indent="-342900" algn="ctr" defTabSz="914400" rtl="0" eaLnBrk="1" fontAlgn="base" latinLnBrk="0" hangingPunct="1">
+                <a:lnSpc>
+                  <a:spcPct val="100000"/>
+                </a:lnSpc>
+                <a:spcBef>
+                  <a:spcPct val="20000"/>
+                </a:spcBef>
+                <a:spcAft>
+                  <a:spcPct val="0"/>
+                </a:spcAft>
+                <a:buClrTx/>
+                <a:buSzPct val="75000"/>
+                <a:buFont typeface="Wingdings" pitchFamily="2" charset="2"/>
+                <a:buNone/>
+                <a:tabLst/>
+              </a:pPr>
+              <a:r>
+                <a:rPr kumimoji="1" lang="en-US" altLang="zh-CN" sz="1600" b="1" i="0" u="none" strike="noStrike" cap="none" normalizeH="0" baseline="0" dirty="0" smtClean="0">
+                  <a:ln>
+                    <a:noFill/>
+                  </a:ln>
+                  <a:solidFill>
+                    <a:srgbClr val="000066"/>
+                  </a:solidFill>
+                  <a:effectLst/>
+                  <a:ea typeface="楷体_GB2312" pitchFamily="49" charset="-122"/>
+                </a:rPr>
+                <a:t>RGB-D</a:t>
+              </a:r>
+              <a:r>
+                <a:rPr kumimoji="1" lang="zh-CN" altLang="en-US" sz="1600" b="1" i="0" u="none" strike="noStrike" cap="none" normalizeH="0" baseline="0" dirty="0" smtClean="0">
+                  <a:ln>
+                    <a:noFill/>
+                  </a:ln>
+                  <a:solidFill>
+                    <a:srgbClr val="000066"/>
+                  </a:solidFill>
+                  <a:effectLst/>
+                  <a:ea typeface="楷体_GB2312" pitchFamily="49" charset="-122"/>
+                </a:rPr>
+                <a:t>图像</a:t>
+              </a:r>
+              <a:endParaRPr kumimoji="1" lang="zh-CN" altLang="en-US" sz="1600" b="1" i="0" u="none" strike="noStrike" cap="none" normalizeH="0" baseline="0" dirty="0" smtClean="0">
+                <a:ln>
+                  <a:noFill/>
+                </a:ln>
+                <a:solidFill>
+                  <a:srgbClr val="000066"/>
+                </a:solidFill>
+                <a:effectLst/>
+                <a:ea typeface="楷体_GB2312" pitchFamily="49" charset="-122"/>
+              </a:endParaRPr>
+            </a:p>
+          </p:txBody>
+        </p:sp>
         <p:cxnSp>
           <p:nvCxnSpPr>
-            <p:cNvPr id="14" name="直接箭头连接符 13"/>
-            <p:cNvCxnSpPr/>
+            <p:cNvPr id="90" name="直接箭头连接符 89"/>
+            <p:cNvCxnSpPr>
+              <a:stCxn id="87" idx="2"/>
+              <a:endCxn id="5" idx="0"/>
+            </p:cNvCxnSpPr>
             <p:nvPr/>
           </p:nvCxnSpPr>
           <p:spPr bwMode="auto">
             <a:xfrm>
-              <a:off x="7308304" y="3789040"/>
-              <a:ext cx="0" cy="576064"/>
+              <a:off x="4568035" y="1791657"/>
+              <a:ext cx="3066" cy="280518"/>
             </a:xfrm>
             <a:prstGeom prst="straightConnector1">
               <a:avLst/>
@@ -6328,95 +8236,638 @@
                 <a:alpha val="32001"/>
               </a:srgbClr>
             </a:solidFill>
-            <a:ln w="47625" cap="flat" cmpd="dbl" algn="ctr">
+            <a:ln w="19050" cap="flat" cmpd="sng" algn="ctr">
               <a:solidFill>
                 <a:srgbClr val="000080"/>
               </a:solidFill>
-              <a:prstDash val="dash"/>
+              <a:prstDash val="solid"/>
               <a:round/>
               <a:headEnd type="none" w="med" len="med"/>
-              <a:tailEnd type="arrow" w="lg" len="lg"/>
+              <a:tailEnd type="triangle"/>
+            </a:ln>
+            <a:effectLst/>
+          </p:spPr>
+        </p:cxnSp>
+        <p:cxnSp>
+          <p:nvCxnSpPr>
+            <p:cNvPr id="95" name="直接箭头连接符 94"/>
+            <p:cNvCxnSpPr>
+              <a:stCxn id="6" idx="3"/>
+            </p:cNvCxnSpPr>
+            <p:nvPr/>
+          </p:nvCxnSpPr>
+          <p:spPr bwMode="auto">
+            <a:xfrm>
+              <a:off x="3245878" y="3192545"/>
+              <a:ext cx="4207127" cy="0"/>
+            </a:xfrm>
+            <a:prstGeom prst="straightConnector1">
+              <a:avLst/>
+            </a:prstGeom>
+            <a:solidFill>
+              <a:srgbClr val="99CCFF">
+                <a:alpha val="32001"/>
+              </a:srgbClr>
+            </a:solidFill>
+            <a:ln w="19050" cap="flat" cmpd="sng" algn="ctr">
+              <a:solidFill>
+                <a:srgbClr val="000080"/>
+              </a:solidFill>
+              <a:prstDash val="solid"/>
+              <a:round/>
+              <a:headEnd type="none" w="med" len="med"/>
+              <a:tailEnd type="triangle"/>
+            </a:ln>
+            <a:effectLst/>
+          </p:spPr>
+        </p:cxnSp>
+        <p:cxnSp>
+          <p:nvCxnSpPr>
+            <p:cNvPr id="99" name="直接箭头连接符 98"/>
+            <p:cNvCxnSpPr/>
+            <p:nvPr/>
+          </p:nvCxnSpPr>
+          <p:spPr bwMode="auto">
+            <a:xfrm flipH="1">
+              <a:off x="3834383" y="2632328"/>
+              <a:ext cx="12442" cy="3333633"/>
+            </a:xfrm>
+            <a:prstGeom prst="straightConnector1">
+              <a:avLst/>
+            </a:prstGeom>
+            <a:solidFill>
+              <a:srgbClr val="99CCFF">
+                <a:alpha val="32001"/>
+              </a:srgbClr>
+            </a:solidFill>
+            <a:ln w="19050" cap="flat" cmpd="sng" algn="ctr">
+              <a:solidFill>
+                <a:srgbClr val="000080"/>
+              </a:solidFill>
+              <a:prstDash val="solid"/>
+              <a:round/>
+              <a:headEnd type="none" w="med" len="med"/>
+              <a:tailEnd type="triangle"/>
+            </a:ln>
+            <a:effectLst/>
+          </p:spPr>
+        </p:cxnSp>
+        <p:cxnSp>
+          <p:nvCxnSpPr>
+            <p:cNvPr id="101" name="直接箭头连接符 100"/>
+            <p:cNvCxnSpPr>
+              <a:stCxn id="12" idx="2"/>
+            </p:cNvCxnSpPr>
+            <p:nvPr/>
+          </p:nvCxnSpPr>
+          <p:spPr bwMode="auto">
+            <a:xfrm>
+              <a:off x="1970283" y="5385145"/>
+              <a:ext cx="0" cy="580815"/>
+            </a:xfrm>
+            <a:prstGeom prst="straightConnector1">
+              <a:avLst/>
+            </a:prstGeom>
+            <a:solidFill>
+              <a:srgbClr val="99CCFF">
+                <a:alpha val="32001"/>
+              </a:srgbClr>
+            </a:solidFill>
+            <a:ln w="19050" cap="flat" cmpd="sng" algn="ctr">
+              <a:solidFill>
+                <a:srgbClr val="000080"/>
+              </a:solidFill>
+              <a:prstDash val="solid"/>
+              <a:round/>
+              <a:headEnd type="none" w="med" len="med"/>
+              <a:tailEnd type="triangle"/>
+            </a:ln>
+            <a:effectLst/>
+          </p:spPr>
+        </p:cxnSp>
+        <p:cxnSp>
+          <p:nvCxnSpPr>
+            <p:cNvPr id="105" name="肘形连接符 104"/>
+            <p:cNvCxnSpPr>
+              <a:stCxn id="22" idx="2"/>
+            </p:cNvCxnSpPr>
+            <p:nvPr/>
+          </p:nvCxnSpPr>
+          <p:spPr bwMode="auto">
+            <a:xfrm rot="5400000" flipH="1" flipV="1">
+              <a:off x="5145345" y="3499262"/>
+              <a:ext cx="1010741" cy="5190697"/>
+            </a:xfrm>
+            <a:prstGeom prst="bentConnector4">
+              <a:avLst>
+                <a:gd name="adj1" fmla="val -22617"/>
+                <a:gd name="adj2" fmla="val 63837"/>
+              </a:avLst>
+            </a:prstGeom>
+            <a:solidFill>
+              <a:srgbClr val="99CCFF">
+                <a:alpha val="32001"/>
+              </a:srgbClr>
+            </a:solidFill>
+            <a:ln w="19050" cap="flat" cmpd="sng" algn="ctr">
+              <a:solidFill>
+                <a:srgbClr val="000080"/>
+              </a:solidFill>
+              <a:prstDash val="solid"/>
+              <a:round/>
+              <a:headEnd type="none" w="med" len="med"/>
+              <a:tailEnd type="triangle"/>
+            </a:ln>
+            <a:effectLst/>
+          </p:spPr>
+        </p:cxnSp>
+        <p:cxnSp>
+          <p:nvCxnSpPr>
+            <p:cNvPr id="125" name="直接箭头连接符 124"/>
+            <p:cNvCxnSpPr>
+              <a:stCxn id="6" idx="2"/>
+              <a:endCxn id="12" idx="0"/>
+            </p:cNvCxnSpPr>
+            <p:nvPr/>
+          </p:nvCxnSpPr>
+          <p:spPr bwMode="auto">
+            <a:xfrm>
+              <a:off x="1965410" y="3681654"/>
+              <a:ext cx="4873" cy="605304"/>
+            </a:xfrm>
+            <a:prstGeom prst="straightConnector1">
+              <a:avLst/>
+            </a:prstGeom>
+            <a:solidFill>
+              <a:srgbClr val="99CCFF">
+                <a:alpha val="32001"/>
+              </a:srgbClr>
+            </a:solidFill>
+            <a:ln w="19050" cap="flat" cmpd="sng" algn="ctr">
+              <a:solidFill>
+                <a:srgbClr val="000080"/>
+              </a:solidFill>
+              <a:prstDash val="solid"/>
+              <a:round/>
+              <a:headEnd type="none" w="med" len="med"/>
+              <a:tailEnd type="triangle"/>
             </a:ln>
             <a:effectLst/>
           </p:spPr>
         </p:cxnSp>
         <p:sp>
           <p:nvSpPr>
-            <p:cNvPr id="15" name="文本框 14"/>
+            <p:cNvPr id="126" name="流程图: 过程 125"/>
+            <p:cNvSpPr/>
+            <p:nvPr/>
+          </p:nvSpPr>
+          <p:spPr bwMode="auto">
+            <a:xfrm>
+              <a:off x="4394128" y="3359787"/>
+              <a:ext cx="726353" cy="900246"/>
+            </a:xfrm>
+            <a:prstGeom prst="flowChartProcess">
+              <a:avLst/>
+            </a:prstGeom>
+            <a:solidFill>
+              <a:srgbClr val="99CCFF">
+                <a:alpha val="32001"/>
+              </a:srgbClr>
+            </a:solidFill>
+            <a:ln w="19050" cap="flat" cmpd="sng" algn="ctr">
+              <a:solidFill>
+                <a:srgbClr val="000080"/>
+              </a:solidFill>
+              <a:prstDash val="solid"/>
+              <a:round/>
+              <a:headEnd type="none" w="med" len="med"/>
+              <a:tailEnd type="none" w="med" len="med"/>
+            </a:ln>
+            <a:effectLst/>
+          </p:spPr>
+          <p:txBody>
+            <a:bodyPr vert="eaVert" wrap="none" lIns="91440" tIns="45720" rIns="91440" bIns="45720" numCol="1" rtlCol="0" anchor="t" anchorCtr="0" compatLnSpc="1">
+              <a:prstTxWarp prst="textNoShape">
+                <a:avLst/>
+              </a:prstTxWarp>
+              <a:spAutoFit/>
+            </a:bodyPr>
+            <a:lstStyle/>
+            <a:p>
+              <a:pPr marL="342900" marR="0" indent="-342900" algn="l" defTabSz="914400" rtl="0" eaLnBrk="1" fontAlgn="base" latinLnBrk="0" hangingPunct="1">
+                <a:lnSpc>
+                  <a:spcPct val="100000"/>
+                </a:lnSpc>
+                <a:spcBef>
+                  <a:spcPct val="20000"/>
+                </a:spcBef>
+                <a:spcAft>
+                  <a:spcPct val="0"/>
+                </a:spcAft>
+                <a:buClrTx/>
+                <a:buSzPct val="75000"/>
+                <a:buFont typeface="Wingdings" pitchFamily="2" charset="2"/>
+                <a:buNone/>
+                <a:tabLst/>
+              </a:pPr>
+              <a:r>
+                <a:rPr lang="zh-CN" altLang="en-US" sz="1600" dirty="0">
+                  <a:ea typeface="楷体_GB2312" pitchFamily="49" charset="-122"/>
+                </a:rPr>
+                <a:t>视觉</a:t>
+              </a:r>
+              <a:r>
+                <a:rPr kumimoji="1" lang="zh-CN" altLang="en-US" sz="1600" b="1" i="0" u="none" strike="noStrike" cap="none" normalizeH="0" baseline="0" dirty="0" smtClean="0">
+                  <a:ln>
+                    <a:noFill/>
+                  </a:ln>
+                  <a:solidFill>
+                    <a:srgbClr val="000066"/>
+                  </a:solidFill>
+                  <a:effectLst/>
+                  <a:ea typeface="楷体_GB2312" pitchFamily="49" charset="-122"/>
+                </a:rPr>
+                <a:t>定位</a:t>
+              </a:r>
+              <a:endParaRPr kumimoji="1" lang="en-US" altLang="zh-CN" sz="1600" b="1" i="0" u="none" strike="noStrike" cap="none" normalizeH="0" baseline="0" dirty="0" smtClean="0">
+                <a:ln>
+                  <a:noFill/>
+                </a:ln>
+                <a:solidFill>
+                  <a:srgbClr val="000066"/>
+                </a:solidFill>
+                <a:effectLst/>
+                <a:ea typeface="楷体_GB2312" pitchFamily="49" charset="-122"/>
+              </a:endParaRPr>
+            </a:p>
+            <a:p>
+              <a:pPr marL="342900" marR="0" indent="-342900" algn="l" defTabSz="914400" rtl="0" eaLnBrk="1" fontAlgn="base" latinLnBrk="0" hangingPunct="1">
+                <a:lnSpc>
+                  <a:spcPct val="100000"/>
+                </a:lnSpc>
+                <a:spcBef>
+                  <a:spcPct val="20000"/>
+                </a:spcBef>
+                <a:spcAft>
+                  <a:spcPct val="0"/>
+                </a:spcAft>
+                <a:buClrTx/>
+                <a:buSzPct val="75000"/>
+                <a:buFont typeface="Wingdings" pitchFamily="2" charset="2"/>
+                <a:buNone/>
+                <a:tabLst/>
+              </a:pPr>
+              <a:r>
+                <a:rPr kumimoji="1" lang="zh-CN" altLang="en-US" sz="1600" b="1" i="0" u="none" strike="noStrike" cap="none" normalizeH="0" baseline="0" dirty="0" smtClean="0">
+                  <a:ln>
+                    <a:noFill/>
+                  </a:ln>
+                  <a:solidFill>
+                    <a:srgbClr val="000066"/>
+                  </a:solidFill>
+                  <a:effectLst/>
+                  <a:ea typeface="楷体_GB2312" pitchFamily="49" charset="-122"/>
+                </a:rPr>
+                <a:t>速度矢量</a:t>
+              </a:r>
+              <a:endParaRPr kumimoji="1" lang="zh-CN" altLang="en-US" sz="1600" b="1" i="0" u="none" strike="noStrike" cap="none" normalizeH="0" baseline="0" dirty="0" smtClean="0">
+                <a:ln>
+                  <a:noFill/>
+                </a:ln>
+                <a:solidFill>
+                  <a:srgbClr val="000066"/>
+                </a:solidFill>
+                <a:effectLst/>
+                <a:ea typeface="楷体_GB2312" pitchFamily="49" charset="-122"/>
+              </a:endParaRPr>
+            </a:p>
+          </p:txBody>
+        </p:sp>
+        <p:sp>
+          <p:nvSpPr>
+            <p:cNvPr id="130" name="流程图: 过程 129"/>
+            <p:cNvSpPr/>
+            <p:nvPr/>
+          </p:nvSpPr>
+          <p:spPr bwMode="auto">
+            <a:xfrm>
+              <a:off x="4396382" y="4417830"/>
+              <a:ext cx="726353" cy="900246"/>
+            </a:xfrm>
+            <a:prstGeom prst="flowChartProcess">
+              <a:avLst/>
+            </a:prstGeom>
+            <a:solidFill>
+              <a:srgbClr val="99CCFF">
+                <a:alpha val="32001"/>
+              </a:srgbClr>
+            </a:solidFill>
+            <a:ln w="19050" cap="flat" cmpd="sng" algn="ctr">
+              <a:solidFill>
+                <a:srgbClr val="000080"/>
+              </a:solidFill>
+              <a:prstDash val="solid"/>
+              <a:round/>
+              <a:headEnd type="none" w="med" len="med"/>
+              <a:tailEnd type="none" w="med" len="med"/>
+            </a:ln>
+            <a:effectLst/>
+          </p:spPr>
+          <p:txBody>
+            <a:bodyPr vert="eaVert" wrap="none" lIns="91440" tIns="45720" rIns="91440" bIns="45720" numCol="1" rtlCol="0" anchor="t" anchorCtr="0" compatLnSpc="1">
+              <a:prstTxWarp prst="textNoShape">
+                <a:avLst/>
+              </a:prstTxWarp>
+              <a:spAutoFit/>
+            </a:bodyPr>
+            <a:lstStyle/>
+            <a:p>
+              <a:pPr marL="342900" marR="0" indent="-342900" algn="l" defTabSz="914400" rtl="0" eaLnBrk="1" fontAlgn="base" latinLnBrk="0" hangingPunct="1">
+                <a:lnSpc>
+                  <a:spcPct val="100000"/>
+                </a:lnSpc>
+                <a:spcBef>
+                  <a:spcPct val="20000"/>
+                </a:spcBef>
+                <a:spcAft>
+                  <a:spcPct val="0"/>
+                </a:spcAft>
+                <a:buClrTx/>
+                <a:buSzPct val="75000"/>
+                <a:buFont typeface="Wingdings" pitchFamily="2" charset="2"/>
+                <a:buNone/>
+                <a:tabLst/>
+              </a:pPr>
+              <a:r>
+                <a:rPr kumimoji="1" lang="zh-CN" altLang="en-US" sz="1600" b="1" i="0" u="none" strike="noStrike" cap="none" normalizeH="0" baseline="0" dirty="0" smtClean="0">
+                  <a:ln>
+                    <a:noFill/>
+                  </a:ln>
+                  <a:solidFill>
+                    <a:srgbClr val="000066"/>
+                  </a:solidFill>
+                  <a:effectLst/>
+                  <a:latin typeface="Sylfaen" pitchFamily="18" charset="0"/>
+                  <a:ea typeface="楷体_GB2312" pitchFamily="49" charset="-122"/>
+                </a:rPr>
+                <a:t>惯性定位</a:t>
+              </a:r>
+              <a:endParaRPr kumimoji="1" lang="en-US" altLang="zh-CN" sz="1600" b="1" i="0" u="none" strike="noStrike" cap="none" normalizeH="0" baseline="0" dirty="0" smtClean="0">
+                <a:ln>
+                  <a:noFill/>
+                </a:ln>
+                <a:solidFill>
+                  <a:srgbClr val="000066"/>
+                </a:solidFill>
+                <a:effectLst/>
+                <a:latin typeface="Sylfaen" pitchFamily="18" charset="0"/>
+                <a:ea typeface="楷体_GB2312" pitchFamily="49" charset="-122"/>
+              </a:endParaRPr>
+            </a:p>
+            <a:p>
+              <a:pPr marL="342900" marR="0" indent="-342900" algn="l" defTabSz="914400" rtl="0" eaLnBrk="1" fontAlgn="base" latinLnBrk="0" hangingPunct="1">
+                <a:lnSpc>
+                  <a:spcPct val="100000"/>
+                </a:lnSpc>
+                <a:spcBef>
+                  <a:spcPct val="20000"/>
+                </a:spcBef>
+                <a:spcAft>
+                  <a:spcPct val="0"/>
+                </a:spcAft>
+                <a:buClrTx/>
+                <a:buSzPct val="75000"/>
+                <a:buFont typeface="Wingdings" pitchFamily="2" charset="2"/>
+                <a:buNone/>
+                <a:tabLst/>
+              </a:pPr>
+              <a:r>
+                <a:rPr kumimoji="1" lang="zh-CN" altLang="en-US" sz="1600" b="1" i="0" u="none" strike="noStrike" cap="none" normalizeH="0" baseline="0" dirty="0" smtClean="0">
+                  <a:ln>
+                    <a:noFill/>
+                  </a:ln>
+                  <a:solidFill>
+                    <a:srgbClr val="000066"/>
+                  </a:solidFill>
+                  <a:effectLst/>
+                  <a:latin typeface="Sylfaen" pitchFamily="18" charset="0"/>
+                  <a:ea typeface="楷体_GB2312" pitchFamily="49" charset="-122"/>
+                </a:rPr>
+                <a:t>速度矢量</a:t>
+              </a:r>
+              <a:endParaRPr kumimoji="1" lang="zh-CN" altLang="en-US" sz="1600" b="1" i="0" u="none" strike="noStrike" cap="none" normalizeH="0" baseline="0" dirty="0" smtClean="0">
+                <a:ln>
+                  <a:noFill/>
+                </a:ln>
+                <a:solidFill>
+                  <a:srgbClr val="000066"/>
+                </a:solidFill>
+                <a:effectLst/>
+                <a:latin typeface="Sylfaen" pitchFamily="18" charset="0"/>
+                <a:ea typeface="楷体_GB2312" pitchFamily="49" charset="-122"/>
+              </a:endParaRPr>
+            </a:p>
+          </p:txBody>
+        </p:sp>
+        <p:cxnSp>
+          <p:nvCxnSpPr>
+            <p:cNvPr id="132" name="直接箭头连接符 131"/>
+            <p:cNvCxnSpPr>
+              <a:stCxn id="12" idx="3"/>
+              <a:endCxn id="130" idx="1"/>
+            </p:cNvCxnSpPr>
+            <p:nvPr/>
+          </p:nvCxnSpPr>
+          <p:spPr bwMode="auto">
+            <a:xfrm>
+              <a:off x="3250751" y="4836052"/>
+              <a:ext cx="1145631" cy="31901"/>
+            </a:xfrm>
+            <a:prstGeom prst="straightConnector1">
+              <a:avLst/>
+            </a:prstGeom>
+            <a:solidFill>
+              <a:srgbClr val="99CCFF">
+                <a:alpha val="32001"/>
+              </a:srgbClr>
+            </a:solidFill>
+            <a:ln w="19050" cap="flat" cmpd="sng" algn="ctr">
+              <a:solidFill>
+                <a:srgbClr val="000080"/>
+              </a:solidFill>
+              <a:prstDash val="solid"/>
+              <a:round/>
+              <a:headEnd type="none" w="med" len="med"/>
+              <a:tailEnd type="triangle"/>
+            </a:ln>
+            <a:effectLst/>
+          </p:spPr>
+        </p:cxnSp>
+        <p:sp>
+          <p:nvSpPr>
+            <p:cNvPr id="135" name="流程图: 过程 134"/>
+            <p:cNvSpPr/>
+            <p:nvPr/>
+          </p:nvSpPr>
+          <p:spPr bwMode="auto">
+            <a:xfrm>
+              <a:off x="6380199" y="3616587"/>
+              <a:ext cx="461665" cy="1445130"/>
+            </a:xfrm>
+            <a:prstGeom prst="flowChartProcess">
+              <a:avLst/>
+            </a:prstGeom>
+            <a:solidFill>
+              <a:srgbClr val="99CCFF">
+                <a:alpha val="32001"/>
+              </a:srgbClr>
+            </a:solidFill>
+            <a:ln w="19050" cap="flat" cmpd="sng" algn="ctr">
+              <a:solidFill>
+                <a:srgbClr val="000080"/>
+              </a:solidFill>
+              <a:prstDash val="solid"/>
+              <a:round/>
+              <a:headEnd type="none" w="med" len="med"/>
+              <a:tailEnd type="none" w="med" len="med"/>
+            </a:ln>
+            <a:effectLst/>
+          </p:spPr>
+          <p:txBody>
+            <a:bodyPr vert="eaVert" wrap="square" lIns="91440" tIns="45720" rIns="91440" bIns="45720" numCol="1" rtlCol="0" anchor="t" anchorCtr="0" compatLnSpc="1">
+              <a:prstTxWarp prst="textNoShape">
+                <a:avLst/>
+              </a:prstTxWarp>
+              <a:spAutoFit/>
+            </a:bodyPr>
+            <a:lstStyle/>
+            <a:p>
+              <a:pPr marL="342900" marR="0" indent="-342900" algn="ctr" defTabSz="914400" rtl="0" eaLnBrk="1" fontAlgn="base" latinLnBrk="0" hangingPunct="1">
+                <a:lnSpc>
+                  <a:spcPct val="100000"/>
+                </a:lnSpc>
+                <a:spcBef>
+                  <a:spcPct val="20000"/>
+                </a:spcBef>
+                <a:spcAft>
+                  <a:spcPct val="0"/>
+                </a:spcAft>
+                <a:buClrTx/>
+                <a:buSzPct val="75000"/>
+                <a:buFont typeface="Wingdings" pitchFamily="2" charset="2"/>
+                <a:buNone/>
+                <a:tabLst/>
+              </a:pPr>
+              <a:r>
+                <a:rPr lang="zh-CN" altLang="en-US" sz="1800" dirty="0" smtClean="0">
+                  <a:ea typeface="楷体_GB2312" pitchFamily="49" charset="-122"/>
+                </a:rPr>
+                <a:t>校正速度矢量</a:t>
+              </a:r>
+              <a:endParaRPr kumimoji="1" lang="zh-CN" altLang="en-US" sz="1800" b="1" i="0" u="none" strike="noStrike" cap="none" normalizeH="0" baseline="0" dirty="0" smtClean="0">
+                <a:ln>
+                  <a:noFill/>
+                </a:ln>
+                <a:solidFill>
+                  <a:srgbClr val="000066"/>
+                </a:solidFill>
+                <a:effectLst/>
+                <a:ea typeface="楷体_GB2312" pitchFamily="49" charset="-122"/>
+              </a:endParaRPr>
+            </a:p>
+          </p:txBody>
+        </p:sp>
+        <p:sp>
+          <p:nvSpPr>
+            <p:cNvPr id="139" name="流程图: 过程 138"/>
+            <p:cNvSpPr/>
+            <p:nvPr/>
+          </p:nvSpPr>
+          <p:spPr bwMode="auto">
+            <a:xfrm>
+              <a:off x="7422227" y="2632328"/>
+              <a:ext cx="461665" cy="2310804"/>
+            </a:xfrm>
+            <a:prstGeom prst="flowChartProcess">
+              <a:avLst/>
+            </a:prstGeom>
+            <a:solidFill>
+              <a:srgbClr val="99CCFF">
+                <a:alpha val="32001"/>
+              </a:srgbClr>
+            </a:solidFill>
+            <a:ln w="19050" cap="flat" cmpd="sng" algn="ctr">
+              <a:solidFill>
+                <a:srgbClr val="000080"/>
+              </a:solidFill>
+              <a:prstDash val="solid"/>
+              <a:round/>
+              <a:headEnd type="none" w="med" len="med"/>
+              <a:tailEnd type="none" w="med" len="med"/>
+            </a:ln>
+            <a:effectLst/>
+          </p:spPr>
+          <p:txBody>
+            <a:bodyPr vert="eaVert" wrap="square" lIns="91440" tIns="45720" rIns="91440" bIns="45720" numCol="1" rtlCol="0" anchor="t" anchorCtr="0" compatLnSpc="1">
+              <a:prstTxWarp prst="textNoShape">
+                <a:avLst/>
+              </a:prstTxWarp>
+              <a:spAutoFit/>
+            </a:bodyPr>
+            <a:lstStyle/>
+            <a:p>
+              <a:pPr marL="342900" marR="0" indent="-342900" algn="ctr" defTabSz="914400" rtl="0" eaLnBrk="1" fontAlgn="base" latinLnBrk="0" hangingPunct="1">
+                <a:lnSpc>
+                  <a:spcPct val="100000"/>
+                </a:lnSpc>
+                <a:spcBef>
+                  <a:spcPct val="20000"/>
+                </a:spcBef>
+                <a:spcAft>
+                  <a:spcPct val="0"/>
+                </a:spcAft>
+                <a:buClrTx/>
+                <a:buSzPct val="75000"/>
+                <a:buFont typeface="Wingdings" pitchFamily="2" charset="2"/>
+                <a:buNone/>
+                <a:tabLst/>
+              </a:pPr>
+              <a:r>
+                <a:rPr kumimoji="1" lang="zh-CN" altLang="en-US" sz="1800" b="1" i="0" u="none" strike="noStrike" cap="none" normalizeH="0" baseline="0" dirty="0" smtClean="0">
+                  <a:ln>
+                    <a:noFill/>
+                  </a:ln>
+                  <a:solidFill>
+                    <a:srgbClr val="000066"/>
+                  </a:solidFill>
+                  <a:effectLst/>
+                  <a:ea typeface="楷体_GB2312" pitchFamily="49" charset="-122"/>
+                </a:rPr>
+                <a:t>积分计算位置信息</a:t>
+              </a:r>
+              <a:endParaRPr kumimoji="1" lang="zh-CN" altLang="en-US" sz="1800" b="1" i="0" u="none" strike="noStrike" cap="none" normalizeH="0" baseline="0" dirty="0" smtClean="0">
+                <a:ln>
+                  <a:noFill/>
+                </a:ln>
+                <a:solidFill>
+                  <a:srgbClr val="000066"/>
+                </a:solidFill>
+                <a:effectLst/>
+                <a:ea typeface="楷体_GB2312" pitchFamily="49" charset="-122"/>
+              </a:endParaRPr>
+            </a:p>
+          </p:txBody>
+        </p:sp>
+        <p:sp>
+          <p:nvSpPr>
+            <p:cNvPr id="144" name="文本框 143"/>
             <p:cNvSpPr txBox="1"/>
             <p:nvPr/>
           </p:nvSpPr>
           <p:spPr>
             <a:xfrm>
-              <a:off x="7375622" y="1674981"/>
-              <a:ext cx="1003801" cy="338554"/>
-            </a:xfrm>
-            <a:prstGeom prst="rect">
-              <a:avLst/>
-            </a:prstGeom>
-            <a:noFill/>
-          </p:spPr>
-          <p:txBody>
-            <a:bodyPr wrap="none" rtlCol="0">
-              <a:spAutoFit/>
-            </a:bodyPr>
-            <a:lstStyle/>
-            <a:p>
-              <a:r>
-                <a:rPr lang="en-US" altLang="zh-CN" sz="1600" dirty="0" smtClean="0"/>
-                <a:t>IMU</a:t>
-              </a:r>
-              <a:r>
-                <a:rPr lang="zh-CN" altLang="en-US" sz="1600" dirty="0"/>
-                <a:t>读数</a:t>
-              </a:r>
-            </a:p>
-          </p:txBody>
-        </p:sp>
-        <p:sp>
-          <p:nvSpPr>
-            <p:cNvPr id="16" name="文本框 15"/>
-            <p:cNvSpPr txBox="1"/>
-            <p:nvPr/>
-          </p:nvSpPr>
-          <p:spPr>
-            <a:xfrm>
-              <a:off x="7670576" y="3875469"/>
-              <a:ext cx="1358064" cy="369332"/>
-            </a:xfrm>
-            <a:prstGeom prst="rect">
-              <a:avLst/>
-            </a:prstGeom>
-            <a:noFill/>
-          </p:spPr>
-          <p:txBody>
-            <a:bodyPr wrap="none" rtlCol="0">
-              <a:spAutoFit/>
-            </a:bodyPr>
-            <a:lstStyle/>
-            <a:p>
-              <a:r>
-                <a:rPr lang="en-US" altLang="zh-CN" sz="1800" dirty="0" smtClean="0"/>
-                <a:t>RGB-D</a:t>
-              </a:r>
-              <a:r>
-                <a:rPr lang="zh-CN" altLang="en-US" sz="1800" dirty="0" smtClean="0"/>
-                <a:t>图像</a:t>
-              </a:r>
-              <a:endParaRPr lang="zh-CN" altLang="en-US" sz="1800" dirty="0"/>
-            </a:p>
-          </p:txBody>
-        </p:sp>
-        <p:sp>
-          <p:nvSpPr>
-            <p:cNvPr id="17" name="文本框 16"/>
-            <p:cNvSpPr txBox="1"/>
-            <p:nvPr/>
-          </p:nvSpPr>
-          <p:spPr>
-            <a:xfrm>
-              <a:off x="5977873" y="3875469"/>
-              <a:ext cx="1011815" cy="338554"/>
+              <a:off x="1372042" y="1742070"/>
+              <a:ext cx="598241" cy="338554"/>
             </a:xfrm>
             <a:prstGeom prst="rect">
               <a:avLst/>
@@ -6431,65 +8882,408 @@
             <a:p>
               <a:r>
                 <a:rPr lang="zh-CN" altLang="en-US" sz="1600" dirty="0" smtClean="0"/>
-                <a:t>控制信息</a:t>
+                <a:t>积分</a:t>
               </a:r>
               <a:endParaRPr lang="zh-CN" altLang="en-US" sz="1600" dirty="0"/>
             </a:p>
           </p:txBody>
         </p:sp>
+        <p:cxnSp>
+          <p:nvCxnSpPr>
+            <p:cNvPr id="153" name="直接箭头连接符 152"/>
+            <p:cNvCxnSpPr>
+              <a:endCxn id="126" idx="0"/>
+            </p:cNvCxnSpPr>
+            <p:nvPr/>
+          </p:nvCxnSpPr>
+          <p:spPr bwMode="auto">
+            <a:xfrm>
+              <a:off x="4757305" y="2632328"/>
+              <a:ext cx="0" cy="727459"/>
+            </a:xfrm>
+            <a:prstGeom prst="straightConnector1">
+              <a:avLst/>
+            </a:prstGeom>
+            <a:solidFill>
+              <a:srgbClr val="99CCFF">
+                <a:alpha val="32001"/>
+              </a:srgbClr>
+            </a:solidFill>
+            <a:ln w="19050" cap="flat" cmpd="sng" algn="ctr">
+              <a:solidFill>
+                <a:srgbClr val="000080"/>
+              </a:solidFill>
+              <a:prstDash val="solid"/>
+              <a:round/>
+              <a:headEnd type="none" w="med" len="med"/>
+              <a:tailEnd type="triangle"/>
+            </a:ln>
+            <a:effectLst/>
+          </p:spPr>
+        </p:cxnSp>
+        <p:cxnSp>
+          <p:nvCxnSpPr>
+            <p:cNvPr id="156" name="直接箭头连接符 155"/>
+            <p:cNvCxnSpPr>
+              <a:stCxn id="126" idx="3"/>
+            </p:cNvCxnSpPr>
+            <p:nvPr/>
+          </p:nvCxnSpPr>
+          <p:spPr bwMode="auto">
+            <a:xfrm>
+              <a:off x="5120481" y="3809910"/>
+              <a:ext cx="325688" cy="0"/>
+            </a:xfrm>
+            <a:prstGeom prst="straightConnector1">
+              <a:avLst/>
+            </a:prstGeom>
+            <a:solidFill>
+              <a:srgbClr val="99CCFF">
+                <a:alpha val="32001"/>
+              </a:srgbClr>
+            </a:solidFill>
+            <a:ln w="19050" cap="flat" cmpd="sng" algn="ctr">
+              <a:solidFill>
+                <a:srgbClr val="000080"/>
+              </a:solidFill>
+              <a:prstDash val="solid"/>
+              <a:round/>
+              <a:headEnd type="none" w="med" len="med"/>
+              <a:tailEnd type="triangle"/>
+            </a:ln>
+            <a:effectLst/>
+          </p:spPr>
+        </p:cxnSp>
+        <p:cxnSp>
+          <p:nvCxnSpPr>
+            <p:cNvPr id="157" name="直接箭头连接符 156"/>
+            <p:cNvCxnSpPr/>
+            <p:nvPr/>
+          </p:nvCxnSpPr>
+          <p:spPr bwMode="auto">
+            <a:xfrm>
+              <a:off x="5101539" y="4836052"/>
+              <a:ext cx="402638" cy="0"/>
+            </a:xfrm>
+            <a:prstGeom prst="straightConnector1">
+              <a:avLst/>
+            </a:prstGeom>
+            <a:solidFill>
+              <a:srgbClr val="99CCFF">
+                <a:alpha val="32001"/>
+              </a:srgbClr>
+            </a:solidFill>
+            <a:ln w="19050" cap="flat" cmpd="sng" algn="ctr">
+              <a:solidFill>
+                <a:srgbClr val="000080"/>
+              </a:solidFill>
+              <a:prstDash val="solid"/>
+              <a:round/>
+              <a:headEnd type="none" w="med" len="med"/>
+              <a:tailEnd type="triangle"/>
+            </a:ln>
+            <a:effectLst/>
+          </p:spPr>
+        </p:cxnSp>
+        <p:cxnSp>
+          <p:nvCxnSpPr>
+            <p:cNvPr id="164" name="直接箭头连接符 163"/>
+            <p:cNvCxnSpPr>
+              <a:stCxn id="86" idx="3"/>
+              <a:endCxn id="135" idx="1"/>
+            </p:cNvCxnSpPr>
+            <p:nvPr/>
+          </p:nvCxnSpPr>
+          <p:spPr bwMode="auto">
+            <a:xfrm>
+              <a:off x="5920151" y="4339152"/>
+              <a:ext cx="460048" cy="0"/>
+            </a:xfrm>
+            <a:prstGeom prst="straightConnector1">
+              <a:avLst/>
+            </a:prstGeom>
+            <a:solidFill>
+              <a:srgbClr val="99CCFF">
+                <a:alpha val="32001"/>
+              </a:srgbClr>
+            </a:solidFill>
+            <a:ln w="19050" cap="flat" cmpd="sng" algn="ctr">
+              <a:solidFill>
+                <a:srgbClr val="000080"/>
+              </a:solidFill>
+              <a:prstDash val="solid"/>
+              <a:round/>
+              <a:headEnd type="none" w="med" len="med"/>
+              <a:tailEnd type="triangle"/>
+            </a:ln>
+            <a:effectLst/>
+          </p:spPr>
+        </p:cxnSp>
+        <p:cxnSp>
+          <p:nvCxnSpPr>
+            <p:cNvPr id="165" name="直接箭头连接符 164"/>
+            <p:cNvCxnSpPr/>
+            <p:nvPr/>
+          </p:nvCxnSpPr>
+          <p:spPr bwMode="auto">
+            <a:xfrm>
+              <a:off x="6841864" y="4322358"/>
+              <a:ext cx="611141" cy="0"/>
+            </a:xfrm>
+            <a:prstGeom prst="straightConnector1">
+              <a:avLst/>
+            </a:prstGeom>
+            <a:solidFill>
+              <a:srgbClr val="99CCFF">
+                <a:alpha val="32001"/>
+              </a:srgbClr>
+            </a:solidFill>
+            <a:ln w="19050" cap="flat" cmpd="sng" algn="ctr">
+              <a:solidFill>
+                <a:srgbClr val="000080"/>
+              </a:solidFill>
+              <a:prstDash val="solid"/>
+              <a:round/>
+              <a:headEnd type="none" w="med" len="med"/>
+              <a:tailEnd type="triangle"/>
+            </a:ln>
+            <a:effectLst/>
+          </p:spPr>
+        </p:cxnSp>
+        <p:cxnSp>
+          <p:nvCxnSpPr>
+            <p:cNvPr id="168" name="直接箭头连接符 167"/>
+            <p:cNvCxnSpPr>
+              <a:stCxn id="139" idx="3"/>
+            </p:cNvCxnSpPr>
+            <p:nvPr/>
+          </p:nvCxnSpPr>
+          <p:spPr bwMode="auto">
+            <a:xfrm>
+              <a:off x="7883892" y="3787730"/>
+              <a:ext cx="392951" cy="0"/>
+            </a:xfrm>
+            <a:prstGeom prst="straightConnector1">
+              <a:avLst/>
+            </a:prstGeom>
+            <a:solidFill>
+              <a:srgbClr val="99CCFF">
+                <a:alpha val="32001"/>
+              </a:srgbClr>
+            </a:solidFill>
+            <a:ln w="19050" cap="flat" cmpd="sng" algn="ctr">
+              <a:solidFill>
+                <a:srgbClr val="000080"/>
+              </a:solidFill>
+              <a:prstDash val="solid"/>
+              <a:round/>
+              <a:headEnd type="none" w="med" len="med"/>
+              <a:tailEnd type="triangle"/>
+            </a:ln>
+            <a:effectLst/>
+          </p:spPr>
+        </p:cxnSp>
+        <p:sp>
+          <p:nvSpPr>
+            <p:cNvPr id="170" name="文本框 169"/>
+            <p:cNvSpPr txBox="1"/>
+            <p:nvPr/>
+          </p:nvSpPr>
+          <p:spPr>
+            <a:xfrm>
+              <a:off x="3093517" y="2855590"/>
+              <a:ext cx="391454" cy="338554"/>
+            </a:xfrm>
+            <a:prstGeom prst="rect">
+              <a:avLst/>
+            </a:prstGeom>
+            <a:noFill/>
+          </p:spPr>
+          <p:txBody>
+            <a:bodyPr wrap="none" rtlCol="0">
+              <a:spAutoFit/>
+            </a:bodyPr>
+            <a:lstStyle/>
+            <a:p>
+              <a:r>
+                <a:rPr lang="zh-CN" altLang="en-US" sz="1600" dirty="0"/>
+                <a:t>否</a:t>
+              </a:r>
+            </a:p>
+          </p:txBody>
+        </p:sp>
+        <p:sp>
+          <p:nvSpPr>
+            <p:cNvPr id="171" name="文本框 170"/>
+            <p:cNvSpPr txBox="1"/>
+            <p:nvPr/>
+          </p:nvSpPr>
+          <p:spPr>
+            <a:xfrm>
+              <a:off x="1479312" y="3802784"/>
+              <a:ext cx="391454" cy="338554"/>
+            </a:xfrm>
+            <a:prstGeom prst="rect">
+              <a:avLst/>
+            </a:prstGeom>
+            <a:noFill/>
+          </p:spPr>
+          <p:txBody>
+            <a:bodyPr wrap="none" rtlCol="0">
+              <a:spAutoFit/>
+            </a:bodyPr>
+            <a:lstStyle/>
+            <a:p>
+              <a:r>
+                <a:rPr lang="zh-CN" altLang="en-US" sz="1600" dirty="0" smtClean="0"/>
+                <a:t>是</a:t>
+              </a:r>
+              <a:endParaRPr lang="zh-CN" altLang="en-US" sz="1600" dirty="0"/>
+            </a:p>
+          </p:txBody>
+        </p:sp>
+        <p:sp>
+          <p:nvSpPr>
+            <p:cNvPr id="172" name="文本框 171"/>
+            <p:cNvSpPr txBox="1"/>
+            <p:nvPr/>
+          </p:nvSpPr>
+          <p:spPr>
+            <a:xfrm>
+              <a:off x="3034496" y="4435914"/>
+              <a:ext cx="391454" cy="338554"/>
+            </a:xfrm>
+            <a:prstGeom prst="rect">
+              <a:avLst/>
+            </a:prstGeom>
+            <a:noFill/>
+          </p:spPr>
+          <p:txBody>
+            <a:bodyPr wrap="none" rtlCol="0">
+              <a:spAutoFit/>
+            </a:bodyPr>
+            <a:lstStyle/>
+            <a:p>
+              <a:r>
+                <a:rPr lang="zh-CN" altLang="en-US" sz="1600" dirty="0"/>
+                <a:t>否</a:t>
+              </a:r>
+            </a:p>
+          </p:txBody>
+        </p:sp>
+        <p:sp>
+          <p:nvSpPr>
+            <p:cNvPr id="176" name="文本框 175"/>
+            <p:cNvSpPr txBox="1"/>
+            <p:nvPr/>
+          </p:nvSpPr>
+          <p:spPr>
+            <a:xfrm>
+              <a:off x="1475435" y="5506275"/>
+              <a:ext cx="391454" cy="338554"/>
+            </a:xfrm>
+            <a:prstGeom prst="rect">
+              <a:avLst/>
+            </a:prstGeom>
+            <a:noFill/>
+          </p:spPr>
+          <p:txBody>
+            <a:bodyPr wrap="none" rtlCol="0">
+              <a:spAutoFit/>
+            </a:bodyPr>
+            <a:lstStyle/>
+            <a:p>
+              <a:r>
+                <a:rPr lang="zh-CN" altLang="en-US" sz="1600" dirty="0" smtClean="0"/>
+                <a:t>是</a:t>
+              </a:r>
+              <a:endParaRPr lang="zh-CN" altLang="en-US" sz="1600" dirty="0"/>
+            </a:p>
+          </p:txBody>
+        </p:sp>
+        <p:cxnSp>
+          <p:nvCxnSpPr>
+            <p:cNvPr id="179" name="肘形连接符 178"/>
+            <p:cNvCxnSpPr>
+              <a:stCxn id="135" idx="0"/>
+              <a:endCxn id="144" idx="3"/>
+            </p:cNvCxnSpPr>
+            <p:nvPr/>
+          </p:nvCxnSpPr>
+          <p:spPr bwMode="auto">
+            <a:xfrm rot="16200000" flipV="1">
+              <a:off x="3438038" y="443592"/>
+              <a:ext cx="1705240" cy="4640749"/>
+            </a:xfrm>
+            <a:prstGeom prst="bentConnector2">
+              <a:avLst/>
+            </a:prstGeom>
+            <a:solidFill>
+              <a:srgbClr val="99CCFF">
+                <a:alpha val="32001"/>
+              </a:srgbClr>
+            </a:solidFill>
+            <a:ln w="19050" cap="flat" cmpd="sng" algn="ctr">
+              <a:solidFill>
+                <a:srgbClr val="000080"/>
+              </a:solidFill>
+              <a:prstDash val="solid"/>
+              <a:round/>
+              <a:headEnd type="none" w="med" len="med"/>
+              <a:tailEnd type="triangle"/>
+            </a:ln>
+            <a:effectLst/>
+          </p:spPr>
+        </p:cxnSp>
       </p:grpSp>
-      <p:cxnSp>
-        <p:nvCxnSpPr>
-          <p:cNvPr id="18" name="直接连接符 17"/>
-          <p:cNvCxnSpPr/>
+      <p:sp>
+        <p:nvSpPr>
+          <p:cNvPr id="185" name="文本框 184"/>
+          <p:cNvSpPr txBox="1"/>
           <p:nvPr/>
-        </p:nvCxnSpPr>
-        <p:spPr bwMode="auto">
+        </p:nvSpPr>
+        <p:spPr>
           <a:xfrm>
-            <a:off x="5652120" y="1197546"/>
-            <a:ext cx="0" cy="5255790"/>
+            <a:off x="2886379" y="5502763"/>
+            <a:ext cx="1838965" cy="338554"/>
           </a:xfrm>
-          <a:prstGeom prst="line">
+          <a:prstGeom prst="rect">
             <a:avLst/>
           </a:prstGeom>
-          <a:solidFill>
-            <a:srgbClr val="99CCFF">
-              <a:alpha val="32001"/>
-            </a:srgbClr>
-          </a:solidFill>
-          <a:ln w="19050" cap="flat" cmpd="sng" algn="ctr">
-            <a:solidFill>
-              <a:srgbClr val="000080"/>
-            </a:solidFill>
-            <a:prstDash val="solid"/>
-            <a:round/>
-            <a:headEnd type="none" w="med" len="med"/>
-            <a:tailEnd type="none" w="med" len="med"/>
-          </a:ln>
-          <a:effectLst/>
+          <a:noFill/>
         </p:spPr>
-      </p:cxnSp>
+        <p:txBody>
+          <a:bodyPr wrap="none" rtlCol="0">
+            <a:spAutoFit/>
+          </a:bodyPr>
+          <a:lstStyle/>
+          <a:p>
+            <a:r>
+              <a:rPr lang="zh-CN" altLang="en-US" sz="1600" dirty="0"/>
+              <a:t>视觉</a:t>
+            </a:r>
+            <a:r>
+              <a:rPr lang="zh-CN" altLang="en-US" sz="1600" dirty="0" smtClean="0"/>
+              <a:t>定位位移矢量</a:t>
+            </a:r>
+            <a:endParaRPr lang="zh-CN" altLang="en-US" sz="1600" dirty="0"/>
+          </a:p>
+        </p:txBody>
+      </p:sp>
     </p:spTree>
     <p:extLst>
       <p:ext uri="{BB962C8B-B14F-4D97-AF65-F5344CB8AC3E}">
-        <p14:creationId xmlns:p14="http://schemas.microsoft.com/office/powerpoint/2010/main" val="1334926070"/>
+        <p14:creationId xmlns:p14="http://schemas.microsoft.com/office/powerpoint/2010/main" val="3653807744"/>
       </p:ext>
     </p:extLst>
   </p:cSld>
   <p:clrMapOvr>
     <a:masterClrMapping/>
   </p:clrMapOvr>
-  <p:timing>
-    <p:tnLst>
-      <p:par>
-        <p:cTn id="1" dur="indefinite" restart="never" nodeType="tmRoot"/>
-      </p:par>
-    </p:tnLst>
-  </p:timing>
 </p:sld>
 </file>
 
-<file path=ppt/slides/slide6.xml><?xml version="1.0" encoding="utf-8"?>
+<file path=ppt/slides/slide5.xml><?xml version="1.0" encoding="utf-8"?>
 <p:sld xmlns:a="http://schemas.openxmlformats.org/drawingml/2006/main" xmlns:r="http://schemas.openxmlformats.org/officeDocument/2006/relationships" xmlns:p="http://schemas.openxmlformats.org/presentationml/2006/main">
   <p:cSld>
     <p:spTree>
@@ -6540,7 +9334,7 @@
             </a:r>
             <a:r>
               <a:rPr lang="zh-CN" altLang="en-US" sz="3200" dirty="0" smtClean="0"/>
-              <a:t>运动路径简单情形</a:t>
+              <a:t>简单直线运动情形</a:t>
             </a:r>
             <a:endParaRPr lang="zh-CN" altLang="en-US" sz="3200" dirty="0"/>
           </a:p>
@@ -6558,7 +9352,7 @@
         </p:nvSpPr>
         <p:spPr>
           <a:xfrm>
-            <a:off x="369312" y="2084357"/>
+            <a:off x="316594" y="1604535"/>
             <a:ext cx="4040188" cy="639762"/>
           </a:xfrm>
         </p:spPr>
@@ -6568,19 +9362,13 @@
           <a:p>
             <a:r>
               <a:rPr lang="zh-CN" altLang="en-US" dirty="0" smtClean="0"/>
-              <a:t>不进行融合：有累计误差</a:t>
+              <a:t>不进行融合：有累计</a:t>
+            </a:r>
+            <a:r>
+              <a:rPr lang="zh-CN" altLang="en-US" dirty="0" smtClean="0"/>
+              <a:t>误差</a:t>
             </a:r>
             <a:endParaRPr lang="en-US" altLang="zh-CN" dirty="0" smtClean="0"/>
-          </a:p>
-          <a:p>
-            <a:endParaRPr lang="en-US" altLang="zh-CN" dirty="0" smtClean="0"/>
-          </a:p>
-          <a:p>
-            <a:r>
-              <a:rPr lang="zh-CN" altLang="en-US" dirty="0" smtClean="0"/>
-              <a:t>三维速度曲线</a:t>
-            </a:r>
-            <a:endParaRPr lang="zh-CN" altLang="en-US" dirty="0"/>
           </a:p>
         </p:txBody>
       </p:sp>
@@ -6624,7 +9412,7 @@
         </p:nvSpPr>
         <p:spPr>
           <a:xfrm>
-            <a:off x="4644008" y="2060848"/>
+            <a:off x="4684714" y="1604535"/>
             <a:ext cx="4041775" cy="639762"/>
           </a:xfrm>
         </p:spPr>
@@ -6634,19 +9422,13 @@
           <a:p>
             <a:r>
               <a:rPr lang="zh-CN" altLang="en-US" dirty="0" smtClean="0"/>
-              <a:t>进行融合：消除累计误差</a:t>
+              <a:t>进行融合：消除累计</a:t>
+            </a:r>
+            <a:r>
+              <a:rPr lang="zh-CN" altLang="en-US" dirty="0" smtClean="0"/>
+              <a:t>误差</a:t>
             </a:r>
             <a:endParaRPr lang="en-US" altLang="zh-CN" dirty="0" smtClean="0"/>
-          </a:p>
-          <a:p>
-            <a:endParaRPr lang="en-US" altLang="zh-CN" dirty="0" smtClean="0"/>
-          </a:p>
-          <a:p>
-            <a:r>
-              <a:rPr lang="zh-CN" altLang="en-US" dirty="0" smtClean="0"/>
-              <a:t>位移曲线（俯视图）</a:t>
-            </a:r>
-            <a:endParaRPr lang="zh-CN" altLang="en-US" dirty="0"/>
           </a:p>
         </p:txBody>
       </p:sp>
@@ -6810,7 +9592,7 @@
         <p:spPr>
           <a:xfrm>
             <a:off x="457200" y="5456209"/>
-            <a:ext cx="561372" cy="261610"/>
+            <a:ext cx="736099" cy="338554"/>
           </a:xfrm>
           <a:prstGeom prst="rect">
             <a:avLst/>
@@ -6824,14 +9606,14 @@
           <a:lstStyle/>
           <a:p>
             <a:r>
-              <a:rPr lang="zh-CN" altLang="en-US" sz="1100" dirty="0" smtClean="0"/>
+              <a:rPr lang="zh-CN" altLang="en-US" sz="1600" dirty="0" smtClean="0"/>
               <a:t>时间</a:t>
             </a:r>
             <a:r>
-              <a:rPr lang="en-US" altLang="zh-CN" sz="1100" dirty="0" smtClean="0"/>
+              <a:rPr lang="en-US" altLang="zh-CN" sz="1600" dirty="0" smtClean="0"/>
               <a:t>/s</a:t>
             </a:r>
-            <a:endParaRPr lang="zh-CN" altLang="en-US" sz="1100" dirty="0"/>
+            <a:endParaRPr lang="zh-CN" altLang="en-US" sz="1600" dirty="0"/>
           </a:p>
         </p:txBody>
       </p:sp>
@@ -6843,8 +9625,8 @@
         </p:nvSpPr>
         <p:spPr>
           <a:xfrm rot="16200000">
-            <a:off x="-147837" y="4889885"/>
-            <a:ext cx="755335" cy="261610"/>
+            <a:off x="-280085" y="4851414"/>
+            <a:ext cx="1019831" cy="338554"/>
           </a:xfrm>
           <a:prstGeom prst="rect">
             <a:avLst/>
@@ -6858,14 +9640,227 @@
           <a:lstStyle/>
           <a:p>
             <a:r>
-              <a:rPr lang="zh-CN" altLang="en-US" sz="1100" dirty="0" smtClean="0"/>
+              <a:rPr lang="zh-CN" altLang="en-US" sz="1600" dirty="0" smtClean="0"/>
               <a:t>速度</a:t>
             </a:r>
             <a:r>
-              <a:rPr lang="en-US" altLang="zh-CN" sz="1100" dirty="0" smtClean="0"/>
+              <a:rPr lang="en-US" altLang="zh-CN" sz="1600" dirty="0" smtClean="0"/>
               <a:t>/ m/s</a:t>
             </a:r>
-            <a:endParaRPr lang="zh-CN" altLang="en-US" sz="1100" dirty="0"/>
+            <a:endParaRPr lang="zh-CN" altLang="en-US" sz="1600" dirty="0"/>
+          </a:p>
+        </p:txBody>
+      </p:sp>
+      <p:sp>
+        <p:nvSpPr>
+          <p:cNvPr id="10" name="椭圆形标注 9"/>
+          <p:cNvSpPr/>
+          <p:nvPr/>
+        </p:nvSpPr>
+        <p:spPr bwMode="auto">
+          <a:xfrm>
+            <a:off x="2274349" y="2527637"/>
+            <a:ext cx="2031804" cy="822305"/>
+          </a:xfrm>
+          <a:prstGeom prst="wedgeEllipseCallout">
+            <a:avLst>
+              <a:gd name="adj1" fmla="val 20132"/>
+              <a:gd name="adj2" fmla="val 78182"/>
+            </a:avLst>
+          </a:prstGeom>
+          <a:solidFill>
+            <a:srgbClr val="99CCFF">
+              <a:alpha val="32001"/>
+            </a:srgbClr>
+          </a:solidFill>
+          <a:ln w="19050" cap="flat" cmpd="sng" algn="ctr">
+            <a:solidFill>
+              <a:srgbClr val="000080"/>
+            </a:solidFill>
+            <a:prstDash val="solid"/>
+            <a:round/>
+            <a:headEnd type="none" w="med" len="med"/>
+            <a:tailEnd type="none" w="med" len="med"/>
+          </a:ln>
+          <a:effectLst/>
+        </p:spPr>
+        <p:txBody>
+          <a:bodyPr vert="horz" wrap="square" lIns="91440" tIns="45720" rIns="91440" bIns="45720" numCol="1" rtlCol="0" anchor="t" anchorCtr="0" compatLnSpc="1">
+            <a:prstTxWarp prst="textNoShape">
+              <a:avLst/>
+            </a:prstTxWarp>
+            <a:spAutoFit/>
+          </a:bodyPr>
+          <a:lstStyle/>
+          <a:p>
+            <a:pPr marL="342900" marR="0" indent="-342900" algn="l" defTabSz="914400" rtl="0" eaLnBrk="1" fontAlgn="base" latinLnBrk="0" hangingPunct="1">
+              <a:lnSpc>
+                <a:spcPct val="100000"/>
+              </a:lnSpc>
+              <a:spcBef>
+                <a:spcPct val="20000"/>
+              </a:spcBef>
+              <a:spcAft>
+                <a:spcPct val="0"/>
+              </a:spcAft>
+              <a:buClrTx/>
+              <a:buSzPct val="75000"/>
+              <a:buFont typeface="Wingdings" pitchFamily="2" charset="2"/>
+              <a:buNone/>
+              <a:tabLst/>
+            </a:pPr>
+            <a:r>
+              <a:rPr kumimoji="1" lang="zh-CN" altLang="en-US" sz="1600" b="1" i="0" u="none" strike="noStrike" cap="none" normalizeH="0" baseline="0" dirty="0" smtClean="0">
+                <a:ln>
+                  <a:noFill/>
+                </a:ln>
+                <a:solidFill>
+                  <a:srgbClr val="000066"/>
+                </a:solidFill>
+                <a:effectLst/>
+                <a:latin typeface="Sylfaen" pitchFamily="18" charset="0"/>
+                <a:ea typeface="楷体_GB2312" pitchFamily="49" charset="-122"/>
+              </a:rPr>
+              <a:t>目标停止后速度不为零</a:t>
+            </a:r>
+            <a:endParaRPr kumimoji="1" lang="zh-CN" altLang="en-US" sz="1600" b="1" i="0" u="none" strike="noStrike" cap="none" normalizeH="0" baseline="0" dirty="0" smtClean="0">
+              <a:ln>
+                <a:noFill/>
+              </a:ln>
+              <a:solidFill>
+                <a:srgbClr val="000066"/>
+              </a:solidFill>
+              <a:effectLst/>
+              <a:latin typeface="Sylfaen" pitchFamily="18" charset="0"/>
+              <a:ea typeface="楷体_GB2312" pitchFamily="49" charset="-122"/>
+            </a:endParaRPr>
+          </a:p>
+        </p:txBody>
+      </p:sp>
+      <p:sp>
+        <p:nvSpPr>
+          <p:cNvPr id="12" name="文本框 11"/>
+          <p:cNvSpPr txBox="1"/>
+          <p:nvPr/>
+        </p:nvSpPr>
+        <p:spPr>
+          <a:xfrm>
+            <a:off x="1200139" y="5650578"/>
+            <a:ext cx="2194832" cy="492443"/>
+          </a:xfrm>
+          <a:prstGeom prst="rect">
+            <a:avLst/>
+          </a:prstGeom>
+          <a:noFill/>
+        </p:spPr>
+        <p:txBody>
+          <a:bodyPr wrap="none" rtlCol="0">
+            <a:spAutoFit/>
+          </a:bodyPr>
+          <a:lstStyle/>
+          <a:p>
+            <a:r>
+              <a:rPr lang="zh-CN" altLang="en-US" dirty="0" smtClean="0"/>
+              <a:t>三维速度曲线</a:t>
+            </a:r>
+            <a:endParaRPr lang="zh-CN" altLang="en-US" dirty="0"/>
+          </a:p>
+        </p:txBody>
+      </p:sp>
+      <p:sp>
+        <p:nvSpPr>
+          <p:cNvPr id="19" name="文本框 18"/>
+          <p:cNvSpPr txBox="1"/>
+          <p:nvPr/>
+        </p:nvSpPr>
+        <p:spPr>
+          <a:xfrm>
+            <a:off x="5378904" y="5618430"/>
+            <a:ext cx="3199915" cy="492443"/>
+          </a:xfrm>
+          <a:prstGeom prst="rect">
+            <a:avLst/>
+          </a:prstGeom>
+          <a:noFill/>
+        </p:spPr>
+        <p:txBody>
+          <a:bodyPr wrap="none" rtlCol="0">
+            <a:spAutoFit/>
+          </a:bodyPr>
+          <a:lstStyle/>
+          <a:p>
+            <a:r>
+              <a:rPr lang="zh-CN" altLang="en-US" dirty="0" smtClean="0"/>
+              <a:t>位移曲线（俯视图）</a:t>
+            </a:r>
+            <a:endParaRPr lang="zh-CN" altLang="en-US" dirty="0"/>
+          </a:p>
+        </p:txBody>
+      </p:sp>
+      <p:sp>
+        <p:nvSpPr>
+          <p:cNvPr id="14" name="文本框 13"/>
+          <p:cNvSpPr txBox="1"/>
+          <p:nvPr/>
+        </p:nvSpPr>
+        <p:spPr>
+          <a:xfrm>
+            <a:off x="5084163" y="3024858"/>
+            <a:ext cx="1425390" cy="338554"/>
+          </a:xfrm>
+          <a:prstGeom prst="rect">
+            <a:avLst/>
+          </a:prstGeom>
+          <a:noFill/>
+        </p:spPr>
+        <p:txBody>
+          <a:bodyPr wrap="none" rtlCol="0">
+            <a:spAutoFit/>
+          </a:bodyPr>
+          <a:lstStyle/>
+          <a:p>
+            <a:r>
+              <a:rPr lang="zh-CN" altLang="en-US" sz="1600" dirty="0" smtClean="0"/>
+              <a:t>理论行进路线</a:t>
+            </a:r>
+            <a:endParaRPr lang="zh-CN" altLang="en-US" sz="1600" dirty="0"/>
+          </a:p>
+        </p:txBody>
+      </p:sp>
+      <p:sp>
+        <p:nvSpPr>
+          <p:cNvPr id="20" name="文本框 19"/>
+          <p:cNvSpPr txBox="1"/>
+          <p:nvPr/>
+        </p:nvSpPr>
+        <p:spPr>
+          <a:xfrm>
+            <a:off x="7312823" y="2560405"/>
+            <a:ext cx="1218603" cy="584775"/>
+          </a:xfrm>
+          <a:prstGeom prst="rect">
+            <a:avLst/>
+          </a:prstGeom>
+          <a:noFill/>
+        </p:spPr>
+        <p:txBody>
+          <a:bodyPr wrap="square" rtlCol="0">
+            <a:spAutoFit/>
+          </a:bodyPr>
+          <a:lstStyle/>
+          <a:p>
+            <a:r>
+              <a:rPr lang="zh-CN" altLang="en-US" sz="1600" dirty="0" smtClean="0"/>
+              <a:t>融合还原出</a:t>
+            </a:r>
+            <a:endParaRPr lang="en-US" altLang="zh-CN" sz="1600" dirty="0" smtClean="0"/>
+          </a:p>
+          <a:p>
+            <a:r>
+              <a:rPr lang="zh-CN" altLang="en-US" sz="1600" dirty="0" smtClean="0"/>
+              <a:t>的行进路线</a:t>
+            </a:r>
+            <a:endParaRPr lang="zh-CN" altLang="en-US" sz="1600" dirty="0"/>
           </a:p>
         </p:txBody>
       </p:sp>
@@ -6879,6 +9874,14 @@
   <p:clrMapOvr>
     <a:masterClrMapping/>
   </p:clrMapOvr>
+  <mc:AlternateContent xmlns:mc="http://schemas.openxmlformats.org/markup-compatibility/2006">
+    <mc:Choice xmlns:p14="http://schemas.microsoft.com/office/powerpoint/2010/main" Requires="p14">
+      <p:transition spd="slow" p14:dur="2000" advTm="35061"/>
+    </mc:Choice>
+    <mc:Fallback>
+      <p:transition spd="slow" advTm="35061"/>
+    </mc:Fallback>
+  </mc:AlternateContent>
   <p:timing>
     <p:tnLst>
       <p:par>
@@ -6889,7 +9892,7 @@
 </p:sld>
 </file>
 
-<file path=ppt/slides/slide7.xml><?xml version="1.0" encoding="utf-8"?>
+<file path=ppt/slides/slide6.xml><?xml version="1.0" encoding="utf-8"?>
 <p:sld xmlns:a="http://schemas.openxmlformats.org/drawingml/2006/main" xmlns:r="http://schemas.openxmlformats.org/officeDocument/2006/relationships" xmlns:p="http://schemas.openxmlformats.org/presentationml/2006/main">
   <p:cSld>
     <p:spTree>
@@ -6992,7 +9995,7 @@
         </p:blipFill>
         <p:spPr>
           <a:xfrm>
-            <a:off x="4111403" y="240529"/>
+            <a:off x="4080074" y="260350"/>
             <a:ext cx="2192435" cy="3505726"/>
           </a:xfrm>
           <a:prstGeom prst="rect">
@@ -7101,6 +10104,66 @@
           <a:effectLst/>
         </p:spPr>
       </p:cxnSp>
+      <p:sp>
+        <p:nvSpPr>
+          <p:cNvPr id="10" name="文本框 9"/>
+          <p:cNvSpPr txBox="1"/>
+          <p:nvPr/>
+        </p:nvSpPr>
+        <p:spPr>
+          <a:xfrm>
+            <a:off x="6372200" y="1511715"/>
+            <a:ext cx="776175" cy="492443"/>
+          </a:xfrm>
+          <a:prstGeom prst="rect">
+            <a:avLst/>
+          </a:prstGeom>
+          <a:noFill/>
+        </p:spPr>
+        <p:txBody>
+          <a:bodyPr wrap="none" rtlCol="0">
+            <a:spAutoFit/>
+          </a:bodyPr>
+          <a:lstStyle/>
+          <a:p>
+            <a:r>
+              <a:rPr lang="en-US" altLang="zh-CN" dirty="0" smtClean="0"/>
+              <a:t>Set2</a:t>
+            </a:r>
+            <a:endParaRPr lang="zh-CN" altLang="en-US" dirty="0"/>
+          </a:p>
+        </p:txBody>
+      </p:sp>
+      <p:sp>
+        <p:nvSpPr>
+          <p:cNvPr id="11" name="文本框 10"/>
+          <p:cNvSpPr txBox="1"/>
+          <p:nvPr/>
+        </p:nvSpPr>
+        <p:spPr>
+          <a:xfrm>
+            <a:off x="6372199" y="4509120"/>
+            <a:ext cx="776175" cy="492443"/>
+          </a:xfrm>
+          <a:prstGeom prst="rect">
+            <a:avLst/>
+          </a:prstGeom>
+          <a:noFill/>
+        </p:spPr>
+        <p:txBody>
+          <a:bodyPr wrap="none" rtlCol="0">
+            <a:spAutoFit/>
+          </a:bodyPr>
+          <a:lstStyle/>
+          <a:p>
+            <a:r>
+              <a:rPr lang="en-US" altLang="zh-CN" dirty="0" smtClean="0"/>
+              <a:t>Set3</a:t>
+            </a:r>
+            <a:endParaRPr lang="zh-CN" altLang="en-US" dirty="0"/>
+          </a:p>
+        </p:txBody>
+      </p:sp>
     </p:spTree>
     <p:extLst>
       <p:ext uri="{BB962C8B-B14F-4D97-AF65-F5344CB8AC3E}">
@@ -7111,6 +10174,14 @@
   <p:clrMapOvr>
     <a:masterClrMapping/>
   </p:clrMapOvr>
+  <mc:AlternateContent xmlns:mc="http://schemas.openxmlformats.org/markup-compatibility/2006">
+    <mc:Choice xmlns:p14="http://schemas.microsoft.com/office/powerpoint/2010/main" Requires="p14">
+      <p:transition spd="slow" p14:dur="2000" advTm="10203"/>
+    </mc:Choice>
+    <mc:Fallback>
+      <p:transition spd="slow" advTm="10203"/>
+    </mc:Fallback>
+  </mc:AlternateContent>
   <p:timing>
     <p:tnLst>
       <p:par>
@@ -7121,7 +10192,7 @@
 </p:sld>
 </file>
 
-<file path=ppt/slides/slide8.xml><?xml version="1.0" encoding="utf-8"?>
+<file path=ppt/slides/slide7.xml><?xml version="1.0" encoding="utf-8"?>
 <p:sld xmlns:a="http://schemas.openxmlformats.org/drawingml/2006/main" xmlns:r="http://schemas.openxmlformats.org/officeDocument/2006/relationships" xmlns:p="http://schemas.openxmlformats.org/presentationml/2006/main">
   <p:cSld>
     <p:spTree>
@@ -7150,8 +10221,8 @@
         </p:nvSpPr>
         <p:spPr>
           <a:xfrm>
-            <a:off x="1430518" y="236726"/>
-            <a:ext cx="8028384" cy="863600"/>
+            <a:off x="827584" y="236726"/>
+            <a:ext cx="8631318" cy="863600"/>
           </a:xfrm>
         </p:spPr>
         <p:txBody>
@@ -7159,8 +10230,12 @@
           <a:lstStyle/>
           <a:p>
             <a:r>
-              <a:rPr lang="zh-CN" altLang="en-US" sz="2800" dirty="0"/>
-              <a:t>验证解决失配</a:t>
+              <a:rPr lang="zh-CN" altLang="en-US" sz="2800" dirty="0" smtClean="0"/>
+              <a:t>验证</a:t>
+            </a:r>
+            <a:r>
+              <a:rPr lang="zh-CN" altLang="en-US" sz="2800" dirty="0" smtClean="0"/>
+              <a:t>解决漏检重匹配</a:t>
             </a:r>
             <a:r>
               <a:rPr lang="zh-CN" altLang="en-US" sz="2800" dirty="0" smtClean="0"/>
@@ -8259,7 +11334,23 @@
             </a:pPr>
             <a:r>
               <a:rPr lang="zh-CN" altLang="en-US" sz="1400" dirty="0" smtClean="0"/>
-              <a:t>重设位置信息后，经短暂融合调整（图中有遮挡），两种定位方式能恢复一致</a:t>
+              <a:t>重设</a:t>
+            </a:r>
+            <a:r>
+              <a:rPr lang="zh-CN" altLang="en-US" sz="1400" dirty="0" smtClean="0"/>
+              <a:t>位置信息为视觉定位位置后</a:t>
+            </a:r>
+            <a:r>
+              <a:rPr lang="zh-CN" altLang="en-US" sz="1400" dirty="0" smtClean="0"/>
+              <a:t>，经短暂融合调整（图</a:t>
+            </a:r>
+            <a:r>
+              <a:rPr lang="zh-CN" altLang="en-US" sz="1400" dirty="0" smtClean="0"/>
+              <a:t>中重设后被蓝色线遮挡</a:t>
+            </a:r>
+            <a:r>
+              <a:rPr lang="zh-CN" altLang="en-US" sz="1400" dirty="0" smtClean="0"/>
+              <a:t>），两种定位方式能恢复一致</a:t>
             </a:r>
             <a:endParaRPr lang="zh-CN" altLang="en-US" sz="1400" dirty="0"/>
           </a:p>
@@ -8275,6 +11366,14 @@
   <p:clrMapOvr>
     <a:masterClrMapping/>
   </p:clrMapOvr>
+  <mc:AlternateContent xmlns:mc="http://schemas.openxmlformats.org/markup-compatibility/2006">
+    <mc:Choice xmlns:p14="http://schemas.microsoft.com/office/powerpoint/2010/main" Requires="p14">
+      <p:transition spd="slow" p14:dur="2000" advTm="51881"/>
+    </mc:Choice>
+    <mc:Fallback>
+      <p:transition spd="slow" advTm="51881"/>
+    </mc:Fallback>
+  </mc:AlternateContent>
   <p:timing>
     <p:tnLst>
       <p:par>
@@ -8285,7 +11384,7 @@
 </p:sld>
 </file>
 
-<file path=ppt/slides/slide9.xml><?xml version="1.0" encoding="utf-8"?>
+<file path=ppt/slides/slide8.xml><?xml version="1.0" encoding="utf-8"?>
 <p:sld xmlns:a="http://schemas.openxmlformats.org/drawingml/2006/main" xmlns:r="http://schemas.openxmlformats.org/officeDocument/2006/relationships" xmlns:p="http://schemas.openxmlformats.org/presentationml/2006/main">
   <p:cSld>
     <p:spTree>
@@ -8489,6 +11588,115 @@
   <p:clrMapOvr>
     <a:masterClrMapping/>
   </p:clrMapOvr>
+  <mc:AlternateContent xmlns:mc="http://schemas.openxmlformats.org/markup-compatibility/2006">
+    <mc:Choice xmlns:p14="http://schemas.microsoft.com/office/powerpoint/2010/main" Requires="p14">
+      <p:transition spd="slow" p14:dur="2000" advTm="468"/>
+    </mc:Choice>
+    <mc:Fallback>
+      <p:transition spd="slow" advTm="468"/>
+    </mc:Fallback>
+  </mc:AlternateContent>
+  <p:timing>
+    <p:tnLst>
+      <p:par>
+        <p:cTn id="1" dur="indefinite" restart="never" nodeType="tmRoot"/>
+      </p:par>
+    </p:tnLst>
+  </p:timing>
+</p:sld>
+</file>
+
+<file path=ppt/slides/slide9.xml><?xml version="1.0" encoding="utf-8"?>
+<p:sld xmlns:a="http://schemas.openxmlformats.org/drawingml/2006/main" xmlns:r="http://schemas.openxmlformats.org/officeDocument/2006/relationships" xmlns:p="http://schemas.openxmlformats.org/presentationml/2006/main">
+  <p:cSld>
+    <p:spTree>
+      <p:nvGrpSpPr>
+        <p:cNvPr id="1" name=""/>
+        <p:cNvGrpSpPr/>
+        <p:nvPr/>
+      </p:nvGrpSpPr>
+      <p:grpSpPr>
+        <a:xfrm>
+          <a:off x="0" y="0"/>
+          <a:ext cx="0" cy="0"/>
+          <a:chOff x="0" y="0"/>
+          <a:chExt cx="0" cy="0"/>
+        </a:xfrm>
+      </p:grpSpPr>
+      <p:sp>
+        <p:nvSpPr>
+          <p:cNvPr id="778242" name="Text Box 2"/>
+          <p:cNvSpPr txBox="1">
+            <a:spLocks noChangeArrowheads="1"/>
+          </p:cNvSpPr>
+          <p:nvPr/>
+        </p:nvSpPr>
+        <p:spPr bwMode="auto">
+          <a:xfrm>
+            <a:off x="2339975" y="2362200"/>
+            <a:ext cx="4648200" cy="1311275"/>
+          </a:xfrm>
+          <a:prstGeom prst="rect">
+            <a:avLst/>
+          </a:prstGeom>
+          <a:noFill/>
+          <a:ln w="9525">
+            <a:noFill/>
+            <a:miter lim="800000"/>
+            <a:headEnd/>
+            <a:tailEnd/>
+          </a:ln>
+          <a:effectLst/>
+        </p:spPr>
+        <p:txBody>
+          <a:bodyPr>
+            <a:spAutoFit/>
+          </a:bodyPr>
+          <a:lstStyle/>
+          <a:p>
+            <a:pPr algn="ctr" eaLnBrk="0" hangingPunct="0">
+              <a:spcBef>
+                <a:spcPct val="50000"/>
+              </a:spcBef>
+              <a:defRPr/>
+            </a:pPr>
+            <a:r>
+              <a:rPr lang="zh-CN" altLang="en-US" sz="8000" b="0" dirty="0">
+                <a:solidFill>
+                  <a:srgbClr val="FF3300"/>
+                </a:solidFill>
+                <a:effectLst>
+                  <a:outerShdw blurRad="38100" dist="38100" dir="2700000" algn="tl">
+                    <a:srgbClr val="C0C0C0"/>
+                  </a:outerShdw>
+                </a:effectLst>
+                <a:latin typeface="华文新魏" pitchFamily="2" charset="-122"/>
+                <a:ea typeface="华文新魏" pitchFamily="2" charset="-122"/>
+                <a:cs typeface="+mn-cs"/>
+              </a:rPr>
+              <a:t>谢   谢  ！</a:t>
+            </a:r>
+          </a:p>
+        </p:txBody>
+      </p:sp>
+    </p:spTree>
+    <p:extLst>
+      <p:ext uri="{BB962C8B-B14F-4D97-AF65-F5344CB8AC3E}">
+        <p14:creationId xmlns:p14="http://schemas.microsoft.com/office/powerpoint/2010/main" val="1858407983"/>
+      </p:ext>
+    </p:extLst>
+  </p:cSld>
+  <p:clrMapOvr>
+    <a:masterClrMapping/>
+  </p:clrMapOvr>
+  <mc:AlternateContent xmlns:mc="http://schemas.openxmlformats.org/markup-compatibility/2006">
+    <mc:Choice xmlns:p14="http://schemas.microsoft.com/office/powerpoint/2010/main" Requires="p14">
+      <p:transition spd="slow" p14:dur="2000" advTm="610"/>
+    </mc:Choice>
+    <mc:Fallback>
+      <p:transition spd="slow" advTm="610"/>
+    </mc:Fallback>
+  </mc:AlternateContent>
   <p:timing>
     <p:tnLst>
       <p:par>

--- a/slides/答辩ppt-杜大有1300012870.pptx
+++ b/slides/答辩ppt-杜大有1300012870.pptx
@@ -4582,15 +4582,7 @@
           <a:p>
             <a:r>
               <a:rPr lang="zh-CN" altLang="en-US" sz="1800" dirty="0" smtClean="0"/>
-              <a:t>计算机科学与技术专业  </a:t>
-            </a:r>
-            <a:r>
-              <a:rPr lang="en-US" altLang="zh-CN" sz="1800" dirty="0" smtClean="0"/>
-              <a:t>2013</a:t>
-            </a:r>
-            <a:r>
-              <a:rPr lang="zh-CN" altLang="en-US" sz="1800" dirty="0" smtClean="0"/>
-              <a:t>本</a:t>
+              <a:t>计算机科学与技术专业 </a:t>
             </a:r>
             <a:endParaRPr lang="en-US" altLang="zh-CN" sz="1800" dirty="0" smtClean="0"/>
           </a:p>
@@ -4601,7 +4593,11 @@
             </a:r>
             <a:r>
               <a:rPr lang="zh-CN" altLang="en-US" sz="1800" dirty="0" smtClean="0"/>
-              <a:t>教师 梁云</a:t>
+              <a:t>教师 梁</a:t>
+            </a:r>
+            <a:r>
+              <a:rPr lang="zh-CN" altLang="en-US" sz="1800" dirty="0" smtClean="0"/>
+              <a:t>云</a:t>
             </a:r>
             <a:endParaRPr lang="en-US" altLang="zh-CN" sz="1800" dirty="0" smtClean="0"/>
           </a:p>
@@ -4617,11 +4613,11 @@
   <p:clrMapOvr>
     <a:masterClrMapping/>
   </p:clrMapOvr>
-  <mc:AlternateContent xmlns:mc="http://schemas.openxmlformats.org/markup-compatibility/2006">
-    <mc:Choice xmlns:p14="http://schemas.microsoft.com/office/powerpoint/2010/main" Requires="p14">
+  <mc:AlternateContent xmlns:mc="http://schemas.openxmlformats.org/markup-compatibility/2006" xmlns:p14="http://schemas.microsoft.com/office/powerpoint/2010/main">
+    <mc:Choice Requires="p14">
       <p:transition spd="slow" p14:dur="2000" advTm="5104"/>
     </mc:Choice>
-    <mc:Fallback>
+    <mc:Fallback xmlns="">
       <p:transition spd="slow" advTm="5104"/>
     </mc:Fallback>
   </mc:AlternateContent>
@@ -4870,7 +4866,7 @@
           </p:nvCxnSpPr>
           <p:spPr bwMode="auto">
             <a:xfrm flipH="1">
-              <a:off x="2627785" y="3717032"/>
+              <a:off x="2627785" y="3959313"/>
               <a:ext cx="1429607" cy="0"/>
             </a:xfrm>
             <a:prstGeom prst="straightConnector1">
@@ -5054,7 +5050,7 @@
           </p:nvSpPr>
           <p:spPr>
             <a:xfrm>
-              <a:off x="2896308" y="3192091"/>
+              <a:off x="2896308" y="3510881"/>
               <a:ext cx="1114408" cy="369332"/>
             </a:xfrm>
             <a:prstGeom prst="rect">
@@ -5146,7 +5142,7 @@
           <p:nvPr>
             <p:extLst>
               <p:ext uri="{D42A27DB-BD31-4B8C-83A1-F6EECF244321}">
-                <p14:modId xmlns:p14="http://schemas.microsoft.com/office/powerpoint/2010/main" val="1365061706"/>
+                <p14:modId xmlns:p14="http://schemas.microsoft.com/office/powerpoint/2010/main" val="596852879"/>
               </p:ext>
             </p:extLst>
           </p:nvPr>
@@ -5317,7 +5313,15 @@
                       </a:r>
                       <a:r>
                         <a:rPr lang="zh-CN" altLang="en-US" dirty="0" smtClean="0"/>
-                        <a:t>例如走出检测范围或被遮挡</a:t>
+                        <a:t>例如</a:t>
+                      </a:r>
+                      <a:r>
+                        <a:rPr lang="zh-CN" altLang="en-US" dirty="0" smtClean="0"/>
+                        <a:t>走出视频检测</a:t>
+                      </a:r>
+                      <a:r>
+                        <a:rPr lang="zh-CN" altLang="en-US" dirty="0" smtClean="0"/>
+                        <a:t>范围或被遮挡</a:t>
                       </a:r>
                       <a:endParaRPr lang="en-US" altLang="zh-CN" dirty="0" smtClean="0"/>
                     </a:p>
@@ -5346,11 +5350,11 @@
   <p:clrMapOvr>
     <a:masterClrMapping/>
   </p:clrMapOvr>
-  <mc:AlternateContent xmlns:mc="http://schemas.openxmlformats.org/markup-compatibility/2006">
-    <mc:Choice xmlns:p14="http://schemas.microsoft.com/office/powerpoint/2010/main" Requires="p14">
+  <mc:AlternateContent xmlns:mc="http://schemas.openxmlformats.org/markup-compatibility/2006" xmlns:p14="http://schemas.microsoft.com/office/powerpoint/2010/main">
+    <mc:Choice Requires="p14">
       <p:transition spd="slow" p14:dur="2000" advTm="34737"/>
     </mc:Choice>
-    <mc:Fallback>
+    <mc:Fallback xmlns="">
       <p:transition spd="slow" advTm="34737"/>
     </mc:Fallback>
   </mc:AlternateContent>
@@ -5403,19 +5407,11 @@
           <a:p>
             <a:r>
               <a:rPr lang="zh-CN" altLang="en-US" dirty="0" smtClean="0"/>
-              <a:t>算法</a:t>
-            </a:r>
-            <a:r>
-              <a:rPr lang="zh-CN" altLang="en-US" dirty="0" smtClean="0"/>
-              <a:t>框架（</a:t>
+              <a:t>算法框架（</a:t>
             </a:r>
             <a:r>
               <a:rPr lang="en-US" altLang="zh-CN" dirty="0" smtClean="0"/>
-              <a:t>1</a:t>
-            </a:r>
-            <a:r>
-              <a:rPr lang="en-US" altLang="zh-CN" dirty="0" smtClean="0"/>
-              <a:t>/2</a:t>
+              <a:t>1/2</a:t>
             </a:r>
             <a:r>
               <a:rPr lang="zh-CN" altLang="en-US" dirty="0" smtClean="0"/>
@@ -5697,22 +5693,25 @@
             <a:prstGeom prst="flowChartProcess">
               <a:avLst/>
             </a:prstGeom>
-            <a:solidFill>
-              <a:srgbClr val="99CCFF">
-                <a:alpha val="32001"/>
-              </a:srgbClr>
-            </a:solidFill>
-            <a:ln w="19050" cap="flat" cmpd="sng" algn="ctr">
-              <a:solidFill>
-                <a:srgbClr val="000080"/>
-              </a:solidFill>
-              <a:prstDash val="solid"/>
-              <a:round/>
+            <a:ln>
               <a:headEnd type="none" w="med" len="med"/>
               <a:tailEnd type="none" w="med" len="med"/>
             </a:ln>
-            <a:effectLst/>
           </p:spPr>
+          <p:style>
+            <a:lnRef idx="1">
+              <a:schemeClr val="accent6"/>
+            </a:lnRef>
+            <a:fillRef idx="2">
+              <a:schemeClr val="accent6"/>
+            </a:fillRef>
+            <a:effectRef idx="1">
+              <a:schemeClr val="accent6"/>
+            </a:effectRef>
+            <a:fontRef idx="minor">
+              <a:schemeClr val="dk1"/>
+            </a:fontRef>
+          </p:style>
           <p:txBody>
             <a:bodyPr vert="horz" wrap="none" lIns="91440" tIns="45720" rIns="91440" bIns="45720" numCol="1" rtlCol="0" anchor="t" anchorCtr="0" compatLnSpc="1">
               <a:prstTxWarp prst="textNoShape">
@@ -5783,6 +5782,9 @@
               </a:pPr>
               <a:r>
                 <a:rPr lang="zh-CN" altLang="en-US" sz="1800" dirty="0">
+                  <a:solidFill>
+                    <a:srgbClr val="000066"/>
+                  </a:solidFill>
                   <a:ea typeface="楷体_GB2312" pitchFamily="49" charset="-122"/>
                 </a:rPr>
                 <a:t>矢量</a:t>
@@ -5815,22 +5817,25 @@
             <a:prstGeom prst="flowChartProcess">
               <a:avLst/>
             </a:prstGeom>
-            <a:solidFill>
-              <a:srgbClr val="99CCFF">
-                <a:alpha val="32001"/>
-              </a:srgbClr>
-            </a:solidFill>
-            <a:ln w="19050" cap="flat" cmpd="sng" algn="ctr">
-              <a:solidFill>
-                <a:srgbClr val="000080"/>
-              </a:solidFill>
-              <a:prstDash val="solid"/>
-              <a:round/>
+            <a:ln>
               <a:headEnd type="none" w="med" len="med"/>
               <a:tailEnd type="none" w="med" len="med"/>
             </a:ln>
-            <a:effectLst/>
           </p:spPr>
+          <p:style>
+            <a:lnRef idx="1">
+              <a:schemeClr val="accent6"/>
+            </a:lnRef>
+            <a:fillRef idx="2">
+              <a:schemeClr val="accent6"/>
+            </a:fillRef>
+            <a:effectRef idx="1">
+              <a:schemeClr val="accent6"/>
+            </a:effectRef>
+            <a:fontRef idx="minor">
+              <a:schemeClr val="dk1"/>
+            </a:fontRef>
+          </p:style>
           <p:txBody>
             <a:bodyPr vert="horz" wrap="none" lIns="91440" tIns="45720" rIns="91440" bIns="45720" numCol="1" rtlCol="0" anchor="t" anchorCtr="0" compatLnSpc="1">
               <a:prstTxWarp prst="textNoShape">
@@ -5858,6 +5863,9 @@
               </a:pPr>
               <a:r>
                 <a:rPr lang="zh-CN" altLang="en-US" sz="1800" dirty="0" smtClean="0">
+                  <a:solidFill>
+                    <a:srgbClr val="000066"/>
+                  </a:solidFill>
                   <a:ea typeface="楷体_GB2312" pitchFamily="49" charset="-122"/>
                 </a:rPr>
                 <a:t>加</a:t>
@@ -5919,17 +5927,6 @@
                 </a:rPr>
                 <a:t>矢量</a:t>
               </a:r>
-              <a:endParaRPr kumimoji="1" lang="zh-CN" altLang="en-US" sz="1800" b="1" i="0" u="none" strike="noStrike" cap="none" normalizeH="0" baseline="0" dirty="0" smtClean="0">
-                <a:ln>
-                  <a:noFill/>
-                </a:ln>
-                <a:solidFill>
-                  <a:srgbClr val="000066"/>
-                </a:solidFill>
-                <a:effectLst/>
-                <a:latin typeface="Sylfaen" pitchFamily="18" charset="0"/>
-                <a:ea typeface="楷体_GB2312" pitchFamily="49" charset="-122"/>
-              </a:endParaRPr>
             </a:p>
           </p:txBody>
         </p:sp>
@@ -5947,22 +5944,25 @@
             <a:prstGeom prst="flowChartProcess">
               <a:avLst/>
             </a:prstGeom>
-            <a:solidFill>
-              <a:srgbClr val="99CCFF">
-                <a:alpha val="32001"/>
-              </a:srgbClr>
-            </a:solidFill>
-            <a:ln w="19050" cap="flat" cmpd="sng" algn="ctr">
-              <a:solidFill>
-                <a:srgbClr val="000080"/>
-              </a:solidFill>
-              <a:prstDash val="solid"/>
-              <a:round/>
+            <a:ln>
               <a:headEnd type="none" w="med" len="med"/>
               <a:tailEnd type="none" w="med" len="med"/>
             </a:ln>
-            <a:effectLst/>
           </p:spPr>
+          <p:style>
+            <a:lnRef idx="1">
+              <a:schemeClr val="accent6"/>
+            </a:lnRef>
+            <a:fillRef idx="2">
+              <a:schemeClr val="accent6"/>
+            </a:fillRef>
+            <a:effectRef idx="1">
+              <a:schemeClr val="accent6"/>
+            </a:effectRef>
+            <a:fontRef idx="minor">
+              <a:schemeClr val="dk1"/>
+            </a:fontRef>
+          </p:style>
           <p:txBody>
             <a:bodyPr vert="horz" wrap="none" lIns="91440" tIns="45720" rIns="91440" bIns="45720" numCol="1" rtlCol="0" anchor="t" anchorCtr="0" compatLnSpc="1">
               <a:prstTxWarp prst="textNoShape">
@@ -5990,11 +5990,17 @@
               </a:pPr>
               <a:r>
                 <a:rPr lang="zh-CN" altLang="en-US" sz="1800" dirty="0" smtClean="0">
+                  <a:solidFill>
+                    <a:srgbClr val="000066"/>
+                  </a:solidFill>
                   <a:ea typeface="楷体_GB2312" pitchFamily="49" charset="-122"/>
                 </a:rPr>
                 <a:t>磁感应强</a:t>
               </a:r>
               <a:endParaRPr lang="en-US" altLang="zh-CN" sz="1800" dirty="0" smtClean="0">
+                <a:solidFill>
+                  <a:srgbClr val="000066"/>
+                </a:solidFill>
                 <a:ea typeface="楷体_GB2312" pitchFamily="49" charset="-122"/>
               </a:endParaRPr>
             </a:p>
@@ -6017,6 +6023,9 @@
               </a:pPr>
               <a:r>
                 <a:rPr lang="zh-CN" altLang="en-US" sz="1800" dirty="0" smtClean="0">
+                  <a:solidFill>
+                    <a:srgbClr val="000066"/>
+                  </a:solidFill>
                   <a:ea typeface="楷体_GB2312" pitchFamily="49" charset="-122"/>
                 </a:rPr>
                 <a:t>度矢量</a:t>
@@ -6049,22 +6058,25 @@
             <a:prstGeom prst="flowChartProcess">
               <a:avLst/>
             </a:prstGeom>
-            <a:solidFill>
-              <a:srgbClr val="99CCFF">
-                <a:alpha val="32001"/>
-              </a:srgbClr>
-            </a:solidFill>
-            <a:ln w="19050" cap="flat" cmpd="sng" algn="ctr">
-              <a:solidFill>
-                <a:srgbClr val="000080"/>
-              </a:solidFill>
-              <a:prstDash val="solid"/>
-              <a:round/>
+            <a:ln>
               <a:headEnd type="none" w="med" len="med"/>
               <a:tailEnd type="none" w="med" len="med"/>
             </a:ln>
-            <a:effectLst/>
           </p:spPr>
+          <p:style>
+            <a:lnRef idx="1">
+              <a:schemeClr val="accent1"/>
+            </a:lnRef>
+            <a:fillRef idx="2">
+              <a:schemeClr val="accent1"/>
+            </a:fillRef>
+            <a:effectRef idx="1">
+              <a:schemeClr val="accent1"/>
+            </a:effectRef>
+            <a:fontRef idx="minor">
+              <a:schemeClr val="dk1"/>
+            </a:fontRef>
+          </p:style>
           <p:txBody>
             <a:bodyPr vert="horz" wrap="none" lIns="91440" tIns="45720" rIns="91440" bIns="45720" numCol="1" rtlCol="0" anchor="t" anchorCtr="0" compatLnSpc="1">
               <a:prstTxWarp prst="textNoShape">
@@ -6092,6 +6104,9 @@
               </a:pPr>
               <a:r>
                 <a:rPr lang="zh-CN" altLang="en-US" sz="1800" dirty="0" smtClean="0">
+                  <a:solidFill>
+                    <a:srgbClr val="000066"/>
+                  </a:solidFill>
                   <a:ea typeface="楷体_GB2312" pitchFamily="49" charset="-122"/>
                 </a:rPr>
                 <a:t>扩展卡尔曼滤波器</a:t>
@@ -6126,22 +6141,25 @@
             <a:prstGeom prst="bentConnector2">
               <a:avLst/>
             </a:prstGeom>
-            <a:solidFill>
-              <a:srgbClr val="99CCFF">
-                <a:alpha val="32001"/>
-              </a:srgbClr>
-            </a:solidFill>
-            <a:ln w="19050" cap="flat" cmpd="sng" algn="ctr">
-              <a:solidFill>
-                <a:srgbClr val="000080"/>
-              </a:solidFill>
-              <a:prstDash val="solid"/>
-              <a:round/>
+            <a:ln>
               <a:headEnd type="none" w="med" len="med"/>
               <a:tailEnd type="triangle"/>
             </a:ln>
-            <a:effectLst/>
           </p:spPr>
+          <p:style>
+            <a:lnRef idx="1">
+              <a:schemeClr val="accent1"/>
+            </a:lnRef>
+            <a:fillRef idx="2">
+              <a:schemeClr val="accent1"/>
+            </a:fillRef>
+            <a:effectRef idx="1">
+              <a:schemeClr val="accent1"/>
+            </a:effectRef>
+            <a:fontRef idx="minor">
+              <a:schemeClr val="dk1"/>
+            </a:fontRef>
+          </p:style>
         </p:cxnSp>
         <p:cxnSp>
           <p:nvCxnSpPr>
@@ -6160,22 +6178,25 @@
             <a:prstGeom prst="straightConnector1">
               <a:avLst/>
             </a:prstGeom>
-            <a:solidFill>
-              <a:srgbClr val="99CCFF">
-                <a:alpha val="32001"/>
-              </a:srgbClr>
-            </a:solidFill>
-            <a:ln w="19050" cap="flat" cmpd="sng" algn="ctr">
-              <a:solidFill>
-                <a:srgbClr val="000080"/>
-              </a:solidFill>
-              <a:prstDash val="solid"/>
-              <a:round/>
+            <a:ln>
               <a:headEnd type="none" w="med" len="med"/>
               <a:tailEnd type="triangle"/>
             </a:ln>
-            <a:effectLst/>
           </p:spPr>
+          <p:style>
+            <a:lnRef idx="1">
+              <a:schemeClr val="accent1"/>
+            </a:lnRef>
+            <a:fillRef idx="2">
+              <a:schemeClr val="accent1"/>
+            </a:fillRef>
+            <a:effectRef idx="1">
+              <a:schemeClr val="accent1"/>
+            </a:effectRef>
+            <a:fontRef idx="minor">
+              <a:schemeClr val="dk1"/>
+            </a:fontRef>
+          </p:style>
         </p:cxnSp>
         <p:cxnSp>
           <p:nvCxnSpPr>
@@ -6194,22 +6215,25 @@
             <a:prstGeom prst="bentConnector2">
               <a:avLst/>
             </a:prstGeom>
-            <a:solidFill>
-              <a:srgbClr val="99CCFF">
-                <a:alpha val="32001"/>
-              </a:srgbClr>
-            </a:solidFill>
-            <a:ln w="19050" cap="flat" cmpd="sng" algn="ctr">
-              <a:solidFill>
-                <a:srgbClr val="000080"/>
-              </a:solidFill>
-              <a:prstDash val="solid"/>
-              <a:round/>
+            <a:ln>
               <a:headEnd type="none" w="med" len="med"/>
               <a:tailEnd type="triangle"/>
             </a:ln>
-            <a:effectLst/>
           </p:spPr>
+          <p:style>
+            <a:lnRef idx="1">
+              <a:schemeClr val="accent1"/>
+            </a:lnRef>
+            <a:fillRef idx="2">
+              <a:schemeClr val="accent1"/>
+            </a:fillRef>
+            <a:effectRef idx="1">
+              <a:schemeClr val="accent1"/>
+            </a:effectRef>
+            <a:fontRef idx="minor">
+              <a:schemeClr val="dk1"/>
+            </a:fontRef>
+          </p:style>
         </p:cxnSp>
         <p:sp>
           <p:nvSpPr>
@@ -6225,22 +6249,25 @@
             <a:prstGeom prst="flowChartProcess">
               <a:avLst/>
             </a:prstGeom>
-            <a:solidFill>
-              <a:srgbClr val="99CCFF">
-                <a:alpha val="32001"/>
-              </a:srgbClr>
-            </a:solidFill>
-            <a:ln w="19050" cap="flat" cmpd="sng" algn="ctr">
-              <a:solidFill>
-                <a:srgbClr val="000080"/>
-              </a:solidFill>
-              <a:prstDash val="solid"/>
-              <a:round/>
+            <a:ln>
               <a:headEnd type="none" w="med" len="med"/>
               <a:tailEnd type="none" w="med" len="med"/>
             </a:ln>
-            <a:effectLst/>
           </p:spPr>
+          <p:style>
+            <a:lnRef idx="1">
+              <a:schemeClr val="accent6"/>
+            </a:lnRef>
+            <a:fillRef idx="2">
+              <a:schemeClr val="accent6"/>
+            </a:fillRef>
+            <a:effectRef idx="1">
+              <a:schemeClr val="accent6"/>
+            </a:effectRef>
+            <a:fontRef idx="minor">
+              <a:schemeClr val="dk1"/>
+            </a:fontRef>
+          </p:style>
           <p:txBody>
             <a:bodyPr vert="horz" wrap="square" lIns="91440" tIns="45720" rIns="91440" bIns="45720" numCol="1" rtlCol="0" anchor="t" anchorCtr="0" compatLnSpc="1">
               <a:prstTxWarp prst="textNoShape">
@@ -6280,17 +6307,6 @@
                 </a:rPr>
                 <a:t>手机姿态</a:t>
               </a:r>
-              <a:endParaRPr kumimoji="1" lang="zh-CN" altLang="en-US" sz="1800" b="1" i="0" u="none" strike="noStrike" cap="none" normalizeH="0" baseline="0" dirty="0" smtClean="0">
-                <a:ln>
-                  <a:noFill/>
-                </a:ln>
-                <a:solidFill>
-                  <a:srgbClr val="000066"/>
-                </a:solidFill>
-                <a:effectLst/>
-                <a:latin typeface="Sylfaen" pitchFamily="18" charset="0"/>
-                <a:ea typeface="楷体_GB2312" pitchFamily="49" charset="-122"/>
-              </a:endParaRPr>
             </a:p>
           </p:txBody>
         </p:sp>
@@ -6308,22 +6324,25 @@
             <a:prstGeom prst="flowChartProcess">
               <a:avLst/>
             </a:prstGeom>
-            <a:solidFill>
-              <a:srgbClr val="99CCFF">
-                <a:alpha val="32001"/>
-              </a:srgbClr>
-            </a:solidFill>
-            <a:ln w="19050" cap="flat" cmpd="sng" algn="ctr">
-              <a:solidFill>
-                <a:srgbClr val="000080"/>
-              </a:solidFill>
-              <a:prstDash val="solid"/>
-              <a:round/>
+            <a:ln>
               <a:headEnd type="none" w="med" len="med"/>
               <a:tailEnd type="none" w="med" len="med"/>
             </a:ln>
-            <a:effectLst/>
           </p:spPr>
+          <p:style>
+            <a:lnRef idx="1">
+              <a:schemeClr val="accent6"/>
+            </a:lnRef>
+            <a:fillRef idx="2">
+              <a:schemeClr val="accent6"/>
+            </a:fillRef>
+            <a:effectRef idx="1">
+              <a:schemeClr val="accent6"/>
+            </a:effectRef>
+            <a:fontRef idx="minor">
+              <a:schemeClr val="dk1"/>
+            </a:fontRef>
+          </p:style>
           <p:txBody>
             <a:bodyPr vert="horz" wrap="square" lIns="91440" tIns="45720" rIns="91440" bIns="45720" numCol="1" rtlCol="0" anchor="t" anchorCtr="0" compatLnSpc="1">
               <a:prstTxWarp prst="textNoShape">
@@ -6351,12 +6370,18 @@
               </a:pPr>
               <a:r>
                 <a:rPr lang="zh-CN" altLang="en-US" sz="1600" dirty="0">
+                  <a:solidFill>
+                    <a:srgbClr val="000066"/>
+                  </a:solidFill>
                   <a:ea typeface="楷体_GB2312" pitchFamily="49" charset="-122"/>
                 </a:rPr>
                 <a:t>投影</a:t>
               </a:r>
               <a:r>
                 <a:rPr lang="zh-CN" altLang="en-US" sz="1600" dirty="0" smtClean="0">
+                  <a:solidFill>
+                    <a:srgbClr val="000066"/>
+                  </a:solidFill>
                   <a:ea typeface="楷体_GB2312" pitchFamily="49" charset="-122"/>
                 </a:rPr>
                 <a:t>至地面系</a:t>
@@ -6391,22 +6416,25 @@
             <a:prstGeom prst="straightConnector1">
               <a:avLst/>
             </a:prstGeom>
-            <a:solidFill>
-              <a:srgbClr val="99CCFF">
-                <a:alpha val="32001"/>
-              </a:srgbClr>
-            </a:solidFill>
-            <a:ln w="19050" cap="flat" cmpd="sng" algn="ctr">
-              <a:solidFill>
-                <a:srgbClr val="000080"/>
-              </a:solidFill>
-              <a:prstDash val="solid"/>
-              <a:round/>
+            <a:ln>
               <a:headEnd type="none" w="med" len="med"/>
               <a:tailEnd type="triangle"/>
             </a:ln>
-            <a:effectLst/>
           </p:spPr>
+          <p:style>
+            <a:lnRef idx="1">
+              <a:schemeClr val="accent1"/>
+            </a:lnRef>
+            <a:fillRef idx="2">
+              <a:schemeClr val="accent1"/>
+            </a:fillRef>
+            <a:effectRef idx="1">
+              <a:schemeClr val="accent1"/>
+            </a:effectRef>
+            <a:fontRef idx="minor">
+              <a:schemeClr val="dk1"/>
+            </a:fontRef>
+          </p:style>
         </p:cxnSp>
         <p:sp>
           <p:nvSpPr>
@@ -6422,22 +6450,25 @@
             <a:prstGeom prst="flowChartProcess">
               <a:avLst/>
             </a:prstGeom>
-            <a:solidFill>
-              <a:srgbClr val="99CCFF">
-                <a:alpha val="32001"/>
-              </a:srgbClr>
-            </a:solidFill>
-            <a:ln w="19050" cap="flat" cmpd="sng" algn="ctr">
-              <a:solidFill>
-                <a:srgbClr val="000080"/>
-              </a:solidFill>
-              <a:prstDash val="solid"/>
-              <a:round/>
+            <a:ln>
               <a:headEnd type="none" w="med" len="med"/>
               <a:tailEnd type="none" w="med" len="med"/>
             </a:ln>
-            <a:effectLst/>
           </p:spPr>
+          <p:style>
+            <a:lnRef idx="1">
+              <a:schemeClr val="accent6"/>
+            </a:lnRef>
+            <a:fillRef idx="2">
+              <a:schemeClr val="accent6"/>
+            </a:fillRef>
+            <a:effectRef idx="1">
+              <a:schemeClr val="accent6"/>
+            </a:effectRef>
+            <a:fontRef idx="minor">
+              <a:schemeClr val="dk1"/>
+            </a:fontRef>
+          </p:style>
           <p:txBody>
             <a:bodyPr vert="horz" wrap="square" lIns="91440" tIns="45720" rIns="91440" bIns="45720" numCol="1" rtlCol="0" anchor="t" anchorCtr="0" compatLnSpc="1">
               <a:prstTxWarp prst="textNoShape">
@@ -6465,6 +6496,9 @@
               </a:pPr>
               <a:r>
                 <a:rPr lang="zh-CN" altLang="en-US" sz="1600" dirty="0" smtClean="0">
+                  <a:solidFill>
+                    <a:srgbClr val="000066"/>
+                  </a:solidFill>
                   <a:ea typeface="楷体_GB2312" pitchFamily="49" charset="-122"/>
                 </a:rPr>
                 <a:t>去除地球重力</a:t>
@@ -6496,22 +6530,25 @@
             <a:prstGeom prst="flowChartProcess">
               <a:avLst/>
             </a:prstGeom>
-            <a:solidFill>
-              <a:srgbClr val="99CCFF">
-                <a:alpha val="32001"/>
-              </a:srgbClr>
-            </a:solidFill>
-            <a:ln w="19050" cap="flat" cmpd="sng" algn="ctr">
-              <a:solidFill>
-                <a:srgbClr val="000080"/>
-              </a:solidFill>
-              <a:prstDash val="solid"/>
-              <a:round/>
+            <a:ln>
               <a:headEnd type="none" w="med" len="med"/>
               <a:tailEnd type="none" w="med" len="med"/>
             </a:ln>
-            <a:effectLst/>
           </p:spPr>
+          <p:style>
+            <a:lnRef idx="1">
+              <a:schemeClr val="accent6"/>
+            </a:lnRef>
+            <a:fillRef idx="2">
+              <a:schemeClr val="accent6"/>
+            </a:fillRef>
+            <a:effectRef idx="1">
+              <a:schemeClr val="accent6"/>
+            </a:effectRef>
+            <a:fontRef idx="minor">
+              <a:schemeClr val="dk1"/>
+            </a:fontRef>
+          </p:style>
           <p:txBody>
             <a:bodyPr vert="horz" wrap="square" lIns="91440" tIns="45720" rIns="91440" bIns="45720" numCol="1" rtlCol="0" anchor="t" anchorCtr="0" compatLnSpc="1">
               <a:prstTxWarp prst="textNoShape">
@@ -6528,19 +6565,35 @@
                 <a:buSzPct val="75000"/>
               </a:pPr>
               <a:r>
-                <a:rPr lang="en-US" altLang="zh-CN" sz="1600" dirty="0"/>
+                <a:rPr lang="en-US" altLang="zh-CN" sz="1600" dirty="0">
+                  <a:solidFill>
+                    <a:srgbClr val="000066"/>
+                  </a:solidFill>
+                </a:rPr>
                 <a:t>9</a:t>
               </a:r>
               <a:r>
-                <a:rPr lang="zh-CN" altLang="en-US" sz="1600" dirty="0"/>
+                <a:rPr lang="zh-CN" altLang="en-US" sz="1600" dirty="0">
+                  <a:solidFill>
+                    <a:srgbClr val="000066"/>
+                  </a:solidFill>
+                </a:rPr>
                 <a:t>轴惯性测量单元（</a:t>
               </a:r>
               <a:r>
-                <a:rPr lang="en-US" altLang="zh-CN" sz="1600" dirty="0"/>
+                <a:rPr lang="en-US" altLang="zh-CN" sz="1600" dirty="0">
+                  <a:solidFill>
+                    <a:srgbClr val="000066"/>
+                  </a:solidFill>
+                </a:rPr>
                 <a:t>IMU</a:t>
               </a:r>
               <a:r>
-                <a:rPr lang="zh-CN" altLang="en-US" sz="1600" dirty="0" smtClean="0"/>
+                <a:rPr lang="zh-CN" altLang="en-US" sz="1600" dirty="0" smtClean="0">
+                  <a:solidFill>
+                    <a:srgbClr val="000066"/>
+                  </a:solidFill>
+                </a:rPr>
                 <a:t>）读数</a:t>
               </a:r>
               <a:endParaRPr kumimoji="1" lang="zh-CN" altLang="en-US" sz="1600" b="1" i="0" u="none" strike="noStrike" cap="none" normalizeH="0" baseline="0" dirty="0" smtClean="0">
@@ -6572,22 +6625,25 @@
             <a:prstGeom prst="straightConnector1">
               <a:avLst/>
             </a:prstGeom>
-            <a:solidFill>
-              <a:srgbClr val="99CCFF">
-                <a:alpha val="32001"/>
-              </a:srgbClr>
-            </a:solidFill>
-            <a:ln w="19050" cap="flat" cmpd="sng" algn="ctr">
-              <a:solidFill>
-                <a:srgbClr val="000080"/>
-              </a:solidFill>
-              <a:prstDash val="solid"/>
-              <a:round/>
+            <a:ln>
               <a:headEnd type="none" w="med" len="med"/>
               <a:tailEnd type="triangle"/>
             </a:ln>
-            <a:effectLst/>
           </p:spPr>
+          <p:style>
+            <a:lnRef idx="1">
+              <a:schemeClr val="accent6"/>
+            </a:lnRef>
+            <a:fillRef idx="2">
+              <a:schemeClr val="accent6"/>
+            </a:fillRef>
+            <a:effectRef idx="1">
+              <a:schemeClr val="accent6"/>
+            </a:effectRef>
+            <a:fontRef idx="minor">
+              <a:schemeClr val="dk1"/>
+            </a:fontRef>
+          </p:style>
         </p:cxnSp>
         <p:cxnSp>
           <p:nvCxnSpPr>
@@ -6605,22 +6661,25 @@
             <a:prstGeom prst="straightConnector1">
               <a:avLst/>
             </a:prstGeom>
-            <a:solidFill>
-              <a:srgbClr val="99CCFF">
-                <a:alpha val="32001"/>
-              </a:srgbClr>
-            </a:solidFill>
-            <a:ln w="19050" cap="flat" cmpd="sng" algn="ctr">
-              <a:solidFill>
-                <a:srgbClr val="000080"/>
-              </a:solidFill>
-              <a:prstDash val="solid"/>
-              <a:round/>
+            <a:ln>
               <a:headEnd type="none" w="med" len="med"/>
               <a:tailEnd type="triangle"/>
             </a:ln>
-            <a:effectLst/>
           </p:spPr>
+          <p:style>
+            <a:lnRef idx="1">
+              <a:schemeClr val="accent6"/>
+            </a:lnRef>
+            <a:fillRef idx="2">
+              <a:schemeClr val="accent6"/>
+            </a:fillRef>
+            <a:effectRef idx="1">
+              <a:schemeClr val="accent6"/>
+            </a:effectRef>
+            <a:fontRef idx="minor">
+              <a:schemeClr val="dk1"/>
+            </a:fontRef>
+          </p:style>
         </p:cxnSp>
         <p:cxnSp>
           <p:nvCxnSpPr>
@@ -6638,22 +6697,25 @@
             <a:prstGeom prst="straightConnector1">
               <a:avLst/>
             </a:prstGeom>
-            <a:solidFill>
-              <a:srgbClr val="99CCFF">
-                <a:alpha val="32001"/>
-              </a:srgbClr>
-            </a:solidFill>
-            <a:ln w="19050" cap="flat" cmpd="sng" algn="ctr">
-              <a:solidFill>
-                <a:srgbClr val="000080"/>
-              </a:solidFill>
-              <a:prstDash val="solid"/>
-              <a:round/>
+            <a:ln>
               <a:headEnd type="none" w="med" len="med"/>
               <a:tailEnd type="triangle"/>
             </a:ln>
-            <a:effectLst/>
           </p:spPr>
+          <p:style>
+            <a:lnRef idx="1">
+              <a:schemeClr val="accent6"/>
+            </a:lnRef>
+            <a:fillRef idx="2">
+              <a:schemeClr val="accent6"/>
+            </a:fillRef>
+            <a:effectRef idx="1">
+              <a:schemeClr val="accent6"/>
+            </a:effectRef>
+            <a:fontRef idx="minor">
+              <a:schemeClr val="dk1"/>
+            </a:fontRef>
+          </p:style>
         </p:cxnSp>
         <p:cxnSp>
           <p:nvCxnSpPr>
@@ -6671,22 +6733,25 @@
             <a:prstGeom prst="straightConnector1">
               <a:avLst/>
             </a:prstGeom>
-            <a:solidFill>
-              <a:srgbClr val="99CCFF">
-                <a:alpha val="32001"/>
-              </a:srgbClr>
-            </a:solidFill>
-            <a:ln w="19050" cap="flat" cmpd="sng" algn="ctr">
-              <a:solidFill>
-                <a:srgbClr val="000080"/>
-              </a:solidFill>
-              <a:prstDash val="solid"/>
-              <a:round/>
+            <a:ln>
               <a:headEnd type="none" w="med" len="med"/>
               <a:tailEnd type="triangle"/>
             </a:ln>
-            <a:effectLst/>
           </p:spPr>
+          <p:style>
+            <a:lnRef idx="1">
+              <a:schemeClr val="accent6"/>
+            </a:lnRef>
+            <a:fillRef idx="2">
+              <a:schemeClr val="accent6"/>
+            </a:fillRef>
+            <a:effectRef idx="1">
+              <a:schemeClr val="accent6"/>
+            </a:effectRef>
+            <a:fontRef idx="minor">
+              <a:schemeClr val="dk1"/>
+            </a:fontRef>
+          </p:style>
         </p:cxnSp>
         <p:cxnSp>
           <p:nvCxnSpPr>
@@ -6704,22 +6769,25 @@
             <a:prstGeom prst="straightConnector1">
               <a:avLst/>
             </a:prstGeom>
-            <a:solidFill>
-              <a:srgbClr val="99CCFF">
-                <a:alpha val="32001"/>
-              </a:srgbClr>
-            </a:solidFill>
-            <a:ln w="19050" cap="flat" cmpd="sng" algn="ctr">
-              <a:solidFill>
-                <a:srgbClr val="000080"/>
-              </a:solidFill>
-              <a:prstDash val="solid"/>
-              <a:round/>
+            <a:ln>
               <a:headEnd type="none" w="med" len="med"/>
               <a:tailEnd type="triangle"/>
             </a:ln>
-            <a:effectLst/>
           </p:spPr>
+          <p:style>
+            <a:lnRef idx="1">
+              <a:schemeClr val="accent6"/>
+            </a:lnRef>
+            <a:fillRef idx="2">
+              <a:schemeClr val="accent6"/>
+            </a:fillRef>
+            <a:effectRef idx="1">
+              <a:schemeClr val="accent6"/>
+            </a:effectRef>
+            <a:fontRef idx="minor">
+              <a:schemeClr val="dk1"/>
+            </a:fontRef>
+          </p:style>
         </p:cxnSp>
         <p:sp>
           <p:nvSpPr>
@@ -6735,22 +6803,25 @@
             <a:prstGeom prst="flowChartProcess">
               <a:avLst/>
             </a:prstGeom>
-            <a:solidFill>
-              <a:srgbClr val="99CCFF">
-                <a:alpha val="32001"/>
-              </a:srgbClr>
-            </a:solidFill>
-            <a:ln w="19050" cap="flat" cmpd="sng" algn="ctr">
-              <a:solidFill>
-                <a:srgbClr val="000080"/>
-              </a:solidFill>
-              <a:prstDash val="solid"/>
-              <a:round/>
+            <a:ln>
               <a:headEnd type="none" w="med" len="med"/>
               <a:tailEnd type="none" w="med" len="med"/>
             </a:ln>
-            <a:effectLst/>
           </p:spPr>
+          <p:style>
+            <a:lnRef idx="1">
+              <a:schemeClr val="accent6"/>
+            </a:lnRef>
+            <a:fillRef idx="2">
+              <a:schemeClr val="accent6"/>
+            </a:fillRef>
+            <a:effectRef idx="1">
+              <a:schemeClr val="accent6"/>
+            </a:effectRef>
+            <a:fontRef idx="minor">
+              <a:schemeClr val="dk1"/>
+            </a:fontRef>
+          </p:style>
           <p:txBody>
             <a:bodyPr vert="horz" wrap="square" lIns="36000" tIns="45720" rIns="36000" bIns="45720" numCol="1" rtlCol="0" anchor="t" anchorCtr="0" compatLnSpc="1">
               <a:prstTxWarp prst="textNoShape">
@@ -6789,16 +6860,6 @@
                 </a:rPr>
                 <a:t>地面系三维加速度矢量</a:t>
               </a:r>
-              <a:endParaRPr kumimoji="1" lang="zh-CN" altLang="en-US" sz="1600" b="1" i="0" u="none" strike="noStrike" cap="none" normalizeH="0" baseline="0" dirty="0" smtClean="0">
-                <a:ln>
-                  <a:noFill/>
-                </a:ln>
-                <a:solidFill>
-                  <a:srgbClr val="000066"/>
-                </a:solidFill>
-                <a:effectLst/>
-                <a:ea typeface="楷体_GB2312" pitchFamily="49" charset="-122"/>
-              </a:endParaRPr>
             </a:p>
           </p:txBody>
         </p:sp>
@@ -6819,22 +6880,25 @@
             <a:prstGeom prst="straightConnector1">
               <a:avLst/>
             </a:prstGeom>
-            <a:solidFill>
-              <a:srgbClr val="99CCFF">
-                <a:alpha val="32001"/>
-              </a:srgbClr>
-            </a:solidFill>
-            <a:ln w="19050" cap="flat" cmpd="sng" algn="ctr">
-              <a:solidFill>
-                <a:srgbClr val="000080"/>
-              </a:solidFill>
-              <a:prstDash val="solid"/>
-              <a:round/>
+            <a:ln>
               <a:headEnd type="none" w="med" len="med"/>
               <a:tailEnd type="triangle"/>
             </a:ln>
-            <a:effectLst/>
           </p:spPr>
+          <p:style>
+            <a:lnRef idx="1">
+              <a:schemeClr val="accent6"/>
+            </a:lnRef>
+            <a:fillRef idx="2">
+              <a:schemeClr val="accent6"/>
+            </a:fillRef>
+            <a:effectRef idx="1">
+              <a:schemeClr val="accent6"/>
+            </a:effectRef>
+            <a:fontRef idx="minor">
+              <a:schemeClr val="dk1"/>
+            </a:fontRef>
+          </p:style>
         </p:cxnSp>
         <p:cxnSp>
           <p:nvCxnSpPr>
@@ -6850,22 +6914,25 @@
             <a:prstGeom prst="straightConnector1">
               <a:avLst/>
             </a:prstGeom>
-            <a:solidFill>
-              <a:srgbClr val="99CCFF">
-                <a:alpha val="32001"/>
-              </a:srgbClr>
-            </a:solidFill>
-            <a:ln w="19050" cap="flat" cmpd="sng" algn="ctr">
-              <a:solidFill>
-                <a:srgbClr val="000080"/>
-              </a:solidFill>
-              <a:prstDash val="solid"/>
-              <a:round/>
+            <a:ln>
               <a:headEnd type="none" w="med" len="med"/>
               <a:tailEnd type="triangle"/>
             </a:ln>
-            <a:effectLst/>
           </p:spPr>
+          <p:style>
+            <a:lnRef idx="1">
+              <a:schemeClr val="accent6"/>
+            </a:lnRef>
+            <a:fillRef idx="2">
+              <a:schemeClr val="accent6"/>
+            </a:fillRef>
+            <a:effectRef idx="1">
+              <a:schemeClr val="accent6"/>
+            </a:effectRef>
+            <a:fontRef idx="minor">
+              <a:schemeClr val="dk1"/>
+            </a:fontRef>
+          </p:style>
         </p:cxnSp>
       </p:grpSp>
       <p:sp>
@@ -7034,15 +7101,7 @@
             </a:r>
             <a:r>
               <a:rPr lang="en-US" altLang="zh-CN" sz="1600" dirty="0" smtClean="0"/>
-              <a:t>/ </a:t>
-            </a:r>
-            <a:r>
-              <a:rPr lang="en-US" altLang="zh-CN" sz="1600" dirty="0" smtClean="0"/>
-              <a:t>m</a:t>
-            </a:r>
-            <a:r>
-              <a:rPr lang="en-US" altLang="zh-CN" sz="1600" dirty="0" smtClean="0"/>
-              <a:t>/s</a:t>
+              <a:t>/ m/s</a:t>
             </a:r>
             <a:r>
               <a:rPr lang="en-US" altLang="zh-CN" sz="1400" baseline="30000" dirty="0" smtClean="0"/>
@@ -7148,15 +7207,7 @@
             </a:r>
             <a:r>
               <a:rPr lang="en-US" altLang="zh-CN" sz="1600" dirty="0" smtClean="0"/>
-              <a:t>/ </a:t>
-            </a:r>
-            <a:r>
-              <a:rPr lang="en-US" altLang="zh-CN" sz="1600" dirty="0" smtClean="0"/>
-              <a:t>m</a:t>
-            </a:r>
-            <a:r>
-              <a:rPr lang="en-US" altLang="zh-CN" sz="1600" dirty="0" smtClean="0"/>
-              <a:t>/s</a:t>
+              <a:t>/ m/s</a:t>
             </a:r>
             <a:r>
               <a:rPr lang="en-US" altLang="zh-CN" sz="1400" baseline="30000" dirty="0" smtClean="0"/>
@@ -7176,11 +7227,11 @@
   <p:clrMapOvr>
     <a:masterClrMapping/>
   </p:clrMapOvr>
-  <mc:AlternateContent xmlns:mc="http://schemas.openxmlformats.org/markup-compatibility/2006">
-    <mc:Choice xmlns:p14="http://schemas.microsoft.com/office/powerpoint/2010/main" Requires="p14">
+  <mc:AlternateContent xmlns:mc="http://schemas.openxmlformats.org/markup-compatibility/2006" xmlns:p14="http://schemas.microsoft.com/office/powerpoint/2010/main">
+    <mc:Choice Requires="p14">
       <p:transition spd="slow" p14:dur="2000" advTm="27918"/>
     </mc:Choice>
-    <mc:Fallback>
+    <mc:Fallback xmlns="">
       <p:transition spd="slow" advTm="27918"/>
     </mc:Fallback>
   </mc:AlternateContent>
@@ -7221,7 +7272,12 @@
             <p:ph type="title"/>
           </p:nvPr>
         </p:nvSpPr>
-        <p:spPr/>
+        <p:spPr>
+          <a:xfrm>
+            <a:off x="1752600" y="260648"/>
+            <a:ext cx="7391400" cy="863600"/>
+          </a:xfrm>
+        </p:spPr>
         <p:txBody>
           <a:bodyPr/>
           <a:lstStyle/>
@@ -7270,22 +7326,25 @@
             <a:prstGeom prst="rect">
               <a:avLst/>
             </a:prstGeom>
-            <a:solidFill>
-              <a:srgbClr val="99CCFF">
-                <a:alpha val="32001"/>
-              </a:srgbClr>
-            </a:solidFill>
-            <a:ln w="19050" cap="flat" cmpd="sng" algn="ctr">
-              <a:solidFill>
-                <a:srgbClr val="000080"/>
-              </a:solidFill>
-              <a:prstDash val="solid"/>
-              <a:round/>
+            <a:ln>
               <a:headEnd type="none" w="med" len="med"/>
               <a:tailEnd type="none" w="med" len="med"/>
             </a:ln>
-            <a:effectLst/>
           </p:spPr>
+          <p:style>
+            <a:lnRef idx="1">
+              <a:schemeClr val="accent6"/>
+            </a:lnRef>
+            <a:fillRef idx="2">
+              <a:schemeClr val="accent6"/>
+            </a:fillRef>
+            <a:effectRef idx="1">
+              <a:schemeClr val="accent6"/>
+            </a:effectRef>
+            <a:fontRef idx="minor">
+              <a:schemeClr val="dk1"/>
+            </a:fontRef>
+          </p:style>
           <p:txBody>
             <a:bodyPr vert="horz" wrap="square" lIns="91440" tIns="45720" rIns="91440" bIns="45720" numCol="1" rtlCol="0" anchor="t" anchorCtr="0" compatLnSpc="1">
               <a:prstTxWarp prst="textNoShape">
@@ -7312,10 +7371,14 @@
                 <a:tabLst/>
               </a:pPr>
               <a:r>
-                <a:rPr lang="zh-CN" altLang="en-US" sz="1600" dirty="0">
+                <a:rPr lang="zh-CN" altLang="en-US" sz="1600" dirty="0" smtClean="0">
+                  <a:solidFill>
+                    <a:srgbClr val="000066"/>
+                  </a:solidFill>
+                  <a:latin typeface="Sylfaen" pitchFamily="18" charset="0"/>
                   <a:ea typeface="楷体_GB2312" pitchFamily="49" charset="-122"/>
                 </a:rPr>
-                <a:t>惯性</a:t>
+                <a:t>惯性定位</a:t>
               </a:r>
               <a:r>
                 <a:rPr kumimoji="1" lang="zh-CN" altLang="en-US" sz="1600" b="1" i="0" u="none" strike="noStrike" cap="none" normalizeH="0" baseline="0" dirty="0" smtClean="0">
@@ -7329,19 +7392,22 @@
                   <a:latin typeface="Sylfaen" pitchFamily="18" charset="0"/>
                   <a:ea typeface="楷体_GB2312" pitchFamily="49" charset="-122"/>
                 </a:rPr>
-                <a:t>定位速度矢量</a:t>
+                <a:t>速度</a:t>
               </a:r>
-              <a:endParaRPr kumimoji="1" lang="zh-CN" altLang="en-US" sz="1600" b="1" i="0" u="none" strike="noStrike" cap="none" normalizeH="0" baseline="0" dirty="0" smtClean="0">
-                <a:ln>
-                  <a:noFill/>
-                </a:ln>
-                <a:solidFill>
-                  <a:srgbClr val="000066"/>
-                </a:solidFill>
-                <a:effectLst/>
-                <a:latin typeface="Sylfaen" pitchFamily="18" charset="0"/>
-                <a:ea typeface="楷体_GB2312" pitchFamily="49" charset="-122"/>
-              </a:endParaRPr>
+              <a:r>
+                <a:rPr kumimoji="1" lang="zh-CN" altLang="en-US" sz="1600" b="1" i="0" u="none" strike="noStrike" cap="none" normalizeH="0" baseline="0" dirty="0" smtClean="0">
+                  <a:ln>
+                    <a:noFill/>
+                  </a:ln>
+                  <a:solidFill>
+                    <a:srgbClr val="000066"/>
+                  </a:solidFill>
+                  <a:effectLst/>
+                  <a:latin typeface="Sylfaen" pitchFamily="18" charset="0"/>
+                  <a:ea typeface="楷体_GB2312" pitchFamily="49" charset="-122"/>
+                </a:rPr>
+                <a:t>矢量</a:t>
+              </a:r>
             </a:p>
           </p:txBody>
         </p:sp>
@@ -7359,22 +7425,25 @@
             <a:prstGeom prst="rect">
               <a:avLst/>
             </a:prstGeom>
-            <a:solidFill>
-              <a:srgbClr val="99CCFF">
-                <a:alpha val="32001"/>
-              </a:srgbClr>
-            </a:solidFill>
-            <a:ln w="19050" cap="flat" cmpd="sng" algn="ctr">
-              <a:solidFill>
-                <a:srgbClr val="000080"/>
-              </a:solidFill>
-              <a:prstDash val="solid"/>
-              <a:round/>
+            <a:ln>
               <a:headEnd type="none" w="med" len="med"/>
               <a:tailEnd type="none" w="med" len="med"/>
             </a:ln>
-            <a:effectLst/>
           </p:spPr>
+          <p:style>
+            <a:lnRef idx="1">
+              <a:schemeClr val="accent6"/>
+            </a:lnRef>
+            <a:fillRef idx="2">
+              <a:schemeClr val="accent6"/>
+            </a:fillRef>
+            <a:effectRef idx="1">
+              <a:schemeClr val="accent6"/>
+            </a:effectRef>
+            <a:fontRef idx="minor">
+              <a:schemeClr val="dk1"/>
+            </a:fontRef>
+          </p:style>
           <p:txBody>
             <a:bodyPr vert="horz" wrap="square" lIns="91440" tIns="45720" rIns="91440" bIns="45720" numCol="1" rtlCol="0" anchor="t" anchorCtr="0" compatLnSpc="1">
               <a:prstTxWarp prst="textNoShape">
@@ -7504,22 +7573,25 @@
             <a:prstGeom prst="flowChartDecision">
               <a:avLst/>
             </a:prstGeom>
-            <a:solidFill>
-              <a:srgbClr val="99CCFF">
-                <a:alpha val="32001"/>
-              </a:srgbClr>
-            </a:solidFill>
-            <a:ln w="19050" cap="flat" cmpd="sng" algn="ctr">
-              <a:solidFill>
-                <a:srgbClr val="000080"/>
-              </a:solidFill>
-              <a:prstDash val="solid"/>
-              <a:round/>
+            <a:ln>
               <a:headEnd type="none" w="med" len="med"/>
               <a:tailEnd type="none" w="med" len="med"/>
             </a:ln>
-            <a:effectLst/>
           </p:spPr>
+          <p:style>
+            <a:lnRef idx="1">
+              <a:schemeClr val="accent6"/>
+            </a:lnRef>
+            <a:fillRef idx="2">
+              <a:schemeClr val="accent6"/>
+            </a:fillRef>
+            <a:effectRef idx="1">
+              <a:schemeClr val="accent6"/>
+            </a:effectRef>
+            <a:fontRef idx="minor">
+              <a:schemeClr val="dk1"/>
+            </a:fontRef>
+          </p:style>
           <p:txBody>
             <a:bodyPr vert="horz" wrap="square" lIns="0" tIns="0" rIns="0" bIns="0" numCol="1" rtlCol="0" anchor="t" anchorCtr="0" compatLnSpc="1">
               <a:prstTxWarp prst="textNoShape">
@@ -7559,17 +7631,6 @@
                 </a:rPr>
                 <a:t>收到视觉定位信息？</a:t>
               </a:r>
-              <a:endParaRPr kumimoji="1" lang="zh-CN" altLang="en-US" sz="1600" b="1" i="0" u="none" strike="noStrike" cap="none" normalizeH="0" baseline="0" dirty="0" smtClean="0">
-                <a:ln>
-                  <a:noFill/>
-                </a:ln>
-                <a:solidFill>
-                  <a:srgbClr val="000066"/>
-                </a:solidFill>
-                <a:effectLst/>
-                <a:latin typeface="Sylfaen" pitchFamily="18" charset="0"/>
-                <a:ea typeface="楷体_GB2312" pitchFamily="49" charset="-122"/>
-              </a:endParaRPr>
             </a:p>
           </p:txBody>
         </p:sp>
@@ -7590,22 +7651,25 @@
             <a:prstGeom prst="straightConnector1">
               <a:avLst/>
             </a:prstGeom>
-            <a:solidFill>
-              <a:srgbClr val="99CCFF">
-                <a:alpha val="32001"/>
-              </a:srgbClr>
-            </a:solidFill>
-            <a:ln w="19050" cap="flat" cmpd="sng" algn="ctr">
-              <a:solidFill>
-                <a:srgbClr val="000080"/>
-              </a:solidFill>
-              <a:prstDash val="solid"/>
-              <a:round/>
+            <a:ln>
               <a:headEnd type="none" w="med" len="med"/>
               <a:tailEnd type="triangle"/>
             </a:ln>
-            <a:effectLst/>
           </p:spPr>
+          <p:style>
+            <a:lnRef idx="1">
+              <a:schemeClr val="accent6"/>
+            </a:lnRef>
+            <a:fillRef idx="2">
+              <a:schemeClr val="accent6"/>
+            </a:fillRef>
+            <a:effectRef idx="1">
+              <a:schemeClr val="accent6"/>
+            </a:effectRef>
+            <a:fontRef idx="minor">
+              <a:schemeClr val="dk1"/>
+            </a:fontRef>
+          </p:style>
         </p:cxnSp>
         <p:sp>
           <p:nvSpPr>
@@ -7621,22 +7685,25 @@
             <a:prstGeom prst="flowChartDecision">
               <a:avLst/>
             </a:prstGeom>
-            <a:solidFill>
-              <a:srgbClr val="99CCFF">
-                <a:alpha val="32001"/>
-              </a:srgbClr>
-            </a:solidFill>
-            <a:ln w="19050" cap="flat" cmpd="sng" algn="ctr">
-              <a:solidFill>
-                <a:srgbClr val="000080"/>
-              </a:solidFill>
-              <a:prstDash val="solid"/>
-              <a:round/>
+            <a:ln>
               <a:headEnd type="none" w="med" len="med"/>
               <a:tailEnd type="none" w="med" len="med"/>
             </a:ln>
-            <a:effectLst/>
           </p:spPr>
+          <p:style>
+            <a:lnRef idx="1">
+              <a:schemeClr val="accent6"/>
+            </a:lnRef>
+            <a:fillRef idx="2">
+              <a:schemeClr val="accent6"/>
+            </a:fillRef>
+            <a:effectRef idx="1">
+              <a:schemeClr val="accent6"/>
+            </a:effectRef>
+            <a:fontRef idx="minor">
+              <a:schemeClr val="dk1"/>
+            </a:fontRef>
+          </p:style>
           <p:txBody>
             <a:bodyPr vert="horz" wrap="square" lIns="0" tIns="0" rIns="0" bIns="0" numCol="1" rtlCol="0" anchor="t" anchorCtr="0" compatLnSpc="1">
               <a:prstTxWarp prst="textNoShape">
@@ -7664,11 +7731,17 @@
               </a:pPr>
               <a:r>
                 <a:rPr lang="zh-CN" altLang="en-US" sz="1200" dirty="0" smtClean="0">
+                  <a:solidFill>
+                    <a:srgbClr val="000066"/>
+                  </a:solidFill>
                   <a:ea typeface="楷体_GB2312" pitchFamily="49" charset="-122"/>
                 </a:rPr>
                 <a:t>超过超时阈值</a:t>
               </a:r>
               <a:endParaRPr lang="en-US" altLang="zh-CN" sz="1200" dirty="0" smtClean="0">
+                <a:solidFill>
+                  <a:srgbClr val="000066"/>
+                </a:solidFill>
                 <a:ea typeface="楷体_GB2312" pitchFamily="49" charset="-122"/>
               </a:endParaRPr>
             </a:p>
@@ -7691,12 +7764,18 @@
               </a:pPr>
               <a:r>
                 <a:rPr lang="en-US" altLang="zh-CN" sz="1200" dirty="0" smtClean="0">
+                  <a:solidFill>
+                    <a:srgbClr val="000066"/>
+                  </a:solidFill>
                   <a:ea typeface="楷体_GB2312" pitchFamily="49" charset="-122"/>
                 </a:rPr>
                 <a:t>——</a:t>
               </a:r>
               <a:r>
                 <a:rPr lang="zh-CN" altLang="en-US" sz="1200" dirty="0" smtClean="0">
+                  <a:solidFill>
+                    <a:srgbClr val="000066"/>
+                  </a:solidFill>
                   <a:ea typeface="楷体_GB2312" pitchFamily="49" charset="-122"/>
                 </a:rPr>
                 <a:t>视觉定位曾发生漏检？</a:t>
@@ -7728,22 +7807,25 @@
             <a:prstGeom prst="rect">
               <a:avLst/>
             </a:prstGeom>
-            <a:solidFill>
-              <a:srgbClr val="99CCFF">
-                <a:alpha val="32001"/>
-              </a:srgbClr>
-            </a:solidFill>
-            <a:ln w="19050" cap="flat" cmpd="sng" algn="ctr">
-              <a:solidFill>
-                <a:srgbClr val="000080"/>
-              </a:solidFill>
-              <a:prstDash val="solid"/>
-              <a:round/>
+            <a:ln>
               <a:headEnd type="none" w="med" len="med"/>
               <a:tailEnd type="none" w="med" len="med"/>
             </a:ln>
-            <a:effectLst/>
           </p:spPr>
+          <p:style>
+            <a:lnRef idx="1">
+              <a:schemeClr val="accent6"/>
+            </a:lnRef>
+            <a:fillRef idx="2">
+              <a:schemeClr val="accent6"/>
+            </a:fillRef>
+            <a:effectRef idx="1">
+              <a:schemeClr val="accent6"/>
+            </a:effectRef>
+            <a:fontRef idx="minor">
+              <a:schemeClr val="dk1"/>
+            </a:fontRef>
+          </p:style>
           <p:txBody>
             <a:bodyPr vert="horz" wrap="none" lIns="91440" tIns="45720" rIns="91440" bIns="45720" numCol="1" rtlCol="0" anchor="t" anchorCtr="0" compatLnSpc="1">
               <a:prstTxWarp prst="textNoShape">
@@ -7753,64 +7835,40 @@
             </a:bodyPr>
             <a:lstStyle/>
             <a:p>
-              <a:pPr marL="342900" marR="0" indent="-342900" algn="l" defTabSz="914400" rtl="0" eaLnBrk="1" fontAlgn="base" latinLnBrk="0" hangingPunct="1">
-                <a:lnSpc>
-                  <a:spcPct val="100000"/>
-                </a:lnSpc>
+              <a:pPr marL="342900" indent="-342900">
                 <a:spcBef>
                   <a:spcPct val="20000"/>
                 </a:spcBef>
-                <a:spcAft>
-                  <a:spcPct val="0"/>
-                </a:spcAft>
-                <a:buClrTx/>
                 <a:buSzPct val="75000"/>
-                <a:buFont typeface="Wingdings" pitchFamily="2" charset="2"/>
-                <a:buNone/>
-                <a:tabLst/>
               </a:pPr>
               <a:r>
                 <a:rPr lang="zh-CN" altLang="en-US" sz="1600" dirty="0">
+                  <a:solidFill>
+                    <a:srgbClr val="000066"/>
+                  </a:solidFill>
                   <a:ea typeface="楷体_GB2312" pitchFamily="49" charset="-122"/>
                 </a:rPr>
-                <a:t>重</a:t>
+                <a:t>重设位置信息为视觉定位位置</a:t>
               </a:r>
-              <a:r>
-                <a:rPr lang="zh-CN" altLang="en-US" sz="1600" dirty="0" smtClean="0">
-                  <a:ea typeface="楷体_GB2312" pitchFamily="49" charset="-122"/>
-                </a:rPr>
-                <a:t>设位置信息为视觉定位位置</a:t>
-              </a:r>
-              <a:endParaRPr lang="en-US" altLang="zh-CN" sz="1600" dirty="0" smtClean="0">
+              <a:endParaRPr lang="en-US" altLang="zh-CN" sz="1600" dirty="0">
+                <a:solidFill>
+                  <a:srgbClr val="000066"/>
+                </a:solidFill>
                 <a:ea typeface="楷体_GB2312" pitchFamily="49" charset="-122"/>
               </a:endParaRPr>
             </a:p>
             <a:p>
-              <a:pPr marL="342900" marR="0" indent="-342900" algn="l" defTabSz="914400" rtl="0" eaLnBrk="1" fontAlgn="base" latinLnBrk="0" hangingPunct="1">
-                <a:lnSpc>
-                  <a:spcPct val="100000"/>
-                </a:lnSpc>
+              <a:pPr marL="342900" indent="-342900">
                 <a:spcBef>
                   <a:spcPct val="20000"/>
                 </a:spcBef>
-                <a:spcAft>
-                  <a:spcPct val="0"/>
-                </a:spcAft>
-                <a:buClrTx/>
                 <a:buSzPct val="75000"/>
-                <a:buFont typeface="Wingdings" pitchFamily="2" charset="2"/>
-                <a:buNone/>
-                <a:tabLst/>
               </a:pPr>
               <a:r>
-                <a:rPr kumimoji="1" lang="en-US" altLang="zh-CN" sz="1600" b="1" i="0" u="none" strike="noStrike" cap="none" normalizeH="0" baseline="0" dirty="0" smtClean="0">
-                  <a:ln>
-                    <a:noFill/>
-                  </a:ln>
+                <a:rPr lang="en-US" altLang="zh-CN" sz="1600" dirty="0">
                   <a:solidFill>
                     <a:srgbClr val="000066"/>
                   </a:solidFill>
-                  <a:effectLst/>
                   <a:ea typeface="楷体_GB2312" pitchFamily="49" charset="-122"/>
                 </a:rPr>
                 <a:t>—</a:t>
@@ -7855,22 +7913,25 @@
             <a:prstGeom prst="rect">
               <a:avLst/>
             </a:prstGeom>
-            <a:solidFill>
-              <a:srgbClr val="99CCFF">
-                <a:alpha val="32001"/>
-              </a:srgbClr>
-            </a:solidFill>
-            <a:ln w="19050" cap="flat" cmpd="sng" algn="ctr">
-              <a:solidFill>
-                <a:srgbClr val="000080"/>
-              </a:solidFill>
-              <a:prstDash val="solid"/>
-              <a:round/>
+            <a:ln>
               <a:headEnd type="none" w="med" len="med"/>
               <a:tailEnd type="none" w="med" len="med"/>
             </a:ln>
-            <a:effectLst/>
           </p:spPr>
+          <p:style>
+            <a:lnRef idx="1">
+              <a:schemeClr val="accent6"/>
+            </a:lnRef>
+            <a:fillRef idx="2">
+              <a:schemeClr val="accent6"/>
+            </a:fillRef>
+            <a:effectRef idx="1">
+              <a:schemeClr val="accent6"/>
+            </a:effectRef>
+            <a:fontRef idx="minor">
+              <a:schemeClr val="dk1"/>
+            </a:fontRef>
+          </p:style>
           <p:txBody>
             <a:bodyPr vert="eaVert" wrap="square" lIns="91440" tIns="45720" rIns="91440" bIns="45720" numCol="1" rtlCol="0" anchor="t" anchorCtr="0" compatLnSpc="1">
               <a:prstTxWarp prst="textNoShape">
@@ -7910,17 +7971,6 @@
                 </a:rPr>
                 <a:t>根据位置信息发出控制命令</a:t>
               </a:r>
-              <a:endParaRPr kumimoji="1" lang="zh-CN" altLang="en-US" sz="1800" b="1" i="0" u="none" strike="noStrike" cap="none" normalizeH="0" baseline="0" dirty="0" smtClean="0">
-                <a:ln>
-                  <a:noFill/>
-                </a:ln>
-                <a:solidFill>
-                  <a:srgbClr val="000066"/>
-                </a:solidFill>
-                <a:effectLst/>
-                <a:latin typeface="Sylfaen" pitchFamily="18" charset="0"/>
-                <a:ea typeface="楷体_GB2312" pitchFamily="49" charset="-122"/>
-              </a:endParaRPr>
             </a:p>
           </p:txBody>
         </p:sp>
@@ -7938,22 +7988,25 @@
             <a:prstGeom prst="flowChartProcess">
               <a:avLst/>
             </a:prstGeom>
-            <a:solidFill>
-              <a:srgbClr val="99CCFF">
-                <a:alpha val="32001"/>
-              </a:srgbClr>
-            </a:solidFill>
-            <a:ln w="19050" cap="flat" cmpd="sng" algn="ctr">
-              <a:solidFill>
-                <a:srgbClr val="000080"/>
-              </a:solidFill>
-              <a:prstDash val="solid"/>
-              <a:round/>
+            <a:ln>
               <a:headEnd type="none" w="med" len="med"/>
               <a:tailEnd type="none" w="med" len="med"/>
             </a:ln>
-            <a:effectLst/>
           </p:spPr>
+          <p:style>
+            <a:lnRef idx="1">
+              <a:schemeClr val="accent6"/>
+            </a:lnRef>
+            <a:fillRef idx="2">
+              <a:schemeClr val="accent6"/>
+            </a:fillRef>
+            <a:effectRef idx="1">
+              <a:schemeClr val="accent6"/>
+            </a:effectRef>
+            <a:fontRef idx="minor">
+              <a:schemeClr val="dk1"/>
+            </a:fontRef>
+          </p:style>
           <p:txBody>
             <a:bodyPr vert="horz" wrap="square" lIns="91440" tIns="45720" rIns="91440" bIns="45720" numCol="1" rtlCol="0" anchor="t" anchorCtr="0" compatLnSpc="1">
               <a:prstTxWarp prst="textNoShape">
@@ -7992,16 +8045,6 @@
                 </a:rPr>
                 <a:t>地面系三维加速度</a:t>
               </a:r>
-              <a:endParaRPr kumimoji="1" lang="zh-CN" altLang="en-US" sz="1600" b="1" i="0" u="none" strike="noStrike" cap="none" normalizeH="0" baseline="0" dirty="0" smtClean="0">
-                <a:ln>
-                  <a:noFill/>
-                </a:ln>
-                <a:solidFill>
-                  <a:srgbClr val="000066"/>
-                </a:solidFill>
-                <a:effectLst/>
-                <a:ea typeface="楷体_GB2312" pitchFamily="49" charset="-122"/>
-              </a:endParaRPr>
             </a:p>
           </p:txBody>
         </p:sp>
@@ -8022,22 +8065,25 @@
             <a:prstGeom prst="straightConnector1">
               <a:avLst/>
             </a:prstGeom>
-            <a:solidFill>
-              <a:srgbClr val="99CCFF">
-                <a:alpha val="32001"/>
-              </a:srgbClr>
-            </a:solidFill>
-            <a:ln w="19050" cap="flat" cmpd="sng" algn="ctr">
-              <a:solidFill>
-                <a:srgbClr val="000080"/>
-              </a:solidFill>
-              <a:prstDash val="solid"/>
-              <a:round/>
+            <a:ln>
               <a:headEnd type="none" w="med" len="med"/>
               <a:tailEnd type="triangle"/>
             </a:ln>
-            <a:effectLst/>
           </p:spPr>
+          <p:style>
+            <a:lnRef idx="1">
+              <a:schemeClr val="accent6"/>
+            </a:lnRef>
+            <a:fillRef idx="2">
+              <a:schemeClr val="accent6"/>
+            </a:fillRef>
+            <a:effectRef idx="1">
+              <a:schemeClr val="accent6"/>
+            </a:effectRef>
+            <a:fontRef idx="minor">
+              <a:schemeClr val="dk1"/>
+            </a:fontRef>
+          </p:style>
         </p:cxnSp>
         <p:sp>
           <p:nvSpPr>
@@ -8053,22 +8099,25 @@
             <a:prstGeom prst="flowChartProcess">
               <a:avLst/>
             </a:prstGeom>
-            <a:solidFill>
-              <a:srgbClr val="99CCFF">
-                <a:alpha val="32001"/>
-              </a:srgbClr>
-            </a:solidFill>
-            <a:ln w="19050" cap="flat" cmpd="sng" algn="ctr">
-              <a:solidFill>
-                <a:srgbClr val="000080"/>
-              </a:solidFill>
-              <a:prstDash val="solid"/>
-              <a:round/>
+            <a:ln>
               <a:headEnd type="none" w="med" len="med"/>
               <a:tailEnd type="none" w="med" len="med"/>
             </a:ln>
-            <a:effectLst/>
           </p:spPr>
+          <p:style>
+            <a:lnRef idx="1">
+              <a:schemeClr val="accent1"/>
+            </a:lnRef>
+            <a:fillRef idx="2">
+              <a:schemeClr val="accent1"/>
+            </a:fillRef>
+            <a:effectRef idx="1">
+              <a:schemeClr val="accent1"/>
+            </a:effectRef>
+            <a:fontRef idx="minor">
+              <a:schemeClr val="dk1"/>
+            </a:fontRef>
+          </p:style>
           <p:txBody>
             <a:bodyPr vert="eaVert" wrap="square" lIns="91440" tIns="45720" rIns="91440" bIns="45720" numCol="1" rtlCol="0" anchor="t" anchorCtr="0" compatLnSpc="1">
               <a:prstTxWarp prst="textNoShape">
@@ -8107,16 +8156,6 @@
                 </a:rPr>
                 <a:t>卡尔曼滤波器</a:t>
               </a:r>
-              <a:endParaRPr kumimoji="1" lang="zh-CN" altLang="en-US" sz="1800" b="1" i="0" u="none" strike="noStrike" cap="none" normalizeH="0" baseline="0" dirty="0" smtClean="0">
-                <a:ln>
-                  <a:noFill/>
-                </a:ln>
-                <a:solidFill>
-                  <a:srgbClr val="000066"/>
-                </a:solidFill>
-                <a:effectLst/>
-                <a:ea typeface="楷体_GB2312" pitchFamily="49" charset="-122"/>
-              </a:endParaRPr>
             </a:p>
           </p:txBody>
         </p:sp>
@@ -8134,22 +8173,25 @@
             <a:prstGeom prst="flowChartProcess">
               <a:avLst/>
             </a:prstGeom>
-            <a:solidFill>
-              <a:srgbClr val="99CCFF">
-                <a:alpha val="32001"/>
-              </a:srgbClr>
-            </a:solidFill>
-            <a:ln w="19050" cap="flat" cmpd="sng" algn="ctr">
-              <a:solidFill>
-                <a:srgbClr val="000080"/>
-              </a:solidFill>
-              <a:prstDash val="solid"/>
-              <a:round/>
+            <a:ln>
               <a:headEnd type="none" w="med" len="med"/>
               <a:tailEnd type="none" w="med" len="med"/>
             </a:ln>
-            <a:effectLst/>
           </p:spPr>
+          <p:style>
+            <a:lnRef idx="1">
+              <a:schemeClr val="accent6"/>
+            </a:lnRef>
+            <a:fillRef idx="2">
+              <a:schemeClr val="accent6"/>
+            </a:fillRef>
+            <a:effectRef idx="1">
+              <a:schemeClr val="accent6"/>
+            </a:effectRef>
+            <a:fontRef idx="minor">
+              <a:schemeClr val="dk1"/>
+            </a:fontRef>
+          </p:style>
           <p:txBody>
             <a:bodyPr vert="horz" wrap="square" lIns="91440" tIns="45720" rIns="91440" bIns="45720" numCol="1" rtlCol="0" anchor="t" anchorCtr="0" compatLnSpc="1">
               <a:prstTxWarp prst="textNoShape">
@@ -8201,16 +8243,6 @@
                 </a:rPr>
                 <a:t>图像</a:t>
               </a:r>
-              <a:endParaRPr kumimoji="1" lang="zh-CN" altLang="en-US" sz="1600" b="1" i="0" u="none" strike="noStrike" cap="none" normalizeH="0" baseline="0" dirty="0" smtClean="0">
-                <a:ln>
-                  <a:noFill/>
-                </a:ln>
-                <a:solidFill>
-                  <a:srgbClr val="000066"/>
-                </a:solidFill>
-                <a:effectLst/>
-                <a:ea typeface="楷体_GB2312" pitchFamily="49" charset="-122"/>
-              </a:endParaRPr>
             </a:p>
           </p:txBody>
         </p:sp>
@@ -8231,22 +8263,25 @@
             <a:prstGeom prst="straightConnector1">
               <a:avLst/>
             </a:prstGeom>
-            <a:solidFill>
-              <a:srgbClr val="99CCFF">
-                <a:alpha val="32001"/>
-              </a:srgbClr>
-            </a:solidFill>
-            <a:ln w="19050" cap="flat" cmpd="sng" algn="ctr">
-              <a:solidFill>
-                <a:srgbClr val="000080"/>
-              </a:solidFill>
-              <a:prstDash val="solid"/>
-              <a:round/>
+            <a:ln>
               <a:headEnd type="none" w="med" len="med"/>
               <a:tailEnd type="triangle"/>
             </a:ln>
-            <a:effectLst/>
           </p:spPr>
+          <p:style>
+            <a:lnRef idx="1">
+              <a:schemeClr val="accent6"/>
+            </a:lnRef>
+            <a:fillRef idx="2">
+              <a:schemeClr val="accent6"/>
+            </a:fillRef>
+            <a:effectRef idx="1">
+              <a:schemeClr val="accent6"/>
+            </a:effectRef>
+            <a:fontRef idx="minor">
+              <a:schemeClr val="dk1"/>
+            </a:fontRef>
+          </p:style>
         </p:cxnSp>
         <p:cxnSp>
           <p:nvCxnSpPr>
@@ -8259,27 +8294,30 @@
           <p:spPr bwMode="auto">
             <a:xfrm>
               <a:off x="3245878" y="3192545"/>
-              <a:ext cx="4207127" cy="0"/>
+              <a:ext cx="4176349" cy="0"/>
             </a:xfrm>
             <a:prstGeom prst="straightConnector1">
               <a:avLst/>
             </a:prstGeom>
-            <a:solidFill>
-              <a:srgbClr val="99CCFF">
-                <a:alpha val="32001"/>
-              </a:srgbClr>
-            </a:solidFill>
-            <a:ln w="19050" cap="flat" cmpd="sng" algn="ctr">
-              <a:solidFill>
-                <a:srgbClr val="000080"/>
-              </a:solidFill>
-              <a:prstDash val="solid"/>
-              <a:round/>
+            <a:ln>
               <a:headEnd type="none" w="med" len="med"/>
               <a:tailEnd type="triangle"/>
             </a:ln>
-            <a:effectLst/>
           </p:spPr>
+          <p:style>
+            <a:lnRef idx="1">
+              <a:schemeClr val="accent6"/>
+            </a:lnRef>
+            <a:fillRef idx="2">
+              <a:schemeClr val="accent6"/>
+            </a:fillRef>
+            <a:effectRef idx="1">
+              <a:schemeClr val="accent6"/>
+            </a:effectRef>
+            <a:fontRef idx="minor">
+              <a:schemeClr val="dk1"/>
+            </a:fontRef>
+          </p:style>
         </p:cxnSp>
         <p:cxnSp>
           <p:nvCxnSpPr>
@@ -8295,22 +8333,25 @@
             <a:prstGeom prst="straightConnector1">
               <a:avLst/>
             </a:prstGeom>
-            <a:solidFill>
-              <a:srgbClr val="99CCFF">
-                <a:alpha val="32001"/>
-              </a:srgbClr>
-            </a:solidFill>
-            <a:ln w="19050" cap="flat" cmpd="sng" algn="ctr">
-              <a:solidFill>
-                <a:srgbClr val="000080"/>
-              </a:solidFill>
-              <a:prstDash val="solid"/>
-              <a:round/>
+            <a:ln>
               <a:headEnd type="none" w="med" len="med"/>
               <a:tailEnd type="triangle"/>
             </a:ln>
-            <a:effectLst/>
           </p:spPr>
+          <p:style>
+            <a:lnRef idx="1">
+              <a:schemeClr val="accent6"/>
+            </a:lnRef>
+            <a:fillRef idx="2">
+              <a:schemeClr val="accent6"/>
+            </a:fillRef>
+            <a:effectRef idx="1">
+              <a:schemeClr val="accent6"/>
+            </a:effectRef>
+            <a:fontRef idx="minor">
+              <a:schemeClr val="dk1"/>
+            </a:fontRef>
+          </p:style>
         </p:cxnSp>
         <p:cxnSp>
           <p:nvCxnSpPr>
@@ -8328,58 +8369,63 @@
             <a:prstGeom prst="straightConnector1">
               <a:avLst/>
             </a:prstGeom>
-            <a:solidFill>
-              <a:srgbClr val="99CCFF">
-                <a:alpha val="32001"/>
-              </a:srgbClr>
-            </a:solidFill>
-            <a:ln w="19050" cap="flat" cmpd="sng" algn="ctr">
-              <a:solidFill>
-                <a:srgbClr val="000080"/>
-              </a:solidFill>
-              <a:prstDash val="solid"/>
-              <a:round/>
+            <a:ln>
               <a:headEnd type="none" w="med" len="med"/>
               <a:tailEnd type="triangle"/>
             </a:ln>
-            <a:effectLst/>
           </p:spPr>
+          <p:style>
+            <a:lnRef idx="1">
+              <a:schemeClr val="accent6"/>
+            </a:lnRef>
+            <a:fillRef idx="2">
+              <a:schemeClr val="accent6"/>
+            </a:fillRef>
+            <a:effectRef idx="1">
+              <a:schemeClr val="accent6"/>
+            </a:effectRef>
+            <a:fontRef idx="minor">
+              <a:schemeClr val="dk1"/>
+            </a:fontRef>
+          </p:style>
         </p:cxnSp>
         <p:cxnSp>
           <p:nvCxnSpPr>
             <p:cNvPr id="105" name="肘形连接符 104"/>
             <p:cNvCxnSpPr>
-              <a:stCxn id="22" idx="2"/>
+              <a:stCxn id="22" idx="3"/>
             </p:cNvCxnSpPr>
             <p:nvPr/>
           </p:nvCxnSpPr>
           <p:spPr bwMode="auto">
-            <a:xfrm rot="5400000" flipH="1" flipV="1">
-              <a:off x="5145345" y="3499262"/>
-              <a:ext cx="1010741" cy="5190697"/>
+            <a:xfrm flipV="1">
+              <a:off x="4491819" y="5589241"/>
+              <a:ext cx="3754245" cy="693730"/>
             </a:xfrm>
-            <a:prstGeom prst="bentConnector4">
+            <a:prstGeom prst="bentConnector3">
               <a:avLst>
-                <a:gd name="adj1" fmla="val -22617"/>
-                <a:gd name="adj2" fmla="val 63837"/>
+                <a:gd name="adj1" fmla="val 43081"/>
               </a:avLst>
             </a:prstGeom>
-            <a:solidFill>
-              <a:srgbClr val="99CCFF">
-                <a:alpha val="32001"/>
-              </a:srgbClr>
-            </a:solidFill>
-            <a:ln w="19050" cap="flat" cmpd="sng" algn="ctr">
-              <a:solidFill>
-                <a:srgbClr val="000080"/>
-              </a:solidFill>
-              <a:prstDash val="solid"/>
-              <a:round/>
+            <a:ln>
               <a:headEnd type="none" w="med" len="med"/>
               <a:tailEnd type="triangle"/>
             </a:ln>
-            <a:effectLst/>
           </p:spPr>
+          <p:style>
+            <a:lnRef idx="1">
+              <a:schemeClr val="accent6"/>
+            </a:lnRef>
+            <a:fillRef idx="2">
+              <a:schemeClr val="accent6"/>
+            </a:fillRef>
+            <a:effectRef idx="1">
+              <a:schemeClr val="accent6"/>
+            </a:effectRef>
+            <a:fontRef idx="minor">
+              <a:schemeClr val="dk1"/>
+            </a:fontRef>
+          </p:style>
         </p:cxnSp>
         <p:cxnSp>
           <p:nvCxnSpPr>
@@ -8398,22 +8444,25 @@
             <a:prstGeom prst="straightConnector1">
               <a:avLst/>
             </a:prstGeom>
-            <a:solidFill>
-              <a:srgbClr val="99CCFF">
-                <a:alpha val="32001"/>
-              </a:srgbClr>
-            </a:solidFill>
-            <a:ln w="19050" cap="flat" cmpd="sng" algn="ctr">
-              <a:solidFill>
-                <a:srgbClr val="000080"/>
-              </a:solidFill>
-              <a:prstDash val="solid"/>
-              <a:round/>
+            <a:ln>
               <a:headEnd type="none" w="med" len="med"/>
               <a:tailEnd type="triangle"/>
             </a:ln>
-            <a:effectLst/>
           </p:spPr>
+          <p:style>
+            <a:lnRef idx="1">
+              <a:schemeClr val="accent6"/>
+            </a:lnRef>
+            <a:fillRef idx="2">
+              <a:schemeClr val="accent6"/>
+            </a:fillRef>
+            <a:effectRef idx="1">
+              <a:schemeClr val="accent6"/>
+            </a:effectRef>
+            <a:fontRef idx="minor">
+              <a:schemeClr val="dk1"/>
+            </a:fontRef>
+          </p:style>
         </p:cxnSp>
         <p:sp>
           <p:nvSpPr>
@@ -8429,22 +8478,25 @@
             <a:prstGeom prst="flowChartProcess">
               <a:avLst/>
             </a:prstGeom>
-            <a:solidFill>
-              <a:srgbClr val="99CCFF">
-                <a:alpha val="32001"/>
-              </a:srgbClr>
-            </a:solidFill>
-            <a:ln w="19050" cap="flat" cmpd="sng" algn="ctr">
-              <a:solidFill>
-                <a:srgbClr val="000080"/>
-              </a:solidFill>
-              <a:prstDash val="solid"/>
-              <a:round/>
+            <a:ln>
               <a:headEnd type="none" w="med" len="med"/>
               <a:tailEnd type="none" w="med" len="med"/>
             </a:ln>
-            <a:effectLst/>
           </p:spPr>
+          <p:style>
+            <a:lnRef idx="1">
+              <a:schemeClr val="accent1"/>
+            </a:lnRef>
+            <a:fillRef idx="2">
+              <a:schemeClr val="accent1"/>
+            </a:fillRef>
+            <a:effectRef idx="1">
+              <a:schemeClr val="accent1"/>
+            </a:effectRef>
+            <a:fontRef idx="minor">
+              <a:schemeClr val="dk1"/>
+            </a:fontRef>
+          </p:style>
           <p:txBody>
             <a:bodyPr vert="eaVert" wrap="none" lIns="91440" tIns="45720" rIns="91440" bIns="45720" numCol="1" rtlCol="0" anchor="t" anchorCtr="0" compatLnSpc="1">
               <a:prstTxWarp prst="textNoShape">
@@ -8471,12 +8523,6 @@
                 <a:tabLst/>
               </a:pPr>
               <a:r>
-                <a:rPr lang="zh-CN" altLang="en-US" sz="1600" dirty="0">
-                  <a:ea typeface="楷体_GB2312" pitchFamily="49" charset="-122"/>
-                </a:rPr>
-                <a:t>视觉</a:t>
-              </a:r>
-              <a:r>
                 <a:rPr kumimoji="1" lang="zh-CN" altLang="en-US" sz="1600" b="1" i="0" u="none" strike="noStrike" cap="none" normalizeH="0" baseline="0" dirty="0" smtClean="0">
                   <a:ln>
                     <a:noFill/>
@@ -8487,7 +8533,7 @@
                   <a:effectLst/>
                   <a:ea typeface="楷体_GB2312" pitchFamily="49" charset="-122"/>
                 </a:rPr>
-                <a:t>定位</a:t>
+                <a:t>视觉定位</a:t>
               </a:r>
               <a:endParaRPr kumimoji="1" lang="en-US" altLang="zh-CN" sz="1600" b="1" i="0" u="none" strike="noStrike" cap="none" normalizeH="0" baseline="0" dirty="0" smtClean="0">
                 <a:ln>
@@ -8551,28 +8597,31 @@
           </p:nvSpPr>
           <p:spPr bwMode="auto">
             <a:xfrm>
-              <a:off x="4396382" y="4417830"/>
+              <a:off x="4396382" y="4365104"/>
               <a:ext cx="726353" cy="900246"/>
             </a:xfrm>
             <a:prstGeom prst="flowChartProcess">
               <a:avLst/>
             </a:prstGeom>
-            <a:solidFill>
-              <a:srgbClr val="99CCFF">
-                <a:alpha val="32001"/>
-              </a:srgbClr>
-            </a:solidFill>
-            <a:ln w="19050" cap="flat" cmpd="sng" algn="ctr">
-              <a:solidFill>
-                <a:srgbClr val="000080"/>
-              </a:solidFill>
-              <a:prstDash val="solid"/>
-              <a:round/>
+            <a:ln>
               <a:headEnd type="none" w="med" len="med"/>
               <a:tailEnd type="none" w="med" len="med"/>
             </a:ln>
-            <a:effectLst/>
           </p:spPr>
+          <p:style>
+            <a:lnRef idx="1">
+              <a:schemeClr val="accent1"/>
+            </a:lnRef>
+            <a:fillRef idx="2">
+              <a:schemeClr val="accent1"/>
+            </a:fillRef>
+            <a:effectRef idx="1">
+              <a:schemeClr val="accent1"/>
+            </a:effectRef>
+            <a:fontRef idx="minor">
+              <a:schemeClr val="dk1"/>
+            </a:fontRef>
+          </p:style>
           <p:txBody>
             <a:bodyPr vert="eaVert" wrap="none" lIns="91440" tIns="45720" rIns="91440" bIns="45720" numCol="1" rtlCol="0" anchor="t" anchorCtr="0" compatLnSpc="1">
               <a:prstTxWarp prst="textNoShape">
@@ -8655,17 +8704,6 @@
                 </a:rPr>
                 <a:t>速度矢量</a:t>
               </a:r>
-              <a:endParaRPr kumimoji="1" lang="zh-CN" altLang="en-US" sz="1600" b="1" i="0" u="none" strike="noStrike" cap="none" normalizeH="0" baseline="0" dirty="0" smtClean="0">
-                <a:ln>
-                  <a:noFill/>
-                </a:ln>
-                <a:solidFill>
-                  <a:srgbClr val="000066"/>
-                </a:solidFill>
-                <a:effectLst/>
-                <a:latin typeface="Sylfaen" pitchFamily="18" charset="0"/>
-                <a:ea typeface="楷体_GB2312" pitchFamily="49" charset="-122"/>
-              </a:endParaRPr>
             </a:p>
           </p:txBody>
         </p:sp>
@@ -8679,29 +8717,32 @@
             <p:nvPr/>
           </p:nvCxnSpPr>
           <p:spPr bwMode="auto">
-            <a:xfrm>
-              <a:off x="3250751" y="4836052"/>
-              <a:ext cx="1145631" cy="31901"/>
+            <a:xfrm flipV="1">
+              <a:off x="3250751" y="4815227"/>
+              <a:ext cx="1145631" cy="20825"/>
             </a:xfrm>
             <a:prstGeom prst="straightConnector1">
               <a:avLst/>
             </a:prstGeom>
-            <a:solidFill>
-              <a:srgbClr val="99CCFF">
-                <a:alpha val="32001"/>
-              </a:srgbClr>
-            </a:solidFill>
-            <a:ln w="19050" cap="flat" cmpd="sng" algn="ctr">
-              <a:solidFill>
-                <a:srgbClr val="000080"/>
-              </a:solidFill>
-              <a:prstDash val="solid"/>
-              <a:round/>
+            <a:ln>
               <a:headEnd type="none" w="med" len="med"/>
               <a:tailEnd type="triangle"/>
             </a:ln>
-            <a:effectLst/>
           </p:spPr>
+          <p:style>
+            <a:lnRef idx="1">
+              <a:schemeClr val="accent6"/>
+            </a:lnRef>
+            <a:fillRef idx="2">
+              <a:schemeClr val="accent6"/>
+            </a:fillRef>
+            <a:effectRef idx="1">
+              <a:schemeClr val="accent6"/>
+            </a:effectRef>
+            <a:fontRef idx="minor">
+              <a:schemeClr val="dk1"/>
+            </a:fontRef>
+          </p:style>
         </p:cxnSp>
         <p:sp>
           <p:nvSpPr>
@@ -8717,22 +8758,25 @@
             <a:prstGeom prst="flowChartProcess">
               <a:avLst/>
             </a:prstGeom>
-            <a:solidFill>
-              <a:srgbClr val="99CCFF">
-                <a:alpha val="32001"/>
-              </a:srgbClr>
-            </a:solidFill>
-            <a:ln w="19050" cap="flat" cmpd="sng" algn="ctr">
-              <a:solidFill>
-                <a:srgbClr val="000080"/>
-              </a:solidFill>
-              <a:prstDash val="solid"/>
-              <a:round/>
+            <a:ln>
               <a:headEnd type="none" w="med" len="med"/>
               <a:tailEnd type="none" w="med" len="med"/>
             </a:ln>
-            <a:effectLst/>
           </p:spPr>
+          <p:style>
+            <a:lnRef idx="1">
+              <a:schemeClr val="accent1"/>
+            </a:lnRef>
+            <a:fillRef idx="2">
+              <a:schemeClr val="accent1"/>
+            </a:fillRef>
+            <a:effectRef idx="1">
+              <a:schemeClr val="accent1"/>
+            </a:effectRef>
+            <a:fontRef idx="minor">
+              <a:schemeClr val="dk1"/>
+            </a:fontRef>
+          </p:style>
           <p:txBody>
             <a:bodyPr vert="eaVert" wrap="square" lIns="91440" tIns="45720" rIns="91440" bIns="45720" numCol="1" rtlCol="0" anchor="t" anchorCtr="0" compatLnSpc="1">
               <a:prstTxWarp prst="textNoShape">
@@ -8760,6 +8804,9 @@
               </a:pPr>
               <a:r>
                 <a:rPr lang="zh-CN" altLang="en-US" sz="1800" dirty="0" smtClean="0">
+                  <a:solidFill>
+                    <a:srgbClr val="000066"/>
+                  </a:solidFill>
                   <a:ea typeface="楷体_GB2312" pitchFamily="49" charset="-122"/>
                 </a:rPr>
                 <a:t>校正速度矢量</a:t>
@@ -8791,22 +8838,25 @@
             <a:prstGeom prst="flowChartProcess">
               <a:avLst/>
             </a:prstGeom>
-            <a:solidFill>
-              <a:srgbClr val="99CCFF">
-                <a:alpha val="32001"/>
-              </a:srgbClr>
-            </a:solidFill>
-            <a:ln w="19050" cap="flat" cmpd="sng" algn="ctr">
-              <a:solidFill>
-                <a:srgbClr val="000080"/>
-              </a:solidFill>
-              <a:prstDash val="solid"/>
-              <a:round/>
+            <a:ln>
               <a:headEnd type="none" w="med" len="med"/>
               <a:tailEnd type="none" w="med" len="med"/>
             </a:ln>
-            <a:effectLst/>
           </p:spPr>
+          <p:style>
+            <a:lnRef idx="1">
+              <a:schemeClr val="accent6"/>
+            </a:lnRef>
+            <a:fillRef idx="2">
+              <a:schemeClr val="accent6"/>
+            </a:fillRef>
+            <a:effectRef idx="1">
+              <a:schemeClr val="accent6"/>
+            </a:effectRef>
+            <a:fontRef idx="minor">
+              <a:schemeClr val="dk1"/>
+            </a:fontRef>
+          </p:style>
           <p:txBody>
             <a:bodyPr vert="eaVert" wrap="square" lIns="91440" tIns="45720" rIns="91440" bIns="45720" numCol="1" rtlCol="0" anchor="t" anchorCtr="0" compatLnSpc="1">
               <a:prstTxWarp prst="textNoShape">
@@ -8845,16 +8895,6 @@
                 </a:rPr>
                 <a:t>积分计算位置信息</a:t>
               </a:r>
-              <a:endParaRPr kumimoji="1" lang="zh-CN" altLang="en-US" sz="1800" b="1" i="0" u="none" strike="noStrike" cap="none" normalizeH="0" baseline="0" dirty="0" smtClean="0">
-                <a:ln>
-                  <a:noFill/>
-                </a:ln>
-                <a:solidFill>
-                  <a:srgbClr val="000066"/>
-                </a:solidFill>
-                <a:effectLst/>
-                <a:ea typeface="楷体_GB2312" pitchFamily="49" charset="-122"/>
-              </a:endParaRPr>
             </a:p>
           </p:txBody>
         </p:sp>
@@ -8866,14 +8906,31 @@
           </p:nvSpPr>
           <p:spPr>
             <a:xfrm>
-              <a:off x="1372042" y="1742070"/>
+              <a:off x="1390265" y="1738859"/>
               <a:ext cx="598241" cy="338554"/>
             </a:xfrm>
             <a:prstGeom prst="rect">
               <a:avLst/>
             </a:prstGeom>
             <a:noFill/>
+            <a:ln>
+              <a:noFill/>
+            </a:ln>
           </p:spPr>
+          <p:style>
+            <a:lnRef idx="2">
+              <a:schemeClr val="accent3"/>
+            </a:lnRef>
+            <a:fillRef idx="1">
+              <a:schemeClr val="lt1"/>
+            </a:fillRef>
+            <a:effectRef idx="0">
+              <a:schemeClr val="accent3"/>
+            </a:effectRef>
+            <a:fontRef idx="minor">
+              <a:schemeClr val="dk1"/>
+            </a:fontRef>
+          </p:style>
           <p:txBody>
             <a:bodyPr wrap="none" rtlCol="0">
               <a:spAutoFit/>
@@ -8904,22 +8961,25 @@
             <a:prstGeom prst="straightConnector1">
               <a:avLst/>
             </a:prstGeom>
-            <a:solidFill>
-              <a:srgbClr val="99CCFF">
-                <a:alpha val="32001"/>
-              </a:srgbClr>
-            </a:solidFill>
-            <a:ln w="19050" cap="flat" cmpd="sng" algn="ctr">
-              <a:solidFill>
-                <a:srgbClr val="000080"/>
-              </a:solidFill>
-              <a:prstDash val="solid"/>
-              <a:round/>
+            <a:ln>
               <a:headEnd type="none" w="med" len="med"/>
               <a:tailEnd type="triangle"/>
             </a:ln>
-            <a:effectLst/>
           </p:spPr>
+          <p:style>
+            <a:lnRef idx="1">
+              <a:schemeClr val="accent6"/>
+            </a:lnRef>
+            <a:fillRef idx="2">
+              <a:schemeClr val="accent6"/>
+            </a:fillRef>
+            <a:effectRef idx="1">
+              <a:schemeClr val="accent6"/>
+            </a:effectRef>
+            <a:fontRef idx="minor">
+              <a:schemeClr val="dk1"/>
+            </a:fontRef>
+          </p:style>
         </p:cxnSp>
         <p:cxnSp>
           <p:nvCxnSpPr>
@@ -8932,27 +8992,30 @@
           <p:spPr bwMode="auto">
             <a:xfrm>
               <a:off x="5120481" y="3809910"/>
-              <a:ext cx="325688" cy="0"/>
+              <a:ext cx="325688" cy="7"/>
             </a:xfrm>
             <a:prstGeom prst="straightConnector1">
               <a:avLst/>
             </a:prstGeom>
-            <a:solidFill>
-              <a:srgbClr val="99CCFF">
-                <a:alpha val="32001"/>
-              </a:srgbClr>
-            </a:solidFill>
-            <a:ln w="19050" cap="flat" cmpd="sng" algn="ctr">
-              <a:solidFill>
-                <a:srgbClr val="000080"/>
-              </a:solidFill>
-              <a:prstDash val="solid"/>
-              <a:round/>
+            <a:ln>
               <a:headEnd type="none" w="med" len="med"/>
               <a:tailEnd type="triangle"/>
             </a:ln>
-            <a:effectLst/>
           </p:spPr>
+          <p:style>
+            <a:lnRef idx="1">
+              <a:schemeClr val="accent1"/>
+            </a:lnRef>
+            <a:fillRef idx="2">
+              <a:schemeClr val="accent1"/>
+            </a:fillRef>
+            <a:effectRef idx="1">
+              <a:schemeClr val="accent1"/>
+            </a:effectRef>
+            <a:fontRef idx="minor">
+              <a:schemeClr val="dk1"/>
+            </a:fontRef>
+          </p:style>
         </p:cxnSp>
         <p:cxnSp>
           <p:nvCxnSpPr>
@@ -8963,27 +9026,30 @@
           <p:spPr bwMode="auto">
             <a:xfrm>
               <a:off x="5101539" y="4836052"/>
-              <a:ext cx="402638" cy="0"/>
+              <a:ext cx="344630" cy="0"/>
             </a:xfrm>
             <a:prstGeom prst="straightConnector1">
               <a:avLst/>
             </a:prstGeom>
-            <a:solidFill>
-              <a:srgbClr val="99CCFF">
-                <a:alpha val="32001"/>
-              </a:srgbClr>
-            </a:solidFill>
-            <a:ln w="19050" cap="flat" cmpd="sng" algn="ctr">
-              <a:solidFill>
-                <a:srgbClr val="000080"/>
-              </a:solidFill>
-              <a:prstDash val="solid"/>
-              <a:round/>
+            <a:ln>
               <a:headEnd type="none" w="med" len="med"/>
               <a:tailEnd type="triangle"/>
             </a:ln>
-            <a:effectLst/>
           </p:spPr>
+          <p:style>
+            <a:lnRef idx="1">
+              <a:schemeClr val="accent1"/>
+            </a:lnRef>
+            <a:fillRef idx="2">
+              <a:schemeClr val="accent1"/>
+            </a:fillRef>
+            <a:effectRef idx="1">
+              <a:schemeClr val="accent1"/>
+            </a:effectRef>
+            <a:fontRef idx="minor">
+              <a:schemeClr val="dk1"/>
+            </a:fontRef>
+          </p:style>
         </p:cxnSp>
         <p:cxnSp>
           <p:nvCxnSpPr>
@@ -9002,22 +9068,25 @@
             <a:prstGeom prst="straightConnector1">
               <a:avLst/>
             </a:prstGeom>
-            <a:solidFill>
-              <a:srgbClr val="99CCFF">
-                <a:alpha val="32001"/>
-              </a:srgbClr>
-            </a:solidFill>
-            <a:ln w="19050" cap="flat" cmpd="sng" algn="ctr">
-              <a:solidFill>
-                <a:srgbClr val="000080"/>
-              </a:solidFill>
-              <a:prstDash val="solid"/>
-              <a:round/>
+            <a:ln>
               <a:headEnd type="none" w="med" len="med"/>
               <a:tailEnd type="triangle"/>
             </a:ln>
-            <a:effectLst/>
           </p:spPr>
+          <p:style>
+            <a:lnRef idx="1">
+              <a:schemeClr val="accent1"/>
+            </a:lnRef>
+            <a:fillRef idx="2">
+              <a:schemeClr val="accent1"/>
+            </a:fillRef>
+            <a:effectRef idx="1">
+              <a:schemeClr val="accent1"/>
+            </a:effectRef>
+            <a:fontRef idx="minor">
+              <a:schemeClr val="dk1"/>
+            </a:fontRef>
+          </p:style>
         </p:cxnSp>
         <p:cxnSp>
           <p:nvCxnSpPr>
@@ -9028,27 +9097,30 @@
           <p:spPr bwMode="auto">
             <a:xfrm>
               <a:off x="6841864" y="4322358"/>
-              <a:ext cx="611141" cy="0"/>
+              <a:ext cx="580363" cy="0"/>
             </a:xfrm>
             <a:prstGeom prst="straightConnector1">
               <a:avLst/>
             </a:prstGeom>
-            <a:solidFill>
-              <a:srgbClr val="99CCFF">
-                <a:alpha val="32001"/>
-              </a:srgbClr>
-            </a:solidFill>
-            <a:ln w="19050" cap="flat" cmpd="sng" algn="ctr">
-              <a:solidFill>
-                <a:srgbClr val="000080"/>
-              </a:solidFill>
-              <a:prstDash val="solid"/>
-              <a:round/>
+            <a:ln>
               <a:headEnd type="none" w="med" len="med"/>
               <a:tailEnd type="triangle"/>
             </a:ln>
-            <a:effectLst/>
           </p:spPr>
+          <p:style>
+            <a:lnRef idx="1">
+              <a:schemeClr val="accent6"/>
+            </a:lnRef>
+            <a:fillRef idx="2">
+              <a:schemeClr val="accent6"/>
+            </a:fillRef>
+            <a:effectRef idx="1">
+              <a:schemeClr val="accent6"/>
+            </a:effectRef>
+            <a:fontRef idx="minor">
+              <a:schemeClr val="dk1"/>
+            </a:fontRef>
+          </p:style>
         </p:cxnSp>
         <p:cxnSp>
           <p:nvCxnSpPr>
@@ -9066,22 +9138,25 @@
             <a:prstGeom prst="straightConnector1">
               <a:avLst/>
             </a:prstGeom>
-            <a:solidFill>
-              <a:srgbClr val="99CCFF">
-                <a:alpha val="32001"/>
-              </a:srgbClr>
-            </a:solidFill>
-            <a:ln w="19050" cap="flat" cmpd="sng" algn="ctr">
-              <a:solidFill>
-                <a:srgbClr val="000080"/>
-              </a:solidFill>
-              <a:prstDash val="solid"/>
-              <a:round/>
+            <a:ln>
               <a:headEnd type="none" w="med" len="med"/>
               <a:tailEnd type="triangle"/>
             </a:ln>
-            <a:effectLst/>
           </p:spPr>
+          <p:style>
+            <a:lnRef idx="1">
+              <a:schemeClr val="accent6"/>
+            </a:lnRef>
+            <a:fillRef idx="2">
+              <a:schemeClr val="accent6"/>
+            </a:fillRef>
+            <a:effectRef idx="1">
+              <a:schemeClr val="accent6"/>
+            </a:effectRef>
+            <a:fontRef idx="minor">
+              <a:schemeClr val="dk1"/>
+            </a:fontRef>
+          </p:style>
         </p:cxnSp>
         <p:sp>
           <p:nvSpPr>
@@ -9091,14 +9166,31 @@
           </p:nvSpPr>
           <p:spPr>
             <a:xfrm>
-              <a:off x="3093517" y="2855590"/>
+              <a:off x="3028418" y="2874422"/>
               <a:ext cx="391454" cy="338554"/>
             </a:xfrm>
             <a:prstGeom prst="rect">
               <a:avLst/>
             </a:prstGeom>
             <a:noFill/>
+            <a:ln>
+              <a:noFill/>
+            </a:ln>
           </p:spPr>
+          <p:style>
+            <a:lnRef idx="2">
+              <a:schemeClr val="accent3"/>
+            </a:lnRef>
+            <a:fillRef idx="1">
+              <a:schemeClr val="lt1"/>
+            </a:fillRef>
+            <a:effectRef idx="0">
+              <a:schemeClr val="accent3"/>
+            </a:effectRef>
+            <a:fontRef idx="minor">
+              <a:schemeClr val="dk1"/>
+            </a:fontRef>
+          </p:style>
           <p:txBody>
             <a:bodyPr wrap="none" rtlCol="0">
               <a:spAutoFit/>
@@ -9120,14 +9212,31 @@
           </p:nvSpPr>
           <p:spPr>
             <a:xfrm>
-              <a:off x="1479312" y="3802784"/>
+              <a:off x="1588258" y="3666510"/>
               <a:ext cx="391454" cy="338554"/>
             </a:xfrm>
             <a:prstGeom prst="rect">
               <a:avLst/>
             </a:prstGeom>
             <a:noFill/>
+            <a:ln>
+              <a:noFill/>
+            </a:ln>
           </p:spPr>
+          <p:style>
+            <a:lnRef idx="2">
+              <a:schemeClr val="accent3"/>
+            </a:lnRef>
+            <a:fillRef idx="1">
+              <a:schemeClr val="lt1"/>
+            </a:fillRef>
+            <a:effectRef idx="0">
+              <a:schemeClr val="accent3"/>
+            </a:effectRef>
+            <a:fontRef idx="minor">
+              <a:schemeClr val="dk1"/>
+            </a:fontRef>
+          </p:style>
           <p:txBody>
             <a:bodyPr wrap="none" rtlCol="0">
               <a:spAutoFit/>
@@ -9150,14 +9259,31 @@
           </p:nvSpPr>
           <p:spPr>
             <a:xfrm>
-              <a:off x="3034496" y="4435914"/>
+              <a:off x="2987824" y="4530606"/>
               <a:ext cx="391454" cy="338554"/>
             </a:xfrm>
             <a:prstGeom prst="rect">
               <a:avLst/>
             </a:prstGeom>
             <a:noFill/>
+            <a:ln>
+              <a:noFill/>
+            </a:ln>
           </p:spPr>
+          <p:style>
+            <a:lnRef idx="2">
+              <a:schemeClr val="accent3"/>
+            </a:lnRef>
+            <a:fillRef idx="1">
+              <a:schemeClr val="lt1"/>
+            </a:fillRef>
+            <a:effectRef idx="0">
+              <a:schemeClr val="accent3"/>
+            </a:effectRef>
+            <a:fontRef idx="minor">
+              <a:schemeClr val="dk1"/>
+            </a:fontRef>
+          </p:style>
           <p:txBody>
             <a:bodyPr wrap="none" rtlCol="0">
               <a:spAutoFit/>
@@ -9179,14 +9305,31 @@
           </p:nvSpPr>
           <p:spPr>
             <a:xfrm>
-              <a:off x="1475435" y="5506275"/>
+              <a:off x="1588258" y="5373216"/>
               <a:ext cx="391454" cy="338554"/>
             </a:xfrm>
             <a:prstGeom prst="rect">
               <a:avLst/>
             </a:prstGeom>
             <a:noFill/>
+            <a:ln>
+              <a:noFill/>
+            </a:ln>
           </p:spPr>
+          <p:style>
+            <a:lnRef idx="2">
+              <a:schemeClr val="accent3"/>
+            </a:lnRef>
+            <a:fillRef idx="1">
+              <a:schemeClr val="lt1"/>
+            </a:fillRef>
+            <a:effectRef idx="0">
+              <a:schemeClr val="accent3"/>
+            </a:effectRef>
+            <a:fontRef idx="minor">
+              <a:schemeClr val="dk1"/>
+            </a:fontRef>
+          </p:style>
           <p:txBody>
             <a:bodyPr wrap="none" rtlCol="0">
               <a:spAutoFit/>
@@ -9206,34 +9349,36 @@
             <p:cNvPr id="179" name="肘形连接符 178"/>
             <p:cNvCxnSpPr>
               <a:stCxn id="135" idx="0"/>
-              <a:endCxn id="144" idx="3"/>
             </p:cNvCxnSpPr>
             <p:nvPr/>
           </p:nvCxnSpPr>
           <p:spPr bwMode="auto">
             <a:xfrm rot="16200000" flipV="1">
-              <a:off x="3438038" y="443592"/>
-              <a:ext cx="1705240" cy="4640749"/>
+              <a:off x="3433997" y="439552"/>
+              <a:ext cx="1708450" cy="4645620"/>
             </a:xfrm>
             <a:prstGeom prst="bentConnector2">
               <a:avLst/>
             </a:prstGeom>
-            <a:solidFill>
-              <a:srgbClr val="99CCFF">
-                <a:alpha val="32001"/>
-              </a:srgbClr>
-            </a:solidFill>
-            <a:ln w="19050" cap="flat" cmpd="sng" algn="ctr">
-              <a:solidFill>
-                <a:srgbClr val="000080"/>
-              </a:solidFill>
-              <a:prstDash val="solid"/>
-              <a:round/>
+            <a:ln>
               <a:headEnd type="none" w="med" len="med"/>
               <a:tailEnd type="triangle"/>
             </a:ln>
-            <a:effectLst/>
           </p:spPr>
+          <p:style>
+            <a:lnRef idx="1">
+              <a:schemeClr val="accent6"/>
+            </a:lnRef>
+            <a:fillRef idx="2">
+              <a:schemeClr val="accent6"/>
+            </a:fillRef>
+            <a:effectRef idx="1">
+              <a:schemeClr val="accent6"/>
+            </a:effectRef>
+            <a:fontRef idx="minor">
+              <a:schemeClr val="dk1"/>
+            </a:fontRef>
+          </p:style>
         </p:cxnSp>
       </p:grpSp>
       <p:sp>
@@ -9244,14 +9389,27 @@
         </p:nvSpPr>
         <p:spPr>
           <a:xfrm>
-            <a:off x="2886379" y="5502763"/>
+            <a:off x="2896642" y="5357638"/>
             <a:ext cx="1838965" cy="338554"/>
           </a:xfrm>
           <a:prstGeom prst="rect">
             <a:avLst/>
           </a:prstGeom>
-          <a:noFill/>
         </p:spPr>
+        <p:style>
+          <a:lnRef idx="1">
+            <a:schemeClr val="accent6"/>
+          </a:lnRef>
+          <a:fillRef idx="2">
+            <a:schemeClr val="accent6"/>
+          </a:fillRef>
+          <a:effectRef idx="1">
+            <a:schemeClr val="accent6"/>
+          </a:effectRef>
+          <a:fontRef idx="minor">
+            <a:schemeClr val="dk1"/>
+          </a:fontRef>
+        </p:style>
         <p:txBody>
           <a:bodyPr wrap="none" rtlCol="0">
             <a:spAutoFit/>
@@ -9259,17 +9417,65 @@
           <a:lstStyle/>
           <a:p>
             <a:r>
-              <a:rPr lang="zh-CN" altLang="en-US" sz="1600" dirty="0"/>
+              <a:rPr lang="zh-CN" altLang="en-US" sz="1600" dirty="0">
+                <a:solidFill>
+                  <a:srgbClr val="000066"/>
+                </a:solidFill>
+              </a:rPr>
               <a:t>视觉</a:t>
             </a:r>
             <a:r>
-              <a:rPr lang="zh-CN" altLang="en-US" sz="1600" dirty="0" smtClean="0"/>
+              <a:rPr lang="zh-CN" altLang="en-US" sz="1600" dirty="0" smtClean="0">
+                <a:solidFill>
+                  <a:srgbClr val="000066"/>
+                </a:solidFill>
+              </a:rPr>
               <a:t>定位位移矢量</a:t>
             </a:r>
-            <a:endParaRPr lang="zh-CN" altLang="en-US" sz="1600" dirty="0"/>
+            <a:endParaRPr lang="zh-CN" altLang="en-US" sz="1600" dirty="0">
+              <a:solidFill>
+                <a:srgbClr val="000066"/>
+              </a:solidFill>
+            </a:endParaRPr>
           </a:p>
         </p:txBody>
       </p:sp>
+      <p:cxnSp>
+        <p:nvCxnSpPr>
+          <p:cNvPr id="17" name="肘形连接符 16"/>
+          <p:cNvCxnSpPr>
+            <a:stCxn id="4" idx="3"/>
+          </p:cNvCxnSpPr>
+          <p:nvPr/>
+        </p:nvCxnSpPr>
+        <p:spPr bwMode="auto">
+          <a:xfrm flipV="1">
+            <a:off x="2896642" y="1908137"/>
+            <a:ext cx="307206" cy="402760"/>
+          </a:xfrm>
+          <a:prstGeom prst="bentConnector2">
+            <a:avLst/>
+          </a:prstGeom>
+          <a:ln>
+            <a:headEnd type="none" w="med" len="med"/>
+            <a:tailEnd type="triangle"/>
+          </a:ln>
+        </p:spPr>
+        <p:style>
+          <a:lnRef idx="1">
+            <a:schemeClr val="accent6"/>
+          </a:lnRef>
+          <a:fillRef idx="0">
+            <a:schemeClr val="accent6"/>
+          </a:fillRef>
+          <a:effectRef idx="0">
+            <a:schemeClr val="accent6"/>
+          </a:effectRef>
+          <a:fontRef idx="minor">
+            <a:schemeClr val="tx1"/>
+          </a:fontRef>
+        </p:style>
+      </p:cxnSp>
     </p:spTree>
     <p:extLst>
       <p:ext uri="{BB962C8B-B14F-4D97-AF65-F5344CB8AC3E}">
@@ -9280,6 +9486,13 @@
   <p:clrMapOvr>
     <a:masterClrMapping/>
   </p:clrMapOvr>
+  <p:timing>
+    <p:tnLst>
+      <p:par>
+        <p:cTn id="1" dur="indefinite" restart="never" nodeType="tmRoot"/>
+      </p:par>
+    </p:tnLst>
+  </p:timing>
 </p:sld>
 </file>
 
@@ -9362,11 +9575,7 @@
           <a:p>
             <a:r>
               <a:rPr lang="zh-CN" altLang="en-US" dirty="0" smtClean="0"/>
-              <a:t>不进行融合：有累计</a:t>
-            </a:r>
-            <a:r>
-              <a:rPr lang="zh-CN" altLang="en-US" dirty="0" smtClean="0"/>
-              <a:t>误差</a:t>
+              <a:t>不进行融合：有累计误差</a:t>
             </a:r>
             <a:endParaRPr lang="en-US" altLang="zh-CN" dirty="0" smtClean="0"/>
           </a:p>
@@ -9422,11 +9631,7 @@
           <a:p>
             <a:r>
               <a:rPr lang="zh-CN" altLang="en-US" dirty="0" smtClean="0"/>
-              <a:t>进行融合：消除累计</a:t>
-            </a:r>
-            <a:r>
-              <a:rPr lang="zh-CN" altLang="en-US" dirty="0" smtClean="0"/>
-              <a:t>误差</a:t>
+              <a:t>进行融合：消除累计误差</a:t>
             </a:r>
             <a:endParaRPr lang="en-US" altLang="zh-CN" dirty="0" smtClean="0"/>
           </a:p>
@@ -9659,7 +9864,7 @@
         </p:nvSpPr>
         <p:spPr bwMode="auto">
           <a:xfrm>
-            <a:off x="2274349" y="2527637"/>
+            <a:off x="2444747" y="2472787"/>
             <a:ext cx="2031804" cy="822305"/>
           </a:xfrm>
           <a:prstGeom prst="wedgeEllipseCallout">
@@ -9668,22 +9873,25 @@
               <a:gd name="adj2" fmla="val 78182"/>
             </a:avLst>
           </a:prstGeom>
-          <a:solidFill>
-            <a:srgbClr val="99CCFF">
-              <a:alpha val="32001"/>
-            </a:srgbClr>
-          </a:solidFill>
-          <a:ln w="19050" cap="flat" cmpd="sng" algn="ctr">
-            <a:solidFill>
-              <a:srgbClr val="000080"/>
-            </a:solidFill>
-            <a:prstDash val="solid"/>
-            <a:round/>
+          <a:ln>
             <a:headEnd type="none" w="med" len="med"/>
             <a:tailEnd type="none" w="med" len="med"/>
           </a:ln>
-          <a:effectLst/>
         </p:spPr>
+        <p:style>
+          <a:lnRef idx="1">
+            <a:schemeClr val="accent6"/>
+          </a:lnRef>
+          <a:fillRef idx="2">
+            <a:schemeClr val="accent6"/>
+          </a:fillRef>
+          <a:effectRef idx="1">
+            <a:schemeClr val="accent6"/>
+          </a:effectRef>
+          <a:fontRef idx="minor">
+            <a:schemeClr val="dk1"/>
+          </a:fontRef>
+        </p:style>
         <p:txBody>
           <a:bodyPr vert="horz" wrap="square" lIns="91440" tIns="45720" rIns="91440" bIns="45720" numCol="1" rtlCol="0" anchor="t" anchorCtr="0" compatLnSpc="1">
             <a:prstTxWarp prst="textNoShape">
@@ -9715,7 +9923,7 @@
                   <a:noFill/>
                 </a:ln>
                 <a:solidFill>
-                  <a:srgbClr val="000066"/>
+                  <a:srgbClr val="7030A0"/>
                 </a:solidFill>
                 <a:effectLst/>
                 <a:latin typeface="Sylfaen" pitchFamily="18" charset="0"/>
@@ -9723,17 +9931,6 @@
               </a:rPr>
               <a:t>目标停止后速度不为零</a:t>
             </a:r>
-            <a:endParaRPr kumimoji="1" lang="zh-CN" altLang="en-US" sz="1600" b="1" i="0" u="none" strike="noStrike" cap="none" normalizeH="0" baseline="0" dirty="0" smtClean="0">
-              <a:ln>
-                <a:noFill/>
-              </a:ln>
-              <a:solidFill>
-                <a:srgbClr val="000066"/>
-              </a:solidFill>
-              <a:effectLst/>
-              <a:latin typeface="Sylfaen" pitchFamily="18" charset="0"/>
-              <a:ea typeface="楷体_GB2312" pitchFamily="49" charset="-122"/>
-            </a:endParaRPr>
           </a:p>
         </p:txBody>
       </p:sp>
@@ -9864,6 +10061,91 @@
           </a:p>
         </p:txBody>
       </p:sp>
+      <p:sp>
+        <p:nvSpPr>
+          <p:cNvPr id="23" name="圆角矩形标注 22"/>
+          <p:cNvSpPr/>
+          <p:nvPr/>
+        </p:nvSpPr>
+        <p:spPr bwMode="auto">
+          <a:xfrm>
+            <a:off x="478036" y="3002324"/>
+            <a:ext cx="1853997" cy="544830"/>
+          </a:xfrm>
+          <a:prstGeom prst="wedgeRoundRectCallout">
+            <a:avLst>
+              <a:gd name="adj1" fmla="val 36445"/>
+              <a:gd name="adj2" fmla="val 98737"/>
+              <a:gd name="adj3" fmla="val 16667"/>
+            </a:avLst>
+          </a:prstGeom>
+          <a:ln>
+            <a:headEnd type="none" w="med" len="med"/>
+            <a:tailEnd type="none" w="med" len="med"/>
+          </a:ln>
+        </p:spPr>
+        <p:style>
+          <a:lnRef idx="1">
+            <a:schemeClr val="accent6"/>
+          </a:lnRef>
+          <a:fillRef idx="2">
+            <a:schemeClr val="accent6"/>
+          </a:fillRef>
+          <a:effectRef idx="1">
+            <a:schemeClr val="accent6"/>
+          </a:effectRef>
+          <a:fontRef idx="minor">
+            <a:schemeClr val="dk1"/>
+          </a:fontRef>
+        </p:style>
+        <p:txBody>
+          <a:bodyPr vert="horz" wrap="square" lIns="0" tIns="0" rIns="0" bIns="0" numCol="1" rtlCol="0" anchor="t" anchorCtr="0" compatLnSpc="1">
+            <a:prstTxWarp prst="textNoShape">
+              <a:avLst/>
+            </a:prstTxWarp>
+            <a:spAutoFit/>
+          </a:bodyPr>
+          <a:lstStyle/>
+          <a:p>
+            <a:pPr marL="342900" marR="0" indent="-342900" algn="l" defTabSz="914400" rtl="0" eaLnBrk="1" fontAlgn="base" latinLnBrk="0" hangingPunct="1">
+              <a:lnSpc>
+                <a:spcPct val="100000"/>
+              </a:lnSpc>
+              <a:spcBef>
+                <a:spcPct val="20000"/>
+              </a:spcBef>
+              <a:spcAft>
+                <a:spcPct val="0"/>
+              </a:spcAft>
+              <a:buClrTx/>
+              <a:buSzPct val="75000"/>
+              <a:buFont typeface="Wingdings" pitchFamily="2" charset="2"/>
+              <a:buNone/>
+              <a:tabLst/>
+            </a:pPr>
+            <a:r>
+              <a:rPr lang="zh-CN" altLang="en-US" sz="1600" dirty="0" smtClean="0">
+                <a:solidFill>
+                  <a:srgbClr val="7030A0"/>
+                </a:solidFill>
+                <a:ea typeface="楷体_GB2312" pitchFamily="49" charset="-122"/>
+              </a:rPr>
+              <a:t>速度持续累积误差，不断增大</a:t>
+            </a:r>
+            <a:endParaRPr kumimoji="1" lang="zh-CN" altLang="en-US" sz="1600" b="1" i="0" u="none" strike="noStrike" cap="none" normalizeH="0" baseline="0" dirty="0" smtClean="0">
+              <a:ln>
+                <a:noFill/>
+              </a:ln>
+              <a:solidFill>
+                <a:srgbClr val="7030A0"/>
+              </a:solidFill>
+              <a:effectLst/>
+              <a:latin typeface="Sylfaen" pitchFamily="18" charset="0"/>
+              <a:ea typeface="楷体_GB2312" pitchFamily="49" charset="-122"/>
+            </a:endParaRPr>
+          </a:p>
+        </p:txBody>
+      </p:sp>
     </p:spTree>
     <p:extLst>
       <p:ext uri="{BB962C8B-B14F-4D97-AF65-F5344CB8AC3E}">
@@ -9874,11 +10156,11 @@
   <p:clrMapOvr>
     <a:masterClrMapping/>
   </p:clrMapOvr>
-  <mc:AlternateContent xmlns:mc="http://schemas.openxmlformats.org/markup-compatibility/2006">
-    <mc:Choice xmlns:p14="http://schemas.microsoft.com/office/powerpoint/2010/main" Requires="p14">
+  <mc:AlternateContent xmlns:mc="http://schemas.openxmlformats.org/markup-compatibility/2006" xmlns:p14="http://schemas.microsoft.com/office/powerpoint/2010/main">
+    <mc:Choice Requires="p14">
       <p:transition spd="slow" p14:dur="2000" advTm="35061"/>
     </mc:Choice>
-    <mc:Fallback>
+    <mc:Fallback xmlns="">
       <p:transition spd="slow" advTm="35061"/>
     </mc:Fallback>
   </mc:AlternateContent>
@@ -10174,11 +10456,11 @@
   <p:clrMapOvr>
     <a:masterClrMapping/>
   </p:clrMapOvr>
-  <mc:AlternateContent xmlns:mc="http://schemas.openxmlformats.org/markup-compatibility/2006">
-    <mc:Choice xmlns:p14="http://schemas.microsoft.com/office/powerpoint/2010/main" Requires="p14">
+  <mc:AlternateContent xmlns:mc="http://schemas.openxmlformats.org/markup-compatibility/2006" xmlns:p14="http://schemas.microsoft.com/office/powerpoint/2010/main">
+    <mc:Choice Requires="p14">
       <p:transition spd="slow" p14:dur="2000" advTm="10203"/>
     </mc:Choice>
-    <mc:Fallback>
+    <mc:Fallback xmlns="">
       <p:transition spd="slow" advTm="10203"/>
     </mc:Fallback>
   </mc:AlternateContent>
@@ -10209,53 +10491,9 @@
           <a:chExt cx="0" cy="0"/>
         </a:xfrm>
       </p:grpSpPr>
-      <p:sp>
-        <p:nvSpPr>
-          <p:cNvPr id="2" name="标题 1"/>
-          <p:cNvSpPr>
-            <a:spLocks noGrp="1"/>
-          </p:cNvSpPr>
-          <p:nvPr>
-            <p:ph type="title"/>
-          </p:nvPr>
-        </p:nvSpPr>
-        <p:spPr>
-          <a:xfrm>
-            <a:off x="827584" y="236726"/>
-            <a:ext cx="8631318" cy="863600"/>
-          </a:xfrm>
-        </p:spPr>
-        <p:txBody>
-          <a:bodyPr/>
-          <a:lstStyle/>
-          <a:p>
-            <a:r>
-              <a:rPr lang="zh-CN" altLang="en-US" sz="2800" dirty="0" smtClean="0"/>
-              <a:t>验证</a:t>
-            </a:r>
-            <a:r>
-              <a:rPr lang="zh-CN" altLang="en-US" sz="2800" dirty="0" smtClean="0"/>
-              <a:t>解决漏检重匹配</a:t>
-            </a:r>
-            <a:r>
-              <a:rPr lang="zh-CN" altLang="en-US" sz="2800" dirty="0" smtClean="0"/>
-              <a:t>问题</a:t>
-            </a:r>
-            <a:r>
-              <a:rPr lang="en-US" altLang="zh-CN" sz="2800" dirty="0" smtClean="0"/>
-              <a:t>——</a:t>
-            </a:r>
-            <a:r>
-              <a:rPr lang="zh-CN" altLang="en-US" sz="2800" dirty="0" smtClean="0"/>
-              <a:t>模拟转向时无视觉信息</a:t>
-            </a:r>
-            <a:endParaRPr lang="zh-CN" altLang="en-US" sz="2800" dirty="0"/>
-          </a:p>
-        </p:txBody>
-      </p:sp>
       <p:pic>
         <p:nvPicPr>
-          <p:cNvPr id="4" name="内容占位符 3"/>
+          <p:cNvPr id="13" name="内容占位符 12"/>
           <p:cNvPicPr>
             <a:picLocks noGrp="1" noChangeAspect="1"/>
           </p:cNvPicPr>
@@ -10271,40 +10509,173 @@
               </a:ext>
             </a:extLst>
           </a:blip>
-          <a:srcRect l="11614" t="2468" r="8902" b="6129"/>
+          <a:srcRect l="10692" t="5672" r="8038" b="7079"/>
           <a:stretch/>
         </p:blipFill>
         <p:spPr>
           <a:xfrm>
-            <a:off x="219117" y="1042485"/>
-            <a:ext cx="8705766" cy="4890881"/>
+            <a:off x="445348" y="1229113"/>
+            <a:ext cx="8231108" cy="4432135"/>
           </a:xfrm>
         </p:spPr>
       </p:pic>
       <p:sp>
         <p:nvSpPr>
-          <p:cNvPr id="5" name="椭圆 4"/>
+          <p:cNvPr id="2" name="标题 1"/>
+          <p:cNvSpPr>
+            <a:spLocks noGrp="1"/>
+          </p:cNvSpPr>
+          <p:nvPr>
+            <p:ph type="title"/>
+          </p:nvPr>
+        </p:nvSpPr>
+        <p:spPr>
+          <a:xfrm>
+            <a:off x="3746465" y="203080"/>
+            <a:ext cx="5462966" cy="863600"/>
+          </a:xfrm>
+        </p:spPr>
+        <p:txBody>
+          <a:bodyPr/>
+          <a:lstStyle/>
+          <a:p>
+            <a:r>
+              <a:rPr lang="zh-CN" altLang="en-US" sz="2800" dirty="0" smtClean="0"/>
+              <a:t>验证解决</a:t>
+            </a:r>
+            <a:r>
+              <a:rPr lang="zh-CN" altLang="en-US" sz="2800" dirty="0" smtClean="0"/>
+              <a:t>漏检</a:t>
+            </a:r>
+            <a:r>
+              <a:rPr lang="zh-CN" altLang="en-US" sz="2800" dirty="0"/>
+              <a:t>后</a:t>
+            </a:r>
+            <a:r>
+              <a:rPr lang="zh-CN" altLang="en-US" sz="2800" dirty="0" smtClean="0"/>
+              <a:t>重</a:t>
+            </a:r>
+            <a:r>
+              <a:rPr lang="zh-CN" altLang="en-US" sz="2800" dirty="0" smtClean="0"/>
+              <a:t>匹配</a:t>
+            </a:r>
+            <a:r>
+              <a:rPr lang="zh-CN" altLang="en-US" sz="2800" dirty="0" smtClean="0"/>
+              <a:t>问题</a:t>
+            </a:r>
+            <a:r>
+              <a:rPr lang="en-US" altLang="zh-CN" sz="2800" dirty="0" smtClean="0"/>
+              <a:t/>
+            </a:r>
+            <a:br>
+              <a:rPr lang="en-US" altLang="zh-CN" sz="2800" dirty="0" smtClean="0"/>
+            </a:br>
+            <a:r>
+              <a:rPr lang="en-US" altLang="zh-CN" sz="2800" dirty="0" smtClean="0"/>
+              <a:t>——</a:t>
+            </a:r>
+            <a:r>
+              <a:rPr lang="zh-CN" altLang="en-US" sz="2800" dirty="0" smtClean="0"/>
+              <a:t>模拟转向时无视觉信息</a:t>
+            </a:r>
+            <a:endParaRPr lang="zh-CN" altLang="en-US" sz="2800" dirty="0"/>
+          </a:p>
+        </p:txBody>
+      </p:sp>
+      <p:sp>
+        <p:nvSpPr>
+          <p:cNvPr id="21" name="文本框 20"/>
+          <p:cNvSpPr txBox="1"/>
+          <p:nvPr/>
+        </p:nvSpPr>
+        <p:spPr>
+          <a:xfrm>
+            <a:off x="755576" y="5661248"/>
+            <a:ext cx="990977" cy="400110"/>
+          </a:xfrm>
+          <a:prstGeom prst="rect">
+            <a:avLst/>
+          </a:prstGeom>
+          <a:noFill/>
+        </p:spPr>
+        <p:txBody>
+          <a:bodyPr wrap="none" rtlCol="0">
+            <a:spAutoFit/>
+          </a:bodyPr>
+          <a:lstStyle/>
+          <a:p>
+            <a:r>
+              <a:rPr lang="zh-CN" altLang="en-US" sz="2000" dirty="0" smtClean="0"/>
+              <a:t>距离</a:t>
+            </a:r>
+            <a:r>
+              <a:rPr lang="en-US" altLang="zh-CN" sz="2000" dirty="0" smtClean="0"/>
+              <a:t>/m</a:t>
+            </a:r>
+            <a:endParaRPr lang="zh-CN" altLang="en-US" sz="2000" dirty="0"/>
+          </a:p>
+        </p:txBody>
+      </p:sp>
+      <p:sp>
+        <p:nvSpPr>
+          <p:cNvPr id="23" name="文本框 22"/>
+          <p:cNvSpPr txBox="1"/>
+          <p:nvPr/>
+        </p:nvSpPr>
+        <p:spPr>
+          <a:xfrm rot="16200000">
+            <a:off x="-115920" y="4611626"/>
+            <a:ext cx="990977" cy="400110"/>
+          </a:xfrm>
+          <a:prstGeom prst="rect">
+            <a:avLst/>
+          </a:prstGeom>
+          <a:noFill/>
+        </p:spPr>
+        <p:txBody>
+          <a:bodyPr wrap="none" rtlCol="0">
+            <a:spAutoFit/>
+          </a:bodyPr>
+          <a:lstStyle/>
+          <a:p>
+            <a:r>
+              <a:rPr lang="zh-CN" altLang="en-US" sz="2000" dirty="0" smtClean="0"/>
+              <a:t>距离</a:t>
+            </a:r>
+            <a:r>
+              <a:rPr lang="en-US" altLang="zh-CN" sz="2000" dirty="0" smtClean="0"/>
+              <a:t>/m</a:t>
+            </a:r>
+            <a:endParaRPr lang="zh-CN" altLang="en-US" sz="2000" dirty="0"/>
+          </a:p>
+        </p:txBody>
+      </p:sp>
+      <p:sp>
+        <p:nvSpPr>
+          <p:cNvPr id="24" name="圆角矩形标注 23"/>
           <p:cNvSpPr/>
           <p:nvPr/>
         </p:nvSpPr>
         <p:spPr bwMode="auto">
           <a:xfrm>
-            <a:off x="4240733" y="4062909"/>
-            <a:ext cx="216024" cy="216024"/>
+            <a:off x="2801877" y="5307170"/>
+            <a:ext cx="1480531" cy="701469"/>
           </a:xfrm>
-          <a:prstGeom prst="ellipse">
-            <a:avLst/>
+          <a:prstGeom prst="wedgeRoundRectCallout">
+            <a:avLst>
+              <a:gd name="adj1" fmla="val 55164"/>
+              <a:gd name="adj2" fmla="val -78230"/>
+              <a:gd name="adj3" fmla="val 16667"/>
+            </a:avLst>
           </a:prstGeom>
           <a:solidFill>
-            <a:schemeClr val="bg1">
+            <a:srgbClr val="92D050">
               <a:alpha val="32001"/>
-            </a:schemeClr>
+            </a:srgbClr>
           </a:solidFill>
           <a:ln w="19050" cap="flat" cmpd="sng" algn="ctr">
             <a:solidFill>
-              <a:schemeClr val="accent2">
-                <a:lumMod val="75000"/>
-              </a:schemeClr>
+              <a:srgbClr val="00B050"/>
             </a:solidFill>
             <a:prstDash val="solid"/>
             <a:round/>
@@ -10338,54 +10709,32 @@
               <a:buNone/>
               <a:tabLst/>
             </a:pPr>
-            <a:endParaRPr kumimoji="1" lang="zh-CN" altLang="en-US" sz="2600" b="1" i="0" u="none" strike="noStrike" cap="none" normalizeH="0" baseline="0" smtClean="0">
+            <a:r>
+              <a:rPr kumimoji="1" lang="zh-CN" altLang="en-US" sz="1600" b="1" i="0" u="none" strike="noStrike" cap="none" normalizeH="0" baseline="0" dirty="0" smtClean="0">
+                <a:ln>
+                  <a:noFill/>
+                </a:ln>
+                <a:solidFill>
+                  <a:srgbClr val="00B050"/>
+                </a:solidFill>
+                <a:effectLst/>
+                <a:latin typeface="Sylfaen" pitchFamily="18" charset="0"/>
+                <a:ea typeface="楷体_GB2312" pitchFamily="49" charset="-122"/>
+              </a:rPr>
+              <a:t>转向时停止提</a:t>
+            </a:r>
+            <a:endParaRPr kumimoji="1" lang="en-US" altLang="zh-CN" sz="1600" b="1" i="0" u="none" strike="noStrike" cap="none" normalizeH="0" baseline="0" dirty="0" smtClean="0">
               <a:ln>
                 <a:noFill/>
               </a:ln>
               <a:solidFill>
-                <a:srgbClr val="000066"/>
+                <a:srgbClr val="00B050"/>
               </a:solidFill>
               <a:effectLst/>
               <a:latin typeface="Sylfaen" pitchFamily="18" charset="0"/>
               <a:ea typeface="楷体_GB2312" pitchFamily="49" charset="-122"/>
             </a:endParaRPr>
           </a:p>
-        </p:txBody>
-      </p:sp>
-      <p:sp>
-        <p:nvSpPr>
-          <p:cNvPr id="6" name="椭圆 5"/>
-          <p:cNvSpPr/>
-          <p:nvPr/>
-        </p:nvSpPr>
-        <p:spPr bwMode="auto">
-          <a:xfrm>
-            <a:off x="4860032" y="4136137"/>
-            <a:ext cx="237626" cy="234131"/>
-          </a:xfrm>
-          <a:prstGeom prst="ellipse">
-            <a:avLst/>
-          </a:prstGeom>
-          <a:noFill/>
-          <a:ln w="19050" cap="flat" cmpd="sng" algn="ctr">
-            <a:solidFill>
-              <a:srgbClr val="008000"/>
-            </a:solidFill>
-            <a:prstDash val="solid"/>
-            <a:round/>
-            <a:headEnd type="none" w="med" len="med"/>
-            <a:tailEnd type="none" w="med" len="med"/>
-          </a:ln>
-          <a:effectLst/>
-        </p:spPr>
-        <p:txBody>
-          <a:bodyPr vert="horz" wrap="none" lIns="91440" tIns="45720" rIns="91440" bIns="45720" numCol="1" rtlCol="0" anchor="t" anchorCtr="0" compatLnSpc="1">
-            <a:prstTxWarp prst="textNoShape">
-              <a:avLst/>
-            </a:prstTxWarp>
-            <a:spAutoFit/>
-          </a:bodyPr>
-          <a:lstStyle/>
           <a:p>
             <a:pPr marL="342900" marR="0" indent="-342900" algn="l" defTabSz="914400" rtl="0" eaLnBrk="1" fontAlgn="base" latinLnBrk="0" hangingPunct="1">
               <a:lnSpc>
@@ -10403,12 +10752,26 @@
               <a:buNone/>
               <a:tabLst/>
             </a:pPr>
-            <a:endParaRPr kumimoji="1" lang="zh-CN" altLang="en-US" sz="2600" b="1" i="0" u="none" strike="noStrike" cap="none" normalizeH="0" baseline="0" smtClean="0">
+            <a:r>
+              <a:rPr kumimoji="1" lang="zh-CN" altLang="en-US" sz="1600" b="1" i="0" u="none" strike="noStrike" cap="none" normalizeH="0" baseline="0" dirty="0" smtClean="0">
+                <a:ln>
+                  <a:noFill/>
+                </a:ln>
+                <a:solidFill>
+                  <a:srgbClr val="00B050"/>
+                </a:solidFill>
+                <a:effectLst/>
+                <a:latin typeface="Sylfaen" pitchFamily="18" charset="0"/>
+                <a:ea typeface="楷体_GB2312" pitchFamily="49" charset="-122"/>
+              </a:rPr>
+              <a:t>供视觉信息</a:t>
+            </a:r>
+            <a:endParaRPr kumimoji="1" lang="zh-CN" altLang="en-US" sz="1600" b="1" i="0" u="none" strike="noStrike" cap="none" normalizeH="0" baseline="0" dirty="0" smtClean="0">
               <a:ln>
                 <a:noFill/>
               </a:ln>
               <a:solidFill>
-                <a:srgbClr val="000066"/>
+                <a:srgbClr val="00B050"/>
               </a:solidFill>
               <a:effectLst/>
               <a:latin typeface="Sylfaen" pitchFamily="18" charset="0"/>
@@ -10419,487 +10782,26 @@
       </p:sp>
       <p:sp>
         <p:nvSpPr>
-          <p:cNvPr id="7" name="椭圆 6"/>
+          <p:cNvPr id="26" name="圆角矩形标注 25"/>
           <p:cNvSpPr/>
           <p:nvPr/>
         </p:nvSpPr>
         <p:spPr bwMode="auto">
           <a:xfrm>
-            <a:off x="5654480" y="3763791"/>
-            <a:ext cx="237626" cy="234131"/>
+            <a:off x="5274053" y="5122212"/>
+            <a:ext cx="1480531" cy="701469"/>
           </a:xfrm>
-          <a:prstGeom prst="ellipse">
-            <a:avLst/>
-          </a:prstGeom>
-          <a:noFill/>
-          <a:ln w="19050" cap="flat" cmpd="sng" algn="ctr">
-            <a:solidFill>
-              <a:srgbClr val="FF0000"/>
-            </a:solidFill>
-            <a:prstDash val="solid"/>
-            <a:round/>
-            <a:headEnd type="none" w="med" len="med"/>
-            <a:tailEnd type="none" w="med" len="med"/>
-          </a:ln>
-          <a:effectLst/>
-        </p:spPr>
-        <p:txBody>
-          <a:bodyPr vert="horz" wrap="none" lIns="91440" tIns="45720" rIns="91440" bIns="45720" numCol="1" rtlCol="0" anchor="t" anchorCtr="0" compatLnSpc="1">
-            <a:prstTxWarp prst="textNoShape">
-              <a:avLst/>
-            </a:prstTxWarp>
-            <a:spAutoFit/>
-          </a:bodyPr>
-          <a:lstStyle/>
-          <a:p>
-            <a:pPr marL="342900" marR="0" indent="-342900" algn="l" defTabSz="914400" rtl="0" eaLnBrk="1" fontAlgn="base" latinLnBrk="0" hangingPunct="1">
-              <a:lnSpc>
-                <a:spcPct val="100000"/>
-              </a:lnSpc>
-              <a:spcBef>
-                <a:spcPct val="20000"/>
-              </a:spcBef>
-              <a:spcAft>
-                <a:spcPct val="0"/>
-              </a:spcAft>
-              <a:buClrTx/>
-              <a:buSzPct val="75000"/>
-              <a:buFont typeface="Wingdings" pitchFamily="2" charset="2"/>
-              <a:buNone/>
-              <a:tabLst/>
-            </a:pPr>
-            <a:endParaRPr kumimoji="1" lang="zh-CN" altLang="en-US" sz="2600" b="1" i="0" u="none" strike="noStrike" cap="none" normalizeH="0" baseline="0" smtClean="0">
-              <a:ln>
-                <a:noFill/>
-              </a:ln>
-              <a:solidFill>
-                <a:srgbClr val="000066"/>
-              </a:solidFill>
-              <a:effectLst/>
-              <a:latin typeface="Sylfaen" pitchFamily="18" charset="0"/>
-              <a:ea typeface="楷体_GB2312" pitchFamily="49" charset="-122"/>
-            </a:endParaRPr>
-          </a:p>
-        </p:txBody>
-      </p:sp>
-      <p:sp>
-        <p:nvSpPr>
-          <p:cNvPr id="8" name="椭圆 7"/>
-          <p:cNvSpPr/>
-          <p:nvPr/>
-        </p:nvSpPr>
-        <p:spPr bwMode="auto">
-          <a:xfrm>
-            <a:off x="7956376" y="3239347"/>
-            <a:ext cx="198519" cy="188054"/>
-          </a:xfrm>
-          <a:prstGeom prst="ellipse">
-            <a:avLst/>
-          </a:prstGeom>
-          <a:noFill/>
-          <a:ln w="19050" cap="flat" cmpd="sng" algn="ctr">
-            <a:solidFill>
-              <a:srgbClr val="9900CC"/>
-            </a:solidFill>
-            <a:prstDash val="solid"/>
-            <a:round/>
-            <a:headEnd type="none" w="med" len="med"/>
-            <a:tailEnd type="none" w="med" len="med"/>
-          </a:ln>
-          <a:effectLst/>
-        </p:spPr>
-        <p:txBody>
-          <a:bodyPr vert="horz" wrap="square" lIns="91440" tIns="45720" rIns="91440" bIns="45720" numCol="1" rtlCol="0" anchor="t" anchorCtr="0" compatLnSpc="1">
-            <a:prstTxWarp prst="textNoShape">
-              <a:avLst/>
-            </a:prstTxWarp>
-            <a:spAutoFit/>
-          </a:bodyPr>
-          <a:lstStyle/>
-          <a:p>
-            <a:pPr marL="342900" marR="0" indent="-342900" algn="l" defTabSz="914400" rtl="0" eaLnBrk="1" fontAlgn="base" latinLnBrk="0" hangingPunct="1">
-              <a:lnSpc>
-                <a:spcPct val="100000"/>
-              </a:lnSpc>
-              <a:spcBef>
-                <a:spcPct val="20000"/>
-              </a:spcBef>
-              <a:spcAft>
-                <a:spcPct val="0"/>
-              </a:spcAft>
-              <a:buClrTx/>
-              <a:buSzPct val="75000"/>
-              <a:buFont typeface="Wingdings" pitchFamily="2" charset="2"/>
-              <a:buNone/>
-              <a:tabLst/>
-            </a:pPr>
-            <a:endParaRPr kumimoji="1" lang="zh-CN" altLang="en-US" sz="2600" b="1" i="0" u="none" strike="noStrike" cap="none" normalizeH="0" baseline="0" smtClean="0">
-              <a:ln>
-                <a:noFill/>
-              </a:ln>
-              <a:solidFill>
-                <a:srgbClr val="000066"/>
-              </a:solidFill>
-              <a:effectLst/>
-              <a:latin typeface="Sylfaen" pitchFamily="18" charset="0"/>
-              <a:ea typeface="楷体_GB2312" pitchFamily="49" charset="-122"/>
-            </a:endParaRPr>
-          </a:p>
-        </p:txBody>
-      </p:sp>
-      <p:sp>
-        <p:nvSpPr>
-          <p:cNvPr id="9" name="椭圆 8"/>
-          <p:cNvSpPr/>
-          <p:nvPr/>
-        </p:nvSpPr>
-        <p:spPr bwMode="auto">
-          <a:xfrm>
-            <a:off x="6463390" y="3096046"/>
-            <a:ext cx="237626" cy="234131"/>
-          </a:xfrm>
-          <a:prstGeom prst="ellipse">
-            <a:avLst/>
-          </a:prstGeom>
-          <a:noFill/>
-          <a:ln w="19050" cap="flat" cmpd="sng" algn="ctr">
-            <a:solidFill>
-              <a:srgbClr val="9900CC"/>
-            </a:solidFill>
-            <a:prstDash val="solid"/>
-            <a:round/>
-            <a:headEnd type="none" w="med" len="med"/>
-            <a:tailEnd type="none" w="med" len="med"/>
-          </a:ln>
-          <a:effectLst/>
-        </p:spPr>
-        <p:txBody>
-          <a:bodyPr vert="horz" wrap="none" lIns="91440" tIns="45720" rIns="91440" bIns="45720" numCol="1" rtlCol="0" anchor="t" anchorCtr="0" compatLnSpc="1">
-            <a:prstTxWarp prst="textNoShape">
-              <a:avLst/>
-            </a:prstTxWarp>
-            <a:spAutoFit/>
-          </a:bodyPr>
-          <a:lstStyle/>
-          <a:p>
-            <a:pPr marL="342900" marR="0" indent="-342900" algn="l" defTabSz="914400" rtl="0" eaLnBrk="1" fontAlgn="base" latinLnBrk="0" hangingPunct="1">
-              <a:lnSpc>
-                <a:spcPct val="100000"/>
-              </a:lnSpc>
-              <a:spcBef>
-                <a:spcPct val="20000"/>
-              </a:spcBef>
-              <a:spcAft>
-                <a:spcPct val="0"/>
-              </a:spcAft>
-              <a:buClrTx/>
-              <a:buSzPct val="75000"/>
-              <a:buFont typeface="Wingdings" pitchFamily="2" charset="2"/>
-              <a:buNone/>
-              <a:tabLst/>
-            </a:pPr>
-            <a:endParaRPr kumimoji="1" lang="zh-CN" altLang="en-US" sz="2600" b="1" i="0" u="none" strike="noStrike" cap="none" normalizeH="0" baseline="0" smtClean="0">
-              <a:ln>
-                <a:noFill/>
-              </a:ln>
-              <a:solidFill>
-                <a:srgbClr val="000066"/>
-              </a:solidFill>
-              <a:effectLst/>
-              <a:latin typeface="Sylfaen" pitchFamily="18" charset="0"/>
-              <a:ea typeface="楷体_GB2312" pitchFamily="49" charset="-122"/>
-            </a:endParaRPr>
-          </a:p>
-        </p:txBody>
-      </p:sp>
-      <p:sp>
-        <p:nvSpPr>
-          <p:cNvPr id="10" name="椭圆 9"/>
-          <p:cNvSpPr/>
-          <p:nvPr/>
-        </p:nvSpPr>
-        <p:spPr bwMode="auto">
-          <a:xfrm>
-            <a:off x="6430941" y="3623737"/>
-            <a:ext cx="237626" cy="234131"/>
-          </a:xfrm>
-          <a:prstGeom prst="ellipse">
-            <a:avLst/>
-          </a:prstGeom>
-          <a:noFill/>
-          <a:ln w="19050" cap="flat" cmpd="sng" algn="ctr">
-            <a:solidFill>
-              <a:srgbClr val="FF0000"/>
-            </a:solidFill>
-            <a:prstDash val="solid"/>
-            <a:round/>
-            <a:headEnd type="none" w="med" len="med"/>
-            <a:tailEnd type="none" w="med" len="med"/>
-          </a:ln>
-          <a:effectLst/>
-        </p:spPr>
-        <p:txBody>
-          <a:bodyPr vert="horz" wrap="none" lIns="91440" tIns="45720" rIns="91440" bIns="45720" numCol="1" rtlCol="0" anchor="t" anchorCtr="0" compatLnSpc="1">
-            <a:prstTxWarp prst="textNoShape">
-              <a:avLst/>
-            </a:prstTxWarp>
-            <a:spAutoFit/>
-          </a:bodyPr>
-          <a:lstStyle/>
-          <a:p>
-            <a:pPr marL="342900" marR="0" indent="-342900" algn="l" defTabSz="914400" rtl="0" eaLnBrk="1" fontAlgn="base" latinLnBrk="0" hangingPunct="1">
-              <a:lnSpc>
-                <a:spcPct val="100000"/>
-              </a:lnSpc>
-              <a:spcBef>
-                <a:spcPct val="20000"/>
-              </a:spcBef>
-              <a:spcAft>
-                <a:spcPct val="0"/>
-              </a:spcAft>
-              <a:buClrTx/>
-              <a:buSzPct val="75000"/>
-              <a:buFont typeface="Wingdings" pitchFamily="2" charset="2"/>
-              <a:buNone/>
-              <a:tabLst/>
-            </a:pPr>
-            <a:endParaRPr kumimoji="1" lang="zh-CN" altLang="en-US" sz="2600" b="1" i="0" u="none" strike="noStrike" cap="none" normalizeH="0" baseline="0" smtClean="0">
-              <a:ln>
-                <a:noFill/>
-              </a:ln>
-              <a:solidFill>
-                <a:srgbClr val="000066"/>
-              </a:solidFill>
-              <a:effectLst/>
-              <a:latin typeface="Sylfaen" pitchFamily="18" charset="0"/>
-              <a:ea typeface="楷体_GB2312" pitchFamily="49" charset="-122"/>
-            </a:endParaRPr>
-          </a:p>
-        </p:txBody>
-      </p:sp>
-      <p:sp>
-        <p:nvSpPr>
-          <p:cNvPr id="11" name="椭圆 10"/>
-          <p:cNvSpPr/>
-          <p:nvPr/>
-        </p:nvSpPr>
-        <p:spPr bwMode="auto">
-          <a:xfrm>
-            <a:off x="5444710" y="3933056"/>
-            <a:ext cx="237626" cy="234131"/>
-          </a:xfrm>
-          <a:prstGeom prst="ellipse">
-            <a:avLst/>
-          </a:prstGeom>
-          <a:noFill/>
-          <a:ln w="19050" cap="flat" cmpd="sng" algn="ctr">
-            <a:solidFill>
-              <a:srgbClr val="008000"/>
-            </a:solidFill>
-            <a:prstDash val="solid"/>
-            <a:round/>
-            <a:headEnd type="none" w="med" len="med"/>
-            <a:tailEnd type="none" w="med" len="med"/>
-          </a:ln>
-          <a:effectLst/>
-        </p:spPr>
-        <p:txBody>
-          <a:bodyPr vert="horz" wrap="none" lIns="91440" tIns="45720" rIns="91440" bIns="45720" numCol="1" rtlCol="0" anchor="t" anchorCtr="0" compatLnSpc="1">
-            <a:prstTxWarp prst="textNoShape">
-              <a:avLst/>
-            </a:prstTxWarp>
-            <a:spAutoFit/>
-          </a:bodyPr>
-          <a:lstStyle/>
-          <a:p>
-            <a:pPr marL="342900" marR="0" indent="-342900" algn="l" defTabSz="914400" rtl="0" eaLnBrk="1" fontAlgn="base" latinLnBrk="0" hangingPunct="1">
-              <a:lnSpc>
-                <a:spcPct val="100000"/>
-              </a:lnSpc>
-              <a:spcBef>
-                <a:spcPct val="20000"/>
-              </a:spcBef>
-              <a:spcAft>
-                <a:spcPct val="0"/>
-              </a:spcAft>
-              <a:buClrTx/>
-              <a:buSzPct val="75000"/>
-              <a:buFont typeface="Wingdings" pitchFamily="2" charset="2"/>
-              <a:buNone/>
-              <a:tabLst/>
-            </a:pPr>
-            <a:endParaRPr kumimoji="1" lang="zh-CN" altLang="en-US" sz="2600" b="1" i="0" u="none" strike="noStrike" cap="none" normalizeH="0" baseline="0" smtClean="0">
-              <a:ln>
-                <a:noFill/>
-              </a:ln>
-              <a:solidFill>
-                <a:srgbClr val="000066"/>
-              </a:solidFill>
-              <a:effectLst/>
-              <a:latin typeface="Sylfaen" pitchFamily="18" charset="0"/>
-              <a:ea typeface="楷体_GB2312" pitchFamily="49" charset="-122"/>
-            </a:endParaRPr>
-          </a:p>
-        </p:txBody>
-      </p:sp>
-      <p:sp>
-        <p:nvSpPr>
-          <p:cNvPr id="12" name="椭圆 11"/>
-          <p:cNvSpPr/>
-          <p:nvPr/>
-        </p:nvSpPr>
-        <p:spPr bwMode="auto">
-          <a:xfrm>
-            <a:off x="3530441" y="1520788"/>
-            <a:ext cx="216024" cy="216024"/>
-          </a:xfrm>
-          <a:prstGeom prst="ellipse">
-            <a:avLst/>
+          <a:prstGeom prst="wedgeRoundRectCallout">
+            <a:avLst>
+              <a:gd name="adj1" fmla="val -47709"/>
+              <a:gd name="adj2" fmla="val -91563"/>
+              <a:gd name="adj3" fmla="val 16667"/>
+            </a:avLst>
           </a:prstGeom>
           <a:solidFill>
-            <a:schemeClr val="bg1">
+            <a:srgbClr val="FFC000">
               <a:alpha val="32001"/>
-            </a:schemeClr>
-          </a:solidFill>
-          <a:ln w="19050" cap="flat" cmpd="sng" algn="ctr">
-            <a:solidFill>
-              <a:schemeClr val="accent2">
-                <a:lumMod val="75000"/>
-              </a:schemeClr>
-            </a:solidFill>
-            <a:prstDash val="solid"/>
-            <a:round/>
-            <a:headEnd type="none" w="med" len="med"/>
-            <a:tailEnd type="none" w="med" len="med"/>
-          </a:ln>
-          <a:effectLst/>
-        </p:spPr>
-        <p:txBody>
-          <a:bodyPr vert="horz" wrap="none" lIns="91440" tIns="45720" rIns="91440" bIns="45720" numCol="1" rtlCol="0" anchor="t" anchorCtr="0" compatLnSpc="1">
-            <a:prstTxWarp prst="textNoShape">
-              <a:avLst/>
-            </a:prstTxWarp>
-            <a:spAutoFit/>
-          </a:bodyPr>
-          <a:lstStyle/>
-          <a:p>
-            <a:pPr marL="342900" marR="0" indent="-342900" algn="l" defTabSz="914400" rtl="0" eaLnBrk="1" fontAlgn="base" latinLnBrk="0" hangingPunct="1">
-              <a:lnSpc>
-                <a:spcPct val="100000"/>
-              </a:lnSpc>
-              <a:spcBef>
-                <a:spcPct val="20000"/>
-              </a:spcBef>
-              <a:spcAft>
-                <a:spcPct val="0"/>
-              </a:spcAft>
-              <a:buClrTx/>
-              <a:buSzPct val="75000"/>
-              <a:buFont typeface="Wingdings" pitchFamily="2" charset="2"/>
-              <a:buNone/>
-              <a:tabLst/>
-            </a:pPr>
-            <a:endParaRPr kumimoji="1" lang="zh-CN" altLang="en-US" sz="2600" b="1" i="0" u="none" strike="noStrike" cap="none" normalizeH="0" baseline="0" smtClean="0">
-              <a:ln>
-                <a:noFill/>
-              </a:ln>
-              <a:solidFill>
-                <a:srgbClr val="000066"/>
-              </a:solidFill>
-              <a:effectLst/>
-              <a:latin typeface="Sylfaen" pitchFamily="18" charset="0"/>
-              <a:ea typeface="楷体_GB2312" pitchFamily="49" charset="-122"/>
-            </a:endParaRPr>
-          </a:p>
-        </p:txBody>
-      </p:sp>
-      <p:sp>
-        <p:nvSpPr>
-          <p:cNvPr id="14" name="椭圆 13"/>
-          <p:cNvSpPr/>
-          <p:nvPr/>
-        </p:nvSpPr>
-        <p:spPr bwMode="auto">
-          <a:xfrm>
-            <a:off x="3530441" y="1808820"/>
-            <a:ext cx="216024" cy="216024"/>
-          </a:xfrm>
-          <a:prstGeom prst="ellipse">
-            <a:avLst/>
-          </a:prstGeom>
-          <a:solidFill>
-            <a:schemeClr val="bg1">
-              <a:alpha val="32001"/>
-            </a:schemeClr>
-          </a:solidFill>
-          <a:ln w="19050" cap="flat" cmpd="sng" algn="ctr">
-            <a:solidFill>
-              <a:srgbClr val="008000"/>
-            </a:solidFill>
-            <a:prstDash val="solid"/>
-            <a:round/>
-            <a:headEnd type="none" w="med" len="med"/>
-            <a:tailEnd type="none" w="med" len="med"/>
-          </a:ln>
-          <a:effectLst/>
-        </p:spPr>
-        <p:txBody>
-          <a:bodyPr vert="horz" wrap="none" lIns="91440" tIns="45720" rIns="91440" bIns="45720" numCol="1" rtlCol="0" anchor="t" anchorCtr="0" compatLnSpc="1">
-            <a:prstTxWarp prst="textNoShape">
-              <a:avLst/>
-            </a:prstTxWarp>
-            <a:spAutoFit/>
-          </a:bodyPr>
-          <a:lstStyle/>
-          <a:p>
-            <a:pPr marL="342900" marR="0" indent="-342900" algn="l" defTabSz="914400" rtl="0" eaLnBrk="1" fontAlgn="base" latinLnBrk="0" hangingPunct="1">
-              <a:lnSpc>
-                <a:spcPct val="100000"/>
-              </a:lnSpc>
-              <a:spcBef>
-                <a:spcPct val="20000"/>
-              </a:spcBef>
-              <a:spcAft>
-                <a:spcPct val="0"/>
-              </a:spcAft>
-              <a:buClrTx/>
-              <a:buSzPct val="75000"/>
-              <a:buFont typeface="Wingdings" pitchFamily="2" charset="2"/>
-              <a:buNone/>
-              <a:tabLst/>
-            </a:pPr>
-            <a:endParaRPr kumimoji="1" lang="zh-CN" altLang="en-US" sz="2600" b="1" i="0" u="none" strike="noStrike" cap="none" normalizeH="0" baseline="0" smtClean="0">
-              <a:ln>
-                <a:noFill/>
-              </a:ln>
-              <a:solidFill>
-                <a:srgbClr val="000066"/>
-              </a:solidFill>
-              <a:effectLst/>
-              <a:latin typeface="Sylfaen" pitchFamily="18" charset="0"/>
-              <a:ea typeface="楷体_GB2312" pitchFamily="49" charset="-122"/>
-            </a:endParaRPr>
-          </a:p>
-        </p:txBody>
-      </p:sp>
-      <p:sp>
-        <p:nvSpPr>
-          <p:cNvPr id="15" name="椭圆 14"/>
-          <p:cNvSpPr/>
-          <p:nvPr/>
-        </p:nvSpPr>
-        <p:spPr bwMode="auto">
-          <a:xfrm>
-            <a:off x="3530441" y="2096852"/>
-            <a:ext cx="216024" cy="216024"/>
-          </a:xfrm>
-          <a:prstGeom prst="ellipse">
-            <a:avLst/>
-          </a:prstGeom>
-          <a:solidFill>
-            <a:schemeClr val="bg1">
-              <a:alpha val="32001"/>
-            </a:schemeClr>
+            </a:srgbClr>
           </a:solidFill>
           <a:ln w="19050" cap="flat" cmpd="sng" algn="ctr">
             <a:solidFill>
@@ -10937,42 +10839,103 @@
               <a:buNone/>
               <a:tabLst/>
             </a:pPr>
-            <a:endParaRPr kumimoji="1" lang="zh-CN" altLang="en-US" sz="2600" b="1" i="0" u="none" strike="noStrike" cap="none" normalizeH="0" baseline="0" smtClean="0">
+            <a:r>
+              <a:rPr kumimoji="1" lang="zh-CN" altLang="en-US" sz="1600" b="1" i="0" u="none" strike="noStrike" cap="none" normalizeH="0" baseline="0" dirty="0" smtClean="0">
+                <a:ln>
+                  <a:noFill/>
+                </a:ln>
+                <a:solidFill>
+                  <a:srgbClr val="FF0000"/>
+                </a:solidFill>
+                <a:effectLst/>
+                <a:latin typeface="Sylfaen" pitchFamily="18" charset="0"/>
+                <a:ea typeface="楷体_GB2312" pitchFamily="49" charset="-122"/>
+              </a:rPr>
+              <a:t>红色曲线由纯</a:t>
+            </a:r>
+            <a:endParaRPr kumimoji="1" lang="en-US" altLang="zh-CN" sz="1600" b="1" i="0" u="none" strike="noStrike" cap="none" normalizeH="0" baseline="0" dirty="0" smtClean="0">
               <a:ln>
                 <a:noFill/>
               </a:ln>
               <a:solidFill>
-                <a:srgbClr val="000066"/>
+                <a:srgbClr val="FF0000"/>
               </a:solidFill>
               <a:effectLst/>
               <a:latin typeface="Sylfaen" pitchFamily="18" charset="0"/>
               <a:ea typeface="楷体_GB2312" pitchFamily="49" charset="-122"/>
             </a:endParaRPr>
           </a:p>
+          <a:p>
+            <a:pPr marL="342900" marR="0" indent="-342900" algn="l" defTabSz="914400" rtl="0" eaLnBrk="1" fontAlgn="base" latinLnBrk="0" hangingPunct="1">
+              <a:lnSpc>
+                <a:spcPct val="100000"/>
+              </a:lnSpc>
+              <a:spcBef>
+                <a:spcPct val="20000"/>
+              </a:spcBef>
+              <a:spcAft>
+                <a:spcPct val="0"/>
+              </a:spcAft>
+              <a:buClrTx/>
+              <a:buSzPct val="75000"/>
+              <a:buFont typeface="Wingdings" pitchFamily="2" charset="2"/>
+              <a:buNone/>
+              <a:tabLst/>
+            </a:pPr>
+            <a:r>
+              <a:rPr kumimoji="1" lang="zh-CN" altLang="en-US" sz="1600" b="1" i="0" u="none" strike="noStrike" cap="none" normalizeH="0" baseline="0" dirty="0" smtClean="0">
+                <a:ln>
+                  <a:noFill/>
+                </a:ln>
+                <a:solidFill>
+                  <a:srgbClr val="FF0000"/>
+                </a:solidFill>
+                <a:effectLst/>
+                <a:latin typeface="Sylfaen" pitchFamily="18" charset="0"/>
+                <a:ea typeface="楷体_GB2312" pitchFamily="49" charset="-122"/>
+              </a:rPr>
+              <a:t>惯性定位完成</a:t>
+            </a:r>
+            <a:endParaRPr kumimoji="1" lang="zh-CN" altLang="en-US" sz="1600" b="1" i="0" u="none" strike="noStrike" cap="none" normalizeH="0" baseline="0" dirty="0" smtClean="0">
+              <a:ln>
+                <a:noFill/>
+              </a:ln>
+              <a:solidFill>
+                <a:srgbClr val="FF0000"/>
+              </a:solidFill>
+              <a:effectLst/>
+              <a:latin typeface="Sylfaen" pitchFamily="18" charset="0"/>
+              <a:ea typeface="楷体_GB2312" pitchFamily="49" charset="-122"/>
+            </a:endParaRPr>
+          </a:p>
         </p:txBody>
       </p:sp>
       <p:sp>
         <p:nvSpPr>
-          <p:cNvPr id="16" name="椭圆 15"/>
+          <p:cNvPr id="27" name="圆角矩形标注 26"/>
           <p:cNvSpPr/>
           <p:nvPr/>
         </p:nvSpPr>
         <p:spPr bwMode="auto">
           <a:xfrm>
-            <a:off x="3530441" y="2386620"/>
-            <a:ext cx="216024" cy="216024"/>
+            <a:off x="2843808" y="3789040"/>
+            <a:ext cx="2105107" cy="701469"/>
           </a:xfrm>
-          <a:prstGeom prst="ellipse">
-            <a:avLst/>
+          <a:prstGeom prst="wedgeRoundRectCallout">
+            <a:avLst>
+              <a:gd name="adj1" fmla="val 60795"/>
+              <a:gd name="adj2" fmla="val 80270"/>
+              <a:gd name="adj3" fmla="val 16667"/>
+            </a:avLst>
           </a:prstGeom>
           <a:solidFill>
-            <a:schemeClr val="bg1">
+            <a:srgbClr val="99CCFF">
               <a:alpha val="32001"/>
-            </a:schemeClr>
+            </a:srgbClr>
           </a:solidFill>
           <a:ln w="19050" cap="flat" cmpd="sng" algn="ctr">
             <a:solidFill>
-              <a:srgbClr val="9900CC"/>
+              <a:srgbClr val="000080"/>
             </a:solidFill>
             <a:prstDash val="solid"/>
             <a:round/>
@@ -11006,7 +10969,21 @@
               <a:buNone/>
               <a:tabLst/>
             </a:pPr>
-            <a:endParaRPr kumimoji="1" lang="zh-CN" altLang="en-US" sz="2600" b="1" i="0" u="none" strike="noStrike" cap="none" normalizeH="0" baseline="0" smtClean="0">
+            <a:r>
+              <a:rPr kumimoji="1" lang="zh-CN" altLang="en-US" sz="1600" b="1" i="0" u="none" strike="noStrike" cap="none" normalizeH="0" baseline="0" dirty="0" smtClean="0">
+                <a:ln>
+                  <a:noFill/>
+                </a:ln>
+                <a:solidFill>
+                  <a:srgbClr val="000066"/>
+                </a:solidFill>
+                <a:effectLst/>
+                <a:latin typeface="Sylfaen" pitchFamily="18" charset="0"/>
+                <a:ea typeface="楷体_GB2312" pitchFamily="49" charset="-122"/>
+              </a:rPr>
+              <a:t>蓝色曲线为融合数据</a:t>
+            </a:r>
+            <a:endParaRPr kumimoji="1" lang="en-US" altLang="zh-CN" sz="1600" b="1" i="0" u="none" strike="noStrike" cap="none" normalizeH="0" baseline="0" dirty="0" smtClean="0">
               <a:ln>
                 <a:noFill/>
               </a:ln>
@@ -11018,341 +10995,333 @@
               <a:ea typeface="楷体_GB2312" pitchFamily="49" charset="-122"/>
             </a:endParaRPr>
           </a:p>
+          <a:p>
+            <a:pPr marL="342900" marR="0" indent="-342900" algn="l" defTabSz="914400" rtl="0" eaLnBrk="1" fontAlgn="base" latinLnBrk="0" hangingPunct="1">
+              <a:lnSpc>
+                <a:spcPct val="100000"/>
+              </a:lnSpc>
+              <a:spcBef>
+                <a:spcPct val="20000"/>
+              </a:spcBef>
+              <a:spcAft>
+                <a:spcPct val="0"/>
+              </a:spcAft>
+              <a:buClrTx/>
+              <a:buSzPct val="75000"/>
+              <a:buFont typeface="Wingdings" pitchFamily="2" charset="2"/>
+              <a:buNone/>
+              <a:tabLst/>
+            </a:pPr>
+            <a:r>
+              <a:rPr lang="zh-CN" altLang="en-US" sz="1600" dirty="0" smtClean="0">
+                <a:ea typeface="楷体_GB2312" pitchFamily="49" charset="-122"/>
+              </a:rPr>
+              <a:t>作为</a:t>
+            </a:r>
+            <a:r>
+              <a:rPr lang="en-US" altLang="zh-CN" sz="1600" dirty="0" smtClean="0">
+                <a:ea typeface="楷体_GB2312" pitchFamily="49" charset="-122"/>
+              </a:rPr>
+              <a:t>ground truth</a:t>
+            </a:r>
+            <a:endParaRPr kumimoji="1" lang="zh-CN" altLang="en-US" sz="1600" b="1" i="0" u="none" strike="noStrike" cap="none" normalizeH="0" baseline="0" dirty="0" smtClean="0">
+              <a:ln>
+                <a:noFill/>
+              </a:ln>
+              <a:solidFill>
+                <a:srgbClr val="000066"/>
+              </a:solidFill>
+              <a:effectLst/>
+              <a:latin typeface="Sylfaen" pitchFamily="18" charset="0"/>
+              <a:ea typeface="楷体_GB2312" pitchFamily="49" charset="-122"/>
+            </a:endParaRPr>
+          </a:p>
         </p:txBody>
       </p:sp>
       <p:sp>
         <p:nvSpPr>
-          <p:cNvPr id="17" name="文本框 16"/>
-          <p:cNvSpPr txBox="1"/>
+          <p:cNvPr id="28" name="圆角矩形标注 27"/>
+          <p:cNvSpPr/>
           <p:nvPr/>
         </p:nvSpPr>
-        <p:spPr>
+        <p:spPr bwMode="auto">
           <a:xfrm>
-            <a:off x="3812197" y="1469392"/>
-            <a:ext cx="1867819" cy="307777"/>
+            <a:off x="6300192" y="4258310"/>
+            <a:ext cx="1385083" cy="701469"/>
           </a:xfrm>
-          <a:prstGeom prst="rect">
-            <a:avLst/>
+          <a:prstGeom prst="wedgeRoundRectCallout">
+            <a:avLst>
+              <a:gd name="adj1" fmla="val -81788"/>
+              <a:gd name="adj2" fmla="val -21941"/>
+              <a:gd name="adj3" fmla="val 16667"/>
+            </a:avLst>
           </a:prstGeom>
-          <a:noFill/>
+          <a:solidFill>
+            <a:srgbClr val="92D050">
+              <a:alpha val="32001"/>
+            </a:srgbClr>
+          </a:solidFill>
+          <a:ln w="19050" cap="flat" cmpd="sng" algn="ctr">
+            <a:solidFill>
+              <a:srgbClr val="00B050"/>
+            </a:solidFill>
+            <a:prstDash val="solid"/>
+            <a:round/>
+            <a:headEnd type="none" w="med" len="med"/>
+            <a:tailEnd type="none" w="med" len="med"/>
+          </a:ln>
+          <a:effectLst/>
         </p:spPr>
         <p:txBody>
-          <a:bodyPr wrap="none" rtlCol="0">
+          <a:bodyPr vert="horz" wrap="none" lIns="91440" tIns="45720" rIns="91440" bIns="45720" numCol="1" rtlCol="0" anchor="t" anchorCtr="0" compatLnSpc="1">
+            <a:prstTxWarp prst="textNoShape">
+              <a:avLst/>
+            </a:prstTxWarp>
             <a:spAutoFit/>
           </a:bodyPr>
           <a:lstStyle/>
           <a:p>
-            <a:r>
-              <a:rPr lang="zh-CN" altLang="en-US" sz="1400" dirty="0" smtClean="0"/>
-              <a:t>无视觉信息</a:t>
-            </a:r>
-            <a:r>
-              <a:rPr lang="en-US" altLang="zh-CN" sz="1400" dirty="0" smtClean="0"/>
-              <a:t>-</a:t>
-            </a:r>
-            <a:r>
-              <a:rPr lang="zh-CN" altLang="en-US" sz="1400" dirty="0"/>
-              <a:t>起始位置</a:t>
-            </a:r>
+            <a:pPr marL="342900" marR="0" indent="-342900" algn="l" defTabSz="914400" rtl="0" eaLnBrk="1" fontAlgn="base" latinLnBrk="0" hangingPunct="1">
+              <a:lnSpc>
+                <a:spcPct val="100000"/>
+              </a:lnSpc>
+              <a:spcBef>
+                <a:spcPct val="20000"/>
+              </a:spcBef>
+              <a:spcAft>
+                <a:spcPct val="0"/>
+              </a:spcAft>
+              <a:buClrTx/>
+              <a:buSzPct val="75000"/>
+              <a:buFont typeface="Wingdings" pitchFamily="2" charset="2"/>
+              <a:buNone/>
+              <a:tabLst/>
+            </a:pPr>
+            <a:r>
+              <a:rPr lang="en-US" altLang="zh-CN" sz="1600" dirty="0" smtClean="0">
+                <a:solidFill>
+                  <a:srgbClr val="00B050"/>
+                </a:solidFill>
+                <a:ea typeface="楷体_GB2312" pitchFamily="49" charset="-122"/>
+              </a:rPr>
+              <a:t>2</a:t>
+            </a:r>
+            <a:r>
+              <a:rPr lang="zh-CN" altLang="en-US" sz="1600" dirty="0" smtClean="0">
+                <a:solidFill>
+                  <a:srgbClr val="00B050"/>
+                </a:solidFill>
+                <a:ea typeface="楷体_GB2312" pitchFamily="49" charset="-122"/>
+              </a:rPr>
+              <a:t>秒后恢复</a:t>
+            </a:r>
+            <a:r>
+              <a:rPr kumimoji="1" lang="zh-CN" altLang="en-US" sz="1600" b="1" i="0" u="none" strike="noStrike" cap="none" normalizeH="0" baseline="0" dirty="0" smtClean="0">
+                <a:ln>
+                  <a:noFill/>
+                </a:ln>
+                <a:solidFill>
+                  <a:srgbClr val="00B050"/>
+                </a:solidFill>
+                <a:effectLst/>
+                <a:latin typeface="Sylfaen" pitchFamily="18" charset="0"/>
+                <a:ea typeface="楷体_GB2312" pitchFamily="49" charset="-122"/>
+              </a:rPr>
+              <a:t>提</a:t>
+            </a:r>
+            <a:endParaRPr kumimoji="1" lang="en-US" altLang="zh-CN" sz="1600" b="1" i="0" u="none" strike="noStrike" cap="none" normalizeH="0" baseline="0" dirty="0" smtClean="0">
+              <a:ln>
+                <a:noFill/>
+              </a:ln>
+              <a:solidFill>
+                <a:srgbClr val="00B050"/>
+              </a:solidFill>
+              <a:effectLst/>
+              <a:latin typeface="Sylfaen" pitchFamily="18" charset="0"/>
+              <a:ea typeface="楷体_GB2312" pitchFamily="49" charset="-122"/>
+            </a:endParaRPr>
+          </a:p>
+          <a:p>
+            <a:pPr marL="342900" marR="0" indent="-342900" algn="l" defTabSz="914400" rtl="0" eaLnBrk="1" fontAlgn="base" latinLnBrk="0" hangingPunct="1">
+              <a:lnSpc>
+                <a:spcPct val="100000"/>
+              </a:lnSpc>
+              <a:spcBef>
+                <a:spcPct val="20000"/>
+              </a:spcBef>
+              <a:spcAft>
+                <a:spcPct val="0"/>
+              </a:spcAft>
+              <a:buClrTx/>
+              <a:buSzPct val="75000"/>
+              <a:buFont typeface="Wingdings" pitchFamily="2" charset="2"/>
+              <a:buNone/>
+              <a:tabLst/>
+            </a:pPr>
+            <a:r>
+              <a:rPr kumimoji="1" lang="zh-CN" altLang="en-US" sz="1600" b="1" i="0" u="none" strike="noStrike" cap="none" normalizeH="0" baseline="0" dirty="0" smtClean="0">
+                <a:ln>
+                  <a:noFill/>
+                </a:ln>
+                <a:solidFill>
+                  <a:srgbClr val="00B050"/>
+                </a:solidFill>
+                <a:effectLst/>
+                <a:latin typeface="Sylfaen" pitchFamily="18" charset="0"/>
+                <a:ea typeface="楷体_GB2312" pitchFamily="49" charset="-122"/>
+              </a:rPr>
+              <a:t>供视觉信息</a:t>
+            </a:r>
+            <a:endParaRPr kumimoji="1" lang="zh-CN" altLang="en-US" sz="1600" b="1" i="0" u="none" strike="noStrike" cap="none" normalizeH="0" baseline="0" dirty="0" smtClean="0">
+              <a:ln>
+                <a:noFill/>
+              </a:ln>
+              <a:solidFill>
+                <a:srgbClr val="00B050"/>
+              </a:solidFill>
+              <a:effectLst/>
+              <a:latin typeface="Sylfaen" pitchFamily="18" charset="0"/>
+              <a:ea typeface="楷体_GB2312" pitchFamily="49" charset="-122"/>
+            </a:endParaRPr>
           </a:p>
         </p:txBody>
       </p:sp>
       <p:sp>
         <p:nvSpPr>
-          <p:cNvPr id="18" name="文本框 17"/>
-          <p:cNvSpPr txBox="1"/>
+          <p:cNvPr id="29" name="圆角矩形标注 28"/>
+          <p:cNvSpPr/>
           <p:nvPr/>
         </p:nvSpPr>
-        <p:spPr>
+        <p:spPr bwMode="auto">
           <a:xfrm>
-            <a:off x="3812197" y="1762943"/>
-            <a:ext cx="2021707" cy="307777"/>
+            <a:off x="4888485" y="3038195"/>
+            <a:ext cx="1753503" cy="701469"/>
           </a:xfrm>
-          <a:prstGeom prst="rect">
-            <a:avLst/>
+          <a:prstGeom prst="wedgeRoundRectCallout">
+            <a:avLst>
+              <a:gd name="adj1" fmla="val -11913"/>
+              <a:gd name="adj2" fmla="val 130772"/>
+              <a:gd name="adj3" fmla="val 16667"/>
+            </a:avLst>
           </a:prstGeom>
-          <a:noFill/>
+          <a:solidFill>
+            <a:srgbClr val="FFC000">
+              <a:alpha val="32001"/>
+            </a:srgbClr>
+          </a:solidFill>
+          <a:ln w="19050" cap="flat" cmpd="sng" algn="ctr">
+            <a:solidFill>
+              <a:srgbClr val="FF0000"/>
+            </a:solidFill>
+            <a:prstDash val="solid"/>
+            <a:round/>
+            <a:headEnd type="none" w="med" len="med"/>
+            <a:tailEnd type="none" w="med" len="med"/>
+          </a:ln>
+          <a:effectLst/>
         </p:spPr>
         <p:txBody>
-          <a:bodyPr wrap="none" rtlCol="0">
+          <a:bodyPr vert="horz" wrap="square" lIns="91440" tIns="45720" rIns="91440" bIns="45720" numCol="1" rtlCol="0" anchor="t" anchorCtr="0" compatLnSpc="1">
+            <a:prstTxWarp prst="textNoShape">
+              <a:avLst/>
+            </a:prstTxWarp>
             <a:spAutoFit/>
           </a:bodyPr>
           <a:lstStyle/>
           <a:p>
-            <a:r>
-              <a:rPr lang="en-US" altLang="zh-CN" sz="1400" dirty="0" smtClean="0">
-                <a:solidFill>
-                  <a:srgbClr val="008000"/>
-                </a:solidFill>
-              </a:rPr>
-              <a:t>1s</a:t>
-            </a:r>
-            <a:r>
-              <a:rPr lang="zh-CN" altLang="en-US" sz="1400" dirty="0" smtClean="0">
-                <a:solidFill>
-                  <a:srgbClr val="008000"/>
-                </a:solidFill>
-              </a:rPr>
-              <a:t>无视觉信息</a:t>
-            </a:r>
-            <a:r>
-              <a:rPr lang="en-US" altLang="zh-CN" sz="1400" dirty="0" smtClean="0">
-                <a:solidFill>
-                  <a:srgbClr val="008000"/>
-                </a:solidFill>
-              </a:rPr>
-              <a:t>-</a:t>
-            </a:r>
-            <a:r>
-              <a:rPr lang="zh-CN" altLang="en-US" sz="1400" dirty="0" smtClean="0">
-                <a:solidFill>
-                  <a:srgbClr val="008000"/>
-                </a:solidFill>
-              </a:rPr>
-              <a:t>结束位置</a:t>
-            </a:r>
-            <a:endParaRPr lang="zh-CN" altLang="en-US" sz="1400" dirty="0">
-              <a:solidFill>
-                <a:srgbClr val="008000"/>
-              </a:solidFill>
-            </a:endParaRPr>
-          </a:p>
-        </p:txBody>
-      </p:sp>
-      <p:sp>
-        <p:nvSpPr>
-          <p:cNvPr id="19" name="文本框 18"/>
-          <p:cNvSpPr txBox="1"/>
-          <p:nvPr/>
-        </p:nvSpPr>
-        <p:spPr>
-          <a:xfrm>
-            <a:off x="3812197" y="2050975"/>
-            <a:ext cx="2156360" cy="307777"/>
-          </a:xfrm>
-          <a:prstGeom prst="rect">
-            <a:avLst/>
-          </a:prstGeom>
-          <a:noFill/>
-        </p:spPr>
-        <p:txBody>
-          <a:bodyPr wrap="none" rtlCol="0">
-            <a:spAutoFit/>
-          </a:bodyPr>
-          <a:lstStyle/>
-          <a:p>
-            <a:r>
-              <a:rPr lang="en-US" altLang="zh-CN" sz="1400" dirty="0" smtClean="0">
+            <a:pPr marL="342900" marR="0" indent="-342900" algn="l" defTabSz="914400" rtl="0" eaLnBrk="1" fontAlgn="base" latinLnBrk="0" hangingPunct="1">
+              <a:lnSpc>
+                <a:spcPct val="100000"/>
+              </a:lnSpc>
+              <a:spcBef>
+                <a:spcPct val="20000"/>
+              </a:spcBef>
+              <a:spcAft>
+                <a:spcPct val="0"/>
+              </a:spcAft>
+              <a:buClrTx/>
+              <a:buSzPct val="75000"/>
+              <a:buFont typeface="Wingdings" pitchFamily="2" charset="2"/>
+              <a:buNone/>
+              <a:tabLst/>
+            </a:pPr>
+            <a:r>
+              <a:rPr lang="zh-CN" altLang="en-US" sz="1600" dirty="0" smtClean="0">
                 <a:solidFill>
                   <a:srgbClr val="FF0000"/>
                 </a:solidFill>
+                <a:ea typeface="楷体_GB2312" pitchFamily="49" charset="-122"/>
               </a:rPr>
-              <a:t>1.5s</a:t>
-            </a:r>
-            <a:r>
-              <a:rPr lang="zh-CN" altLang="en-US" sz="1400" dirty="0" smtClean="0">
+              <a:t>重设位置</a:t>
+            </a:r>
+            <a:r>
+              <a:rPr kumimoji="1" lang="zh-CN" altLang="en-US" sz="1600" b="1" i="0" u="none" strike="noStrike" cap="none" normalizeH="0" baseline="0" dirty="0" smtClean="0">
+                <a:ln>
+                  <a:noFill/>
+                </a:ln>
                 <a:solidFill>
                   <a:srgbClr val="FF0000"/>
                 </a:solidFill>
+                <a:effectLst/>
+                <a:latin typeface="Sylfaen" pitchFamily="18" charset="0"/>
+                <a:ea typeface="楷体_GB2312" pitchFamily="49" charset="-122"/>
               </a:rPr>
-              <a:t>无视觉信息</a:t>
-            </a:r>
-            <a:r>
-              <a:rPr lang="en-US" altLang="zh-CN" sz="1400" dirty="0" smtClean="0">
+              <a:t>后可以</a:t>
+            </a:r>
+            <a:endParaRPr kumimoji="1" lang="en-US" altLang="zh-CN" sz="1600" b="1" i="0" u="none" strike="noStrike" cap="none" normalizeH="0" baseline="0" dirty="0" smtClean="0">
+              <a:ln>
+                <a:noFill/>
+              </a:ln>
+              <a:solidFill>
+                <a:srgbClr val="FF0000"/>
+              </a:solidFill>
+              <a:effectLst/>
+              <a:latin typeface="Sylfaen" pitchFamily="18" charset="0"/>
+              <a:ea typeface="楷体_GB2312" pitchFamily="49" charset="-122"/>
+            </a:endParaRPr>
+          </a:p>
+          <a:p>
+            <a:pPr marL="342900" marR="0" indent="-342900" algn="l" defTabSz="914400" rtl="0" eaLnBrk="1" fontAlgn="base" latinLnBrk="0" hangingPunct="1">
+              <a:lnSpc>
+                <a:spcPct val="100000"/>
+              </a:lnSpc>
+              <a:spcBef>
+                <a:spcPct val="20000"/>
+              </a:spcBef>
+              <a:spcAft>
+                <a:spcPct val="0"/>
+              </a:spcAft>
+              <a:buClrTx/>
+              <a:buSzPct val="75000"/>
+              <a:buFont typeface="Wingdings" pitchFamily="2" charset="2"/>
+              <a:buNone/>
+              <a:tabLst/>
+            </a:pPr>
+            <a:r>
+              <a:rPr kumimoji="1" lang="zh-CN" altLang="en-US" sz="1600" b="1" i="0" u="none" strike="noStrike" cap="none" normalizeH="0" baseline="0" dirty="0" smtClean="0">
+                <a:ln>
+                  <a:noFill/>
+                </a:ln>
                 <a:solidFill>
                   <a:srgbClr val="FF0000"/>
                 </a:solidFill>
+                <a:effectLst/>
+                <a:latin typeface="Sylfaen" pitchFamily="18" charset="0"/>
+                <a:ea typeface="楷体_GB2312" pitchFamily="49" charset="-122"/>
               </a:rPr>
-              <a:t>-</a:t>
-            </a:r>
-            <a:r>
-              <a:rPr lang="zh-CN" altLang="en-US" sz="1400" dirty="0" smtClean="0">
-                <a:solidFill>
-                  <a:srgbClr val="FF0000"/>
-                </a:solidFill>
-              </a:rPr>
-              <a:t>结束位置</a:t>
-            </a:r>
-            <a:endParaRPr lang="zh-CN" altLang="en-US" sz="1400" dirty="0">
+              <a:t>快速恢复融合</a:t>
+            </a:r>
+            <a:endParaRPr kumimoji="1" lang="zh-CN" altLang="en-US" sz="1600" b="1" i="0" u="none" strike="noStrike" cap="none" normalizeH="0" baseline="0" dirty="0" smtClean="0">
+              <a:ln>
+                <a:noFill/>
+              </a:ln>
               <a:solidFill>
                 <a:srgbClr val="FF0000"/>
               </a:solidFill>
+              <a:effectLst/>
+              <a:latin typeface="Sylfaen" pitchFamily="18" charset="0"/>
+              <a:ea typeface="楷体_GB2312" pitchFamily="49" charset="-122"/>
             </a:endParaRPr>
-          </a:p>
-        </p:txBody>
-      </p:sp>
-      <p:sp>
-        <p:nvSpPr>
-          <p:cNvPr id="20" name="文本框 19"/>
-          <p:cNvSpPr txBox="1"/>
-          <p:nvPr/>
-        </p:nvSpPr>
-        <p:spPr>
-          <a:xfrm>
-            <a:off x="3812197" y="2340743"/>
-            <a:ext cx="2021707" cy="307777"/>
-          </a:xfrm>
-          <a:prstGeom prst="rect">
-            <a:avLst/>
-          </a:prstGeom>
-          <a:noFill/>
-        </p:spPr>
-        <p:txBody>
-          <a:bodyPr wrap="none" rtlCol="0">
-            <a:spAutoFit/>
-          </a:bodyPr>
-          <a:lstStyle/>
-          <a:p>
-            <a:r>
-              <a:rPr lang="en-US" altLang="zh-CN" sz="1400" dirty="0" smtClean="0">
-                <a:solidFill>
-                  <a:srgbClr val="9900CC"/>
-                </a:solidFill>
-              </a:rPr>
-              <a:t>2s</a:t>
-            </a:r>
-            <a:r>
-              <a:rPr lang="zh-CN" altLang="en-US" sz="1400" dirty="0" smtClean="0">
-                <a:solidFill>
-                  <a:srgbClr val="9900CC"/>
-                </a:solidFill>
-              </a:rPr>
-              <a:t>无视觉信息</a:t>
-            </a:r>
-            <a:r>
-              <a:rPr lang="en-US" altLang="zh-CN" sz="1400" dirty="0" smtClean="0">
-                <a:solidFill>
-                  <a:srgbClr val="9900CC"/>
-                </a:solidFill>
-              </a:rPr>
-              <a:t>-</a:t>
-            </a:r>
-            <a:r>
-              <a:rPr lang="zh-CN" altLang="en-US" sz="1400" dirty="0" smtClean="0">
-                <a:solidFill>
-                  <a:srgbClr val="9900CC"/>
-                </a:solidFill>
-              </a:rPr>
-              <a:t>结束位置</a:t>
-            </a:r>
-            <a:endParaRPr lang="zh-CN" altLang="en-US" sz="1400" dirty="0">
-              <a:solidFill>
-                <a:srgbClr val="9900CC"/>
-              </a:solidFill>
-            </a:endParaRPr>
-          </a:p>
-        </p:txBody>
-      </p:sp>
-      <p:sp>
-        <p:nvSpPr>
-          <p:cNvPr id="22" name="文本框 21"/>
-          <p:cNvSpPr txBox="1"/>
-          <p:nvPr/>
-        </p:nvSpPr>
-        <p:spPr>
-          <a:xfrm>
-            <a:off x="735623" y="3997922"/>
-            <a:ext cx="3400225" cy="1600438"/>
-          </a:xfrm>
-          <a:prstGeom prst="rect">
-            <a:avLst/>
-          </a:prstGeom>
-          <a:noFill/>
-        </p:spPr>
-        <p:txBody>
-          <a:bodyPr wrap="square" rtlCol="0">
-            <a:spAutoFit/>
-          </a:bodyPr>
-          <a:lstStyle/>
-          <a:p>
-            <a:pPr marL="285750" indent="-285750">
-              <a:buFont typeface="Wingdings" panose="05000000000000000000" pitchFamily="2" charset="2"/>
-              <a:buChar char="l"/>
-            </a:pPr>
-            <a:r>
-              <a:rPr lang="zh-CN" altLang="en-US" sz="1400" dirty="0" smtClean="0"/>
-              <a:t>最坏情况下</a:t>
-            </a:r>
-            <a:r>
-              <a:rPr lang="en-US" altLang="zh-CN" sz="1400" dirty="0" smtClean="0">
-                <a:solidFill>
-                  <a:srgbClr val="9900CC"/>
-                </a:solidFill>
-              </a:rPr>
-              <a:t>(2s</a:t>
-            </a:r>
-            <a:r>
-              <a:rPr lang="zh-CN" altLang="en-US" sz="1400" dirty="0" smtClean="0">
-                <a:solidFill>
-                  <a:srgbClr val="9900CC"/>
-                </a:solidFill>
-              </a:rPr>
-              <a:t>无视觉信息</a:t>
-            </a:r>
-            <a:r>
-              <a:rPr lang="en-US" altLang="zh-CN" sz="1400" dirty="0" smtClean="0">
-                <a:solidFill>
-                  <a:srgbClr val="9900CC"/>
-                </a:solidFill>
-              </a:rPr>
-              <a:t>)</a:t>
-            </a:r>
-            <a:r>
-              <a:rPr lang="zh-CN" altLang="en-US" sz="1400" dirty="0" smtClean="0"/>
-              <a:t>，视觉定位重新检测到目标后，两种定位方式有约</a:t>
-            </a:r>
-            <a:r>
-              <a:rPr lang="en-US" altLang="zh-CN" sz="1400" dirty="0" smtClean="0"/>
-              <a:t>0.5m</a:t>
-            </a:r>
-            <a:r>
-              <a:rPr lang="zh-CN" altLang="en-US" sz="1400" dirty="0" smtClean="0"/>
-              <a:t>的差异</a:t>
-            </a:r>
-            <a:r>
-              <a:rPr lang="zh-CN" altLang="en-US" sz="1400" dirty="0" smtClean="0">
-                <a:solidFill>
-                  <a:srgbClr val="9900CC"/>
-                </a:solidFill>
-              </a:rPr>
-              <a:t>（两个紫色圆圈间距）</a:t>
-            </a:r>
-            <a:r>
-              <a:rPr lang="en-US" altLang="zh-CN" sz="1400" dirty="0" smtClean="0"/>
-              <a:t>——</a:t>
-            </a:r>
-            <a:r>
-              <a:rPr lang="zh-CN" altLang="en-US" sz="1400" dirty="0" smtClean="0"/>
-              <a:t>能重新匹配</a:t>
-            </a:r>
-            <a:endParaRPr lang="en-US" altLang="zh-CN" sz="1400" dirty="0" smtClean="0"/>
-          </a:p>
-          <a:p>
-            <a:pPr marL="285750" indent="-285750">
-              <a:buFont typeface="Wingdings" panose="05000000000000000000" pitchFamily="2" charset="2"/>
-              <a:buChar char="l"/>
-            </a:pPr>
-            <a:r>
-              <a:rPr lang="zh-CN" altLang="en-US" sz="1400" dirty="0" smtClean="0"/>
-              <a:t>重设</a:t>
-            </a:r>
-            <a:r>
-              <a:rPr lang="zh-CN" altLang="en-US" sz="1400" dirty="0" smtClean="0"/>
-              <a:t>位置信息为视觉定位位置后</a:t>
-            </a:r>
-            <a:r>
-              <a:rPr lang="zh-CN" altLang="en-US" sz="1400" dirty="0" smtClean="0"/>
-              <a:t>，经短暂融合调整（图</a:t>
-            </a:r>
-            <a:r>
-              <a:rPr lang="zh-CN" altLang="en-US" sz="1400" dirty="0" smtClean="0"/>
-              <a:t>中重设后被蓝色线遮挡</a:t>
-            </a:r>
-            <a:r>
-              <a:rPr lang="zh-CN" altLang="en-US" sz="1400" dirty="0" smtClean="0"/>
-              <a:t>），两种定位方式能恢复一致</a:t>
-            </a:r>
-            <a:endParaRPr lang="zh-CN" altLang="en-US" sz="1400" dirty="0"/>
           </a:p>
         </p:txBody>
       </p:sp>
@@ -11366,11 +11335,11 @@
   <p:clrMapOvr>
     <a:masterClrMapping/>
   </p:clrMapOvr>
-  <mc:AlternateContent xmlns:mc="http://schemas.openxmlformats.org/markup-compatibility/2006">
-    <mc:Choice xmlns:p14="http://schemas.microsoft.com/office/powerpoint/2010/main" Requires="p14">
+  <mc:AlternateContent xmlns:mc="http://schemas.openxmlformats.org/markup-compatibility/2006" xmlns:p14="http://schemas.microsoft.com/office/powerpoint/2010/main">
+    <mc:Choice Requires="p14">
       <p:transition spd="slow" p14:dur="2000" advTm="51881"/>
     </mc:Choice>
-    <mc:Fallback>
+    <mc:Fallback xmlns="">
       <p:transition spd="slow" advTm="51881"/>
     </mc:Fallback>
   </mc:AlternateContent>
@@ -11539,16 +11508,20 @@
               <a:t>能解决惯性定位</a:t>
             </a:r>
             <a:r>
+              <a:rPr lang="zh-CN" altLang="en-US" sz="1800" dirty="0" smtClean="0"/>
+              <a:t>中</a:t>
+            </a:r>
+            <a:r>
               <a:rPr lang="zh-CN" altLang="en-US" sz="1800" dirty="0"/>
-              <a:t>中</a:t>
+              <a:t>两重</a:t>
             </a:r>
             <a:r>
               <a:rPr lang="zh-CN" altLang="en-US" sz="1800" dirty="0" smtClean="0"/>
-              <a:t>两重</a:t>
+              <a:t>积分</a:t>
             </a:r>
             <a:r>
               <a:rPr lang="zh-CN" altLang="en-US" sz="1800" dirty="0"/>
-              <a:t>积分带来的累计</a:t>
+              <a:t>带来的累计</a:t>
             </a:r>
             <a:r>
               <a:rPr lang="zh-CN" altLang="en-US" sz="1800" dirty="0" smtClean="0"/>
@@ -11588,11 +11561,11 @@
   <p:clrMapOvr>
     <a:masterClrMapping/>
   </p:clrMapOvr>
-  <mc:AlternateContent xmlns:mc="http://schemas.openxmlformats.org/markup-compatibility/2006">
-    <mc:Choice xmlns:p14="http://schemas.microsoft.com/office/powerpoint/2010/main" Requires="p14">
+  <mc:AlternateContent xmlns:mc="http://schemas.openxmlformats.org/markup-compatibility/2006" xmlns:p14="http://schemas.microsoft.com/office/powerpoint/2010/main">
+    <mc:Choice Requires="p14">
       <p:transition spd="slow" p14:dur="2000" advTm="468"/>
     </mc:Choice>
-    <mc:Fallback>
+    <mc:Fallback xmlns="">
       <p:transition spd="slow" advTm="468"/>
     </mc:Fallback>
   </mc:AlternateContent>
@@ -11689,11 +11662,11 @@
   <p:clrMapOvr>
     <a:masterClrMapping/>
   </p:clrMapOvr>
-  <mc:AlternateContent xmlns:mc="http://schemas.openxmlformats.org/markup-compatibility/2006">
-    <mc:Choice xmlns:p14="http://schemas.microsoft.com/office/powerpoint/2010/main" Requires="p14">
+  <mc:AlternateContent xmlns:mc="http://schemas.openxmlformats.org/markup-compatibility/2006" xmlns:p14="http://schemas.microsoft.com/office/powerpoint/2010/main">
+    <mc:Choice Requires="p14">
       <p:transition spd="slow" p14:dur="2000" advTm="610"/>
     </mc:Choice>
-    <mc:Fallback>
+    <mc:Fallback xmlns="">
       <p:transition spd="slow" advTm="610"/>
     </mc:Fallback>
   </mc:AlternateContent>

--- a/slides/答辩ppt-杜大有1300012870.pptx
+++ b/slides/答辩ppt-杜大有1300012870.pptx
@@ -261,7 +261,7 @@
           <a:p>
             <a:fld id="{9308C18E-A7A5-49D3-8BA3-2E7E527AAC37}" type="datetimeFigureOut">
               <a:rPr lang="zh-CN" altLang="en-US" smtClean="0"/>
-              <a:t>2017/5/18</a:t>
+              <a:t>2017/5/19</a:t>
             </a:fld>
             <a:endParaRPr lang="zh-CN" altLang="en-US"/>
           </a:p>
@@ -4593,11 +4593,7 @@
             </a:r>
             <a:r>
               <a:rPr lang="zh-CN" altLang="en-US" sz="1800" dirty="0" smtClean="0"/>
-              <a:t>教师 梁</a:t>
-            </a:r>
-            <a:r>
-              <a:rPr lang="zh-CN" altLang="en-US" sz="1800" dirty="0" smtClean="0"/>
-              <a:t>云</a:t>
+              <a:t>教师 梁云</a:t>
             </a:r>
             <a:endParaRPr lang="en-US" altLang="zh-CN" sz="1800" dirty="0" smtClean="0"/>
           </a:p>
@@ -5313,15 +5309,7 @@
                       </a:r>
                       <a:r>
                         <a:rPr lang="zh-CN" altLang="en-US" dirty="0" smtClean="0"/>
-                        <a:t>例如</a:t>
-                      </a:r>
-                      <a:r>
-                        <a:rPr lang="zh-CN" altLang="en-US" dirty="0" smtClean="0"/>
-                        <a:t>走出视频检测</a:t>
-                      </a:r>
-                      <a:r>
-                        <a:rPr lang="zh-CN" altLang="en-US" dirty="0" smtClean="0"/>
-                        <a:t>范围或被遮挡</a:t>
+                        <a:t>例如走出视频检测范围或被遮挡</a:t>
                       </a:r>
                       <a:endParaRPr lang="en-US" altLang="zh-CN" dirty="0" smtClean="0"/>
                     </a:p>
@@ -5609,7 +5597,7 @@
         </p:nvSpPr>
         <p:spPr>
           <a:xfrm>
-            <a:off x="5053263" y="1357463"/>
+            <a:off x="4994468" y="1357463"/>
             <a:ext cx="2529860" cy="492443"/>
           </a:xfrm>
           <a:prstGeom prst="rect">
@@ -7153,7 +7141,7 @@
         </p:nvSpPr>
         <p:spPr>
           <a:xfrm>
-            <a:off x="4904277" y="6548884"/>
+            <a:off x="4916966" y="6077057"/>
             <a:ext cx="736099" cy="338554"/>
           </a:xfrm>
           <a:prstGeom prst="rect">
@@ -7392,21 +7380,7 @@
                   <a:latin typeface="Sylfaen" pitchFamily="18" charset="0"/>
                   <a:ea typeface="楷体_GB2312" pitchFamily="49" charset="-122"/>
                 </a:rPr>
-                <a:t>速度</a:t>
-              </a:r>
-              <a:r>
-                <a:rPr kumimoji="1" lang="zh-CN" altLang="en-US" sz="1600" b="1" i="0" u="none" strike="noStrike" cap="none" normalizeH="0" baseline="0" dirty="0" smtClean="0">
-                  <a:ln>
-                    <a:noFill/>
-                  </a:ln>
-                  <a:solidFill>
-                    <a:srgbClr val="000066"/>
-                  </a:solidFill>
-                  <a:effectLst/>
-                  <a:latin typeface="Sylfaen" pitchFamily="18" charset="0"/>
-                  <a:ea typeface="楷体_GB2312" pitchFamily="49" charset="-122"/>
-                </a:rPr>
-                <a:t>矢量</a:t>
+                <a:t>速度矢量</a:t>
               </a:r>
             </a:p>
           </p:txBody>
@@ -7886,16 +7860,6 @@
                 </a:rPr>
                 <a:t>保证机器人“视野”中准确</a:t>
               </a:r>
-              <a:endParaRPr kumimoji="1" lang="zh-CN" altLang="en-US" sz="1600" b="1" i="0" u="none" strike="noStrike" cap="none" normalizeH="0" baseline="0" dirty="0" smtClean="0">
-                <a:ln>
-                  <a:noFill/>
-                </a:ln>
-                <a:solidFill>
-                  <a:srgbClr val="000066"/>
-                </a:solidFill>
-                <a:effectLst/>
-                <a:ea typeface="楷体_GB2312" pitchFamily="49" charset="-122"/>
-              </a:endParaRPr>
             </a:p>
           </p:txBody>
         </p:sp>
@@ -8576,16 +8540,6 @@
                 </a:rPr>
                 <a:t>速度矢量</a:t>
               </a:r>
-              <a:endParaRPr kumimoji="1" lang="zh-CN" altLang="en-US" sz="1600" b="1" i="0" u="none" strike="noStrike" cap="none" normalizeH="0" baseline="0" dirty="0" smtClean="0">
-                <a:ln>
-                  <a:noFill/>
-                </a:ln>
-                <a:solidFill>
-                  <a:srgbClr val="000066"/>
-                </a:solidFill>
-                <a:effectLst/>
-                <a:ea typeface="楷体_GB2312" pitchFamily="49" charset="-122"/>
-              </a:endParaRPr>
             </a:p>
           </p:txBody>
         </p:sp>
@@ -10541,11 +10495,7 @@
           <a:p>
             <a:r>
               <a:rPr lang="zh-CN" altLang="en-US" sz="2800" dirty="0" smtClean="0"/>
-              <a:t>验证解决</a:t>
-            </a:r>
-            <a:r>
-              <a:rPr lang="zh-CN" altLang="en-US" sz="2800" dirty="0" smtClean="0"/>
-              <a:t>漏检</a:t>
+              <a:t>验证解决漏检</a:t>
             </a:r>
             <a:r>
               <a:rPr lang="zh-CN" altLang="en-US" sz="2800" dirty="0"/>
@@ -10553,15 +10503,7 @@
             </a:r>
             <a:r>
               <a:rPr lang="zh-CN" altLang="en-US" sz="2800" dirty="0" smtClean="0"/>
-              <a:t>重</a:t>
-            </a:r>
-            <a:r>
-              <a:rPr lang="zh-CN" altLang="en-US" sz="2800" dirty="0" smtClean="0"/>
-              <a:t>匹配</a:t>
-            </a:r>
-            <a:r>
-              <a:rPr lang="zh-CN" altLang="en-US" sz="2800" dirty="0" smtClean="0"/>
-              <a:t>问题</a:t>
+              <a:t>重匹配问题</a:t>
             </a:r>
             <a:r>
               <a:rPr lang="en-US" altLang="zh-CN" sz="2800" dirty="0" smtClean="0"/>
@@ -10766,17 +10708,6 @@
               </a:rPr>
               <a:t>供视觉信息</a:t>
             </a:r>
-            <a:endParaRPr kumimoji="1" lang="zh-CN" altLang="en-US" sz="1600" b="1" i="0" u="none" strike="noStrike" cap="none" normalizeH="0" baseline="0" dirty="0" smtClean="0">
-              <a:ln>
-                <a:noFill/>
-              </a:ln>
-              <a:solidFill>
-                <a:srgbClr val="00B050"/>
-              </a:solidFill>
-              <a:effectLst/>
-              <a:latin typeface="Sylfaen" pitchFamily="18" charset="0"/>
-              <a:ea typeface="楷体_GB2312" pitchFamily="49" charset="-122"/>
-            </a:endParaRPr>
           </a:p>
         </p:txBody>
       </p:sp>
@@ -10896,17 +10827,6 @@
               </a:rPr>
               <a:t>惯性定位完成</a:t>
             </a:r>
-            <a:endParaRPr kumimoji="1" lang="zh-CN" altLang="en-US" sz="1600" b="1" i="0" u="none" strike="noStrike" cap="none" normalizeH="0" baseline="0" dirty="0" smtClean="0">
-              <a:ln>
-                <a:noFill/>
-              </a:ln>
-              <a:solidFill>
-                <a:srgbClr val="FF0000"/>
-              </a:solidFill>
-              <a:effectLst/>
-              <a:latin typeface="Sylfaen" pitchFamily="18" charset="0"/>
-              <a:ea typeface="楷体_GB2312" pitchFamily="49" charset="-122"/>
-            </a:endParaRPr>
           </a:p>
         </p:txBody>
       </p:sp>
@@ -11172,17 +11092,6 @@
               </a:rPr>
               <a:t>供视觉信息</a:t>
             </a:r>
-            <a:endParaRPr kumimoji="1" lang="zh-CN" altLang="en-US" sz="1600" b="1" i="0" u="none" strike="noStrike" cap="none" normalizeH="0" baseline="0" dirty="0" smtClean="0">
-              <a:ln>
-                <a:noFill/>
-              </a:ln>
-              <a:solidFill>
-                <a:srgbClr val="00B050"/>
-              </a:solidFill>
-              <a:effectLst/>
-              <a:latin typeface="Sylfaen" pitchFamily="18" charset="0"/>
-              <a:ea typeface="楷体_GB2312" pitchFamily="49" charset="-122"/>
-            </a:endParaRPr>
           </a:p>
         </p:txBody>
       </p:sp>
@@ -11311,17 +11220,6 @@
               </a:rPr>
               <a:t>快速恢复融合</a:t>
             </a:r>
-            <a:endParaRPr kumimoji="1" lang="zh-CN" altLang="en-US" sz="1600" b="1" i="0" u="none" strike="noStrike" cap="none" normalizeH="0" baseline="0" dirty="0" smtClean="0">
-              <a:ln>
-                <a:noFill/>
-              </a:ln>
-              <a:solidFill>
-                <a:srgbClr val="FF0000"/>
-              </a:solidFill>
-              <a:effectLst/>
-              <a:latin typeface="Sylfaen" pitchFamily="18" charset="0"/>
-              <a:ea typeface="楷体_GB2312" pitchFamily="49" charset="-122"/>
-            </a:endParaRPr>
           </a:p>
         </p:txBody>
       </p:sp>
@@ -11431,7 +11329,23 @@
             </a:r>
             <a:r>
               <a:rPr lang="zh-CN" altLang="zh-CN" sz="1800" dirty="0"/>
-              <a:t>目标携带的具有惯性测量单元的装置（如手机等）的传感器信息和深度摄像头检测的视觉</a:t>
+              <a:t>目标携带的</a:t>
+            </a:r>
+            <a:r>
+              <a:rPr lang="zh-CN" altLang="zh-CN" sz="1800" dirty="0" smtClean="0"/>
+              <a:t>具有</a:t>
+            </a:r>
+            <a:r>
+              <a:rPr lang="en-US" altLang="zh-CN" sz="1800" dirty="0" smtClean="0"/>
+              <a:t>IMU</a:t>
+            </a:r>
+            <a:r>
+              <a:rPr lang="zh-CN" altLang="zh-CN" sz="1800" dirty="0" smtClean="0"/>
+              <a:t>的</a:t>
+            </a:r>
+            <a:r>
+              <a:rPr lang="zh-CN" altLang="zh-CN" sz="1800" dirty="0"/>
+              <a:t>装置（如手机等）的传感器信息和深度摄像头检测的视觉</a:t>
             </a:r>
             <a:r>
               <a:rPr lang="zh-CN" altLang="zh-CN" sz="1800" dirty="0" smtClean="0"/>
@@ -11505,11 +11419,7 @@
             <a:pPr lvl="1"/>
             <a:r>
               <a:rPr lang="zh-CN" altLang="en-US" sz="1800" dirty="0" smtClean="0"/>
-              <a:t>能解决惯性定位</a:t>
-            </a:r>
-            <a:r>
-              <a:rPr lang="zh-CN" altLang="en-US" sz="1800" dirty="0" smtClean="0"/>
-              <a:t>中</a:t>
+              <a:t>能解决惯性定位中</a:t>
             </a:r>
             <a:r>
               <a:rPr lang="zh-CN" altLang="en-US" sz="1800" dirty="0"/>

--- a/slides/答辩ppt-杜大有1300012870.pptx
+++ b/slides/答辩ppt-杜大有1300012870.pptx
@@ -3990,8 +3990,11 @@
               <a:rPr lang="en-US" altLang="zh-CN" sz="1500" dirty="0" smtClean="0">
                 <a:latin typeface="Times New Roman" panose="02020603050405020304" pitchFamily="18" charset="0"/>
               </a:rPr>
-              <a:t>9</a:t>
-            </a:r>
+              <a:t>8</a:t>
+            </a:r>
+            <a:endParaRPr lang="en-US" altLang="zh-CN" sz="1500" dirty="0" smtClean="0">
+              <a:latin typeface="Times New Roman" panose="02020603050405020304" pitchFamily="18" charset="0"/>
+            </a:endParaRPr>
           </a:p>
         </p:txBody>
       </p:sp>
@@ -4609,12 +4612,12 @@
   <p:clrMapOvr>
     <a:masterClrMapping/>
   </p:clrMapOvr>
-  <mc:AlternateContent xmlns:mc="http://schemas.openxmlformats.org/markup-compatibility/2006" xmlns:p14="http://schemas.microsoft.com/office/powerpoint/2010/main">
-    <mc:Choice Requires="p14">
-      <p:transition spd="slow" p14:dur="2000" advTm="5104"/>
+  <mc:AlternateContent xmlns:mc="http://schemas.openxmlformats.org/markup-compatibility/2006">
+    <mc:Choice xmlns:p14="http://schemas.microsoft.com/office/powerpoint/2010/main" Requires="p14">
+      <p:transition spd="slow" p14:dur="2000" advTm="13136"/>
     </mc:Choice>
-    <mc:Fallback xmlns="">
-      <p:transition spd="slow" advTm="5104"/>
+    <mc:Fallback>
+      <p:transition spd="slow" advTm="13136"/>
     </mc:Fallback>
   </mc:AlternateContent>
   <p:timing>
@@ -5138,7 +5141,7 @@
           <p:nvPr>
             <p:extLst>
               <p:ext uri="{D42A27DB-BD31-4B8C-83A1-F6EECF244321}">
-                <p14:modId xmlns:p14="http://schemas.microsoft.com/office/powerpoint/2010/main" val="596852879"/>
+                <p14:modId xmlns:p14="http://schemas.microsoft.com/office/powerpoint/2010/main" val="3309623894"/>
               </p:ext>
             </p:extLst>
           </p:nvPr>
@@ -5290,7 +5293,11 @@
                       </a:pPr>
                       <a:r>
                         <a:rPr lang="zh-CN" altLang="en-US" dirty="0" smtClean="0"/>
-                        <a:t>采样周期相对较长</a:t>
+                        <a:t>采样和处理周期</a:t>
+                      </a:r>
+                      <a:r>
+                        <a:rPr lang="zh-CN" altLang="en-US" dirty="0" smtClean="0"/>
+                        <a:t>相对较长</a:t>
                       </a:r>
                       <a:endParaRPr lang="en-US" altLang="zh-CN" dirty="0" smtClean="0"/>
                     </a:p>
@@ -5338,12 +5345,12 @@
   <p:clrMapOvr>
     <a:masterClrMapping/>
   </p:clrMapOvr>
-  <mc:AlternateContent xmlns:mc="http://schemas.openxmlformats.org/markup-compatibility/2006" xmlns:p14="http://schemas.microsoft.com/office/powerpoint/2010/main">
-    <mc:Choice Requires="p14">
-      <p:transition spd="slow" p14:dur="2000" advTm="34737"/>
+  <mc:AlternateContent xmlns:mc="http://schemas.openxmlformats.org/markup-compatibility/2006">
+    <mc:Choice xmlns:p14="http://schemas.microsoft.com/office/powerpoint/2010/main" Requires="p14">
+      <p:transition spd="slow" p14:dur="2000" advTm="68582"/>
     </mc:Choice>
-    <mc:Fallback xmlns="">
-      <p:transition spd="slow" advTm="34737"/>
+    <mc:Fallback>
+      <p:transition spd="slow" advTm="68582"/>
     </mc:Fallback>
   </mc:AlternateContent>
   <p:timing>
@@ -6265,7 +6272,7 @@
             </a:bodyPr>
             <a:lstStyle/>
             <a:p>
-              <a:pPr marL="342900" marR="0" indent="-342900" algn="l" defTabSz="914400" rtl="0" eaLnBrk="1" fontAlgn="base" latinLnBrk="0" hangingPunct="1">
+              <a:pPr marL="342900" marR="0" indent="-342900" algn="ctr" defTabSz="914400" rtl="0" eaLnBrk="1" fontAlgn="base" latinLnBrk="0" hangingPunct="1">
                 <a:lnSpc>
                   <a:spcPct val="100000"/>
                 </a:lnSpc>
@@ -7215,12 +7222,12 @@
   <p:clrMapOvr>
     <a:masterClrMapping/>
   </p:clrMapOvr>
-  <mc:AlternateContent xmlns:mc="http://schemas.openxmlformats.org/markup-compatibility/2006" xmlns:p14="http://schemas.microsoft.com/office/powerpoint/2010/main">
-    <mc:Choice Requires="p14">
-      <p:transition spd="slow" p14:dur="2000" advTm="27918"/>
+  <mc:AlternateContent xmlns:mc="http://schemas.openxmlformats.org/markup-compatibility/2006">
+    <mc:Choice xmlns:p14="http://schemas.microsoft.com/office/powerpoint/2010/main" Requires="p14">
+      <p:transition spd="slow" p14:dur="2000" advTm="56735"/>
     </mc:Choice>
-    <mc:Fallback xmlns="">
-      <p:transition spd="slow" advTm="27918"/>
+    <mc:Fallback>
+      <p:transition spd="slow" advTm="56735"/>
     </mc:Fallback>
   </mc:AlternateContent>
   <p:timing>
@@ -9440,6 +9447,14 @@
   <p:clrMapOvr>
     <a:masterClrMapping/>
   </p:clrMapOvr>
+  <mc:AlternateContent xmlns:mc="http://schemas.openxmlformats.org/markup-compatibility/2006">
+    <mc:Choice xmlns:p14="http://schemas.microsoft.com/office/powerpoint/2010/main" Requires="p14">
+      <p:transition spd="slow" p14:dur="2000" advTm="102880"/>
+    </mc:Choice>
+    <mc:Fallback>
+      <p:transition spd="slow" advTm="102880"/>
+    </mc:Fallback>
+  </mc:AlternateContent>
   <p:timing>
     <p:tnLst>
       <p:par>
@@ -10110,12 +10125,12 @@
   <p:clrMapOvr>
     <a:masterClrMapping/>
   </p:clrMapOvr>
-  <mc:AlternateContent xmlns:mc="http://schemas.openxmlformats.org/markup-compatibility/2006" xmlns:p14="http://schemas.microsoft.com/office/powerpoint/2010/main">
-    <mc:Choice Requires="p14">
-      <p:transition spd="slow" p14:dur="2000" advTm="35061"/>
+  <mc:AlternateContent xmlns:mc="http://schemas.openxmlformats.org/markup-compatibility/2006">
+    <mc:Choice xmlns:p14="http://schemas.microsoft.com/office/powerpoint/2010/main" Requires="p14">
+      <p:transition spd="slow" p14:dur="2000" advTm="39311"/>
     </mc:Choice>
-    <mc:Fallback xmlns="">
-      <p:transition spd="slow" advTm="35061"/>
+    <mc:Fallback>
+      <p:transition spd="slow" advTm="39311"/>
     </mc:Fallback>
   </mc:AlternateContent>
   <p:timing>
@@ -10410,12 +10425,12 @@
   <p:clrMapOvr>
     <a:masterClrMapping/>
   </p:clrMapOvr>
-  <mc:AlternateContent xmlns:mc="http://schemas.openxmlformats.org/markup-compatibility/2006" xmlns:p14="http://schemas.microsoft.com/office/powerpoint/2010/main">
-    <mc:Choice Requires="p14">
-      <p:transition spd="slow" p14:dur="2000" advTm="10203"/>
+  <mc:AlternateContent xmlns:mc="http://schemas.openxmlformats.org/markup-compatibility/2006">
+    <mc:Choice xmlns:p14="http://schemas.microsoft.com/office/powerpoint/2010/main" Requires="p14">
+      <p:transition spd="slow" p14:dur="2000" advTm="9279"/>
     </mc:Choice>
-    <mc:Fallback xmlns="">
-      <p:transition spd="slow" advTm="10203"/>
+    <mc:Fallback>
+      <p:transition spd="slow" advTm="9279"/>
     </mc:Fallback>
   </mc:AlternateContent>
   <p:timing>
@@ -10533,7 +10548,7 @@
         <p:spPr>
           <a:xfrm>
             <a:off x="755576" y="5661248"/>
-            <a:ext cx="990977" cy="400110"/>
+            <a:ext cx="1116011" cy="400110"/>
           </a:xfrm>
           <a:prstGeom prst="rect">
             <a:avLst/>
@@ -10547,6 +10562,10 @@
           <a:lstStyle/>
           <a:p>
             <a:r>
+              <a:rPr lang="en-US" altLang="zh-CN" sz="2000" dirty="0" smtClean="0"/>
+              <a:t>x</a:t>
+            </a:r>
+            <a:r>
               <a:rPr lang="zh-CN" altLang="en-US" sz="2000" dirty="0" smtClean="0"/>
               <a:t>距离</a:t>
             </a:r>
@@ -10566,8 +10585,8 @@
         </p:nvSpPr>
         <p:spPr>
           <a:xfrm rot="16200000">
-            <a:off x="-115920" y="4611626"/>
-            <a:ext cx="990977" cy="400110"/>
+            <a:off x="-182444" y="4611626"/>
+            <a:ext cx="1124026" cy="400110"/>
           </a:xfrm>
           <a:prstGeom prst="rect">
             <a:avLst/>
@@ -10580,6 +10599,10 @@
           </a:bodyPr>
           <a:lstStyle/>
           <a:p>
+            <a:r>
+              <a:rPr lang="en-US" altLang="zh-CN" sz="2000" dirty="0" smtClean="0"/>
+              <a:t>y</a:t>
+            </a:r>
             <a:r>
               <a:rPr lang="zh-CN" altLang="en-US" sz="2000" dirty="0" smtClean="0"/>
               <a:t>距离</a:t>
@@ -11103,13 +11126,13 @@
         </p:nvSpPr>
         <p:spPr bwMode="auto">
           <a:xfrm>
-            <a:off x="4888485" y="3038195"/>
-            <a:ext cx="1753503" cy="701469"/>
+            <a:off x="4860032" y="2909820"/>
+            <a:ext cx="1753503" cy="871728"/>
           </a:xfrm>
           <a:prstGeom prst="wedgeRoundRectCallout">
             <a:avLst>
-              <a:gd name="adj1" fmla="val -11913"/>
-              <a:gd name="adj2" fmla="val 130772"/>
+              <a:gd name="adj1" fmla="val -8357"/>
+              <a:gd name="adj2" fmla="val 109793"/>
               <a:gd name="adj3" fmla="val 16667"/>
             </a:avLst>
           </a:prstGeom>
@@ -11130,7 +11153,7 @@
           <a:effectLst/>
         </p:spPr>
         <p:txBody>
-          <a:bodyPr vert="horz" wrap="square" lIns="91440" tIns="45720" rIns="91440" bIns="45720" numCol="1" rtlCol="0" anchor="t" anchorCtr="0" compatLnSpc="1">
+          <a:bodyPr vert="horz" wrap="square" lIns="0" tIns="0" rIns="0" bIns="0" numCol="1" rtlCol="0" anchor="t" anchorCtr="0" compatLnSpc="1">
             <a:prstTxWarp prst="textNoShape">
               <a:avLst/>
             </a:prstTxWarp>
@@ -11138,7 +11161,7 @@
           </a:bodyPr>
           <a:lstStyle/>
           <a:p>
-            <a:pPr marL="342900" marR="0" indent="-342900" algn="l" defTabSz="914400" rtl="0" eaLnBrk="1" fontAlgn="base" latinLnBrk="0" hangingPunct="1">
+            <a:pPr marL="342900" marR="0" indent="-342900" algn="ctr" defTabSz="914400" rtl="0" eaLnBrk="1" fontAlgn="base" latinLnBrk="0" hangingPunct="1">
               <a:lnSpc>
                 <a:spcPct val="100000"/>
               </a:lnSpc>
@@ -11155,42 +11178,32 @@
               <a:tabLst/>
             </a:pPr>
             <a:r>
+              <a:rPr lang="zh-CN" altLang="en-US" sz="1600" dirty="0">
+                <a:solidFill>
+                  <a:srgbClr val="FF0000"/>
+                </a:solidFill>
+                <a:ea typeface="楷体_GB2312" pitchFamily="49" charset="-122"/>
+              </a:rPr>
+              <a:t>两</a:t>
+            </a:r>
+            <a:r>
               <a:rPr lang="zh-CN" altLang="en-US" sz="1600" dirty="0" smtClean="0">
                 <a:solidFill>
                   <a:srgbClr val="FF0000"/>
                 </a:solidFill>
                 <a:ea typeface="楷体_GB2312" pitchFamily="49" charset="-122"/>
               </a:rPr>
-              <a:t>重设位置</a:t>
-            </a:r>
-            <a:r>
-              <a:rPr kumimoji="1" lang="zh-CN" altLang="en-US" sz="1600" b="1" i="0" u="none" strike="noStrike" cap="none" normalizeH="0" baseline="0" dirty="0" smtClean="0">
-                <a:ln>
-                  <a:noFill/>
-                </a:ln>
-                <a:solidFill>
-                  <a:srgbClr val="FF0000"/>
-                </a:solidFill>
-                <a:effectLst/>
-                <a:latin typeface="Sylfaen" pitchFamily="18" charset="0"/>
-                <a:ea typeface="楷体_GB2312" pitchFamily="49" charset="-122"/>
-              </a:rPr>
-              <a:t>后可以</a:t>
-            </a:r>
-            <a:endParaRPr kumimoji="1" lang="en-US" altLang="zh-CN" sz="1600" b="1" i="0" u="none" strike="noStrike" cap="none" normalizeH="0" baseline="0" dirty="0" smtClean="0">
-              <a:ln>
-                <a:noFill/>
-              </a:ln>
+              <a:t>条曲线差异不大</a:t>
+            </a:r>
+            <a:endParaRPr lang="en-US" altLang="zh-CN" sz="1600" dirty="0">
               <a:solidFill>
                 <a:srgbClr val="FF0000"/>
               </a:solidFill>
-              <a:effectLst/>
-              <a:latin typeface="Sylfaen" pitchFamily="18" charset="0"/>
               <a:ea typeface="楷体_GB2312" pitchFamily="49" charset="-122"/>
             </a:endParaRPr>
           </a:p>
           <a:p>
-            <a:pPr marL="342900" marR="0" indent="-342900" algn="l" defTabSz="914400" rtl="0" eaLnBrk="1" fontAlgn="base" latinLnBrk="0" hangingPunct="1">
+            <a:pPr marL="342900" marR="0" indent="-342900" algn="ctr" defTabSz="914400" rtl="0" eaLnBrk="1" fontAlgn="base" latinLnBrk="0" hangingPunct="1">
               <a:lnSpc>
                 <a:spcPct val="100000"/>
               </a:lnSpc>
@@ -11207,6 +11220,24 @@
               <a:tabLst/>
             </a:pPr>
             <a:r>
+              <a:rPr lang="zh-CN" altLang="en-US" sz="1600" dirty="0" smtClean="0">
+                <a:solidFill>
+                  <a:srgbClr val="FF0000"/>
+                </a:solidFill>
+                <a:ea typeface="楷体_GB2312" pitchFamily="49" charset="-122"/>
+              </a:rPr>
+              <a:t>且</a:t>
+            </a:r>
+            <a:r>
+              <a:rPr lang="zh-CN" altLang="en-US" sz="1600" dirty="0" smtClean="0">
+                <a:solidFill>
+                  <a:srgbClr val="FF0000"/>
+                </a:solidFill>
+                <a:ea typeface="楷体_GB2312" pitchFamily="49" charset="-122"/>
+              </a:rPr>
+              <a:t>重设位置</a:t>
+            </a:r>
+            <a:r>
               <a:rPr kumimoji="1" lang="zh-CN" altLang="en-US" sz="1600" b="1" i="0" u="none" strike="noStrike" cap="none" normalizeH="0" baseline="0" dirty="0" smtClean="0">
                 <a:ln>
                   <a:noFill/>
@@ -11218,7 +11249,21 @@
                 <a:latin typeface="Sylfaen" pitchFamily="18" charset="0"/>
                 <a:ea typeface="楷体_GB2312" pitchFamily="49" charset="-122"/>
               </a:rPr>
-              <a:t>快速恢复融合</a:t>
+              <a:t>后可以快速</a:t>
+            </a:r>
+            <a:r>
+              <a:rPr kumimoji="1" lang="zh-CN" altLang="en-US" sz="1600" b="1" i="0" u="none" strike="noStrike" cap="none" normalizeH="0" baseline="0" dirty="0" smtClean="0">
+                <a:ln>
+                  <a:noFill/>
+                </a:ln>
+                <a:solidFill>
+                  <a:srgbClr val="FF0000"/>
+                </a:solidFill>
+                <a:effectLst/>
+                <a:latin typeface="Sylfaen" pitchFamily="18" charset="0"/>
+                <a:ea typeface="楷体_GB2312" pitchFamily="49" charset="-122"/>
+              </a:rPr>
+              <a:t>恢复融合</a:t>
             </a:r>
           </a:p>
         </p:txBody>
@@ -11233,12 +11278,12 @@
   <p:clrMapOvr>
     <a:masterClrMapping/>
   </p:clrMapOvr>
-  <mc:AlternateContent xmlns:mc="http://schemas.openxmlformats.org/markup-compatibility/2006" xmlns:p14="http://schemas.microsoft.com/office/powerpoint/2010/main">
-    <mc:Choice Requires="p14">
-      <p:transition spd="slow" p14:dur="2000" advTm="51881"/>
+  <mc:AlternateContent xmlns:mc="http://schemas.openxmlformats.org/markup-compatibility/2006">
+    <mc:Choice xmlns:p14="http://schemas.microsoft.com/office/powerpoint/2010/main" Requires="p14">
+      <p:transition spd="slow" p14:dur="2000" advTm="35775"/>
     </mc:Choice>
-    <mc:Fallback xmlns="">
-      <p:transition spd="slow" advTm="51881"/>
+    <mc:Fallback>
+      <p:transition spd="slow" advTm="35775"/>
     </mc:Fallback>
   </mc:AlternateContent>
   <p:timing>
@@ -11252,7 +11297,7 @@
 </file>
 
 <file path=ppt/slides/slide8.xml><?xml version="1.0" encoding="utf-8"?>
-<p:sld xmlns:a="http://schemas.openxmlformats.org/drawingml/2006/main" xmlns:r="http://schemas.openxmlformats.org/officeDocument/2006/relationships" xmlns:p="http://schemas.openxmlformats.org/presentationml/2006/main">
+<p:sld xmlns:a="http://schemas.openxmlformats.org/drawingml/2006/main" xmlns:r="http://schemas.openxmlformats.org/officeDocument/2006/relationships" xmlns:p="http://schemas.openxmlformats.org/presentationml/2006/main" show="0">
   <p:cSld>
     <p:spTree>
       <p:nvGrpSpPr>
@@ -11443,7 +11488,11 @@
             <a:pPr lvl="1"/>
             <a:r>
               <a:rPr lang="zh-CN" altLang="en-US" sz="1800" dirty="0" smtClean="0"/>
-              <a:t>能解决视觉定位中的失配问题</a:t>
+              <a:t>能解决视觉定位中的</a:t>
+            </a:r>
+            <a:r>
+              <a:rPr lang="zh-CN" altLang="en-US" sz="1800" dirty="0" smtClean="0"/>
+              <a:t>失配（漏检、轨迹切换）问题</a:t>
             </a:r>
             <a:endParaRPr lang="en-US" altLang="zh-CN" sz="1800" dirty="0" smtClean="0"/>
           </a:p>
@@ -11471,12 +11520,12 @@
   <p:clrMapOvr>
     <a:masterClrMapping/>
   </p:clrMapOvr>
-  <mc:AlternateContent xmlns:mc="http://schemas.openxmlformats.org/markup-compatibility/2006" xmlns:p14="http://schemas.microsoft.com/office/powerpoint/2010/main">
-    <mc:Choice Requires="p14">
-      <p:transition spd="slow" p14:dur="2000" advTm="468"/>
+  <mc:AlternateContent xmlns:mc="http://schemas.openxmlformats.org/markup-compatibility/2006">
+    <mc:Choice xmlns:p14="http://schemas.microsoft.com/office/powerpoint/2010/main" Requires="p14">
+      <p:transition spd="slow" p14:dur="2000" advTm="5871"/>
     </mc:Choice>
-    <mc:Fallback xmlns="">
-      <p:transition spd="slow" advTm="468"/>
+    <mc:Fallback>
+      <p:transition spd="slow" advTm="5871"/>
     </mc:Fallback>
   </mc:AlternateContent>
   <p:timing>
@@ -11572,12 +11621,12 @@
   <p:clrMapOvr>
     <a:masterClrMapping/>
   </p:clrMapOvr>
-  <mc:AlternateContent xmlns:mc="http://schemas.openxmlformats.org/markup-compatibility/2006" xmlns:p14="http://schemas.microsoft.com/office/powerpoint/2010/main">
-    <mc:Choice Requires="p14">
-      <p:transition spd="slow" p14:dur="2000" advTm="610"/>
+  <mc:AlternateContent xmlns:mc="http://schemas.openxmlformats.org/markup-compatibility/2006">
+    <mc:Choice xmlns:p14="http://schemas.microsoft.com/office/powerpoint/2010/main" Requires="p14">
+      <p:transition spd="slow" p14:dur="2000" advTm="160"/>
     </mc:Choice>
-    <mc:Fallback xmlns="">
-      <p:transition spd="slow" advTm="610"/>
+    <mc:Fallback>
+      <p:transition spd="slow" advTm="160"/>
     </mc:Fallback>
   </mc:AlternateContent>
   <p:timing>

--- a/slides/答辩ppt-杜大有1300012870.pptx
+++ b/slides/答辩ppt-杜大有1300012870.pptx
@@ -5,10 +5,10 @@
     <p:sldMasterId id="2147483649" r:id="rId1"/>
   </p:sldMasterIdLst>
   <p:notesMasterIdLst>
-    <p:notesMasterId r:id="rId11"/>
+    <p:notesMasterId r:id="rId13"/>
   </p:notesMasterIdLst>
   <p:handoutMasterIdLst>
-    <p:handoutMasterId r:id="rId12"/>
+    <p:handoutMasterId r:id="rId14"/>
   </p:handoutMasterIdLst>
   <p:sldIdLst>
     <p:sldId id="901" r:id="rId2"/>
@@ -19,7 +19,9 @@
     <p:sldId id="908" r:id="rId7"/>
     <p:sldId id="910" r:id="rId8"/>
     <p:sldId id="911" r:id="rId9"/>
-    <p:sldId id="912" r:id="rId10"/>
+    <p:sldId id="916" r:id="rId10"/>
+    <p:sldId id="915" r:id="rId11"/>
+    <p:sldId id="912" r:id="rId12"/>
   </p:sldIdLst>
   <p:sldSz cx="9144000" cy="6858000" type="screen4x3"/>
   <p:notesSz cx="7099300" cy="10234613"/>
@@ -3990,7 +3992,7 @@
               <a:rPr lang="en-US" altLang="zh-CN" sz="1500" dirty="0" smtClean="0">
                 <a:latin typeface="Times New Roman" panose="02020603050405020304" pitchFamily="18" charset="0"/>
               </a:rPr>
-              <a:t>8</a:t>
+              <a:t>9</a:t>
             </a:r>
             <a:endParaRPr lang="en-US" altLang="zh-CN" sz="1500" dirty="0" smtClean="0">
               <a:latin typeface="Times New Roman" panose="02020603050405020304" pitchFamily="18" charset="0"/>
@@ -4614,10 +4616,349 @@
   </p:clrMapOvr>
   <mc:AlternateContent xmlns:mc="http://schemas.openxmlformats.org/markup-compatibility/2006">
     <mc:Choice xmlns:p14="http://schemas.microsoft.com/office/powerpoint/2010/main" Requires="p14">
-      <p:transition spd="slow" p14:dur="2000" advTm="13136"/>
+      <p:transition spd="slow" p14:dur="2000" advTm="10504"/>
     </mc:Choice>
     <mc:Fallback>
-      <p:transition spd="slow" advTm="13136"/>
+      <p:transition spd="slow" advTm="10504"/>
+    </mc:Fallback>
+  </mc:AlternateContent>
+  <p:timing>
+    <p:tnLst>
+      <p:par>
+        <p:cTn id="1" dur="indefinite" restart="never" nodeType="tmRoot"/>
+      </p:par>
+    </p:tnLst>
+  </p:timing>
+</p:sld>
+</file>
+
+<file path=ppt/slides/slide10.xml><?xml version="1.0" encoding="utf-8"?>
+<p:sld xmlns:a="http://schemas.openxmlformats.org/drawingml/2006/main" xmlns:r="http://schemas.openxmlformats.org/officeDocument/2006/relationships" xmlns:p="http://schemas.openxmlformats.org/presentationml/2006/main" show="0">
+  <p:cSld>
+    <p:spTree>
+      <p:nvGrpSpPr>
+        <p:cNvPr id="1" name=""/>
+        <p:cNvGrpSpPr/>
+        <p:nvPr/>
+      </p:nvGrpSpPr>
+      <p:grpSpPr>
+        <a:xfrm>
+          <a:off x="0" y="0"/>
+          <a:ext cx="0" cy="0"/>
+          <a:chOff x="0" y="0"/>
+          <a:chExt cx="0" cy="0"/>
+        </a:xfrm>
+      </p:grpSpPr>
+      <p:sp>
+        <p:nvSpPr>
+          <p:cNvPr id="2" name="标题 1"/>
+          <p:cNvSpPr>
+            <a:spLocks noGrp="1"/>
+          </p:cNvSpPr>
+          <p:nvPr>
+            <p:ph type="title"/>
+          </p:nvPr>
+        </p:nvSpPr>
+        <p:spPr>
+          <a:xfrm>
+            <a:off x="1752600" y="260350"/>
+            <a:ext cx="7391400" cy="863600"/>
+          </a:xfrm>
+        </p:spPr>
+        <p:txBody>
+          <a:bodyPr/>
+          <a:lstStyle/>
+          <a:p>
+            <a:r>
+              <a:rPr lang="zh-CN" altLang="en-US" dirty="0" smtClean="0"/>
+              <a:t>总结</a:t>
+            </a:r>
+            <a:endParaRPr lang="zh-CN" altLang="en-US" dirty="0"/>
+          </a:p>
+        </p:txBody>
+      </p:sp>
+      <p:sp>
+        <p:nvSpPr>
+          <p:cNvPr id="3" name="内容占位符 2"/>
+          <p:cNvSpPr>
+            <a:spLocks noGrp="1"/>
+          </p:cNvSpPr>
+          <p:nvPr>
+            <p:ph idx="1"/>
+          </p:nvPr>
+        </p:nvSpPr>
+        <p:spPr/>
+        <p:txBody>
+          <a:bodyPr/>
+          <a:lstStyle/>
+          <a:p>
+            <a:r>
+              <a:rPr lang="zh-CN" altLang="zh-CN" sz="2000" dirty="0"/>
+              <a:t>设计并实现了一种视觉和惯性定位结合的传感器融合</a:t>
+            </a:r>
+            <a:r>
+              <a:rPr lang="zh-CN" altLang="zh-CN" sz="2000" dirty="0" smtClean="0"/>
+              <a:t>系统</a:t>
+            </a:r>
+            <a:endParaRPr lang="en-US" altLang="zh-CN" sz="2000" dirty="0" smtClean="0"/>
+          </a:p>
+          <a:p>
+            <a:pPr lvl="1"/>
+            <a:r>
+              <a:rPr lang="zh-CN" altLang="zh-CN" sz="1800" dirty="0" smtClean="0"/>
+              <a:t>获取</a:t>
+            </a:r>
+            <a:r>
+              <a:rPr lang="zh-CN" altLang="zh-CN" sz="1800" dirty="0"/>
+              <a:t>目标携带的</a:t>
+            </a:r>
+            <a:r>
+              <a:rPr lang="zh-CN" altLang="zh-CN" sz="1800" dirty="0" smtClean="0"/>
+              <a:t>具有</a:t>
+            </a:r>
+            <a:r>
+              <a:rPr lang="en-US" altLang="zh-CN" sz="1800" dirty="0" smtClean="0"/>
+              <a:t>IMU</a:t>
+            </a:r>
+            <a:r>
+              <a:rPr lang="zh-CN" altLang="zh-CN" sz="1800" dirty="0" smtClean="0"/>
+              <a:t>的</a:t>
+            </a:r>
+            <a:r>
+              <a:rPr lang="zh-CN" altLang="zh-CN" sz="1800" dirty="0"/>
+              <a:t>装置（如手机等）的传感器信息和深度摄像头检测的视觉</a:t>
+            </a:r>
+            <a:r>
+              <a:rPr lang="zh-CN" altLang="zh-CN" sz="1800" dirty="0" smtClean="0"/>
+              <a:t>信息</a:t>
+            </a:r>
+            <a:endParaRPr lang="en-US" altLang="zh-CN" sz="1800" dirty="0" smtClean="0"/>
+          </a:p>
+          <a:p>
+            <a:pPr lvl="1"/>
+            <a:r>
+              <a:rPr lang="zh-CN" altLang="zh-CN" sz="1800" dirty="0" smtClean="0"/>
+              <a:t>使用</a:t>
+            </a:r>
+            <a:r>
+              <a:rPr lang="zh-CN" altLang="zh-CN" sz="1800" dirty="0"/>
+              <a:t>扩展卡尔曼滤波器融合校正惯性装置</a:t>
+            </a:r>
+            <a:r>
+              <a:rPr lang="zh-CN" altLang="zh-CN" sz="1800" dirty="0" smtClean="0"/>
+              <a:t>姿态</a:t>
+            </a:r>
+            <a:endParaRPr lang="en-US" altLang="zh-CN" sz="1800" dirty="0" smtClean="0"/>
+          </a:p>
+          <a:p>
+            <a:pPr lvl="1"/>
+            <a:r>
+              <a:rPr lang="zh-CN" altLang="zh-CN" sz="1800" dirty="0" smtClean="0"/>
+              <a:t>对</a:t>
+            </a:r>
+            <a:r>
+              <a:rPr lang="zh-CN" altLang="zh-CN" sz="1800" dirty="0"/>
+              <a:t>目标进行实时的惯性定位，并利用视觉信息进行融合</a:t>
+            </a:r>
+            <a:r>
+              <a:rPr lang="zh-CN" altLang="zh-CN" sz="1800" dirty="0" smtClean="0"/>
+              <a:t>校正</a:t>
+            </a:r>
+            <a:endParaRPr lang="en-US" altLang="zh-CN" sz="1800" dirty="0" smtClean="0"/>
+          </a:p>
+          <a:p>
+            <a:pPr lvl="1"/>
+            <a:r>
+              <a:rPr lang="zh-CN" altLang="en-US" sz="1800" dirty="0"/>
+              <a:t>反馈</a:t>
+            </a:r>
+            <a:r>
+              <a:rPr lang="zh-CN" altLang="zh-CN" sz="1800" dirty="0" smtClean="0"/>
+              <a:t>校正</a:t>
+            </a:r>
+            <a:r>
+              <a:rPr lang="zh-CN" altLang="zh-CN" sz="1800" dirty="0"/>
+              <a:t>后的</a:t>
+            </a:r>
+            <a:r>
+              <a:rPr lang="zh-CN" altLang="zh-CN" sz="1800" dirty="0" smtClean="0"/>
+              <a:t>位置信息</a:t>
+            </a:r>
+            <a:endParaRPr lang="en-US" altLang="zh-CN" sz="1800" dirty="0" smtClean="0"/>
+          </a:p>
+          <a:p>
+            <a:endParaRPr lang="en-US" altLang="zh-CN" sz="2000" dirty="0"/>
+          </a:p>
+          <a:p>
+            <a:r>
+              <a:rPr lang="zh-CN" altLang="en-US" sz="2000" dirty="0" smtClean="0"/>
+              <a:t>实验验证</a:t>
+            </a:r>
+            <a:endParaRPr lang="en-US" altLang="zh-CN" sz="2000" dirty="0" smtClean="0"/>
+          </a:p>
+          <a:p>
+            <a:pPr lvl="1"/>
+            <a:r>
+              <a:rPr lang="zh-CN" altLang="en-US" sz="1800" dirty="0" smtClean="0"/>
+              <a:t>能解决惯性定位中</a:t>
+            </a:r>
+            <a:r>
+              <a:rPr lang="zh-CN" altLang="en-US" sz="1800" dirty="0"/>
+              <a:t>两重</a:t>
+            </a:r>
+            <a:r>
+              <a:rPr lang="zh-CN" altLang="en-US" sz="1800" dirty="0" smtClean="0"/>
+              <a:t>积分</a:t>
+            </a:r>
+            <a:r>
+              <a:rPr lang="zh-CN" altLang="en-US" sz="1800" dirty="0"/>
+              <a:t>带来的累计</a:t>
+            </a:r>
+            <a:r>
+              <a:rPr lang="zh-CN" altLang="en-US" sz="1800" dirty="0" smtClean="0"/>
+              <a:t>误差问题</a:t>
+            </a:r>
+            <a:endParaRPr lang="en-US" altLang="zh-CN" sz="1800" dirty="0" smtClean="0"/>
+          </a:p>
+          <a:p>
+            <a:pPr lvl="1"/>
+            <a:r>
+              <a:rPr lang="zh-CN" altLang="en-US" sz="1800" dirty="0" smtClean="0"/>
+              <a:t>能解决视觉定位中的失配（漏检、轨迹切换）问题</a:t>
+            </a:r>
+            <a:endParaRPr lang="en-US" altLang="zh-CN" sz="1800" dirty="0" smtClean="0"/>
+          </a:p>
+          <a:p>
+            <a:pPr lvl="1"/>
+            <a:r>
+              <a:rPr lang="zh-CN" altLang="en-US" sz="1800" dirty="0" smtClean="0"/>
+              <a:t>对运动路径的还原相对准确</a:t>
+            </a:r>
+            <a:endParaRPr lang="en-US" altLang="zh-CN" sz="1800" dirty="0"/>
+          </a:p>
+          <a:p>
+            <a:pPr lvl="1"/>
+            <a:endParaRPr lang="zh-CN" altLang="en-US" sz="1800" dirty="0"/>
+          </a:p>
+        </p:txBody>
+      </p:sp>
+    </p:spTree>
+    <p:extLst>
+      <p:ext uri="{BB962C8B-B14F-4D97-AF65-F5344CB8AC3E}">
+        <p14:creationId xmlns:p14="http://schemas.microsoft.com/office/powerpoint/2010/main" val="1769847037"/>
+      </p:ext>
+    </p:extLst>
+  </p:cSld>
+  <p:clrMapOvr>
+    <a:masterClrMapping/>
+  </p:clrMapOvr>
+  <mc:AlternateContent xmlns:mc="http://schemas.openxmlformats.org/markup-compatibility/2006">
+    <mc:Choice xmlns:p14="http://schemas.microsoft.com/office/powerpoint/2010/main" Requires="p14">
+      <p:transition spd="slow" p14:dur="2000" advTm="5871"/>
+    </mc:Choice>
+    <mc:Fallback>
+      <p:transition spd="slow" advTm="5871"/>
+    </mc:Fallback>
+  </mc:AlternateContent>
+  <p:timing>
+    <p:tnLst>
+      <p:par>
+        <p:cTn id="1" dur="indefinite" restart="never" nodeType="tmRoot"/>
+      </p:par>
+    </p:tnLst>
+  </p:timing>
+</p:sld>
+</file>
+
+<file path=ppt/slides/slide11.xml><?xml version="1.0" encoding="utf-8"?>
+<p:sld xmlns:a="http://schemas.openxmlformats.org/drawingml/2006/main" xmlns:r="http://schemas.openxmlformats.org/officeDocument/2006/relationships" xmlns:p="http://schemas.openxmlformats.org/presentationml/2006/main">
+  <p:cSld>
+    <p:spTree>
+      <p:nvGrpSpPr>
+        <p:cNvPr id="1" name=""/>
+        <p:cNvGrpSpPr/>
+        <p:nvPr/>
+      </p:nvGrpSpPr>
+      <p:grpSpPr>
+        <a:xfrm>
+          <a:off x="0" y="0"/>
+          <a:ext cx="0" cy="0"/>
+          <a:chOff x="0" y="0"/>
+          <a:chExt cx="0" cy="0"/>
+        </a:xfrm>
+      </p:grpSpPr>
+      <p:sp>
+        <p:nvSpPr>
+          <p:cNvPr id="778242" name="Text Box 2"/>
+          <p:cNvSpPr txBox="1">
+            <a:spLocks noChangeArrowheads="1"/>
+          </p:cNvSpPr>
+          <p:nvPr/>
+        </p:nvSpPr>
+        <p:spPr bwMode="auto">
+          <a:xfrm>
+            <a:off x="2339975" y="2362200"/>
+            <a:ext cx="4648200" cy="1311275"/>
+          </a:xfrm>
+          <a:prstGeom prst="rect">
+            <a:avLst/>
+          </a:prstGeom>
+          <a:noFill/>
+          <a:ln w="9525">
+            <a:noFill/>
+            <a:miter lim="800000"/>
+            <a:headEnd/>
+            <a:tailEnd/>
+          </a:ln>
+          <a:effectLst/>
+        </p:spPr>
+        <p:txBody>
+          <a:bodyPr>
+            <a:spAutoFit/>
+          </a:bodyPr>
+          <a:lstStyle/>
+          <a:p>
+            <a:pPr algn="ctr" eaLnBrk="0" hangingPunct="0">
+              <a:spcBef>
+                <a:spcPct val="50000"/>
+              </a:spcBef>
+              <a:defRPr/>
+            </a:pPr>
+            <a:r>
+              <a:rPr lang="zh-CN" altLang="en-US" sz="8000" b="0" dirty="0">
+                <a:solidFill>
+                  <a:srgbClr val="FF3300"/>
+                </a:solidFill>
+                <a:effectLst>
+                  <a:outerShdw blurRad="38100" dist="38100" dir="2700000" algn="tl">
+                    <a:srgbClr val="C0C0C0"/>
+                  </a:outerShdw>
+                </a:effectLst>
+                <a:latin typeface="华文新魏" pitchFamily="2" charset="-122"/>
+                <a:ea typeface="华文新魏" pitchFamily="2" charset="-122"/>
+                <a:cs typeface="+mn-cs"/>
+              </a:rPr>
+              <a:t>谢   谢  ！</a:t>
+            </a:r>
+          </a:p>
+        </p:txBody>
+      </p:sp>
+    </p:spTree>
+    <p:extLst>
+      <p:ext uri="{BB962C8B-B14F-4D97-AF65-F5344CB8AC3E}">
+        <p14:creationId xmlns:p14="http://schemas.microsoft.com/office/powerpoint/2010/main" val="1858407983"/>
+      </p:ext>
+    </p:extLst>
+  </p:cSld>
+  <p:clrMapOvr>
+    <a:masterClrMapping/>
+  </p:clrMapOvr>
+  <mc:AlternateContent xmlns:mc="http://schemas.openxmlformats.org/markup-compatibility/2006" xmlns:p14="http://schemas.microsoft.com/office/powerpoint/2010/main">
+    <mc:Choice Requires="p14">
+      <p:transition spd="slow" p14:dur="2000" advTm="160"/>
+    </mc:Choice>
+    <mc:Fallback xmlns="">
+      <p:transition spd="slow" advTm="160"/>
     </mc:Fallback>
   </mc:AlternateContent>
   <p:timing>
@@ -5293,11 +5634,7 @@
                       </a:pPr>
                       <a:r>
                         <a:rPr lang="zh-CN" altLang="en-US" dirty="0" smtClean="0"/>
-                        <a:t>采样和处理周期</a:t>
-                      </a:r>
-                      <a:r>
-                        <a:rPr lang="zh-CN" altLang="en-US" dirty="0" smtClean="0"/>
-                        <a:t>相对较长</a:t>
+                        <a:t>采样和处理周期相对较长</a:t>
                       </a:r>
                       <a:endParaRPr lang="en-US" altLang="zh-CN" dirty="0" smtClean="0"/>
                     </a:p>
@@ -5347,10 +5684,10 @@
   </p:clrMapOvr>
   <mc:AlternateContent xmlns:mc="http://schemas.openxmlformats.org/markup-compatibility/2006">
     <mc:Choice xmlns:p14="http://schemas.microsoft.com/office/powerpoint/2010/main" Requires="p14">
-      <p:transition spd="slow" p14:dur="2000" advTm="68582"/>
+      <p:transition spd="slow" p14:dur="2000" advTm="71226"/>
     </mc:Choice>
     <mc:Fallback>
-      <p:transition spd="slow" advTm="68582"/>
+      <p:transition spd="slow" advTm="71226"/>
     </mc:Fallback>
   </mc:AlternateContent>
   <p:timing>
@@ -7224,10 +7561,10 @@
   </p:clrMapOvr>
   <mc:AlternateContent xmlns:mc="http://schemas.openxmlformats.org/markup-compatibility/2006">
     <mc:Choice xmlns:p14="http://schemas.microsoft.com/office/powerpoint/2010/main" Requires="p14">
-      <p:transition spd="slow" p14:dur="2000" advTm="56735"/>
+      <p:transition spd="slow" p14:dur="2000" advTm="47163"/>
     </mc:Choice>
     <mc:Fallback>
-      <p:transition spd="slow" advTm="56735"/>
+      <p:transition spd="slow" advTm="47163"/>
     </mc:Fallback>
   </mc:AlternateContent>
   <p:timing>
@@ -7940,8 +8277,33 @@
                   <a:latin typeface="Sylfaen" pitchFamily="18" charset="0"/>
                   <a:ea typeface="楷体_GB2312" pitchFamily="49" charset="-122"/>
                 </a:rPr>
-                <a:t>根据位置信息发出控制命令</a:t>
+                <a:t>根据位置信息发出控制</a:t>
               </a:r>
+              <a:r>
+                <a:rPr kumimoji="1" lang="zh-CN" altLang="en-US" sz="1800" b="1" i="0" u="none" strike="noStrike" cap="none" normalizeH="0" baseline="0" dirty="0" smtClean="0">
+                  <a:ln>
+                    <a:noFill/>
+                  </a:ln>
+                  <a:solidFill>
+                    <a:srgbClr val="000066"/>
+                  </a:solidFill>
+                  <a:effectLst/>
+                  <a:latin typeface="Sylfaen" pitchFamily="18" charset="0"/>
+                  <a:ea typeface="楷体_GB2312" pitchFamily="49" charset="-122"/>
+                </a:rPr>
+                <a:t>命令（导航）</a:t>
+              </a:r>
+              <a:endParaRPr kumimoji="1" lang="zh-CN" altLang="en-US" sz="1800" b="1" i="0" u="none" strike="noStrike" cap="none" normalizeH="0" baseline="0" dirty="0" smtClean="0">
+                <a:ln>
+                  <a:noFill/>
+                </a:ln>
+                <a:solidFill>
+                  <a:srgbClr val="000066"/>
+                </a:solidFill>
+                <a:effectLst/>
+                <a:latin typeface="Sylfaen" pitchFamily="18" charset="0"/>
+                <a:ea typeface="楷体_GB2312" pitchFamily="49" charset="-122"/>
+              </a:endParaRPr>
             </a:p>
           </p:txBody>
         </p:sp>
@@ -9449,10 +9811,10 @@
   </p:clrMapOvr>
   <mc:AlternateContent xmlns:mc="http://schemas.openxmlformats.org/markup-compatibility/2006">
     <mc:Choice xmlns:p14="http://schemas.microsoft.com/office/powerpoint/2010/main" Requires="p14">
-      <p:transition spd="slow" p14:dur="2000" advTm="102880"/>
+      <p:transition spd="slow" p14:dur="2000" advTm="101851"/>
     </mc:Choice>
     <mc:Fallback>
-      <p:transition spd="slow" advTm="102880"/>
+      <p:transition spd="slow" advTm="101851"/>
     </mc:Fallback>
   </mc:AlternateContent>
   <p:timing>
@@ -10127,10 +10489,10 @@
   </p:clrMapOvr>
   <mc:AlternateContent xmlns:mc="http://schemas.openxmlformats.org/markup-compatibility/2006">
     <mc:Choice xmlns:p14="http://schemas.microsoft.com/office/powerpoint/2010/main" Requires="p14">
-      <p:transition spd="slow" p14:dur="2000" advTm="39311"/>
+      <p:transition spd="slow" p14:dur="2000" advTm="40445"/>
     </mc:Choice>
     <mc:Fallback>
-      <p:transition spd="slow" advTm="39311"/>
+      <p:transition spd="slow" advTm="40445"/>
     </mc:Fallback>
   </mc:AlternateContent>
   <p:timing>
@@ -10427,10 +10789,10 @@
   </p:clrMapOvr>
   <mc:AlternateContent xmlns:mc="http://schemas.openxmlformats.org/markup-compatibility/2006">
     <mc:Choice xmlns:p14="http://schemas.microsoft.com/office/powerpoint/2010/main" Requires="p14">
-      <p:transition spd="slow" p14:dur="2000" advTm="9279"/>
+      <p:transition spd="slow" p14:dur="2000" advTm="13404"/>
     </mc:Choice>
     <mc:Fallback>
-      <p:transition spd="slow" advTm="9279"/>
+      <p:transition spd="slow" advTm="13404"/>
     </mc:Fallback>
   </mc:AlternateContent>
   <p:timing>
@@ -11226,16 +11588,7 @@
                 </a:solidFill>
                 <a:ea typeface="楷体_GB2312" pitchFamily="49" charset="-122"/>
               </a:rPr>
-              <a:t>且</a:t>
-            </a:r>
-            <a:r>
-              <a:rPr lang="zh-CN" altLang="en-US" sz="1600" dirty="0" smtClean="0">
-                <a:solidFill>
-                  <a:srgbClr val="FF0000"/>
-                </a:solidFill>
-                <a:ea typeface="楷体_GB2312" pitchFamily="49" charset="-122"/>
-              </a:rPr>
-              <a:t>重设位置</a:t>
+              <a:t>且重设位置</a:t>
             </a:r>
             <a:r>
               <a:rPr kumimoji="1" lang="zh-CN" altLang="en-US" sz="1600" b="1" i="0" u="none" strike="noStrike" cap="none" normalizeH="0" baseline="0" dirty="0" smtClean="0">
@@ -11249,21 +11602,7 @@
                 <a:latin typeface="Sylfaen" pitchFamily="18" charset="0"/>
                 <a:ea typeface="楷体_GB2312" pitchFamily="49" charset="-122"/>
               </a:rPr>
-              <a:t>后可以快速</a:t>
-            </a:r>
-            <a:r>
-              <a:rPr kumimoji="1" lang="zh-CN" altLang="en-US" sz="1600" b="1" i="0" u="none" strike="noStrike" cap="none" normalizeH="0" baseline="0" dirty="0" smtClean="0">
-                <a:ln>
-                  <a:noFill/>
-                </a:ln>
-                <a:solidFill>
-                  <a:srgbClr val="FF0000"/>
-                </a:solidFill>
-                <a:effectLst/>
-                <a:latin typeface="Sylfaen" pitchFamily="18" charset="0"/>
-                <a:ea typeface="楷体_GB2312" pitchFamily="49" charset="-122"/>
-              </a:rPr>
-              <a:t>恢复融合</a:t>
+              <a:t>后可以快速恢复融合</a:t>
             </a:r>
           </a:p>
         </p:txBody>
@@ -11280,10 +11619,10 @@
   </p:clrMapOvr>
   <mc:AlternateContent xmlns:mc="http://schemas.openxmlformats.org/markup-compatibility/2006">
     <mc:Choice xmlns:p14="http://schemas.microsoft.com/office/powerpoint/2010/main" Requires="p14">
-      <p:transition spd="slow" p14:dur="2000" advTm="35775"/>
+      <p:transition spd="slow" p14:dur="2000" advTm="55226"/>
     </mc:Choice>
     <mc:Fallback>
-      <p:transition spd="slow" advTm="35775"/>
+      <p:transition spd="slow" advTm="55226"/>
     </mc:Fallback>
   </mc:AlternateContent>
   <p:timing>
@@ -11297,7 +11636,7 @@
 </file>
 
 <file path=ppt/slides/slide8.xml><?xml version="1.0" encoding="utf-8"?>
-<p:sld xmlns:a="http://schemas.openxmlformats.org/drawingml/2006/main" xmlns:r="http://schemas.openxmlformats.org/officeDocument/2006/relationships" xmlns:p="http://schemas.openxmlformats.org/presentationml/2006/main" show="0">
+<p:sld xmlns:a="http://schemas.openxmlformats.org/drawingml/2006/main" xmlns:r="http://schemas.openxmlformats.org/officeDocument/2006/relationships" xmlns:p="http://schemas.openxmlformats.org/presentationml/2006/main">
   <p:cSld>
     <p:spTree>
       <p:nvGrpSpPr>
@@ -11369,86 +11708,118 @@
           <a:p>
             <a:pPr lvl="1"/>
             <a:r>
-              <a:rPr lang="zh-CN" altLang="zh-CN" sz="1800" dirty="0" smtClean="0"/>
-              <a:t>获取</a:t>
-            </a:r>
-            <a:r>
-              <a:rPr lang="zh-CN" altLang="zh-CN" sz="1800" dirty="0"/>
-              <a:t>目标携带的</a:t>
-            </a:r>
-            <a:r>
-              <a:rPr lang="zh-CN" altLang="zh-CN" sz="1800" dirty="0" smtClean="0"/>
-              <a:t>具有</a:t>
+              <a:rPr lang="zh-CN" altLang="en-US" sz="1800" dirty="0" smtClean="0"/>
+              <a:t>输入数据：</a:t>
+            </a:r>
+            <a:r>
+              <a:rPr lang="en-US" altLang="zh-CN" sz="1800" dirty="0" smtClean="0"/>
+              <a:t>9</a:t>
+            </a:r>
+            <a:r>
+              <a:rPr lang="zh-CN" altLang="en-US" sz="1800" dirty="0" smtClean="0"/>
+              <a:t>轴</a:t>
             </a:r>
             <a:r>
               <a:rPr lang="en-US" altLang="zh-CN" sz="1800" dirty="0" smtClean="0"/>
               <a:t>IMU</a:t>
             </a:r>
             <a:r>
-              <a:rPr lang="zh-CN" altLang="zh-CN" sz="1800" dirty="0" smtClean="0"/>
+              <a:rPr lang="zh-CN" altLang="en-US" sz="1800" dirty="0" smtClean="0"/>
+              <a:t>读数，深度摄像头图像</a:t>
+            </a:r>
+            <a:endParaRPr lang="en-US" altLang="zh-CN" sz="1800" dirty="0" smtClean="0"/>
+          </a:p>
+          <a:p>
+            <a:pPr lvl="1"/>
+            <a:r>
+              <a:rPr lang="zh-CN" altLang="en-US" sz="1800" dirty="0" smtClean="0"/>
+              <a:t>步骤：</a:t>
+            </a:r>
+            <a:endParaRPr lang="en-US" altLang="zh-CN" sz="1800" dirty="0" smtClean="0"/>
+          </a:p>
+          <a:p>
+            <a:pPr lvl="2"/>
+            <a:r>
+              <a:rPr lang="en-US" altLang="zh-CN" sz="1600" dirty="0"/>
+              <a:t>E</a:t>
+            </a:r>
+            <a:r>
+              <a:rPr lang="en-US" altLang="zh-CN" sz="1600" dirty="0" smtClean="0"/>
+              <a:t>KF</a:t>
+            </a:r>
+            <a:r>
+              <a:rPr lang="zh-CN" altLang="en-US" sz="1600" dirty="0" smtClean="0"/>
+              <a:t>融合</a:t>
+            </a:r>
+            <a:r>
+              <a:rPr lang="zh-CN" altLang="zh-CN" sz="1600" dirty="0" smtClean="0"/>
+              <a:t>校正</a:t>
+            </a:r>
+            <a:r>
+              <a:rPr lang="zh-CN" altLang="zh-CN" sz="1600" dirty="0"/>
+              <a:t>惯性装置</a:t>
+            </a:r>
+            <a:r>
+              <a:rPr lang="zh-CN" altLang="zh-CN" sz="1600" dirty="0" smtClean="0"/>
+              <a:t>姿态</a:t>
+            </a:r>
+            <a:endParaRPr lang="en-US" altLang="zh-CN" sz="1600" dirty="0"/>
+          </a:p>
+          <a:p>
+            <a:pPr lvl="2"/>
+            <a:r>
+              <a:rPr lang="zh-CN" altLang="zh-CN" sz="1600" dirty="0" smtClean="0"/>
+              <a:t>惯性定位</a:t>
+            </a:r>
+            <a:r>
+              <a:rPr lang="en-US" altLang="zh-CN" sz="1600" dirty="0" smtClean="0"/>
+              <a:t>+</a:t>
+            </a:r>
+            <a:r>
+              <a:rPr lang="zh-CN" altLang="en-US" sz="1600" dirty="0" smtClean="0"/>
+              <a:t>视觉定位</a:t>
+            </a:r>
+            <a:r>
+              <a:rPr lang="en-US" altLang="zh-CN" sz="1600" dirty="0" smtClean="0"/>
+              <a:t>KF</a:t>
+            </a:r>
+            <a:r>
+              <a:rPr lang="zh-CN" altLang="zh-CN" sz="1600" dirty="0" smtClean="0"/>
+              <a:t>融合校正</a:t>
+            </a:r>
+            <a:r>
+              <a:rPr lang="zh-CN" altLang="en-US" sz="1600" dirty="0"/>
+              <a:t>运动速度</a:t>
+            </a:r>
+            <a:endParaRPr lang="en-US" altLang="zh-CN" sz="1800" dirty="0" smtClean="0"/>
+          </a:p>
+          <a:p>
+            <a:pPr lvl="2"/>
+            <a:r>
+              <a:rPr lang="zh-CN" altLang="en-US" sz="1600" dirty="0"/>
+              <a:t>反馈</a:t>
+            </a:r>
+            <a:r>
+              <a:rPr lang="zh-CN" altLang="zh-CN" sz="1600" dirty="0" smtClean="0"/>
+              <a:t>校正</a:t>
+            </a:r>
+            <a:r>
+              <a:rPr lang="zh-CN" altLang="zh-CN" sz="1600" dirty="0"/>
+              <a:t>后</a:t>
+            </a:r>
+            <a:r>
+              <a:rPr lang="zh-CN" altLang="zh-CN" sz="1600" dirty="0" smtClean="0"/>
               <a:t>的</a:t>
             </a:r>
             <a:r>
-              <a:rPr lang="zh-CN" altLang="zh-CN" sz="1800" dirty="0"/>
-              <a:t>装置（如手机等）的传感器信息和深度摄像头检测的视觉</a:t>
-            </a:r>
-            <a:r>
-              <a:rPr lang="zh-CN" altLang="zh-CN" sz="1800" dirty="0" smtClean="0"/>
-              <a:t>信息</a:t>
-            </a:r>
-            <a:endParaRPr lang="en-US" altLang="zh-CN" sz="1800" dirty="0" smtClean="0"/>
-          </a:p>
-          <a:p>
-            <a:pPr lvl="1"/>
-            <a:r>
-              <a:rPr lang="zh-CN" altLang="zh-CN" sz="1800" dirty="0" smtClean="0"/>
-              <a:t>使用</a:t>
-            </a:r>
-            <a:r>
-              <a:rPr lang="zh-CN" altLang="zh-CN" sz="1800" dirty="0"/>
-              <a:t>扩展卡尔曼滤波器融合校正惯性装置</a:t>
-            </a:r>
-            <a:r>
-              <a:rPr lang="zh-CN" altLang="zh-CN" sz="1800" dirty="0" smtClean="0"/>
-              <a:t>姿态</a:t>
-            </a:r>
-            <a:endParaRPr lang="en-US" altLang="zh-CN" sz="1800" dirty="0" smtClean="0"/>
-          </a:p>
-          <a:p>
-            <a:pPr lvl="1"/>
-            <a:r>
-              <a:rPr lang="zh-CN" altLang="zh-CN" sz="1800" dirty="0" smtClean="0"/>
-              <a:t>对</a:t>
-            </a:r>
-            <a:r>
-              <a:rPr lang="zh-CN" altLang="zh-CN" sz="1800" dirty="0"/>
-              <a:t>目标进行实时的惯性定位，并利用视觉信息进行融合</a:t>
-            </a:r>
-            <a:r>
-              <a:rPr lang="zh-CN" altLang="zh-CN" sz="1800" dirty="0" smtClean="0"/>
-              <a:t>校正</a:t>
-            </a:r>
-            <a:endParaRPr lang="en-US" altLang="zh-CN" sz="1800" dirty="0" smtClean="0"/>
-          </a:p>
-          <a:p>
-            <a:pPr lvl="1"/>
-            <a:r>
-              <a:rPr lang="zh-CN" altLang="en-US" sz="1800" dirty="0"/>
-              <a:t>反馈</a:t>
-            </a:r>
-            <a:r>
-              <a:rPr lang="zh-CN" altLang="zh-CN" sz="1800" dirty="0" smtClean="0"/>
-              <a:t>校正</a:t>
-            </a:r>
-            <a:r>
-              <a:rPr lang="zh-CN" altLang="zh-CN" sz="1800" dirty="0"/>
-              <a:t>后的</a:t>
-            </a:r>
-            <a:r>
-              <a:rPr lang="zh-CN" altLang="zh-CN" sz="1800" dirty="0" smtClean="0"/>
+              <a:rPr lang="zh-CN" altLang="en-US" sz="1600" dirty="0" smtClean="0"/>
+              <a:t>速度和</a:t>
+            </a:r>
+            <a:r>
+              <a:rPr lang="zh-CN" altLang="zh-CN" sz="1600" dirty="0" smtClean="0"/>
               <a:t>位置信息</a:t>
             </a:r>
-            <a:endParaRPr lang="en-US" altLang="zh-CN" sz="1800" dirty="0" smtClean="0"/>
+            <a:endParaRPr lang="en-US" altLang="zh-CN" sz="1600" dirty="0" smtClean="0"/>
           </a:p>
           <a:p>
             <a:endParaRPr lang="en-US" altLang="zh-CN" sz="2000" dirty="0"/>
@@ -11488,19 +11859,27 @@
             <a:pPr lvl="1"/>
             <a:r>
               <a:rPr lang="zh-CN" altLang="en-US" sz="1800" dirty="0" smtClean="0"/>
-              <a:t>能解决视觉定位中的</a:t>
-            </a:r>
+              <a:t>能解决视觉定位中的失配（漏检、轨迹切换）问题</a:t>
+            </a:r>
+            <a:endParaRPr lang="en-US" altLang="zh-CN" sz="1800" dirty="0" smtClean="0"/>
+          </a:p>
+          <a:p>
+            <a:pPr lvl="1"/>
             <a:r>
               <a:rPr lang="zh-CN" altLang="en-US" sz="1800" dirty="0" smtClean="0"/>
-              <a:t>失配（漏检、轨迹切换）问题</a:t>
-            </a:r>
-            <a:endParaRPr lang="en-US" altLang="zh-CN" sz="1800" dirty="0" smtClean="0"/>
-          </a:p>
-          <a:p>
-            <a:pPr lvl="1"/>
+              <a:t>对运动路径的</a:t>
+            </a:r>
             <a:r>
               <a:rPr lang="zh-CN" altLang="en-US" sz="1800" dirty="0" smtClean="0"/>
-              <a:t>对运动路径的还原相对准确</a:t>
+              <a:t>还原</a:t>
+            </a:r>
+            <a:r>
+              <a:rPr lang="zh-CN" altLang="en-US" sz="1800" dirty="0"/>
+              <a:t>较为</a:t>
+            </a:r>
+            <a:r>
+              <a:rPr lang="zh-CN" altLang="en-US" sz="1800" dirty="0" smtClean="0"/>
+              <a:t>准确</a:t>
             </a:r>
             <a:endParaRPr lang="en-US" altLang="zh-CN" sz="1800" dirty="0"/>
           </a:p>
@@ -11522,10 +11901,10 @@
   </p:clrMapOvr>
   <mc:AlternateContent xmlns:mc="http://schemas.openxmlformats.org/markup-compatibility/2006">
     <mc:Choice xmlns:p14="http://schemas.microsoft.com/office/powerpoint/2010/main" Requires="p14">
-      <p:transition spd="slow" p14:dur="2000" advTm="5871"/>
+      <p:transition spd="slow" p14:dur="2000" advTm="6268"/>
     </mc:Choice>
     <mc:Fallback>
-      <p:transition spd="slow" advTm="5871"/>
+      <p:transition spd="slow" advTm="6268"/>
     </mc:Fallback>
   </mc:AlternateContent>
   <p:timing>
@@ -11557,78 +11936,156 @@
       </p:grpSpPr>
       <p:sp>
         <p:nvSpPr>
-          <p:cNvPr id="778242" name="Text Box 2"/>
-          <p:cNvSpPr txBox="1">
-            <a:spLocks noChangeArrowheads="1"/>
+          <p:cNvPr id="2" name="内容占位符 1"/>
+          <p:cNvSpPr>
+            <a:spLocks noGrp="1"/>
           </p:cNvSpPr>
-          <p:nvPr/>
+          <p:nvPr>
+            <p:ph idx="1"/>
+          </p:nvPr>
         </p:nvSpPr>
-        <p:spPr bwMode="auto">
-          <a:xfrm>
-            <a:off x="2339975" y="2362200"/>
-            <a:ext cx="4648200" cy="1311275"/>
-          </a:xfrm>
-          <a:prstGeom prst="rect">
-            <a:avLst/>
-          </a:prstGeom>
-          <a:noFill/>
-          <a:ln w="9525">
-            <a:noFill/>
-            <a:miter lim="800000"/>
-            <a:headEnd/>
-            <a:tailEnd/>
-          </a:ln>
-          <a:effectLst/>
-        </p:spPr>
+        <p:spPr/>
         <p:txBody>
-          <a:bodyPr>
-            <a:spAutoFit/>
-          </a:bodyPr>
+          <a:bodyPr/>
           <a:lstStyle/>
           <a:p>
-            <a:pPr algn="ctr" eaLnBrk="0" hangingPunct="0">
-              <a:spcBef>
-                <a:spcPct val="50000"/>
-              </a:spcBef>
-              <a:defRPr/>
-            </a:pPr>
-            <a:r>
-              <a:rPr lang="zh-CN" altLang="en-US" sz="8000" b="0" dirty="0">
-                <a:solidFill>
-                  <a:srgbClr val="FF3300"/>
-                </a:solidFill>
-                <a:effectLst>
-                  <a:outerShdw blurRad="38100" dist="38100" dir="2700000" algn="tl">
-                    <a:srgbClr val="C0C0C0"/>
-                  </a:outerShdw>
-                </a:effectLst>
-                <a:latin typeface="华文新魏" pitchFamily="2" charset="-122"/>
-                <a:ea typeface="华文新魏" pitchFamily="2" charset="-122"/>
-                <a:cs typeface="+mn-cs"/>
-              </a:rPr>
-              <a:t>谢   谢  ！</a:t>
-            </a:r>
+            <a:r>
+              <a:rPr lang="en-US" altLang="zh-CN" sz="2000" dirty="0" err="1" smtClean="0"/>
+              <a:t>Dayou</a:t>
+            </a:r>
+            <a:r>
+              <a:rPr lang="en-US" altLang="zh-CN" sz="2000" dirty="0" smtClean="0"/>
+              <a:t> </a:t>
+            </a:r>
+            <a:r>
+              <a:rPr lang="en-US" altLang="zh-CN" sz="2000" dirty="0"/>
+              <a:t>Du, </a:t>
+            </a:r>
+            <a:r>
+              <a:rPr lang="en-US" altLang="zh-CN" sz="2000" dirty="0" err="1"/>
+              <a:t>Xinfeng</a:t>
+            </a:r>
+            <a:r>
+              <a:rPr lang="en-US" altLang="zh-CN" sz="2000" dirty="0"/>
+              <a:t> </a:t>
+            </a:r>
+            <a:r>
+              <a:rPr lang="en-US" altLang="zh-CN" sz="2000" dirty="0" err="1"/>
+              <a:t>Xie</a:t>
+            </a:r>
+            <a:r>
+              <a:rPr lang="en-US" altLang="zh-CN" sz="2000" dirty="0"/>
+              <a:t>, </a:t>
+            </a:r>
+            <a:r>
+              <a:rPr lang="en-US" altLang="zh-CN" sz="2000" dirty="0" smtClean="0"/>
+              <a:t>Qian </a:t>
+            </a:r>
+            <a:r>
+              <a:rPr lang="en-US" altLang="zh-CN" sz="2000" dirty="0"/>
+              <a:t>Li, Yun Liang, </a:t>
+            </a:r>
+            <a:r>
+              <a:rPr lang="en-US" altLang="zh-CN" sz="2000" dirty="0" err="1"/>
+              <a:t>Wai</a:t>
+            </a:r>
+            <a:r>
+              <a:rPr lang="en-US" altLang="zh-CN" sz="2000" dirty="0"/>
+              <a:t> </a:t>
+            </a:r>
+            <a:r>
+              <a:rPr lang="en-US" altLang="zh-CN" sz="2000" dirty="0" err="1"/>
+              <a:t>Teng</a:t>
+            </a:r>
+            <a:r>
+              <a:rPr lang="en-US" altLang="zh-CN" sz="2000" dirty="0"/>
+              <a:t> Tang, </a:t>
+            </a:r>
+            <a:r>
+              <a:rPr lang="en-US" altLang="zh-CN" sz="2000" dirty="0" err="1"/>
+              <a:t>Zhong</a:t>
+            </a:r>
+            <a:r>
+              <a:rPr lang="en-US" altLang="zh-CN" sz="2000" dirty="0"/>
+              <a:t> Liang Ong, </a:t>
+            </a:r>
+            <a:r>
+              <a:rPr lang="en-US" altLang="zh-CN" sz="2000" dirty="0" err="1"/>
+              <a:t>Mian</a:t>
+            </a:r>
+            <a:r>
+              <a:rPr lang="en-US" altLang="zh-CN" sz="2000" dirty="0"/>
+              <a:t> Lu, Huynh </a:t>
+            </a:r>
+            <a:r>
+              <a:rPr lang="en-US" altLang="zh-CN" sz="2000" dirty="0" err="1"/>
+              <a:t>Phung</a:t>
+            </a:r>
+            <a:r>
+              <a:rPr lang="en-US" altLang="zh-CN" sz="2000" dirty="0"/>
+              <a:t> Huynh, Rick </a:t>
+            </a:r>
+            <a:r>
+              <a:rPr lang="en-US" altLang="zh-CN" sz="2000" dirty="0" err="1"/>
+              <a:t>Siow</a:t>
+            </a:r>
+            <a:r>
+              <a:rPr lang="en-US" altLang="zh-CN" sz="2000" dirty="0"/>
+              <a:t> </a:t>
+            </a:r>
+            <a:r>
+              <a:rPr lang="en-US" altLang="zh-CN" sz="2000" dirty="0" err="1"/>
+              <a:t>Mong</a:t>
+            </a:r>
+            <a:r>
+              <a:rPr lang="en-US" altLang="zh-CN" sz="2000" dirty="0"/>
+              <a:t> Goh. Exploiting Sparsity to Accelerate Fully Connected Layers of CNN-based Applications on Mobile </a:t>
+            </a:r>
+            <a:r>
+              <a:rPr lang="en-US" altLang="zh-CN" sz="2000" dirty="0" err="1"/>
+              <a:t>SoCs</a:t>
+            </a:r>
+            <a:r>
+              <a:rPr lang="en-US" altLang="zh-CN" sz="2000" dirty="0"/>
+              <a:t>. ACM Transactions on Embedded Computing Systems (TECS). (Submitted)</a:t>
+            </a:r>
+            <a:endParaRPr lang="zh-CN" altLang="en-US" sz="2000" dirty="0"/>
+          </a:p>
+        </p:txBody>
+      </p:sp>
+      <p:sp>
+        <p:nvSpPr>
+          <p:cNvPr id="3" name="标题 2"/>
+          <p:cNvSpPr>
+            <a:spLocks noGrp="1"/>
+          </p:cNvSpPr>
+          <p:nvPr>
+            <p:ph type="title"/>
+          </p:nvPr>
+        </p:nvSpPr>
+        <p:spPr/>
+        <p:txBody>
+          <a:bodyPr/>
+          <a:lstStyle/>
+          <a:p>
+            <a:r>
+              <a:rPr lang="zh-CN" altLang="en-US" dirty="0" smtClean="0"/>
+              <a:t>本科期间工作</a:t>
+            </a:r>
+            <a:endParaRPr lang="zh-CN" altLang="en-US" dirty="0"/>
           </a:p>
         </p:txBody>
       </p:sp>
     </p:spTree>
     <p:extLst>
       <p:ext uri="{BB962C8B-B14F-4D97-AF65-F5344CB8AC3E}">
-        <p14:creationId xmlns:p14="http://schemas.microsoft.com/office/powerpoint/2010/main" val="1858407983"/>
+        <p14:creationId xmlns:p14="http://schemas.microsoft.com/office/powerpoint/2010/main" val="1148768560"/>
       </p:ext>
     </p:extLst>
   </p:cSld>
   <p:clrMapOvr>
     <a:masterClrMapping/>
   </p:clrMapOvr>
-  <mc:AlternateContent xmlns:mc="http://schemas.openxmlformats.org/markup-compatibility/2006">
-    <mc:Choice xmlns:p14="http://schemas.microsoft.com/office/powerpoint/2010/main" Requires="p14">
-      <p:transition spd="slow" p14:dur="2000" advTm="160"/>
-    </mc:Choice>
-    <mc:Fallback>
-      <p:transition spd="slow" advTm="160"/>
-    </mc:Fallback>
-  </mc:AlternateContent>
   <p:timing>
     <p:tnLst>
       <p:par>
